--- a/Abschlussvortrag.pptx
+++ b/Abschlussvortrag.pptx
@@ -5,7 +5,7 @@
     <p:sldMasterId id="2147483648" r:id="rId1"/>
   </p:sldMasterIdLst>
   <p:notesMasterIdLst>
-    <p:notesMasterId r:id="rId14"/>
+    <p:notesMasterId r:id="rId15"/>
   </p:notesMasterIdLst>
   <p:sldIdLst>
     <p:sldId id="256" r:id="rId4"/>
@@ -18,6 +18,7 @@
     <p:sldId id="263" r:id="rId11"/>
     <p:sldId id="264" r:id="rId12"/>
     <p:sldId id="265" r:id="rId13"/>
+    <p:sldId id="266" r:id="rId14"/>
   </p:sldIdLst>
   <p:sldSz cx="12192000" cy="6858000"/>
   <p:notesSz cx="12192000" cy="6858000"/>
@@ -498,7 +499,7 @@
             </a:pPr>
             <a:r>
               <a:rPr/>
-              <a:t>Es war spannendes an dem Thema arbeiten zu dürfen, und ich freue mich euch die Ergebnisse vorstellen zu können.</a:t>
+              <a:t>Es war spannend an dem Thema arbeiten zu dürfen, und ich freue mich euch die Ergebnisse vorstellen zu können.</a:t>
             </a:r>
             <a:endParaRPr/>
           </a:p>
@@ -580,7 +581,7 @@
             </a:pPr>
             <a:r>
               <a:rPr/>
-              <a:t>Ich werde zusammenfassend bei dieser Präsentation mit der Darstellung der Relevanz von Nutzerdokumentation mit dem Fokus auf Webanwendungen. Danach kommt eine Einführung in Gegestand meiner Arbeit, um dann die resultierende Methodik zu erläutern, sowie die Ergebnisse mit eine Demonstration zu zeigen. </a:t>
+              <a:t>Ich werde zusammenfassend bei dieser Präsentation mit der Darstellung der Relevanz von Nutzerdokumentation mit dem Fokus auf Webanwendungen beginnen. Danach kommt eine Einführung in den Gegestand meiner Arbeit, um dann die resultierende Methodik zu erläutern, sowie die Ergebnisse mit eine Demonstration zu zeigen. </a:t>
             </a:r>
             <a:endParaRPr/>
           </a:p>
@@ -662,7 +663,22 @@
             </a:pPr>
             <a:r>
               <a:rPr/>
-              <a:t>Das Ziel einer Nutzerdokumentation ist es, dem Benutzer es das Erlernen der Bedienung der Anwendung leichter zu machen. Die Erleichterung dieses Lernprozesses kann auf verschiedene Weisen erreicht werden (z.B durch Video, Manuskipte, usw.). Die Herausforderung beginnt dann, wenn die zu dokumentierende Anwendung regelmäßig große Veränderungen (Updates) erfährt, sowie es der Fall ist bei den vielen Webanwendungen. Außerdem brauchen Webanwendung die Zustimmung der Benutzer nicht, um diese Veränderung/Updates durchzuführen. Daher ist es wichtig </a:t>
+              <a:t>Das Ziel einer Nutzerdokumentation ist es, dem Benutzer es das Erlernen der Bedienung der Anwendung leichter zu machen. Die Erleichterung dieses Lernprozesses kann auf verschiedene Weisen erreicht werden (z.B durch Video, Manuskipte, usw.). Die Herausforderung beginnt dann, wenn die zu dokumentierende Anwendung regelmäßig große Veränderungen (Updates) erfährt, sowie es der Fall ist bei den vielen Webanwendungen. Besonders Webanwendung </a:t>
+            </a:r>
+            <a:r>
+              <a:rPr lang="en-US" sz="1200" b="0" i="0" u="none" strike="noStrike" cap="none" spc="0">
+                <a:solidFill>
+                  <a:schemeClr val="tx1"/>
+                </a:solidFill>
+                <a:latin typeface="+mn-lt"/>
+                <a:ea typeface="+mn-ea"/>
+                <a:cs typeface="+mn-cs"/>
+              </a:rPr>
+              <a:t>brauchen </a:t>
+            </a:r>
+            <a:r>
+              <a:rPr/>
+              <a:t>keine Zustimmung der Benutzer, um diese Veränderung/Updates durchzuführen. Daher ist es wichtig </a:t>
             </a:r>
             <a:r>
               <a:rPr lang="en-US" sz="1200" b="0" i="0" u="none" strike="noStrike" cap="none" spc="0">
@@ -677,8 +693,49 @@
             </a:r>
             <a:r>
               <a:rPr/>
-              <a:t>dass die Dokumentation diese Änderungen  widerspiegelt.</a:t>
-            </a:r>
+              <a:t>dass die Dokumentation diese Änderungen  widerspiegelt. Es entsetht also eine Art Wettrennen zwischen dem Entwicklungsstand der Anwendung und dem aktuellen Informationszustand der Dokumentation. Solange die Anwendung weiterentwickelt wird, sollte die Dokumentation auch mithalten. </a:t>
+            </a:r>
+            <a:r>
+              <a:rPr lang="en-US" sz="1200" b="0" i="0" u="none" strike="noStrike" cap="none" spc="0">
+                <a:solidFill>
+                  <a:schemeClr val="tx1"/>
+                </a:solidFill>
+                <a:latin typeface="+mn-lt"/>
+                <a:ea typeface="+mn-ea"/>
+                <a:cs typeface="+mn-cs"/>
+              </a:rPr>
+              <a:t>Es wird also klar, dass ein Strategie/Vorgehen nötig ist, um den Informationsinhalt aktuell zu halten.</a:t>
+            </a:r>
+            <a:endParaRPr/>
+          </a:p>
+          <a:p>
+            <a:pPr>
+              <a:defRPr/>
+            </a:pPr>
+            <a:endParaRPr/>
+          </a:p>
+          <a:p>
+            <a:pPr>
+              <a:defRPr/>
+            </a:pPr>
+            <a:r>
+              <a:rPr/>
+              <a:t>Es gibt deshalb ISO-Normen, die Empfehlungen ausschreiben, wie die Dokumentation von Softwaren gestaltet werden sollten und welches Vorgehen Informationsmanager adoptieren sollten, um eine zweckvolle Dokumentation erstellen zu können </a:t>
+            </a:r>
+            <a:r>
+              <a:rPr/>
+              <a:t>(wie z.B. ISO-26514 oder 26511)</a:t>
+            </a:r>
+            <a:r>
+              <a:rPr/>
+              <a:t>. Prinzipiell muss eine Dokumentation dem Endbenutzer drei wichtige W-Fragen beantworten: warum wurde die Anwendung entwickelt, was kann der Benutzer damit machen (also welche Funktionalitäten bietet die Anwendung an), wie kann der Benutzer das Ziel erreichen.</a:t>
+            </a:r>
+            <a:endParaRPr/>
+          </a:p>
+          <a:p>
+            <a:pPr>
+              <a:defRPr/>
+            </a:pPr>
             <a:endParaRPr/>
           </a:p>
         </p:txBody>
@@ -686,6 +743,179 @@
       <p:sp>
         <p:nvSpPr>
           <p:cNvPr id="4" name="Slide Number Placeholder 3" hidden="0"/>
+          <p:cNvSpPr>
+            <a:spLocks noGrp="1"/>
+          </p:cNvSpPr>
+          <p:nvPr isPhoto="0" userDrawn="0">
+            <p:ph type="sldNum" sz="quarter" idx="10" hasCustomPrompt="0"/>
+          </p:nvPr>
+        </p:nvSpPr>
+        <p:spPr bwMode="auto"/>
+        <p:txBody>
+          <a:bodyPr/>
+          <a:lstStyle/>
+          <a:p>
+            <a:pPr>
+              <a:defRPr/>
+            </a:pPr>
+            <a:endParaRPr/>
+          </a:p>
+        </p:txBody>
+      </p:sp>
+    </p:spTree>
+  </p:cSld>
+</p:notes>
+</file>
+
+<file path=ppt/notesSlides/notesSlide4.xml><?xml version="1.0" encoding="utf-8"?>
+<p:notes xmlns:a="http://schemas.openxmlformats.org/drawingml/2006/main" xmlns:r="http://schemas.openxmlformats.org/officeDocument/2006/relationships" xmlns:p="http://schemas.openxmlformats.org/presentationml/2006/main" xmlns:m="http://schemas.openxmlformats.org/officeDocument/2006/math" xmlns:w="http://schemas.openxmlformats.org/wordprocessingml/2006/main">
+  <p:cSld name="">
+    <p:spTree>
+      <p:nvGrpSpPr>
+        <p:cNvPr id="1" name="" hidden="0"/>
+        <p:cNvGrpSpPr/>
+        <p:nvPr isPhoto="0" userDrawn="0"/>
+      </p:nvGrpSpPr>
+      <p:grpSpPr bwMode="auto">
+        <a:xfrm>
+          <a:off x="0" y="0"/>
+          <a:ext cx="0" cy="0"/>
+          <a:chOff x="0" y="0"/>
+          <a:chExt cx="0" cy="0"/>
+        </a:xfrm>
+      </p:grpSpPr>
+      <p:sp>
+        <p:nvSpPr>
+          <p:cNvPr id="2096167238" name="Slide Image Placeholder 1" hidden="0"/>
+          <p:cNvSpPr>
+            <a:spLocks noChangeAspect="1" noGrp="1" noRot="1"/>
+          </p:cNvSpPr>
+          <p:nvPr isPhoto="0" userDrawn="0">
+            <p:ph type="sldImg" hasCustomPrompt="0"/>
+          </p:nvPr>
+        </p:nvSpPr>
+        <p:spPr bwMode="auto"/>
+      </p:sp>
+      <p:sp>
+        <p:nvSpPr>
+          <p:cNvPr id="1131939084" name="Notes Placeholder 2" hidden="0"/>
+          <p:cNvSpPr>
+            <a:spLocks noGrp="1"/>
+          </p:cNvSpPr>
+          <p:nvPr isPhoto="0" userDrawn="0">
+            <p:ph type="body" idx="1" hasCustomPrompt="0"/>
+          </p:nvPr>
+        </p:nvSpPr>
+        <p:spPr bwMode="auto"/>
+        <p:txBody>
+          <a:bodyPr/>
+          <a:lstStyle/>
+          <a:p>
+            <a:pPr>
+              <a:defRPr/>
+            </a:pPr>
+            <a:r>
+              <a:rPr/>
+              <a:t>Softwaredokumentation spielt eine wichtige Rolle des Entwicklungsprozesses, indem es dem Benuzter hilft sich schnell mit der Anwendung vertraut zu machen. Dadurch wird die</a:t>
+            </a:r>
+            <a:r>
+              <a:rPr lang="en-US" sz="1200" b="0" i="0" u="none" strike="noStrike" cap="none" spc="0">
+                <a:solidFill>
+                  <a:schemeClr val="tx1"/>
+                </a:solidFill>
+                <a:latin typeface="+mn-lt"/>
+                <a:ea typeface="+mn-ea"/>
+                <a:cs typeface="+mn-cs"/>
+              </a:rPr>
+              <a:t> Nutzbarkeit der Softwareanwendung wird gesteigert, was wiederherum der entwicklenden Firma einen guten Ruf verleiht.</a:t>
+            </a:r>
+            <a:endParaRPr lang="en-US" sz="1200" b="0" i="0" u="none" strike="noStrike" cap="none" spc="0">
+              <a:solidFill>
+                <a:schemeClr val="tx1"/>
+              </a:solidFill>
+              <a:latin typeface="Palatino Linotype"/>
+              <a:ea typeface="Arial"/>
+              <a:cs typeface="Arial"/>
+            </a:endParaRPr>
+          </a:p>
+          <a:p>
+            <a:pPr>
+              <a:defRPr/>
+            </a:pPr>
+            <a:endParaRPr/>
+          </a:p>
+          <a:p>
+            <a:pPr>
+              <a:defRPr/>
+            </a:pPr>
+            <a:r>
+              <a:rPr lang="en-US" sz="1200" b="0" i="0" u="none" strike="noStrike" cap="none" spc="0">
+                <a:solidFill>
+                  <a:schemeClr val="tx1"/>
+                </a:solidFill>
+                <a:latin typeface="Palatino Linotype"/>
+                <a:ea typeface="Arial"/>
+                <a:cs typeface="Arial"/>
+              </a:rPr>
+              <a:t>Es ist also insofern relevant, den Entwurf einer nützlichen Dokumentation in den Entwicklungsprozess der Anwendung zu integrieren, da es dem Entwickler ermöglicht,</a:t>
+            </a:r>
+            <a:r>
+              <a:rPr lang="en-US" sz="1200" b="0" i="0" u="none" strike="noStrike" cap="none" spc="0">
+                <a:solidFill>
+                  <a:schemeClr val="tx1"/>
+                </a:solidFill>
+                <a:latin typeface="+mn-lt"/>
+                <a:ea typeface="+mn-ea"/>
+                <a:cs typeface="+mn-cs"/>
+              </a:rPr>
+              <a:t> dem Endbenutzer das Wissen zu vermittlen, um mit der Anwendung angemessen zu interagieren</a:t>
+            </a:r>
+            <a:r>
+              <a:rPr lang="en-US" sz="1200" b="0" i="0" u="none" strike="noStrike" cap="none" spc="0">
+                <a:solidFill>
+                  <a:schemeClr val="tx1"/>
+                </a:solidFill>
+                <a:latin typeface="Palatino Linotype"/>
+                <a:ea typeface="Arial"/>
+                <a:cs typeface="Arial"/>
+              </a:rPr>
+              <a:t> </a:t>
+            </a:r>
+            <a:endParaRPr/>
+          </a:p>
+          <a:p>
+            <a:pPr>
+              <a:defRPr/>
+            </a:pPr>
+            <a:endParaRPr/>
+          </a:p>
+          <a:p>
+            <a:pPr>
+              <a:defRPr/>
+            </a:pPr>
+            <a:r>
+              <a:rPr/>
+              <a:t>Für eine Webanwendung heißt das, dass wir das User Interface beschreiben und dem Benutzer beigringen, sich dadurch zu navigieren</a:t>
+            </a:r>
+            <a:endParaRPr/>
+          </a:p>
+          <a:p>
+            <a:pPr>
+              <a:defRPr/>
+            </a:pPr>
+            <a:endParaRPr/>
+          </a:p>
+          <a:p>
+            <a:pPr>
+              <a:defRPr/>
+            </a:pPr>
+            <a:endParaRPr/>
+          </a:p>
+        </p:txBody>
+      </p:sp>
+      <p:sp>
+        <p:nvSpPr>
+          <p:cNvPr id="29309774" name="Slide Number Placeholder 3" hidden="0"/>
           <p:cNvSpPr>
             <a:spLocks noGrp="1"/>
           </p:cNvSpPr>
@@ -6979,6 +7209,90 @@
 </file>
 
 <file path=ppt/slides/slide10.xml><?xml version="1.0" encoding="utf-8"?>
+<p:sld xmlns:a="http://schemas.openxmlformats.org/drawingml/2006/main" xmlns:r="http://schemas.openxmlformats.org/officeDocument/2006/relationships" xmlns:p="http://schemas.openxmlformats.org/presentationml/2006/main" xmlns:m="http://schemas.openxmlformats.org/officeDocument/2006/math" xmlns:w="http://schemas.openxmlformats.org/wordprocessingml/2006/main" showMasterPhAnim="0" show="1">
+  <p:cSld name="">
+    <p:spTree>
+      <p:nvGrpSpPr>
+        <p:cNvPr id="1" name="" hidden="0"/>
+        <p:cNvGrpSpPr/>
+        <p:nvPr isPhoto="0" userDrawn="0"/>
+      </p:nvGrpSpPr>
+      <p:grpSpPr bwMode="auto">
+        <a:xfrm>
+          <a:off x="0" y="0"/>
+          <a:ext cx="0" cy="0"/>
+          <a:chOff x="0" y="0"/>
+          <a:chExt cx="0" cy="0"/>
+        </a:xfrm>
+      </p:grpSpPr>
+      <p:sp>
+        <p:nvSpPr>
+          <p:cNvPr id="491240005" name="Título 1" hidden="0"/>
+          <p:cNvSpPr>
+            <a:spLocks noGrp="1"/>
+          </p:cNvSpPr>
+          <p:nvPr isPhoto="0" userDrawn="0">
+            <p:ph type="title" hasCustomPrompt="0"/>
+          </p:nvPr>
+        </p:nvSpPr>
+        <p:spPr bwMode="auto"/>
+        <p:txBody>
+          <a:bodyPr/>
+          <a:lstStyle/>
+          <a:p>
+            <a:pPr>
+              <a:defRPr/>
+            </a:pPr>
+            <a:r>
+              <a:rPr lang="de-DE"/>
+              <a:t>Referenzen</a:t>
+            </a:r>
+            <a:br>
+              <a:rPr lang="de-DE"/>
+            </a:br>
+            <a:endParaRPr sz="1800"/>
+          </a:p>
+        </p:txBody>
+      </p:sp>
+      <p:sp>
+        <p:nvSpPr>
+          <p:cNvPr id="835041238" name="Marcador de contenido 2" hidden="0"/>
+          <p:cNvSpPr>
+            <a:spLocks noGrp="1"/>
+          </p:cNvSpPr>
+          <p:nvPr isPhoto="0" userDrawn="0">
+            <p:ph idx="1" hasCustomPrompt="0"/>
+          </p:nvPr>
+        </p:nvSpPr>
+        <p:spPr bwMode="auto"/>
+        <p:txBody>
+          <a:bodyPr/>
+          <a:lstStyle/>
+          <a:p>
+            <a:pPr>
+              <a:defRPr/>
+            </a:pPr>
+            <a:endParaRPr/>
+          </a:p>
+        </p:txBody>
+      </p:sp>
+    </p:spTree>
+  </p:cSld>
+  <p:clrMapOvr>
+    <a:masterClrMapping/>
+  </p:clrMapOvr>
+  <mc:AlternateContent xmlns:mc="http://schemas.openxmlformats.org/markup-compatibility/2006">
+    <mc:Choice xmlns:p14="http://schemas.microsoft.com/office/powerpoint/2010/main" Requires="p14">
+      <p:transition p14:dur="2000" advClick="1"/>
+    </mc:Choice>
+    <mc:Fallback>
+      <p:transition advClick="1"/>
+    </mc:Fallback>
+  </mc:AlternateContent>
+</p:sld>
+</file>
+
+<file path=ppt/slides/slide11.xml><?xml version="1.0" encoding="utf-8"?>
 <p:sld xmlns:a="http://schemas.openxmlformats.org/drawingml/2006/main" xmlns:r="http://schemas.openxmlformats.org/officeDocument/2006/relationships" xmlns:p="http://schemas.openxmlformats.org/presentationml/2006/main" xmlns:m="http://schemas.openxmlformats.org/officeDocument/2006/math" xmlns:w="http://schemas.openxmlformats.org/wordprocessingml/2006/main" showMasterPhAnim="0" show="1">
   <p:cSld name="">
     <p:spTree>
@@ -7956,7 +8270,11 @@
             </a:br>
             <a:r>
               <a:rPr lang="de-DE" sz="1600" i="1"/>
-              <a:t>Ziel, Relevanz und Nutzen</a:t>
+              <a:t>Ziel und </a:t>
+            </a:r>
+            <a:r>
+              <a:rPr lang="de-DE" sz="1600" i="1"/>
+              <a:t>Relevanz</a:t>
             </a:r>
             <a:endParaRPr/>
           </a:p>
@@ -7972,7 +8290,12 @@
             <p:ph idx="1" hasCustomPrompt="0"/>
           </p:nvPr>
         </p:nvSpPr>
-        <p:spPr bwMode="auto"/>
+        <p:spPr bwMode="auto">
+          <a:xfrm flipH="0" flipV="0">
+            <a:off x="1534695" y="2015731"/>
+            <a:ext cx="9151163" cy="3450612"/>
+          </a:xfrm>
+        </p:spPr>
         <p:txBody>
           <a:bodyPr>
             <a:normAutofit/>
@@ -7982,10 +8305,62 @@
             <a:pPr algn="l">
               <a:defRPr/>
             </a:pPr>
-            <a:endParaRPr/>
-          </a:p>
-        </p:txBody>
-      </p:sp>
+            <a:r>
+              <a:rPr/>
+              <a:t>Erleichtern das Erlernen der Bedienung der Anwendung mit Beschreibnungen und Anleitungen</a:t>
+            </a:r>
+            <a:endParaRPr/>
+          </a:p>
+          <a:p>
+            <a:pPr algn="l">
+              <a:defRPr/>
+            </a:pPr>
+            <a:r>
+              <a:rPr/>
+              <a:t>Herausforderung durch regelmäßiges Updaten der Anwendung; was nicht vom Benutzer kontrolliert wird</a:t>
+            </a:r>
+            <a:endParaRPr/>
+          </a:p>
+          <a:p>
+            <a:pPr algn="l">
+              <a:defRPr/>
+            </a:pPr>
+            <a:r>
+              <a:rPr/>
+              <a:t>Normiertes Vorgehen zur Dokumentation durch ISO/IEEE (z.B. ISO-26514 oder -26511)</a:t>
+            </a:r>
+            <a:endParaRPr/>
+          </a:p>
+          <a:p>
+            <a:pPr algn="l">
+              <a:defRPr/>
+            </a:pPr>
+            <a:endParaRPr/>
+          </a:p>
+        </p:txBody>
+      </p:sp>
+      <p:pic>
+        <p:nvPicPr>
+          <p:cNvPr id="2070237391" name="" hidden="0"/>
+          <p:cNvPicPr>
+            <a:picLocks noChangeAspect="1"/>
+          </p:cNvPicPr>
+          <p:nvPr isPhoto="0" userDrawn="0"/>
+        </p:nvPicPr>
+        <p:blipFill>
+          <a:blip r:embed="rId3"/>
+          <a:stretch/>
+        </p:blipFill>
+        <p:spPr bwMode="auto">
+          <a:xfrm rot="683733" flipH="0" flipV="0">
+            <a:off x="10450314" y="3542109"/>
+            <a:ext cx="1104899" cy="1104899"/>
+          </a:xfrm>
+          <a:prstGeom prst="rect">
+            <a:avLst/>
+          </a:prstGeom>
+        </p:spPr>
+      </p:pic>
     </p:spTree>
   </p:cSld>
   <p:clrMapOvr>
@@ -8021,7 +8396,7 @@
       </p:grpSpPr>
       <p:sp>
         <p:nvSpPr>
-          <p:cNvPr id="2" name="Título 1" hidden="0"/>
+          <p:cNvPr id="1203341908" name="Título 1" hidden="0"/>
           <p:cNvSpPr>
             <a:spLocks noGrp="1"/>
           </p:cNvSpPr>
@@ -8039,22 +8414,22 @@
             </a:pPr>
             <a:r>
               <a:rPr lang="de-DE"/>
-              <a:t>Gegenstand der Arbeit</a:t>
+              <a:t>Dokumentation von Webanwendungen</a:t>
             </a:r>
             <a:br>
               <a:rPr lang="de-DE"/>
             </a:br>
             <a:r>
               <a:rPr lang="de-DE" sz="1600" i="1"/>
-              <a:t>Eine DSL zur automatischen Generation der Nutzerdokumentation </a:t>
-            </a:r>
-            <a:endParaRPr/>
-          </a:p>
-        </p:txBody>
-      </p:sp>
-      <p:sp>
-        <p:nvSpPr>
-          <p:cNvPr id="3" name="Marcador de contenido 2" hidden="0"/>
+              <a:t>Ziel und Relevanz</a:t>
+            </a:r>
+            <a:endParaRPr/>
+          </a:p>
+        </p:txBody>
+      </p:sp>
+      <p:sp>
+        <p:nvSpPr>
+          <p:cNvPr id="166929968" name="Marcador de contenido 2" hidden="0"/>
           <p:cNvSpPr>
             <a:spLocks noGrp="1"/>
           </p:cNvSpPr>
@@ -8064,10 +8439,60 @@
         </p:nvSpPr>
         <p:spPr bwMode="auto"/>
         <p:txBody>
-          <a:bodyPr/>
+          <a:bodyPr vertOverflow="overflow" horzOverflow="clip" vert="horz" wrap="square" lIns="91440" tIns="45720" rIns="91440" bIns="45720" numCol="1" spcCol="0" rtlCol="0" fromWordArt="0" anchor="t" anchorCtr="0" forceAA="0" upright="0" compatLnSpc="0">
+            <a:normAutofit fontScale="95000" lnSpcReduction="1000"/>
+          </a:bodyPr>
           <a:lstStyle/>
           <a:p>
-            <a:pPr>
+            <a:pPr algn="l">
+              <a:defRPr/>
+            </a:pPr>
+            <a:r>
+              <a:rPr/>
+              <a:t>Gut strukturierte Dokumentation profitiert nicht nur dem User, sondern die entwickelnde Firma</a:t>
+            </a:r>
+            <a:endParaRPr/>
+          </a:p>
+          <a:p>
+            <a:pPr algn="l">
+              <a:defRPr/>
+            </a:pPr>
+            <a:r>
+              <a:rPr/>
+              <a:t>Erster Ansatzpunkt für den Entwickler dem Endbenutzer das Wissen zu vermittlen, um mit der Anwendung angemessen zu interagieren</a:t>
+            </a:r>
+            <a:endParaRPr/>
+          </a:p>
+          <a:p>
+            <a:pPr algn="l">
+              <a:defRPr/>
+            </a:pPr>
+            <a:r>
+              <a:rPr/>
+              <a:t>In unserem Fall </a:t>
+            </a:r>
+            <a:r>
+              <a:rPr>
+                <a:latin typeface="Akaash"/>
+                <a:ea typeface="Akaash"/>
+                <a:cs typeface="Akaash"/>
+              </a:rPr>
+              <a:t>‣</a:t>
+            </a:r>
+            <a:r>
+              <a:rPr/>
+              <a:t> Beschreibung und Navigationsanweisungen der User Interface (UI) mit unterstützenden Bildern</a:t>
+            </a:r>
+            <a:endParaRPr/>
+          </a:p>
+          <a:p>
+            <a:pPr algn="l">
+              <a:defRPr/>
+            </a:pPr>
+            <a:endParaRPr/>
+          </a:p>
+          <a:p>
+            <a:pPr algn="l">
               <a:defRPr/>
             </a:pPr>
             <a:endParaRPr/>
@@ -8109,7 +8534,7 @@
       </p:grpSpPr>
       <p:sp>
         <p:nvSpPr>
-          <p:cNvPr id="1917197885" name="Título 1" hidden="0"/>
+          <p:cNvPr id="2" name="Título 1" hidden="0"/>
           <p:cNvSpPr>
             <a:spLocks noGrp="1"/>
           </p:cNvSpPr>
@@ -8127,34 +8552,22 @@
             </a:pPr>
             <a:r>
               <a:rPr lang="de-DE"/>
-              <a:t>Methodologie</a:t>
+              <a:t>Gegenstand der Arbeit</a:t>
             </a:r>
             <a:br>
               <a:rPr lang="de-DE"/>
             </a:br>
             <a:r>
               <a:rPr lang="de-DE" sz="1600" i="1"/>
-              <a:t>graphische DSL aus </a:t>
-            </a:r>
-            <a:r>
-              <a:rPr lang="de-DE" sz="1600" i="1">
-                <a:latin typeface="URW Bookman"/>
-                <a:ea typeface="URW Bookman"/>
-                <a:cs typeface="URW Bookman"/>
-              </a:rPr>
-              <a:t>Cinco</a:t>
-            </a:r>
-            <a:r>
-              <a:rPr lang="de-DE" sz="1600" i="1"/>
-              <a:t> Metasprachen</a:t>
-            </a:r>
-            <a:endParaRPr/>
-          </a:p>
-        </p:txBody>
-      </p:sp>
-      <p:sp>
-        <p:nvSpPr>
-          <p:cNvPr id="1098515983" name="Marcador de contenido 2" hidden="0"/>
+              <a:t>Eine DSL zur automatischen Generation der Nutzerdokumentation </a:t>
+            </a:r>
+            <a:endParaRPr/>
+          </a:p>
+        </p:txBody>
+      </p:sp>
+      <p:sp>
+        <p:nvSpPr>
+          <p:cNvPr id="3" name="Marcador de contenido 2" hidden="0"/>
           <p:cNvSpPr>
             <a:spLocks noGrp="1"/>
           </p:cNvSpPr>
@@ -8209,7 +8622,7 @@
       </p:grpSpPr>
       <p:sp>
         <p:nvSpPr>
-          <p:cNvPr id="737948483" name="Título 1" hidden="0"/>
+          <p:cNvPr id="1917197885" name="Título 1" hidden="0"/>
           <p:cNvSpPr>
             <a:spLocks noGrp="1"/>
           </p:cNvSpPr>
@@ -8227,22 +8640,34 @@
             </a:pPr>
             <a:r>
               <a:rPr lang="de-DE"/>
-              <a:t>Ergebnisse</a:t>
+              <a:t>Methodologie</a:t>
             </a:r>
             <a:br>
               <a:rPr lang="de-DE"/>
             </a:br>
             <a:r>
               <a:rPr lang="de-DE" sz="1600" i="1"/>
-              <a:t>WebDoc - Web Application Documentor</a:t>
-            </a:r>
-            <a:endParaRPr/>
-          </a:p>
-        </p:txBody>
-      </p:sp>
-      <p:sp>
-        <p:nvSpPr>
-          <p:cNvPr id="1419255848" name="Marcador de contenido 2" hidden="0"/>
+              <a:t>graphische DSL aus </a:t>
+            </a:r>
+            <a:r>
+              <a:rPr lang="de-DE" sz="1600" i="1">
+                <a:latin typeface="URW Bookman"/>
+                <a:ea typeface="URW Bookman"/>
+                <a:cs typeface="URW Bookman"/>
+              </a:rPr>
+              <a:t>Cinco</a:t>
+            </a:r>
+            <a:r>
+              <a:rPr lang="de-DE" sz="1600" i="1"/>
+              <a:t> Metasprachen</a:t>
+            </a:r>
+            <a:endParaRPr/>
+          </a:p>
+        </p:txBody>
+      </p:sp>
+      <p:sp>
+        <p:nvSpPr>
+          <p:cNvPr id="1098515983" name="Marcador de contenido 2" hidden="0"/>
           <p:cNvSpPr>
             <a:spLocks noGrp="1"/>
           </p:cNvSpPr>
@@ -8297,7 +8722,7 @@
       </p:grpSpPr>
       <p:sp>
         <p:nvSpPr>
-          <p:cNvPr id="1417253658" name="Título 1" hidden="0"/>
+          <p:cNvPr id="737948483" name="Título 1" hidden="0"/>
           <p:cNvSpPr>
             <a:spLocks noGrp="1"/>
           </p:cNvSpPr>
@@ -8315,20 +8740,13 @@
             </a:pPr>
             <a:r>
               <a:rPr lang="de-DE"/>
-              <a:t>Demo</a:t>
+              <a:t>Ergebnisse</a:t>
             </a:r>
             <a:br>
               <a:rPr lang="de-DE"/>
             </a:br>
             <a:r>
-              <a:rPr lang="de-DE" sz="1600" b="0" i="1" u="none" strike="noStrike" cap="none" spc="0">
-                <a:solidFill>
-                  <a:schemeClr val="tx1"/>
-                </a:solidFill>
-                <a:latin typeface="+mj-lt"/>
-                <a:ea typeface="+mj-ea"/>
-                <a:cs typeface="+mj-cs"/>
-              </a:rPr>
+              <a:rPr lang="de-DE" sz="1600" i="1"/>
               <a:t>WebDoc - Web Application Documentor</a:t>
             </a:r>
             <a:endParaRPr/>
@@ -8337,7 +8755,7 @@
       </p:sp>
       <p:sp>
         <p:nvSpPr>
-          <p:cNvPr id="514216593" name="Marcador de contenido 2" hidden="0"/>
+          <p:cNvPr id="1419255848" name="Marcador de contenido 2" hidden="0"/>
           <p:cNvSpPr>
             <a:spLocks noGrp="1"/>
           </p:cNvSpPr>
@@ -8392,7 +8810,7 @@
       </p:grpSpPr>
       <p:sp>
         <p:nvSpPr>
-          <p:cNvPr id="157058720" name="Título 1" hidden="0"/>
+          <p:cNvPr id="1417253658" name="Título 1" hidden="0"/>
           <p:cNvSpPr>
             <a:spLocks noGrp="1"/>
           </p:cNvSpPr>
@@ -8410,18 +8828,29 @@
             </a:pPr>
             <a:r>
               <a:rPr lang="de-DE"/>
-              <a:t>Fazit</a:t>
+              <a:t>Demo</a:t>
             </a:r>
             <a:br>
               <a:rPr lang="de-DE"/>
             </a:br>
-            <a:endParaRPr sz="1600"/>
-          </a:p>
-        </p:txBody>
-      </p:sp>
-      <p:sp>
-        <p:nvSpPr>
-          <p:cNvPr id="1934508904" name="Marcador de contenido 2" hidden="0"/>
+            <a:r>
+              <a:rPr lang="de-DE" sz="1600" b="0" i="1" u="none" strike="noStrike" cap="none" spc="0">
+                <a:solidFill>
+                  <a:schemeClr val="tx1"/>
+                </a:solidFill>
+                <a:latin typeface="+mj-lt"/>
+                <a:ea typeface="+mj-ea"/>
+                <a:cs typeface="+mj-cs"/>
+              </a:rPr>
+              <a:t>WebDoc - Web Application Documentor</a:t>
+            </a:r>
+            <a:endParaRPr/>
+          </a:p>
+        </p:txBody>
+      </p:sp>
+      <p:sp>
+        <p:nvSpPr>
+          <p:cNvPr id="514216593" name="Marcador de contenido 2" hidden="0"/>
           <p:cNvSpPr>
             <a:spLocks noGrp="1"/>
           </p:cNvSpPr>
@@ -8476,7 +8905,7 @@
       </p:grpSpPr>
       <p:sp>
         <p:nvSpPr>
-          <p:cNvPr id="491240005" name="Título 1" hidden="0"/>
+          <p:cNvPr id="157058720" name="Título 1" hidden="0"/>
           <p:cNvSpPr>
             <a:spLocks noGrp="1"/>
           </p:cNvSpPr>
@@ -8494,18 +8923,18 @@
             </a:pPr>
             <a:r>
               <a:rPr lang="de-DE"/>
-              <a:t>Referenzen</a:t>
+              <a:t>Fazit</a:t>
             </a:r>
             <a:br>
               <a:rPr lang="de-DE"/>
             </a:br>
-            <a:endParaRPr sz="1800"/>
-          </a:p>
-        </p:txBody>
-      </p:sp>
-      <p:sp>
-        <p:nvSpPr>
-          <p:cNvPr id="835041238" name="Marcador de contenido 2" hidden="0"/>
+            <a:endParaRPr sz="1600"/>
+          </a:p>
+        </p:txBody>
+      </p:sp>
+      <p:sp>
+        <p:nvSpPr>
+          <p:cNvPr id="1934508904" name="Marcador de contenido 2" hidden="0"/>
           <p:cNvSpPr>
             <a:spLocks noGrp="1"/>
           </p:cNvSpPr>

--- a/Abschlussvortrag.pptx
+++ b/Abschlussvortrag.pptx
@@ -663,7 +663,23 @@
             </a:pPr>
             <a:r>
               <a:rPr/>
-              <a:t>Das Ziel einer Nutzerdokumentation ist es, dem Benutzer es das Erlernen der Bedienung der Anwendung leichter zu machen. Die Erleichterung dieses Lernprozesses kann auf verschiedene Weisen erreicht werden (z.B durch Video, Manuskipte, usw.). Die Herausforderung beginnt dann, wenn die zu dokumentierende Anwendung regelmäßig große Veränderungen (Updates) erfährt, sowie es der Fall ist bei den vielen Webanwendungen. Besonders Webanwendung </a:t>
+              <a:t>Das Ziel einer Nutzerdokumentation ist es, dem Benutzer es das Erlernen der Bedienung der Anwendung leichter zu machen. Die Erleichterung dieses Lernprozesses kann auf verschiedene Weisen erreicht werden (z.B durch Video, Manuskipte, usw.). </a:t>
+            </a:r>
+            <a:endParaRPr/>
+          </a:p>
+          <a:p>
+            <a:pPr>
+              <a:defRPr/>
+            </a:pPr>
+            <a:endParaRPr/>
+          </a:p>
+          <a:p>
+            <a:pPr>
+              <a:defRPr/>
+            </a:pPr>
+            <a:r>
+              <a:rPr/>
+              <a:t>Die Herausforderung beginnt dann, wenn die zu dokumentierende Anwendung regelmäßig große Veränderungen (Updates) erfährt, sowie es der Fall ist bei den vielen Webanwendungen. Besonders Webanwendung </a:t>
             </a:r>
             <a:r>
               <a:rPr lang="en-US" sz="1200" b="0" i="0" u="none" strike="noStrike" cap="none" spc="0">
@@ -706,30 +722,79 @@
               </a:rPr>
               <a:t>Es wird also klar, dass ein Strategie/Vorgehen nötig ist, um den Informationsinhalt aktuell zu halten.</a:t>
             </a:r>
-            <a:endParaRPr/>
-          </a:p>
-          <a:p>
-            <a:pPr>
-              <a:defRPr/>
-            </a:pPr>
-            <a:endParaRPr/>
-          </a:p>
-          <a:p>
-            <a:pPr>
-              <a:defRPr/>
-            </a:pPr>
-            <a:r>
-              <a:rPr/>
-              <a:t>Es gibt deshalb ISO-Normen, die Empfehlungen ausschreiben, wie die Dokumentation von Softwaren gestaltet werden sollten und welches Vorgehen Informationsmanager adoptieren sollten, um eine zweckvolle Dokumentation erstellen zu können </a:t>
-            </a:r>
-            <a:r>
-              <a:rPr/>
-              <a:t>(wie z.B. ISO-26514 oder 26511)</a:t>
-            </a:r>
-            <a:r>
-              <a:rPr/>
-              <a:t>. Prinzipiell muss eine Dokumentation dem Endbenutzer drei wichtige W-Fragen beantworten: warum wurde die Anwendung entwickelt, was kann der Benutzer damit machen (also welche Funktionalitäten bietet die Anwendung an), wie kann der Benutzer das Ziel erreichen.</a:t>
-            </a:r>
+            <a:endParaRPr lang="en-US" sz="1200" b="0" i="0" u="none" strike="noStrike" cap="none" spc="0">
+              <a:solidFill>
+                <a:schemeClr val="tx1"/>
+              </a:solidFill>
+              <a:latin typeface="Palatino Linotype"/>
+              <a:ea typeface="Arial"/>
+              <a:cs typeface="Arial"/>
+            </a:endParaRPr>
+          </a:p>
+          <a:p>
+            <a:pPr>
+              <a:defRPr/>
+            </a:pPr>
+            <a:endParaRPr lang="en-US" sz="1200" b="0" i="0" u="none" strike="noStrike" cap="none" spc="0">
+              <a:solidFill>
+                <a:schemeClr val="tx1"/>
+              </a:solidFill>
+              <a:latin typeface="Palatino Linotype"/>
+              <a:ea typeface="Arial"/>
+              <a:cs typeface="Arial"/>
+            </a:endParaRPr>
+          </a:p>
+          <a:p>
+            <a:pPr>
+              <a:defRPr/>
+            </a:pPr>
+            <a:r>
+              <a:rPr lang="en-US" sz="1200" b="0" i="0" u="none" strike="noStrike" cap="none" spc="0">
+                <a:solidFill>
+                  <a:schemeClr val="tx1"/>
+                </a:solidFill>
+                <a:latin typeface="+mn-lt"/>
+                <a:ea typeface="+mn-ea"/>
+                <a:cs typeface="+mn-cs"/>
+              </a:rPr>
+              <a:t>Softwaredokumentation spielt eine wichtige Rolle des Entwicklungsprozesses, indem es dem Benuzter hilft sich schnell mit der Anwendung vertraut zu machen. Dadurch wird die</a:t>
+            </a:r>
+            <a:r>
+              <a:rPr lang="en-US" sz="1200" b="0" i="0" u="none" strike="noStrike" cap="none" spc="0">
+                <a:solidFill>
+                  <a:schemeClr val="tx1"/>
+                </a:solidFill>
+                <a:latin typeface="Palatino Linotype"/>
+                <a:ea typeface="Arial"/>
+                <a:cs typeface="Arial"/>
+              </a:rPr>
+              <a:t> Nutzbarkeit der Softwareanwendung wird gesteigert, was wiederherum der entwicklenden Firma einen guten Ruf verleiht.</a:t>
+            </a:r>
+            <a:endParaRPr sz="1200" b="0" i="0" u="none" strike="noStrike" cap="none" spc="0">
+              <a:solidFill>
+                <a:schemeClr val="tx1"/>
+              </a:solidFill>
+              <a:latin typeface="Palatino Linotype"/>
+              <a:ea typeface="Arial"/>
+              <a:cs typeface="Arial"/>
+            </a:endParaRPr>
+          </a:p>
+          <a:p>
+            <a:pPr>
+              <a:defRPr/>
+            </a:pPr>
+            <a:endParaRPr sz="1200"/>
+          </a:p>
+          <a:p>
+            <a:pPr>
+              <a:defRPr/>
+            </a:pPr>
+            <a:endParaRPr/>
+          </a:p>
+          <a:p>
+            <a:pPr>
+              <a:defRPr/>
+            </a:pPr>
             <a:endParaRPr/>
           </a:p>
           <a:p>
@@ -815,21 +880,55 @@
               <a:defRPr/>
             </a:pPr>
             <a:r>
+              <a:rPr lang="en-US" sz="1200" b="0" i="0" u="none" strike="noStrike" cap="none" spc="0">
+                <a:solidFill>
+                  <a:schemeClr val="tx1"/>
+                </a:solidFill>
+                <a:latin typeface="Palatino Linotype"/>
+                <a:ea typeface="Arial"/>
+                <a:cs typeface="Arial"/>
+              </a:rPr>
+              <a:t>Es ist also insofern relevant, den Entwurf einer nützlichen Dokumentation in den Entwicklungsprozess der Anwendung zu integrieren, da es dem Entwickler ermöglicht,</a:t>
+            </a:r>
+            <a:r>
+              <a:rPr lang="en-US" sz="1200" b="0" i="0" u="none" strike="noStrike" cap="none" spc="0">
+                <a:solidFill>
+                  <a:schemeClr val="tx1"/>
+                </a:solidFill>
+                <a:latin typeface="+mn-lt"/>
+                <a:ea typeface="+mn-ea"/>
+                <a:cs typeface="+mn-cs"/>
+              </a:rPr>
+              <a:t> dem Endbenutzer das Wissen zu vermittlen, um mit der Anwendung angemessen zu interagieren</a:t>
+            </a:r>
+            <a:r>
+              <a:rPr lang="en-US" sz="1200" b="0" i="0" u="none" strike="noStrike" cap="none" spc="0">
+                <a:solidFill>
+                  <a:schemeClr val="tx1"/>
+                </a:solidFill>
+                <a:latin typeface="Palatino Linotype"/>
+                <a:ea typeface="Arial"/>
+                <a:cs typeface="Arial"/>
+              </a:rPr>
+              <a:t> </a:t>
+            </a:r>
+            <a:endParaRPr/>
+          </a:p>
+          <a:p>
+            <a:pPr>
+              <a:defRPr/>
+            </a:pPr>
+            <a:endParaRPr/>
+          </a:p>
+          <a:p>
+            <a:pPr>
+              <a:defRPr/>
+            </a:pPr>
+            <a:r>
               <a:rPr/>
-              <a:t>Softwaredokumentation spielt eine wichtige Rolle des Entwicklungsprozesses, indem es dem Benuzter hilft sich schnell mit der Anwendung vertraut zu machen. Dadurch wird die</a:t>
-            </a:r>
-            <a:r>
-              <a:rPr lang="en-US" sz="1200" b="0" i="0" u="none" strike="noStrike" cap="none" spc="0">
-                <a:solidFill>
-                  <a:schemeClr val="tx1"/>
-                </a:solidFill>
-                <a:latin typeface="+mn-lt"/>
-                <a:ea typeface="+mn-ea"/>
-                <a:cs typeface="+mn-cs"/>
-              </a:rPr>
-              <a:t> Nutzbarkeit der Softwareanwendung wird gesteigert, was wiederherum der entwicklenden Firma einen guten Ruf verleiht.</a:t>
-            </a:r>
-            <a:endParaRPr lang="en-US" sz="1200" b="0" i="0" u="none" strike="noStrike" cap="none" spc="0">
+              <a:t>Für eine Webanwendung heißt das, dass das User Interface beschrieben wird und dem Benutzer beigegracht wird, durch die Anwendung zu navigieren. Fehlersituationen und deren Lösungsmöglichkeiten können auch erklärt.</a:t>
+            </a:r>
+            <a:endParaRPr sz="1200" b="0" i="0" u="none" strike="noStrike" cap="none" spc="0">
               <a:solidFill>
                 <a:schemeClr val="tx1"/>
               </a:solidFill>
@@ -842,7 +941,7 @@
             <a:pPr>
               <a:defRPr/>
             </a:pPr>
-            <a:endParaRPr/>
+            <a:endParaRPr sz="1200"/>
           </a:p>
           <a:p>
             <a:pPr>
@@ -853,22 +952,172 @@
                 <a:solidFill>
                   <a:schemeClr val="tx1"/>
                 </a:solidFill>
+                <a:latin typeface="+mn-lt"/>
+                <a:ea typeface="+mn-ea"/>
+                <a:cs typeface="+mn-cs"/>
+              </a:rPr>
+              <a:t>Es gibt deshalb ISO-Normen, die Empfehlungen ausschreiben, wie die Dokumentation von Softwaren gestaltet werden sollten und welches Vorgehen Informationsmanager adoptieren sollten, um eine zweckvolle Dokumentation erstellen zu können </a:t>
+            </a:r>
+            <a:r>
+              <a:rPr lang="en-US" sz="1200" b="0" i="0" u="none" strike="noStrike" cap="none" spc="0">
+                <a:solidFill>
+                  <a:schemeClr val="tx1"/>
+                </a:solidFill>
+                <a:latin typeface="+mn-lt"/>
+                <a:ea typeface="+mn-ea"/>
+                <a:cs typeface="+mn-cs"/>
+              </a:rPr>
+              <a:t>(wie z.B. ISO-26514 oder 26511)</a:t>
+            </a:r>
+            <a:r>
+              <a:rPr lang="en-US" sz="1200" b="0" i="0" u="none" strike="noStrike" cap="none" spc="0">
+                <a:solidFill>
+                  <a:schemeClr val="tx1"/>
+                </a:solidFill>
+                <a:latin typeface="+mn-lt"/>
+                <a:ea typeface="+mn-ea"/>
+                <a:cs typeface="+mn-cs"/>
+              </a:rPr>
+              <a:t>. Prinzipiell muss eine Dokumentation dem Endbenutzer drei wichtige W-Fragen beantworten: warum wurde die Anwendung entwickelt, was kann der Benutzer damit machen (also welche Funktionalitäten bietet die Anwendung an), wie kann der Benutzer das Ziel erreichen.</a:t>
+            </a:r>
+            <a:endParaRPr sz="1200"/>
+          </a:p>
+          <a:p>
+            <a:pPr>
+              <a:defRPr/>
+            </a:pPr>
+            <a:endParaRPr/>
+          </a:p>
+          <a:p>
+            <a:pPr>
+              <a:defRPr/>
+            </a:pPr>
+            <a:endParaRPr/>
+          </a:p>
+        </p:txBody>
+      </p:sp>
+      <p:sp>
+        <p:nvSpPr>
+          <p:cNvPr id="29309774" name="Slide Number Placeholder 3" hidden="0"/>
+          <p:cNvSpPr>
+            <a:spLocks noGrp="1"/>
+          </p:cNvSpPr>
+          <p:nvPr isPhoto="0" userDrawn="0">
+            <p:ph type="sldNum" sz="quarter" idx="10" hasCustomPrompt="0"/>
+          </p:nvPr>
+        </p:nvSpPr>
+        <p:spPr bwMode="auto"/>
+        <p:txBody>
+          <a:bodyPr/>
+          <a:lstStyle/>
+          <a:p>
+            <a:pPr>
+              <a:defRPr/>
+            </a:pPr>
+            <a:endParaRPr/>
+          </a:p>
+        </p:txBody>
+      </p:sp>
+    </p:spTree>
+  </p:cSld>
+</p:notes>
+</file>
+
+<file path=ppt/notesSlides/notesSlide5.xml><?xml version="1.0" encoding="utf-8"?>
+<p:notes xmlns:a="http://schemas.openxmlformats.org/drawingml/2006/main" xmlns:r="http://schemas.openxmlformats.org/officeDocument/2006/relationships" xmlns:p="http://schemas.openxmlformats.org/presentationml/2006/main" xmlns:m="http://schemas.openxmlformats.org/officeDocument/2006/math" xmlns:w="http://schemas.openxmlformats.org/wordprocessingml/2006/main">
+  <p:cSld name="">
+    <p:spTree>
+      <p:nvGrpSpPr>
+        <p:cNvPr id="1" name="" hidden="0"/>
+        <p:cNvGrpSpPr/>
+        <p:nvPr isPhoto="0" userDrawn="0"/>
+      </p:nvGrpSpPr>
+      <p:grpSpPr bwMode="auto">
+        <a:xfrm>
+          <a:off x="0" y="0"/>
+          <a:ext cx="0" cy="0"/>
+          <a:chOff x="0" y="0"/>
+          <a:chExt cx="0" cy="0"/>
+        </a:xfrm>
+      </p:grpSpPr>
+      <p:sp>
+        <p:nvSpPr>
+          <p:cNvPr id="2" name="Slide Image Placeholder 1" hidden="0"/>
+          <p:cNvSpPr>
+            <a:spLocks noChangeAspect="1" noGrp="1" noRot="1"/>
+          </p:cNvSpPr>
+          <p:nvPr isPhoto="0" userDrawn="0">
+            <p:ph type="sldImg" hasCustomPrompt="0"/>
+          </p:nvPr>
+        </p:nvSpPr>
+        <p:spPr bwMode="auto"/>
+      </p:sp>
+      <p:sp>
+        <p:nvSpPr>
+          <p:cNvPr id="3" name="Notes Placeholder 2" hidden="0"/>
+          <p:cNvSpPr>
+            <a:spLocks noGrp="1"/>
+          </p:cNvSpPr>
+          <p:nvPr isPhoto="0" userDrawn="0">
+            <p:ph type="body" idx="1" hasCustomPrompt="0"/>
+          </p:nvPr>
+        </p:nvSpPr>
+        <p:spPr bwMode="auto"/>
+        <p:txBody>
+          <a:bodyPr/>
+          <a:lstStyle/>
+          <a:p>
+            <a:pPr>
+              <a:defRPr/>
+            </a:pPr>
+            <a:r>
+              <a:rPr/>
+              <a:t>In dieser Arbeit werden die Vorteile der Entwicklung mit DSL genutzt, um eine Lösung f</a:t>
+            </a:r>
+            <a:r>
+              <a:rPr lang="en-US" sz="1200" b="0" i="0" u="none" strike="noStrike" cap="none" spc="0">
+                <a:solidFill>
+                  <a:schemeClr val="tx1"/>
+                </a:solidFill>
                 <a:latin typeface="Palatino Linotype"/>
-                <a:ea typeface="Arial"/>
-                <a:cs typeface="Arial"/>
+                <a:ea typeface="Palatino Linotype"/>
+                <a:cs typeface="Palatino Linotype"/>
               </a:rPr>
-              <a:t>Es ist also insofern relevant, den Entwurf einer nützlichen Dokumentation in den Entwicklungsprozess der Anwendung zu integrieren, da es dem Entwickler ermöglicht,</a:t>
-            </a:r>
+              <a:t>ür die Integration des Designs der Endbenutzerdokumentation in den Anwendungsentwicklungsprozess vorzuschlagen.</a:t>
+            </a:r>
+            <a:r>
+              <a:rPr/>
+              <a:t> Das heißt, unser Ziel ist es, ein Werkzeug zu entwicklen, das die Abstraktion des automatischen Generierungsprozesses versteckt, um eine benutzerfreundliche Facade anzubieten, die auch von Nicht-programmierern verwendet werden kann. Dieses Konzept stammt von der Cinco Meta Tooling Framework.</a:t>
+            </a:r>
+            <a:endParaRPr lang="en-US" sz="1200" b="0" i="0" u="none" strike="noStrike" cap="none" spc="0">
+              <a:solidFill>
+                <a:schemeClr val="tx1"/>
+              </a:solidFill>
+              <a:latin typeface="Palatino Linotype"/>
+              <a:ea typeface="Palatino Linotype"/>
+              <a:cs typeface="Palatino Linotype"/>
+            </a:endParaRPr>
+          </a:p>
+          <a:p>
+            <a:pPr>
+              <a:defRPr/>
+            </a:pPr>
+            <a:endParaRPr/>
+          </a:p>
+          <a:p>
+            <a:pPr>
+              <a:defRPr/>
+            </a:pPr>
             <a:r>
               <a:rPr lang="en-US" sz="1200" b="0" i="0" u="none" strike="noStrike" cap="none" spc="0">
                 <a:solidFill>
                   <a:schemeClr val="tx1"/>
                 </a:solidFill>
-                <a:latin typeface="+mn-lt"/>
-                <a:ea typeface="+mn-ea"/>
-                <a:cs typeface="+mn-cs"/>
+                <a:latin typeface="Palatino Linotype"/>
+                <a:ea typeface="Palatino Linotype"/>
+                <a:cs typeface="Palatino Linotype"/>
               </a:rPr>
-              <a:t> dem Endbenutzer das Wissen zu vermittlen, um mit der Anwendung angemessen zu interagieren</a:t>
+              <a:t>Die Framework Cinco SCCE Meta Tooling suite liefert die Basis unserer Arbeit, indem Metasprachen für unsere </a:t>
             </a:r>
             <a:r>
               <a:rPr lang="en-US" sz="1200" b="0" i="0" u="none" strike="noStrike" cap="none" spc="0">
@@ -876,46 +1125,48 @@
                   <a:schemeClr val="tx1"/>
                 </a:solidFill>
                 <a:latin typeface="Palatino Linotype"/>
-                <a:ea typeface="Arial"/>
-                <a:cs typeface="Arial"/>
+                <a:ea typeface="Palatino Linotype"/>
+                <a:cs typeface="Palatino Linotype"/>
               </a:rPr>
-              <a:t> </a:t>
-            </a:r>
-            <a:endParaRPr/>
-          </a:p>
-          <a:p>
-            <a:pPr>
-              <a:defRPr/>
-            </a:pPr>
-            <a:endParaRPr/>
-          </a:p>
-          <a:p>
-            <a:pPr>
-              <a:defRPr/>
-            </a:pPr>
-            <a:r>
-              <a:rPr/>
-              <a:t>Für eine Webanwendung heißt das, dass wir das User Interface beschreiben und dem Benutzer beigringen, sich dadurch zu navigieren</a:t>
-            </a:r>
-            <a:endParaRPr/>
-          </a:p>
-          <a:p>
-            <a:pPr>
-              <a:defRPr/>
-            </a:pPr>
-            <a:endParaRPr/>
-          </a:p>
-          <a:p>
-            <a:pPr>
-              <a:defRPr/>
-            </a:pPr>
-            <a:endParaRPr/>
-          </a:p>
-        </p:txBody>
-      </p:sp>
-      <p:sp>
-        <p:nvSpPr>
-          <p:cNvPr id="29309774" name="Slide Number Placeholder 3" hidden="0"/>
+              <a:t>Entwicklung unserer graphischen DSL zu Verfügung gestellt werden.</a:t>
+            </a:r>
+            <a:r>
+              <a:rPr lang="en-US" sz="1200" b="0" i="0" u="none" strike="noStrike" cap="none" spc="0">
+                <a:solidFill>
+                  <a:schemeClr val="tx1"/>
+                </a:solidFill>
+                <a:latin typeface="Palatino Linotype"/>
+                <a:ea typeface="Palatino Linotype"/>
+                <a:cs typeface="Palatino Linotype"/>
+              </a:rPr>
+              <a:t> Wir benutzen diese Metasprachen um die Spezifikationen unserer Endsprachen zu entwerfen, um dann eine Entwicklungsumgebung zu generien, die einen Entwurf der Dokumentation anhand von graphischen Bausteinen ermöglicht.</a:t>
+            </a:r>
+            <a:endParaRPr lang="en-US" sz="1200" b="0" i="0" u="none" strike="noStrike" cap="none" spc="0">
+              <a:solidFill>
+                <a:schemeClr val="tx1"/>
+              </a:solidFill>
+              <a:latin typeface="Palatino Linotype"/>
+              <a:ea typeface="Palatino Linotype"/>
+              <a:cs typeface="Palatino Linotype"/>
+            </a:endParaRPr>
+          </a:p>
+          <a:p>
+            <a:pPr>
+              <a:defRPr/>
+            </a:pPr>
+            <a:endParaRPr lang="en-US"/>
+          </a:p>
+          <a:p>
+            <a:pPr>
+              <a:defRPr/>
+            </a:pPr>
+            <a:endParaRPr lang="en-US"/>
+          </a:p>
+        </p:txBody>
+      </p:sp>
+      <p:sp>
+        <p:nvSpPr>
+          <p:cNvPr id="4" name="Slide Number Placeholder 3" hidden="0"/>
           <p:cNvSpPr>
             <a:spLocks noGrp="1"/>
           </p:cNvSpPr>
@@ -8326,41 +8577,20 @@
               <a:defRPr/>
             </a:pPr>
             <a:r>
-              <a:rPr/>
-              <a:t>Normiertes Vorgehen zur Dokumentation durch ISO/IEEE (z.B. ISO-26514 oder -26511)</a:t>
-            </a:r>
-            <a:endParaRPr/>
-          </a:p>
-          <a:p>
-            <a:pPr algn="l">
-              <a:defRPr/>
-            </a:pPr>
-            <a:endParaRPr/>
-          </a:p>
-        </p:txBody>
-      </p:sp>
-      <p:pic>
-        <p:nvPicPr>
-          <p:cNvPr id="2070237391" name="" hidden="0"/>
-          <p:cNvPicPr>
-            <a:picLocks noChangeAspect="1"/>
-          </p:cNvPicPr>
-          <p:nvPr isPhoto="0" userDrawn="0"/>
-        </p:nvPicPr>
-        <p:blipFill>
-          <a:blip r:embed="rId3"/>
-          <a:stretch/>
-        </p:blipFill>
-        <p:spPr bwMode="auto">
-          <a:xfrm rot="683733" flipH="0" flipV="0">
-            <a:off x="10450314" y="3542109"/>
-            <a:ext cx="1104899" cy="1104899"/>
-          </a:xfrm>
-          <a:prstGeom prst="rect">
-            <a:avLst/>
-          </a:prstGeom>
-        </p:spPr>
-      </p:pic>
+              <a:rPr lang="en-US" sz="2000" b="0" i="0" u="none" strike="noStrike" cap="none" spc="0">
+                <a:solidFill>
+                  <a:schemeClr val="tx1"/>
+                </a:solidFill>
+                <a:latin typeface="+mn-lt"/>
+                <a:ea typeface="+mn-ea"/>
+                <a:cs typeface="+mn-cs"/>
+              </a:rPr>
+              <a:t>Gut strukturierte Dokumentation profitiert nicht nur dem User, sondern der entwickelnden Firma auch</a:t>
+            </a:r>
+            <a:endParaRPr/>
+          </a:p>
+        </p:txBody>
+      </p:sp>
     </p:spTree>
   </p:cSld>
   <p:clrMapOvr>
@@ -8447,10 +8677,6 @@
             <a:pPr algn="l">
               <a:defRPr/>
             </a:pPr>
-            <a:r>
-              <a:rPr/>
-              <a:t>Gut strukturierte Dokumentation profitiert nicht nur dem User, sondern die entwickelnde Firma</a:t>
-            </a:r>
             <a:endParaRPr/>
           </a:p>
           <a:p>
@@ -8489,6 +8715,17 @@
             <a:pPr algn="l">
               <a:defRPr/>
             </a:pPr>
+            <a:r>
+              <a:rPr lang="en-US" sz="2000" b="0" i="0" u="none" strike="noStrike" cap="none" spc="0">
+                <a:solidFill>
+                  <a:schemeClr val="tx1"/>
+                </a:solidFill>
+                <a:latin typeface="+mn-lt"/>
+                <a:ea typeface="+mn-ea"/>
+                <a:cs typeface="+mn-cs"/>
+              </a:rPr>
+              <a:t>Normiertes Vorgehen zur Dokumentation durch ISO/IEEE (z.B. ISO-26514 oder -26511)</a:t>
+            </a:r>
             <a:endParaRPr/>
           </a:p>
           <a:p>
@@ -8499,6 +8736,28 @@
           </a:p>
         </p:txBody>
       </p:sp>
+      <p:pic>
+        <p:nvPicPr>
+          <p:cNvPr id="343123670" name="" hidden="0"/>
+          <p:cNvPicPr>
+            <a:picLocks noChangeAspect="1"/>
+          </p:cNvPicPr>
+          <p:nvPr isPhoto="0" userDrawn="0"/>
+        </p:nvPicPr>
+        <p:blipFill>
+          <a:blip r:embed="rId3"/>
+          <a:stretch/>
+        </p:blipFill>
+        <p:spPr bwMode="auto">
+          <a:xfrm rot="683733" flipH="0" flipV="0">
+            <a:off x="10603679" y="3974513"/>
+            <a:ext cx="1104899" cy="1104899"/>
+          </a:xfrm>
+          <a:prstGeom prst="rect">
+            <a:avLst/>
+          </a:prstGeom>
+        </p:spPr>
+      </p:pic>
     </p:spTree>
   </p:cSld>
   <p:clrMapOvr>
@@ -8577,16 +8836,64 @@
         </p:nvSpPr>
         <p:spPr bwMode="auto"/>
         <p:txBody>
-          <a:bodyPr/>
+          <a:bodyPr vertOverflow="overflow" horzOverflow="clip" vert="horz" wrap="square" lIns="91440" tIns="45720" rIns="91440" bIns="45720" numCol="1" spcCol="0" rtlCol="0" fromWordArt="0" anchor="t" anchorCtr="0" forceAA="0" upright="0" compatLnSpc="0">
+            <a:normAutofit/>
+          </a:bodyPr>
           <a:lstStyle/>
           <a:p>
             <a:pPr>
               <a:defRPr/>
             </a:pPr>
-            <a:endParaRPr/>
-          </a:p>
-        </p:txBody>
-      </p:sp>
+            <a:r>
+              <a:rPr/>
+              <a:t>Nutzung der Vorteile der Entwicklung mit DSL, um eine Lösung vorzuschlagen</a:t>
+            </a:r>
+            <a:endParaRPr/>
+          </a:p>
+          <a:p>
+            <a:pPr>
+              <a:defRPr/>
+            </a:pPr>
+            <a:r>
+              <a:rPr/>
+              <a:t>Basis liefert die Cinco Entwicklungsumgebung samt der Modelierungssprachen für eine graphischen DSL (MGL, MSL, CPD)</a:t>
+            </a:r>
+            <a:endParaRPr/>
+          </a:p>
+          <a:p>
+            <a:pPr>
+              <a:defRPr/>
+            </a:pPr>
+            <a:r>
+              <a:rPr/>
+              <a:t>Vergleichbare Arbeiten schlugen Lösungen in der Vergangenheit vor, dennoch werden diese Projekte nicht mehr aktiv weiterentwickelt.</a:t>
+            </a:r>
+            <a:endParaRPr/>
+          </a:p>
+        </p:txBody>
+      </p:sp>
+      <p:pic>
+        <p:nvPicPr>
+          <p:cNvPr id="1630273109" name="" hidden="0"/>
+          <p:cNvPicPr>
+            <a:picLocks noChangeAspect="1"/>
+          </p:cNvPicPr>
+          <p:nvPr isPhoto="0" userDrawn="0"/>
+        </p:nvPicPr>
+        <p:blipFill>
+          <a:blip r:embed="rId3"/>
+          <a:stretch/>
+        </p:blipFill>
+        <p:spPr bwMode="auto">
+          <a:xfrm flipH="0" flipV="0">
+            <a:off x="9483920" y="2394947"/>
+            <a:ext cx="2188967" cy="767871"/>
+          </a:xfrm>
+          <a:prstGeom prst="rect">
+            <a:avLst/>
+          </a:prstGeom>
+        </p:spPr>
+      </p:pic>
     </p:spTree>
   </p:cSld>
   <p:clrMapOvr>

--- a/Abschlussvortrag.pptx
+++ b/Abschlussvortrag.pptx
@@ -5,7 +5,7 @@
     <p:sldMasterId id="2147483648" r:id="rId1"/>
   </p:sldMasterIdLst>
   <p:notesMasterIdLst>
-    <p:notesMasterId r:id="rId15"/>
+    <p:notesMasterId r:id="rId17"/>
   </p:notesMasterIdLst>
   <p:sldIdLst>
     <p:sldId id="256" r:id="rId4"/>
@@ -19,6 +19,8 @@
     <p:sldId id="264" r:id="rId12"/>
     <p:sldId id="265" r:id="rId13"/>
     <p:sldId id="266" r:id="rId14"/>
+    <p:sldId id="267" r:id="rId15"/>
+    <p:sldId id="268" r:id="rId16"/>
   </p:sldIdLst>
   <p:sldSz cx="12192000" cy="6858000"/>
   <p:notesSz cx="12192000" cy="6858000"/>
@@ -1087,7 +1089,11 @@
             </a:r>
             <a:r>
               <a:rPr/>
-              <a:t> Das heißt, unser Ziel ist es, ein Werkzeug zu entwicklen, das die Abstraktion des automatischen Generierungsprozesses versteckt, um eine benutzerfreundliche Facade anzubieten, die auch von Nicht-programmierern verwendet werden kann. Dieses Konzept stammt von der Cinco Meta Tooling Framework.</a:t>
+              <a:t> Das heißt, unser Ziel ist es, ein Werkzeug zu entwicklen, das eine benutzerfreundliche Facade anzubieten, die auch von Nicht-programmierern verwendet werden kann</a:t>
+            </a:r>
+            <a:r>
+              <a:rPr/>
+              <a:t>, um die Dokumentation als Model zu entwerfen und dann zu generieren. Dieses Konzept stammt von der Cinco Meta Tooling Framework.</a:t>
             </a:r>
             <a:endParaRPr lang="en-US" sz="1200" b="0" i="0" u="none" strike="noStrike" cap="none" spc="0">
               <a:solidFill>
@@ -1167,6 +1173,174 @@
       <p:sp>
         <p:nvSpPr>
           <p:cNvPr id="4" name="Slide Number Placeholder 3" hidden="0"/>
+          <p:cNvSpPr>
+            <a:spLocks noGrp="1"/>
+          </p:cNvSpPr>
+          <p:nvPr isPhoto="0" userDrawn="0">
+            <p:ph type="sldNum" sz="quarter" idx="10" hasCustomPrompt="0"/>
+          </p:nvPr>
+        </p:nvSpPr>
+        <p:spPr bwMode="auto"/>
+        <p:txBody>
+          <a:bodyPr/>
+          <a:lstStyle/>
+          <a:p>
+            <a:pPr>
+              <a:defRPr/>
+            </a:pPr>
+            <a:endParaRPr/>
+          </a:p>
+        </p:txBody>
+      </p:sp>
+    </p:spTree>
+  </p:cSld>
+</p:notes>
+</file>
+
+<file path=ppt/notesSlides/notesSlide6.xml><?xml version="1.0" encoding="utf-8"?>
+<p:notes xmlns:a="http://schemas.openxmlformats.org/drawingml/2006/main" xmlns:r="http://schemas.openxmlformats.org/officeDocument/2006/relationships" xmlns:p="http://schemas.openxmlformats.org/presentationml/2006/main" xmlns:m="http://schemas.openxmlformats.org/officeDocument/2006/math" xmlns:w="http://schemas.openxmlformats.org/wordprocessingml/2006/main">
+  <p:cSld name="">
+    <p:spTree>
+      <p:nvGrpSpPr>
+        <p:cNvPr id="1" name="" hidden="0"/>
+        <p:cNvGrpSpPr/>
+        <p:nvPr isPhoto="0" userDrawn="0"/>
+      </p:nvGrpSpPr>
+      <p:grpSpPr bwMode="auto">
+        <a:xfrm>
+          <a:off x="0" y="0"/>
+          <a:ext cx="0" cy="0"/>
+          <a:chOff x="0" y="0"/>
+          <a:chExt cx="0" cy="0"/>
+        </a:xfrm>
+      </p:grpSpPr>
+      <p:sp>
+        <p:nvSpPr>
+          <p:cNvPr id="988641185" name="Slide Image Placeholder 1" hidden="0"/>
+          <p:cNvSpPr>
+            <a:spLocks noChangeAspect="1" noGrp="1" noRot="1"/>
+          </p:cNvSpPr>
+          <p:nvPr isPhoto="0" userDrawn="0">
+            <p:ph type="sldImg" hasCustomPrompt="0"/>
+          </p:nvPr>
+        </p:nvSpPr>
+        <p:spPr bwMode="auto"/>
+      </p:sp>
+      <p:sp>
+        <p:nvSpPr>
+          <p:cNvPr id="655319745" name="Notes Placeholder 2" hidden="0"/>
+          <p:cNvSpPr>
+            <a:spLocks noGrp="1"/>
+          </p:cNvSpPr>
+          <p:nvPr isPhoto="0" userDrawn="0">
+            <p:ph type="body" idx="1" hasCustomPrompt="0"/>
+          </p:nvPr>
+        </p:nvSpPr>
+        <p:spPr bwMode="auto"/>
+        <p:txBody>
+          <a:bodyPr/>
+          <a:lstStyle/>
+          <a:p>
+            <a:pPr>
+              <a:defRPr/>
+            </a:pPr>
+            <a:r>
+              <a:rPr/>
+              <a:t>In dieser Arbeit werden die Vorteile der Entwicklung mit DSL genutzt, um eine Lösung f</a:t>
+            </a:r>
+            <a:r>
+              <a:rPr lang="en-US" sz="1200" b="0" i="0" u="none" strike="noStrike" cap="none" spc="0">
+                <a:solidFill>
+                  <a:schemeClr val="tx1"/>
+                </a:solidFill>
+                <a:latin typeface="Palatino Linotype"/>
+                <a:ea typeface="Palatino Linotype"/>
+                <a:cs typeface="Palatino Linotype"/>
+              </a:rPr>
+              <a:t>ür die Integration des Designs der Endbenutzerdokumentation in den Anwendungsentwicklungsprozess vorzuschlagen.</a:t>
+            </a:r>
+            <a:r>
+              <a:rPr/>
+              <a:t> Das heißt, unser Ziel ist es, ein Werkzeug zu entwicklen, das die Abstraktion des automatischen Generierungsprozesses versteckt, um eine benutzerfreundliche Facade anzubieten, die auch von Nicht-programmierern verwendet werden kann. Dieses Konzept stammt von der Cinco Meta Tooling Framework.</a:t>
+            </a:r>
+            <a:endParaRPr lang="en-US" sz="1200" b="0" i="0" u="none" strike="noStrike" cap="none" spc="0">
+              <a:solidFill>
+                <a:schemeClr val="tx1"/>
+              </a:solidFill>
+              <a:latin typeface="Palatino Linotype"/>
+              <a:ea typeface="Palatino Linotype"/>
+              <a:cs typeface="Palatino Linotype"/>
+            </a:endParaRPr>
+          </a:p>
+          <a:p>
+            <a:pPr>
+              <a:defRPr/>
+            </a:pPr>
+            <a:endParaRPr/>
+          </a:p>
+          <a:p>
+            <a:pPr>
+              <a:defRPr/>
+            </a:pPr>
+            <a:r>
+              <a:rPr lang="en-US" sz="1200" b="0" i="0" u="none" strike="noStrike" cap="none" spc="0">
+                <a:solidFill>
+                  <a:schemeClr val="tx1"/>
+                </a:solidFill>
+                <a:latin typeface="Palatino Linotype"/>
+                <a:ea typeface="Palatino Linotype"/>
+                <a:cs typeface="Palatino Linotype"/>
+              </a:rPr>
+              <a:t>Die Framework Cinco SCCE Meta Tooling suite liefert die Basis unserer Arbeit, indem Metasprachen für unsere </a:t>
+            </a:r>
+            <a:r>
+              <a:rPr lang="en-US" sz="1200" b="0" i="0" u="none" strike="noStrike" cap="none" spc="0">
+                <a:solidFill>
+                  <a:schemeClr val="tx1"/>
+                </a:solidFill>
+                <a:latin typeface="Palatino Linotype"/>
+                <a:ea typeface="Palatino Linotype"/>
+                <a:cs typeface="Palatino Linotype"/>
+              </a:rPr>
+              <a:t>Entwicklung unserer graphischen DSL zu Verfügung gestellt werden.</a:t>
+            </a:r>
+            <a:r>
+              <a:rPr lang="en-US" sz="1200" b="0" i="0" u="none" strike="noStrike" cap="none" spc="0">
+                <a:solidFill>
+                  <a:schemeClr val="tx1"/>
+                </a:solidFill>
+                <a:latin typeface="Palatino Linotype"/>
+                <a:ea typeface="Palatino Linotype"/>
+                <a:cs typeface="Palatino Linotype"/>
+              </a:rPr>
+              <a:t> Wir benutzen diese Metasprachen um die Spezifikationen unserer Endsprachen zu entwerfen, um dann eine Entwicklungsumgebung zu generien, die einen Entwurf der Dokumentation anhand von graphischen Bausteinen ermöglicht.</a:t>
+            </a:r>
+            <a:endParaRPr lang="en-US" sz="1200" b="0" i="0" u="none" strike="noStrike" cap="none" spc="0">
+              <a:solidFill>
+                <a:schemeClr val="tx1"/>
+              </a:solidFill>
+              <a:latin typeface="Palatino Linotype"/>
+              <a:ea typeface="Palatino Linotype"/>
+              <a:cs typeface="Palatino Linotype"/>
+            </a:endParaRPr>
+          </a:p>
+          <a:p>
+            <a:pPr>
+              <a:defRPr/>
+            </a:pPr>
+            <a:endParaRPr lang="en-US"/>
+          </a:p>
+          <a:p>
+            <a:pPr>
+              <a:defRPr/>
+            </a:pPr>
+            <a:endParaRPr lang="en-US"/>
+          </a:p>
+        </p:txBody>
+      </p:sp>
+      <p:sp>
+        <p:nvSpPr>
+          <p:cNvPr id="554592255" name="Slide Number Placeholder 3" hidden="0"/>
           <p:cNvSpPr>
             <a:spLocks noGrp="1"/>
           </p:cNvSpPr>
@@ -7478,7 +7652,7 @@
       </p:grpSpPr>
       <p:sp>
         <p:nvSpPr>
-          <p:cNvPr id="491240005" name="Título 1" hidden="0"/>
+          <p:cNvPr id="1417253658" name="Título 1" hidden="0"/>
           <p:cNvSpPr>
             <a:spLocks noGrp="1"/>
           </p:cNvSpPr>
@@ -7496,18 +7670,29 @@
             </a:pPr>
             <a:r>
               <a:rPr lang="de-DE"/>
-              <a:t>Referenzen</a:t>
+              <a:t>Demo</a:t>
             </a:r>
             <a:br>
               <a:rPr lang="de-DE"/>
             </a:br>
-            <a:endParaRPr sz="1800"/>
-          </a:p>
-        </p:txBody>
-      </p:sp>
-      <p:sp>
-        <p:nvSpPr>
-          <p:cNvPr id="835041238" name="Marcador de contenido 2" hidden="0"/>
+            <a:r>
+              <a:rPr lang="de-DE" sz="1600" b="0" i="1" u="none" strike="noStrike" cap="none" spc="0">
+                <a:solidFill>
+                  <a:schemeClr val="tx1"/>
+                </a:solidFill>
+                <a:latin typeface="+mj-lt"/>
+                <a:ea typeface="+mj-ea"/>
+                <a:cs typeface="+mj-cs"/>
+              </a:rPr>
+              <a:t>WebDoc - Web Application Documentor</a:t>
+            </a:r>
+            <a:endParaRPr/>
+          </a:p>
+        </p:txBody>
+      </p:sp>
+      <p:sp>
+        <p:nvSpPr>
+          <p:cNvPr id="514216593" name="Marcador de contenido 2" hidden="0"/>
           <p:cNvSpPr>
             <a:spLocks noGrp="1"/>
           </p:cNvSpPr>
@@ -7544,6 +7729,189 @@
 </file>
 
 <file path=ppt/slides/slide11.xml><?xml version="1.0" encoding="utf-8"?>
+<p:sld xmlns:a="http://schemas.openxmlformats.org/drawingml/2006/main" xmlns:r="http://schemas.openxmlformats.org/officeDocument/2006/relationships" xmlns:p="http://schemas.openxmlformats.org/presentationml/2006/main" xmlns:m="http://schemas.openxmlformats.org/officeDocument/2006/math" xmlns:w="http://schemas.openxmlformats.org/wordprocessingml/2006/main" showMasterPhAnim="0" show="1">
+  <p:cSld name="">
+    <p:spTree>
+      <p:nvGrpSpPr>
+        <p:cNvPr id="1" name="" hidden="0"/>
+        <p:cNvGrpSpPr/>
+        <p:nvPr isPhoto="0" userDrawn="0"/>
+      </p:nvGrpSpPr>
+      <p:grpSpPr bwMode="auto">
+        <a:xfrm>
+          <a:off x="0" y="0"/>
+          <a:ext cx="0" cy="0"/>
+          <a:chOff x="0" y="0"/>
+          <a:chExt cx="0" cy="0"/>
+        </a:xfrm>
+      </p:grpSpPr>
+      <p:sp>
+        <p:nvSpPr>
+          <p:cNvPr id="157058720" name="Título 1" hidden="0"/>
+          <p:cNvSpPr>
+            <a:spLocks noGrp="1"/>
+          </p:cNvSpPr>
+          <p:nvPr isPhoto="0" userDrawn="0">
+            <p:ph type="title" hasCustomPrompt="0"/>
+          </p:nvPr>
+        </p:nvSpPr>
+        <p:spPr bwMode="auto"/>
+        <p:txBody>
+          <a:bodyPr/>
+          <a:lstStyle/>
+          <a:p>
+            <a:pPr>
+              <a:defRPr/>
+            </a:pPr>
+            <a:r>
+              <a:rPr lang="de-DE"/>
+              <a:t>Fazit</a:t>
+            </a:r>
+            <a:br>
+              <a:rPr lang="de-DE"/>
+            </a:br>
+            <a:endParaRPr sz="1600"/>
+          </a:p>
+        </p:txBody>
+      </p:sp>
+      <p:sp>
+        <p:nvSpPr>
+          <p:cNvPr id="1934508904" name="Marcador de contenido 2" hidden="0"/>
+          <p:cNvSpPr>
+            <a:spLocks noGrp="1"/>
+          </p:cNvSpPr>
+          <p:nvPr isPhoto="0" userDrawn="0">
+            <p:ph idx="1" hasCustomPrompt="0"/>
+          </p:nvPr>
+        </p:nvSpPr>
+        <p:spPr bwMode="auto"/>
+        <p:txBody>
+          <a:bodyPr/>
+          <a:lstStyle/>
+          <a:p>
+            <a:pPr>
+              <a:defRPr/>
+            </a:pPr>
+            <a:endParaRPr/>
+          </a:p>
+        </p:txBody>
+      </p:sp>
+    </p:spTree>
+  </p:cSld>
+  <p:clrMapOvr>
+    <a:masterClrMapping/>
+  </p:clrMapOvr>
+  <mc:AlternateContent xmlns:mc="http://schemas.openxmlformats.org/markup-compatibility/2006">
+    <mc:Choice xmlns:p14="http://schemas.microsoft.com/office/powerpoint/2010/main" Requires="p14">
+      <p:transition p14:dur="2000" advClick="1"/>
+    </mc:Choice>
+    <mc:Fallback>
+      <p:transition advClick="1"/>
+    </mc:Fallback>
+  </mc:AlternateContent>
+</p:sld>
+</file>
+
+<file path=ppt/slides/slide12.xml><?xml version="1.0" encoding="utf-8"?>
+<p:sld xmlns:a="http://schemas.openxmlformats.org/drawingml/2006/main" xmlns:r="http://schemas.openxmlformats.org/officeDocument/2006/relationships" xmlns:p="http://schemas.openxmlformats.org/presentationml/2006/main" xmlns:m="http://schemas.openxmlformats.org/officeDocument/2006/math" xmlns:w="http://schemas.openxmlformats.org/wordprocessingml/2006/main" showMasterPhAnim="0" show="1">
+  <p:cSld name="">
+    <p:spTree>
+      <p:nvGrpSpPr>
+        <p:cNvPr id="1" name="" hidden="0"/>
+        <p:cNvGrpSpPr/>
+        <p:nvPr isPhoto="0" userDrawn="0"/>
+      </p:nvGrpSpPr>
+      <p:grpSpPr bwMode="auto">
+        <a:xfrm>
+          <a:off x="0" y="0"/>
+          <a:ext cx="0" cy="0"/>
+          <a:chOff x="0" y="0"/>
+          <a:chExt cx="0" cy="0"/>
+        </a:xfrm>
+      </p:grpSpPr>
+      <p:sp>
+        <p:nvSpPr>
+          <p:cNvPr id="491240005" name="Título 1" hidden="0"/>
+          <p:cNvSpPr>
+            <a:spLocks noGrp="1"/>
+          </p:cNvSpPr>
+          <p:nvPr isPhoto="0" userDrawn="0">
+            <p:ph type="title" hasCustomPrompt="0"/>
+          </p:nvPr>
+        </p:nvSpPr>
+        <p:spPr bwMode="auto"/>
+        <p:txBody>
+          <a:bodyPr/>
+          <a:lstStyle/>
+          <a:p>
+            <a:pPr>
+              <a:defRPr/>
+            </a:pPr>
+            <a:r>
+              <a:rPr lang="de-DE"/>
+              <a:t>Referenzen</a:t>
+            </a:r>
+            <a:br>
+              <a:rPr lang="de-DE"/>
+            </a:br>
+            <a:endParaRPr sz="1800"/>
+          </a:p>
+        </p:txBody>
+      </p:sp>
+      <p:sp>
+        <p:nvSpPr>
+          <p:cNvPr id="835041238" name="Marcador de contenido 2" hidden="0"/>
+          <p:cNvSpPr>
+            <a:spLocks noGrp="1"/>
+          </p:cNvSpPr>
+          <p:nvPr isPhoto="0" userDrawn="0">
+            <p:ph idx="1" hasCustomPrompt="0"/>
+          </p:nvPr>
+        </p:nvSpPr>
+        <p:spPr bwMode="auto"/>
+        <p:txBody>
+          <a:bodyPr/>
+          <a:lstStyle/>
+          <a:p>
+            <a:pPr>
+              <a:defRPr/>
+            </a:pPr>
+            <a:r>
+              <a:rPr/>
+              <a:t>Icons, Gifs, Cliparts aus </a:t>
+            </a:r>
+            <a:r>
+              <a:rPr lang="en-US" sz="2000" b="0" i="0" u="none" strike="noStrike" cap="none" spc="0">
+                <a:solidFill>
+                  <a:schemeClr val="tx1"/>
+                </a:solidFill>
+                <a:latin typeface="Palatino Linotype"/>
+                <a:ea typeface="Palatino Linotype"/>
+                <a:cs typeface="Palatino Linotype"/>
+              </a:rPr>
+              <a:t>https://www.flaticon.com/</a:t>
+            </a:r>
+            <a:endParaRPr/>
+          </a:p>
+        </p:txBody>
+      </p:sp>
+    </p:spTree>
+  </p:cSld>
+  <p:clrMapOvr>
+    <a:masterClrMapping/>
+  </p:clrMapOvr>
+  <mc:AlternateContent xmlns:mc="http://schemas.openxmlformats.org/markup-compatibility/2006">
+    <mc:Choice xmlns:p14="http://schemas.microsoft.com/office/powerpoint/2010/main" Requires="p14">
+      <p:transition p14:dur="2000" advClick="1"/>
+    </mc:Choice>
+    <mc:Fallback>
+      <p:transition advClick="1"/>
+    </mc:Fallback>
+  </mc:AlternateContent>
+</p:sld>
+</file>
+
+<file path=ppt/slides/slide13.xml><?xml version="1.0" encoding="utf-8"?>
 <p:sld xmlns:a="http://schemas.openxmlformats.org/drawingml/2006/main" xmlns:r="http://schemas.openxmlformats.org/officeDocument/2006/relationships" xmlns:p="http://schemas.openxmlformats.org/presentationml/2006/main" xmlns:m="http://schemas.openxmlformats.org/officeDocument/2006/math" xmlns:w="http://schemas.openxmlformats.org/wordprocessingml/2006/main" showMasterPhAnim="0" show="1">
   <p:cSld name="">
     <p:spTree>
@@ -8494,100 +8862,78 @@
           <a:chExt cx="0" cy="0"/>
         </a:xfrm>
       </p:grpSpPr>
-      <p:sp>
-        <p:nvSpPr>
-          <p:cNvPr id="2" name="Título 1" hidden="0"/>
-          <p:cNvSpPr>
-            <a:spLocks noGrp="1"/>
-          </p:cNvSpPr>
-          <p:nvPr isPhoto="0" userDrawn="0">
-            <p:ph type="title" hasCustomPrompt="0"/>
-          </p:nvPr>
-        </p:nvSpPr>
-        <p:spPr bwMode="auto"/>
-        <p:txBody>
-          <a:bodyPr/>
-          <a:lstStyle/>
-          <a:p>
-            <a:pPr>
-              <a:defRPr/>
-            </a:pPr>
-            <a:r>
-              <a:rPr lang="de-DE"/>
-              <a:t>Dokumentation von Webanwendungen</a:t>
-            </a:r>
-            <a:br>
-              <a:rPr lang="de-DE"/>
-            </a:br>
-            <a:r>
-              <a:rPr lang="de-DE" sz="1600" i="1"/>
-              <a:t>Ziel und </a:t>
-            </a:r>
-            <a:r>
-              <a:rPr lang="de-DE" sz="1600" i="1"/>
-              <a:t>Relevanz</a:t>
-            </a:r>
-            <a:endParaRPr/>
-          </a:p>
-        </p:txBody>
-      </p:sp>
-      <p:sp>
-        <p:nvSpPr>
-          <p:cNvPr id="3" name="Marcador de contenido 2" hidden="0"/>
-          <p:cNvSpPr>
-            <a:spLocks noGrp="1"/>
-          </p:cNvSpPr>
+      <p:pic>
+        <p:nvPicPr>
+          <p:cNvPr id="482001679" name="" hidden="0"/>
+          <p:cNvPicPr>
+            <a:picLocks noChangeAspect="1"/>
+          </p:cNvPicPr>
           <p:nvPr isPhoto="0" userDrawn="0">
             <p:ph idx="1" hasCustomPrompt="0"/>
           </p:nvPr>
+        </p:nvPicPr>
+        <p:blipFill>
+          <a:blip r:embed="rId2"/>
+          <a:stretch/>
+        </p:blipFill>
+        <p:spPr bwMode="auto">
+          <a:xfrm rot="0" flipH="0" flipV="0">
+            <a:off x="761257" y="26458"/>
+            <a:ext cx="10875276" cy="6117342"/>
+          </a:xfrm>
+          <a:prstGeom prst="rect">
+            <a:avLst/>
+          </a:prstGeom>
+        </p:spPr>
+      </p:pic>
+      <p:sp>
+        <p:nvSpPr>
+          <p:cNvPr id="583897747" name="" hidden="0"/>
+          <p:cNvSpPr txBox="1"/>
+          <p:nvPr isPhoto="0" userDrawn="0"/>
         </p:nvSpPr>
         <p:spPr bwMode="auto">
           <a:xfrm flipH="0" flipV="0">
-            <a:off x="1534695" y="2015731"/>
-            <a:ext cx="9151163" cy="3450612"/>
-          </a:xfrm>
-        </p:spPr>
-        <p:txBody>
-          <a:bodyPr>
-            <a:normAutofit/>
+            <a:off x="7255347" y="6155971"/>
+            <a:ext cx="4418541" cy="211666"/>
+          </a:xfrm>
+          <a:prstGeom prst="rect">
+            <a:avLst/>
+          </a:prstGeom>
+          <a:noFill/>
+        </p:spPr>
+        <p:txBody>
+          <a:bodyPr vertOverflow="overflow" horzOverflow="clip" vert="horz" wrap="square" lIns="91440" tIns="45720" rIns="91440" bIns="45720" numCol="1" spcCol="0" rtlCol="0" fromWordArt="0" anchor="t" anchorCtr="0" forceAA="0" upright="0" compatLnSpc="0">
+            <a:noAutofit/>
           </a:bodyPr>
-          <a:lstStyle/>
-          <a:p>
-            <a:pPr algn="l">
-              <a:defRPr/>
-            </a:pPr>
-            <a:r>
-              <a:rPr/>
-              <a:t>Erleichtern das Erlernen der Bedienung der Anwendung mit Beschreibnungen und Anleitungen</a:t>
-            </a:r>
-            <a:endParaRPr/>
-          </a:p>
-          <a:p>
-            <a:pPr algn="l">
-              <a:defRPr/>
-            </a:pPr>
-            <a:r>
-              <a:rPr/>
-              <a:t>Herausforderung durch regelmäßiges Updaten der Anwendung; was nicht vom Benutzer kontrolliert wird</a:t>
-            </a:r>
-            <a:endParaRPr/>
-          </a:p>
-          <a:p>
-            <a:pPr algn="l">
-              <a:defRPr/>
-            </a:pPr>
-            <a:r>
-              <a:rPr lang="en-US" sz="2000" b="0" i="0" u="none" strike="noStrike" cap="none" spc="0">
-                <a:solidFill>
-                  <a:schemeClr val="tx1"/>
-                </a:solidFill>
-                <a:latin typeface="+mn-lt"/>
-                <a:ea typeface="+mn-ea"/>
-                <a:cs typeface="+mn-cs"/>
+          <a:p>
+            <a:pPr>
+              <a:defRPr/>
+            </a:pPr>
+            <a:r>
+              <a:rPr sz="700">
+                <a:solidFill>
+                  <a:schemeClr val="tx1"/>
+                </a:solidFill>
               </a:rPr>
-              <a:t>Gut strukturierte Dokumentation profitiert nicht nur dem User, sondern der entwickelnden Firma auch</a:t>
-            </a:r>
-            <a:endParaRPr/>
+              <a:t>Quelle: </a:t>
+            </a:r>
+            <a:r>
+              <a:rPr lang="en-US" sz="700" b="0" i="0" u="none" strike="noStrike" cap="none" spc="0">
+                <a:solidFill>
+                  <a:schemeClr val="tx1"/>
+                </a:solidFill>
+                <a:latin typeface="Palatino Linotype"/>
+                <a:ea typeface="Palatino Linotype"/>
+                <a:cs typeface="Palatino Linotype"/>
+              </a:rPr>
+              <a:t>https://www.today.com/home/men-or-women-whos-better-assembling-ikea-furniture-t59686</a:t>
+            </a:r>
+            <a:endParaRPr sz="700">
+              <a:solidFill>
+                <a:schemeClr val="tx1"/>
+              </a:solidFill>
+            </a:endParaRPr>
           </a:p>
         </p:txBody>
       </p:sp>
@@ -8626,7 +8972,7 @@
       </p:grpSpPr>
       <p:sp>
         <p:nvSpPr>
-          <p:cNvPr id="1203341908" name="Título 1" hidden="0"/>
+          <p:cNvPr id="2" name="Título 1" hidden="0"/>
           <p:cNvSpPr>
             <a:spLocks noGrp="1"/>
           </p:cNvSpPr>
@@ -8651,15 +8997,19 @@
             </a:br>
             <a:r>
               <a:rPr lang="de-DE" sz="1600" i="1"/>
-              <a:t>Ziel und Relevanz</a:t>
-            </a:r>
-            <a:endParaRPr/>
-          </a:p>
-        </p:txBody>
-      </p:sp>
-      <p:sp>
-        <p:nvSpPr>
-          <p:cNvPr id="166929968" name="Marcador de contenido 2" hidden="0"/>
+              <a:t>Ziel und </a:t>
+            </a:r>
+            <a:r>
+              <a:rPr lang="de-DE" sz="1600" i="1"/>
+              <a:t>Relevanz</a:t>
+            </a:r>
+            <a:endParaRPr/>
+          </a:p>
+        </p:txBody>
+      </p:sp>
+      <p:sp>
+        <p:nvSpPr>
+          <p:cNvPr id="3" name="Marcador de contenido 2" hidden="0"/>
           <p:cNvSpPr>
             <a:spLocks noGrp="1"/>
           </p:cNvSpPr>
@@ -8667,16 +9017,25 @@
             <p:ph idx="1" hasCustomPrompt="0"/>
           </p:nvPr>
         </p:nvSpPr>
-        <p:spPr bwMode="auto"/>
-        <p:txBody>
-          <a:bodyPr vertOverflow="overflow" horzOverflow="clip" vert="horz" wrap="square" lIns="91440" tIns="45720" rIns="91440" bIns="45720" numCol="1" spcCol="0" rtlCol="0" fromWordArt="0" anchor="t" anchorCtr="0" forceAA="0" upright="0" compatLnSpc="0">
-            <a:normAutofit fontScale="95000" lnSpcReduction="1000"/>
+        <p:spPr bwMode="auto">
+          <a:xfrm flipH="0" flipV="0">
+            <a:off x="1534695" y="2015731"/>
+            <a:ext cx="9151163" cy="3450612"/>
+          </a:xfrm>
+        </p:spPr>
+        <p:txBody>
+          <a:bodyPr>
+            <a:normAutofit/>
           </a:bodyPr>
           <a:lstStyle/>
           <a:p>
             <a:pPr algn="l">
               <a:defRPr/>
             </a:pPr>
+            <a:r>
+              <a:rPr/>
+              <a:t>Erleichtern das Erlernen der Bedienung der Anwendung mit Beschreibnungen und Anleitungen</a:t>
+            </a:r>
             <a:endParaRPr/>
           </a:p>
           <a:p>
@@ -8685,7 +9044,7 @@
             </a:pPr>
             <a:r>
               <a:rPr/>
-              <a:t>Erster Ansatzpunkt für den Entwickler dem Endbenutzer das Wissen zu vermittlen, um mit der Anwendung angemessen zu interagieren</a:t>
+              <a:t>Herausforderung durch regelmäßiges Updaten der Anwendung, vor allem wenn der Benutzer der Aktualisierung nicht zustimmen kann</a:t>
             </a:r>
             <a:endParaRPr/>
           </a:p>
@@ -8694,51 +9053,23 @@
               <a:defRPr/>
             </a:pPr>
             <a:r>
-              <a:rPr/>
-              <a:t>In unserem Fall </a:t>
-            </a:r>
-            <a:r>
-              <a:rPr>
-                <a:latin typeface="Akaash"/>
-                <a:ea typeface="Akaash"/>
-                <a:cs typeface="Akaash"/>
+              <a:rPr lang="en-US" sz="2000" b="0" i="0" u="none" strike="noStrike" cap="none" spc="0">
+                <a:solidFill>
+                  <a:schemeClr val="tx1"/>
+                </a:solidFill>
+                <a:latin typeface="+mn-lt"/>
+                <a:ea typeface="+mn-ea"/>
+                <a:cs typeface="+mn-cs"/>
               </a:rPr>
-              <a:t>‣</a:t>
-            </a:r>
-            <a:r>
-              <a:rPr/>
-              <a:t> Beschreibung und Navigationsanweisungen der User Interface (UI) mit unterstützenden Bildern</a:t>
-            </a:r>
-            <a:endParaRPr/>
-          </a:p>
-          <a:p>
-            <a:pPr algn="l">
-              <a:defRPr/>
-            </a:pPr>
-            <a:r>
-              <a:rPr lang="en-US" sz="2000" b="0" i="0" u="none" strike="noStrike" cap="none" spc="0">
-                <a:solidFill>
-                  <a:schemeClr val="tx1"/>
-                </a:solidFill>
-                <a:latin typeface="+mn-lt"/>
-                <a:ea typeface="+mn-ea"/>
-                <a:cs typeface="+mn-cs"/>
-              </a:rPr>
-              <a:t>Normiertes Vorgehen zur Dokumentation durch ISO/IEEE (z.B. ISO-26514 oder -26511)</a:t>
-            </a:r>
-            <a:endParaRPr/>
-          </a:p>
-          <a:p>
-            <a:pPr algn="l">
-              <a:defRPr/>
-            </a:pPr>
+              <a:t>Gut strukturierte Dokumentation profitiert nicht nur dem User, sondern der entwickelnden Firma auch</a:t>
+            </a:r>
             <a:endParaRPr/>
           </a:p>
         </p:txBody>
       </p:sp>
       <p:pic>
         <p:nvPicPr>
-          <p:cNvPr id="343123670" name="" hidden="0"/>
+          <p:cNvPr id="1297501717" name="" hidden="0"/>
           <p:cNvPicPr>
             <a:picLocks noChangeAspect="1"/>
           </p:cNvPicPr>
@@ -8749,9 +9080,31 @@
           <a:stretch/>
         </p:blipFill>
         <p:spPr bwMode="auto">
-          <a:xfrm rot="683733" flipH="0" flipV="0">
-            <a:off x="10603679" y="3974513"/>
-            <a:ext cx="1104899" cy="1104899"/>
+          <a:xfrm rot="16199969" flipH="0" flipV="0">
+            <a:off x="10685857" y="2654652"/>
+            <a:ext cx="849135" cy="849135"/>
+          </a:xfrm>
+          <a:prstGeom prst="rect">
+            <a:avLst/>
+          </a:prstGeom>
+        </p:spPr>
+      </p:pic>
+      <p:pic>
+        <p:nvPicPr>
+          <p:cNvPr id="20291666" name="" hidden="0"/>
+          <p:cNvPicPr>
+            <a:picLocks noChangeAspect="1"/>
+          </p:cNvPicPr>
+          <p:nvPr isPhoto="0" userDrawn="0"/>
+        </p:nvPicPr>
+        <p:blipFill>
+          <a:blip r:embed="rId4"/>
+          <a:stretch/>
+        </p:blipFill>
+        <p:spPr bwMode="auto">
+          <a:xfrm flipH="0" flipV="0">
+            <a:off x="5603510" y="4127499"/>
+            <a:ext cx="1013530" cy="1013530"/>
           </a:xfrm>
           <a:prstGeom prst="rect">
             <a:avLst/>
@@ -8793,7 +9146,7 @@
       </p:grpSpPr>
       <p:sp>
         <p:nvSpPr>
-          <p:cNvPr id="2" name="Título 1" hidden="0"/>
+          <p:cNvPr id="1203341908" name="Título 1" hidden="0"/>
           <p:cNvSpPr>
             <a:spLocks noGrp="1"/>
           </p:cNvSpPr>
@@ -8811,22 +9164,22 @@
             </a:pPr>
             <a:r>
               <a:rPr lang="de-DE"/>
-              <a:t>Gegenstand der Arbeit</a:t>
+              <a:t>Dokumentation von Webanwendungen</a:t>
             </a:r>
             <a:br>
               <a:rPr lang="de-DE"/>
             </a:br>
             <a:r>
               <a:rPr lang="de-DE" sz="1600" i="1"/>
-              <a:t>Eine DSL zur automatischen Generation der Nutzerdokumentation </a:t>
-            </a:r>
-            <a:endParaRPr/>
-          </a:p>
-        </p:txBody>
-      </p:sp>
-      <p:sp>
-        <p:nvSpPr>
-          <p:cNvPr id="3" name="Marcador de contenido 2" hidden="0"/>
+              <a:t>Ziel und Relevanz</a:t>
+            </a:r>
+            <a:endParaRPr/>
+          </a:p>
+        </p:txBody>
+      </p:sp>
+      <p:sp>
+        <p:nvSpPr>
+          <p:cNvPr id="166929968" name="Marcador de contenido 2" hidden="0"/>
           <p:cNvSpPr>
             <a:spLocks noGrp="1"/>
           </p:cNvSpPr>
@@ -8834,39 +9187,63 @@
             <p:ph idx="1" hasCustomPrompt="0"/>
           </p:nvPr>
         </p:nvSpPr>
-        <p:spPr bwMode="auto"/>
+        <p:spPr bwMode="auto">
+          <a:xfrm flipH="0" flipV="0">
+            <a:off x="1534695" y="2275504"/>
+            <a:ext cx="9520157" cy="2625540"/>
+          </a:xfrm>
+        </p:spPr>
         <p:txBody>
           <a:bodyPr vertOverflow="overflow" horzOverflow="clip" vert="horz" wrap="square" lIns="91440" tIns="45720" rIns="91440" bIns="45720" numCol="1" spcCol="0" rtlCol="0" fromWordArt="0" anchor="t" anchorCtr="0" forceAA="0" upright="0" compatLnSpc="0">
             <a:normAutofit/>
           </a:bodyPr>
           <a:lstStyle/>
           <a:p>
-            <a:pPr>
+            <a:pPr algn="l">
               <a:defRPr/>
             </a:pPr>
             <a:r>
               <a:rPr/>
-              <a:t>Nutzung der Vorteile der Entwicklung mit DSL, um eine Lösung vorzuschlagen</a:t>
-            </a:r>
-            <a:endParaRPr/>
-          </a:p>
-          <a:p>
-            <a:pPr>
+              <a:t>Erster Ansatzpunkt für den Entwickler dem Endbenutzer das Wissen zu vermittlen, um mit der Anwendung angemessen zu interagieren</a:t>
+            </a:r>
+            <a:endParaRPr/>
+          </a:p>
+          <a:p>
+            <a:pPr algn="l">
               <a:defRPr/>
             </a:pPr>
             <a:r>
               <a:rPr/>
-              <a:t>Basis liefert die Cinco Entwicklungsumgebung samt der Modelierungssprachen für eine graphischen DSL (MGL, MSL, CPD)</a:t>
-            </a:r>
-            <a:endParaRPr/>
-          </a:p>
-          <a:p>
-            <a:pPr>
-              <a:defRPr/>
-            </a:pPr>
+              <a:t>In unserem Fall </a:t>
+            </a:r>
+            <a:r>
+              <a:rPr>
+                <a:latin typeface="Akaash"/>
+                <a:ea typeface="Akaash"/>
+                <a:cs typeface="Akaash"/>
+              </a:rPr>
+              <a:t>‣</a:t>
+            </a:r>
             <a:r>
               <a:rPr/>
-              <a:t>Vergleichbare Arbeiten schlugen Lösungen in der Vergangenheit vor, dennoch werden diese Projekte nicht mehr aktiv weiterentwickelt.</a:t>
+              <a:t> Beschreibung und Navigationsanweisungen der User Interface (UI) mit unterstützenden Bildern</a:t>
+            </a:r>
+            <a:endParaRPr/>
+          </a:p>
+          <a:p>
+            <a:pPr algn="l">
+              <a:defRPr/>
+            </a:pPr>
+            <a:r>
+              <a:rPr lang="en-US" sz="2000" b="0" i="0" u="none" strike="noStrike" cap="none" spc="0">
+                <a:solidFill>
+                  <a:schemeClr val="tx1"/>
+                </a:solidFill>
+                <a:latin typeface="+mn-lt"/>
+                <a:ea typeface="+mn-ea"/>
+                <a:cs typeface="+mn-cs"/>
+              </a:rPr>
+              <a:t>Normiertes Vorgehen zur Dokumentation durch ISO/IEEE (z.B. ISO-26514 oder -26511)</a:t>
             </a:r>
             <a:endParaRPr/>
           </a:p>
@@ -8874,7 +9251,7 @@
       </p:sp>
       <p:pic>
         <p:nvPicPr>
-          <p:cNvPr id="1630273109" name="" hidden="0"/>
+          <p:cNvPr id="343123670" name="" hidden="0"/>
           <p:cNvPicPr>
             <a:picLocks noChangeAspect="1"/>
           </p:cNvPicPr>
@@ -8885,9 +9262,31 @@
           <a:stretch/>
         </p:blipFill>
         <p:spPr bwMode="auto">
-          <a:xfrm flipH="0" flipV="0">
-            <a:off x="9483920" y="2394947"/>
-            <a:ext cx="2188967" cy="767871"/>
+          <a:xfrm rot="683733" flipH="0" flipV="0">
+            <a:off x="10603679" y="3974513"/>
+            <a:ext cx="1104899" cy="1104899"/>
+          </a:xfrm>
+          <a:prstGeom prst="rect">
+            <a:avLst/>
+          </a:prstGeom>
+        </p:spPr>
+      </p:pic>
+      <p:pic>
+        <p:nvPicPr>
+          <p:cNvPr id="173501921" name="" hidden="0"/>
+          <p:cNvPicPr>
+            <a:picLocks noChangeAspect="1"/>
+          </p:cNvPicPr>
+          <p:nvPr isPhoto="0" userDrawn="0"/>
+        </p:nvPicPr>
+        <p:blipFill>
+          <a:blip r:embed="rId4"/>
+          <a:stretch/>
+        </p:blipFill>
+        <p:spPr bwMode="auto">
+          <a:xfrm>
+            <a:off x="10369333" y="1745672"/>
+            <a:ext cx="1219199" cy="1219199"/>
           </a:xfrm>
           <a:prstGeom prst="rect">
             <a:avLst/>
@@ -8929,7 +9328,7 @@
       </p:grpSpPr>
       <p:sp>
         <p:nvSpPr>
-          <p:cNvPr id="1917197885" name="Título 1" hidden="0"/>
+          <p:cNvPr id="2" name="Título 1" hidden="0"/>
           <p:cNvSpPr>
             <a:spLocks noGrp="1"/>
           </p:cNvSpPr>
@@ -8947,34 +9346,22 @@
             </a:pPr>
             <a:r>
               <a:rPr lang="de-DE"/>
-              <a:t>Methodologie</a:t>
+              <a:t>Gegenstand der Arbeit</a:t>
             </a:r>
             <a:br>
               <a:rPr lang="de-DE"/>
             </a:br>
             <a:r>
               <a:rPr lang="de-DE" sz="1600" i="1"/>
-              <a:t>graphische DSL aus </a:t>
-            </a:r>
-            <a:r>
-              <a:rPr lang="de-DE" sz="1600" i="1">
-                <a:latin typeface="URW Bookman"/>
-                <a:ea typeface="URW Bookman"/>
-                <a:cs typeface="URW Bookman"/>
-              </a:rPr>
-              <a:t>Cinco</a:t>
-            </a:r>
-            <a:r>
-              <a:rPr lang="de-DE" sz="1600" i="1"/>
-              <a:t> Metasprachen</a:t>
-            </a:r>
-            <a:endParaRPr/>
-          </a:p>
-        </p:txBody>
-      </p:sp>
-      <p:sp>
-        <p:nvSpPr>
-          <p:cNvPr id="1098515983" name="Marcador de contenido 2" hidden="0"/>
+              <a:t>Eine DSL zur automatischen Generation der Nutzerdokumentation </a:t>
+            </a:r>
+            <a:endParaRPr/>
+          </a:p>
+        </p:txBody>
+      </p:sp>
+      <p:sp>
+        <p:nvSpPr>
+          <p:cNvPr id="3" name="Marcador de contenido 2" hidden="0"/>
           <p:cNvSpPr>
             <a:spLocks noGrp="1"/>
           </p:cNvSpPr>
@@ -8982,14 +9369,298 @@
             <p:ph idx="1" hasCustomPrompt="0"/>
           </p:nvPr>
         </p:nvSpPr>
-        <p:spPr bwMode="auto"/>
-        <p:txBody>
-          <a:bodyPr/>
+        <p:spPr bwMode="auto">
+          <a:xfrm flipH="0" flipV="0">
+            <a:off x="1534695" y="2015731"/>
+            <a:ext cx="9520157" cy="1721795"/>
+          </a:xfrm>
+        </p:spPr>
+        <p:txBody>
+          <a:bodyPr vertOverflow="overflow" horzOverflow="clip" vert="horz" wrap="square" lIns="91440" tIns="45720" rIns="91440" bIns="45720" numCol="1" spcCol="0" rtlCol="0" fromWordArt="0" anchor="t" anchorCtr="0" forceAA="0" upright="0" compatLnSpc="0">
+            <a:normAutofit/>
+          </a:bodyPr>
           <a:lstStyle/>
           <a:p>
             <a:pPr>
               <a:defRPr/>
             </a:pPr>
+            <a:r>
+              <a:rPr/>
+              <a:t>Model-basierte Lösung vorschlagen, die die Vorteile der Entwicklung mit DSL ausnutzt, um Endbenutzerdokumentation automatisch zu generieren </a:t>
+            </a:r>
+            <a:endParaRPr/>
+          </a:p>
+          <a:p>
+            <a:pPr>
+              <a:defRPr/>
+            </a:pPr>
+            <a:r>
+              <a:rPr/>
+              <a:t>Den Grundstein liefert die Cinco Entwicklungsumgebung samt der Modelierungssprachen </a:t>
+            </a:r>
+            <a:r>
+              <a:rPr/>
+              <a:t>(MGL, MSL, CPD)</a:t>
+            </a:r>
+            <a:endParaRPr/>
+          </a:p>
+        </p:txBody>
+      </p:sp>
+      <p:pic>
+        <p:nvPicPr>
+          <p:cNvPr id="57513757" name="" hidden="0"/>
+          <p:cNvPicPr>
+            <a:picLocks noChangeAspect="1"/>
+          </p:cNvPicPr>
+          <p:nvPr isPhoto="0" userDrawn="0"/>
+        </p:nvPicPr>
+        <p:blipFill>
+          <a:blip r:embed="rId3"/>
+          <a:stretch/>
+        </p:blipFill>
+        <p:spPr bwMode="auto">
+          <a:xfrm flipH="0" flipV="0">
+            <a:off x="8247961" y="3364809"/>
+            <a:ext cx="3365022" cy="2370896"/>
+          </a:xfrm>
+          <a:prstGeom prst="rect">
+            <a:avLst/>
+          </a:prstGeom>
+        </p:spPr>
+      </p:pic>
+      <p:sp>
+        <p:nvSpPr>
+          <p:cNvPr id="80208309" name="Marcador de contenido 2" hidden="0"/>
+          <p:cNvSpPr>
+            <a:spLocks noGrp="1"/>
+          </p:cNvSpPr>
+          <p:nvPr isPhoto="0" userDrawn="0"/>
+        </p:nvSpPr>
+        <p:spPr bwMode="auto">
+          <a:xfrm flipH="0" flipV="0">
+            <a:off x="1482928" y="3737526"/>
+            <a:ext cx="6765033" cy="1998179"/>
+          </a:xfrm>
+        </p:spPr>
+        <p:txBody>
+          <a:bodyPr vertOverflow="overflow" horzOverflow="clip" vert="horz" wrap="square" lIns="91440" tIns="45720" rIns="91440" bIns="45720" numCol="1" spcCol="0" rtlCol="0" fromWordArt="0" anchor="t" anchorCtr="0" forceAA="0" upright="0" compatLnSpc="0">
+            <a:normAutofit/>
+          </a:bodyPr>
+          <a:lstStyle>
+            <a:lvl1pPr marL="228600" indent="-228600" algn="l" defTabSz="914400">
+              <a:lnSpc>
+                <a:spcPct val="120000"/>
+              </a:lnSpc>
+              <a:spcBef>
+                <a:spcPts val="999"/>
+              </a:spcBef>
+              <a:buClr>
+                <a:schemeClr val="accent1"/>
+              </a:buClr>
+              <a:buSzPct val="100000"/>
+              <a:buFont typeface="Arial"/>
+              <a:buChar char="•"/>
+              <a:defRPr sz="2000">
+                <a:solidFill>
+                  <a:schemeClr val="tx1"/>
+                </a:solidFill>
+                <a:latin typeface="+mn-lt"/>
+                <a:ea typeface="+mn-ea"/>
+                <a:cs typeface="+mn-cs"/>
+              </a:defRPr>
+            </a:lvl1pPr>
+            <a:lvl2pPr marL="685800" indent="-228600" algn="l" defTabSz="914400">
+              <a:lnSpc>
+                <a:spcPct val="120000"/>
+              </a:lnSpc>
+              <a:spcBef>
+                <a:spcPts val="499"/>
+              </a:spcBef>
+              <a:buClr>
+                <a:schemeClr val="accent1"/>
+              </a:buClr>
+              <a:buSzPct val="100000"/>
+              <a:buFont typeface="Arial"/>
+              <a:buChar char="•"/>
+              <a:defRPr sz="1800" cap="none">
+                <a:solidFill>
+                  <a:schemeClr val="tx1"/>
+                </a:solidFill>
+                <a:latin typeface="+mn-lt"/>
+                <a:ea typeface="+mn-ea"/>
+                <a:cs typeface="+mn-cs"/>
+              </a:defRPr>
+            </a:lvl2pPr>
+            <a:lvl3pPr marL="1143000" indent="-228600" algn="l" defTabSz="914400">
+              <a:lnSpc>
+                <a:spcPct val="120000"/>
+              </a:lnSpc>
+              <a:spcBef>
+                <a:spcPts val="499"/>
+              </a:spcBef>
+              <a:buClr>
+                <a:schemeClr val="accent1"/>
+              </a:buClr>
+              <a:buSzPct val="100000"/>
+              <a:buFont typeface="Arial"/>
+              <a:buChar char="•"/>
+              <a:defRPr sz="1600">
+                <a:solidFill>
+                  <a:schemeClr val="tx1"/>
+                </a:solidFill>
+                <a:latin typeface="+mn-lt"/>
+                <a:ea typeface="+mn-ea"/>
+                <a:cs typeface="+mn-cs"/>
+              </a:defRPr>
+            </a:lvl3pPr>
+            <a:lvl4pPr marL="1600200" indent="-228600" algn="l" defTabSz="914400">
+              <a:lnSpc>
+                <a:spcPct val="120000"/>
+              </a:lnSpc>
+              <a:spcBef>
+                <a:spcPts val="499"/>
+              </a:spcBef>
+              <a:buClr>
+                <a:schemeClr val="accent1"/>
+              </a:buClr>
+              <a:buSzPct val="100000"/>
+              <a:buFont typeface="Arial"/>
+              <a:buChar char="•"/>
+              <a:defRPr sz="1400" cap="none">
+                <a:solidFill>
+                  <a:schemeClr val="tx1"/>
+                </a:solidFill>
+                <a:latin typeface="+mn-lt"/>
+                <a:ea typeface="+mn-ea"/>
+                <a:cs typeface="+mn-cs"/>
+              </a:defRPr>
+            </a:lvl4pPr>
+            <a:lvl5pPr marL="2057400" indent="-228600" algn="l" defTabSz="914400">
+              <a:lnSpc>
+                <a:spcPct val="120000"/>
+              </a:lnSpc>
+              <a:spcBef>
+                <a:spcPts val="499"/>
+              </a:spcBef>
+              <a:buClr>
+                <a:schemeClr val="accent1"/>
+              </a:buClr>
+              <a:buSzPct val="100000"/>
+              <a:buFont typeface="Arial"/>
+              <a:buChar char="•"/>
+              <a:defRPr sz="1200">
+                <a:solidFill>
+                  <a:schemeClr val="tx1"/>
+                </a:solidFill>
+                <a:latin typeface="+mn-lt"/>
+                <a:ea typeface="+mn-ea"/>
+                <a:cs typeface="+mn-cs"/>
+              </a:defRPr>
+            </a:lvl5pPr>
+            <a:lvl6pPr marL="2514599" indent="-228600" algn="l" defTabSz="914400">
+              <a:lnSpc>
+                <a:spcPct val="120000"/>
+              </a:lnSpc>
+              <a:spcBef>
+                <a:spcPts val="499"/>
+              </a:spcBef>
+              <a:buClr>
+                <a:schemeClr val="accent1"/>
+              </a:buClr>
+              <a:buSzPct val="100000"/>
+              <a:buFont typeface="Arial"/>
+              <a:buChar char="•"/>
+              <a:defRPr sz="1200">
+                <a:solidFill>
+                  <a:schemeClr val="tx1"/>
+                </a:solidFill>
+                <a:latin typeface="+mn-lt"/>
+                <a:ea typeface="+mn-ea"/>
+                <a:cs typeface="+mn-cs"/>
+              </a:defRPr>
+            </a:lvl6pPr>
+            <a:lvl7pPr marL="2971800" indent="-228600" algn="l" defTabSz="914400">
+              <a:lnSpc>
+                <a:spcPct val="120000"/>
+              </a:lnSpc>
+              <a:spcBef>
+                <a:spcPts val="499"/>
+              </a:spcBef>
+              <a:buClr>
+                <a:schemeClr val="accent1"/>
+              </a:buClr>
+              <a:buSzPct val="100000"/>
+              <a:buFont typeface="Arial"/>
+              <a:buChar char="•"/>
+              <a:defRPr sz="1200">
+                <a:solidFill>
+                  <a:schemeClr val="tx1"/>
+                </a:solidFill>
+                <a:latin typeface="+mn-lt"/>
+                <a:ea typeface="+mn-ea"/>
+                <a:cs typeface="+mn-cs"/>
+              </a:defRPr>
+            </a:lvl7pPr>
+            <a:lvl8pPr marL="3429000" indent="-228600" algn="l" defTabSz="914400">
+              <a:lnSpc>
+                <a:spcPct val="120000"/>
+              </a:lnSpc>
+              <a:spcBef>
+                <a:spcPts val="499"/>
+              </a:spcBef>
+              <a:buClr>
+                <a:schemeClr val="accent1"/>
+              </a:buClr>
+              <a:buSzPct val="100000"/>
+              <a:buFont typeface="Arial"/>
+              <a:buChar char="•"/>
+              <a:defRPr sz="1200">
+                <a:solidFill>
+                  <a:schemeClr val="tx1"/>
+                </a:solidFill>
+                <a:latin typeface="+mn-lt"/>
+                <a:ea typeface="+mn-ea"/>
+                <a:cs typeface="+mn-cs"/>
+              </a:defRPr>
+            </a:lvl8pPr>
+            <a:lvl9pPr marL="3886200" indent="-228600" algn="l" defTabSz="914400">
+              <a:lnSpc>
+                <a:spcPct val="120000"/>
+              </a:lnSpc>
+              <a:spcBef>
+                <a:spcPts val="499"/>
+              </a:spcBef>
+              <a:buClr>
+                <a:schemeClr val="accent1"/>
+              </a:buClr>
+              <a:buSzPct val="100000"/>
+              <a:buFont typeface="Arial"/>
+              <a:buChar char="•"/>
+              <a:defRPr sz="1200">
+                <a:solidFill>
+                  <a:schemeClr val="tx1"/>
+                </a:solidFill>
+                <a:latin typeface="+mn-lt"/>
+                <a:ea typeface="+mn-ea"/>
+                <a:cs typeface="+mn-cs"/>
+              </a:defRPr>
+            </a:lvl9pPr>
+          </a:lstStyle>
+          <a:p>
+            <a:pPr>
+              <a:defRPr/>
+            </a:pPr>
+            <a:r>
+              <a:rPr lang="en-US" sz="2000" b="0" i="0" u="none" strike="noStrike" cap="none" spc="0">
+                <a:solidFill>
+                  <a:schemeClr val="tx1"/>
+                </a:solidFill>
+                <a:latin typeface="Palatino Linotype"/>
+                <a:ea typeface="Arial"/>
+                <a:cs typeface="Arial"/>
+              </a:rPr>
+              <a:t>Diese Modelierungssprachen fundieren als Metamodelierungssprachen zur graphischen Sprache mit der Dokumentationsmodele entworfen werden</a:t>
+            </a:r>
             <a:endParaRPr/>
           </a:p>
         </p:txBody>
@@ -9029,7 +9700,7 @@
       </p:grpSpPr>
       <p:sp>
         <p:nvSpPr>
-          <p:cNvPr id="737948483" name="Título 1" hidden="0"/>
+          <p:cNvPr id="1136142833" name="Título 1" hidden="0"/>
           <p:cNvSpPr>
             <a:spLocks noGrp="1"/>
           </p:cNvSpPr>
@@ -9047,22 +9718,22 @@
             </a:pPr>
             <a:r>
               <a:rPr lang="de-DE"/>
-              <a:t>Ergebnisse</a:t>
+              <a:t>Gegenstand der Arbeit</a:t>
             </a:r>
             <a:br>
               <a:rPr lang="de-DE"/>
             </a:br>
             <a:r>
               <a:rPr lang="de-DE" sz="1600" i="1"/>
-              <a:t>WebDoc - Web Application Documentor</a:t>
-            </a:r>
-            <a:endParaRPr/>
-          </a:p>
-        </p:txBody>
-      </p:sp>
-      <p:sp>
-        <p:nvSpPr>
-          <p:cNvPr id="1419255848" name="Marcador de contenido 2" hidden="0"/>
+              <a:t>Eine DSL zur automatischen Generation der Nutzerdokumentation </a:t>
+            </a:r>
+            <a:endParaRPr/>
+          </a:p>
+        </p:txBody>
+      </p:sp>
+      <p:sp>
+        <p:nvSpPr>
+          <p:cNvPr id="49066044" name="Marcador de contenido 2" hidden="0"/>
           <p:cNvSpPr>
             <a:spLocks noGrp="1"/>
           </p:cNvSpPr>
@@ -9070,14 +9741,272 @@
             <p:ph idx="1" hasCustomPrompt="0"/>
           </p:nvPr>
         </p:nvSpPr>
-        <p:spPr bwMode="auto"/>
-        <p:txBody>
-          <a:bodyPr/>
+        <p:spPr bwMode="auto">
+          <a:xfrm flipH="0" flipV="0">
+            <a:off x="1534695" y="2015731"/>
+            <a:ext cx="9520157" cy="1680382"/>
+          </a:xfrm>
+        </p:spPr>
+        <p:txBody>
+          <a:bodyPr vertOverflow="overflow" horzOverflow="clip" vert="horz" wrap="square" lIns="91440" tIns="45720" rIns="91440" bIns="45720" numCol="1" spcCol="0" rtlCol="0" fromWordArt="0" anchor="t" anchorCtr="0" forceAA="0" upright="0" compatLnSpc="0">
+            <a:normAutofit/>
+          </a:bodyPr>
           <a:lstStyle/>
           <a:p>
             <a:pPr>
               <a:defRPr/>
             </a:pPr>
+            <a:r>
+              <a:rPr/>
+              <a:t>Die graphische Sprache - bestehend aus Browser UI Elemente - wird zum Entwerfen des Dokumentationsmodels verwendet</a:t>
+            </a:r>
+            <a:endParaRPr/>
+          </a:p>
+          <a:p>
+            <a:pPr>
+              <a:defRPr/>
+            </a:pPr>
+            <a:r>
+              <a:rPr/>
+              <a:t>Das Endresultat ist eine Dokumentation in Textformat (Markdown) mit Screenshot</a:t>
+            </a:r>
+            <a:endParaRPr/>
+          </a:p>
+        </p:txBody>
+      </p:sp>
+      <p:sp>
+        <p:nvSpPr>
+          <p:cNvPr id="1925263076" name="Marcador de contenido 2" hidden="0"/>
+          <p:cNvSpPr>
+            <a:spLocks noGrp="1"/>
+          </p:cNvSpPr>
+          <p:nvPr isPhoto="0" userDrawn="0"/>
+        </p:nvSpPr>
+        <p:spPr bwMode="auto">
+          <a:xfrm flipH="0" flipV="0">
+            <a:off x="1534694" y="4396980"/>
+            <a:ext cx="9520157" cy="810709"/>
+          </a:xfrm>
+        </p:spPr>
+        <p:txBody>
+          <a:bodyPr vertOverflow="overflow" horzOverflow="clip" vert="horz" wrap="square" lIns="91440" tIns="45720" rIns="91440" bIns="45720" numCol="1" spcCol="0" rtlCol="0" fromWordArt="0" anchor="t" anchorCtr="0" forceAA="0" upright="0" compatLnSpc="0">
+            <a:normAutofit/>
+          </a:bodyPr>
+          <a:lstStyle>
+            <a:lvl1pPr marL="228600" indent="-228600" algn="l" defTabSz="914400">
+              <a:lnSpc>
+                <a:spcPct val="120000"/>
+              </a:lnSpc>
+              <a:spcBef>
+                <a:spcPts val="999"/>
+              </a:spcBef>
+              <a:buClr>
+                <a:schemeClr val="accent1"/>
+              </a:buClr>
+              <a:buSzPct val="100000"/>
+              <a:buFont typeface="Arial"/>
+              <a:buChar char="•"/>
+              <a:defRPr sz="2000">
+                <a:solidFill>
+                  <a:schemeClr val="tx1"/>
+                </a:solidFill>
+                <a:latin typeface="+mn-lt"/>
+                <a:ea typeface="+mn-ea"/>
+                <a:cs typeface="+mn-cs"/>
+              </a:defRPr>
+            </a:lvl1pPr>
+            <a:lvl2pPr marL="685800" indent="-228600" algn="l" defTabSz="914400">
+              <a:lnSpc>
+                <a:spcPct val="120000"/>
+              </a:lnSpc>
+              <a:spcBef>
+                <a:spcPts val="499"/>
+              </a:spcBef>
+              <a:buClr>
+                <a:schemeClr val="accent1"/>
+              </a:buClr>
+              <a:buSzPct val="100000"/>
+              <a:buFont typeface="Arial"/>
+              <a:buChar char="•"/>
+              <a:defRPr sz="1800" cap="none">
+                <a:solidFill>
+                  <a:schemeClr val="tx1"/>
+                </a:solidFill>
+                <a:latin typeface="+mn-lt"/>
+                <a:ea typeface="+mn-ea"/>
+                <a:cs typeface="+mn-cs"/>
+              </a:defRPr>
+            </a:lvl2pPr>
+            <a:lvl3pPr marL="1143000" indent="-228600" algn="l" defTabSz="914400">
+              <a:lnSpc>
+                <a:spcPct val="120000"/>
+              </a:lnSpc>
+              <a:spcBef>
+                <a:spcPts val="499"/>
+              </a:spcBef>
+              <a:buClr>
+                <a:schemeClr val="accent1"/>
+              </a:buClr>
+              <a:buSzPct val="100000"/>
+              <a:buFont typeface="Arial"/>
+              <a:buChar char="•"/>
+              <a:defRPr sz="1600">
+                <a:solidFill>
+                  <a:schemeClr val="tx1"/>
+                </a:solidFill>
+                <a:latin typeface="+mn-lt"/>
+                <a:ea typeface="+mn-ea"/>
+                <a:cs typeface="+mn-cs"/>
+              </a:defRPr>
+            </a:lvl3pPr>
+            <a:lvl4pPr marL="1600200" indent="-228600" algn="l" defTabSz="914400">
+              <a:lnSpc>
+                <a:spcPct val="120000"/>
+              </a:lnSpc>
+              <a:spcBef>
+                <a:spcPts val="499"/>
+              </a:spcBef>
+              <a:buClr>
+                <a:schemeClr val="accent1"/>
+              </a:buClr>
+              <a:buSzPct val="100000"/>
+              <a:buFont typeface="Arial"/>
+              <a:buChar char="•"/>
+              <a:defRPr sz="1400" cap="none">
+                <a:solidFill>
+                  <a:schemeClr val="tx1"/>
+                </a:solidFill>
+                <a:latin typeface="+mn-lt"/>
+                <a:ea typeface="+mn-ea"/>
+                <a:cs typeface="+mn-cs"/>
+              </a:defRPr>
+            </a:lvl4pPr>
+            <a:lvl5pPr marL="2057400" indent="-228600" algn="l" defTabSz="914400">
+              <a:lnSpc>
+                <a:spcPct val="120000"/>
+              </a:lnSpc>
+              <a:spcBef>
+                <a:spcPts val="499"/>
+              </a:spcBef>
+              <a:buClr>
+                <a:schemeClr val="accent1"/>
+              </a:buClr>
+              <a:buSzPct val="100000"/>
+              <a:buFont typeface="Arial"/>
+              <a:buChar char="•"/>
+              <a:defRPr sz="1200">
+                <a:solidFill>
+                  <a:schemeClr val="tx1"/>
+                </a:solidFill>
+                <a:latin typeface="+mn-lt"/>
+                <a:ea typeface="+mn-ea"/>
+                <a:cs typeface="+mn-cs"/>
+              </a:defRPr>
+            </a:lvl5pPr>
+            <a:lvl6pPr marL="2514599" indent="-228600" algn="l" defTabSz="914400">
+              <a:lnSpc>
+                <a:spcPct val="120000"/>
+              </a:lnSpc>
+              <a:spcBef>
+                <a:spcPts val="499"/>
+              </a:spcBef>
+              <a:buClr>
+                <a:schemeClr val="accent1"/>
+              </a:buClr>
+              <a:buSzPct val="100000"/>
+              <a:buFont typeface="Arial"/>
+              <a:buChar char="•"/>
+              <a:defRPr sz="1200">
+                <a:solidFill>
+                  <a:schemeClr val="tx1"/>
+                </a:solidFill>
+                <a:latin typeface="+mn-lt"/>
+                <a:ea typeface="+mn-ea"/>
+                <a:cs typeface="+mn-cs"/>
+              </a:defRPr>
+            </a:lvl6pPr>
+            <a:lvl7pPr marL="2971800" indent="-228600" algn="l" defTabSz="914400">
+              <a:lnSpc>
+                <a:spcPct val="120000"/>
+              </a:lnSpc>
+              <a:spcBef>
+                <a:spcPts val="499"/>
+              </a:spcBef>
+              <a:buClr>
+                <a:schemeClr val="accent1"/>
+              </a:buClr>
+              <a:buSzPct val="100000"/>
+              <a:buFont typeface="Arial"/>
+              <a:buChar char="•"/>
+              <a:defRPr sz="1200">
+                <a:solidFill>
+                  <a:schemeClr val="tx1"/>
+                </a:solidFill>
+                <a:latin typeface="+mn-lt"/>
+                <a:ea typeface="+mn-ea"/>
+                <a:cs typeface="+mn-cs"/>
+              </a:defRPr>
+            </a:lvl7pPr>
+            <a:lvl8pPr marL="3429000" indent="-228600" algn="l" defTabSz="914400">
+              <a:lnSpc>
+                <a:spcPct val="120000"/>
+              </a:lnSpc>
+              <a:spcBef>
+                <a:spcPts val="499"/>
+              </a:spcBef>
+              <a:buClr>
+                <a:schemeClr val="accent1"/>
+              </a:buClr>
+              <a:buSzPct val="100000"/>
+              <a:buFont typeface="Arial"/>
+              <a:buChar char="•"/>
+              <a:defRPr sz="1200">
+                <a:solidFill>
+                  <a:schemeClr val="tx1"/>
+                </a:solidFill>
+                <a:latin typeface="+mn-lt"/>
+                <a:ea typeface="+mn-ea"/>
+                <a:cs typeface="+mn-cs"/>
+              </a:defRPr>
+            </a:lvl8pPr>
+            <a:lvl9pPr marL="3886200" indent="-228600" algn="l" defTabSz="914400">
+              <a:lnSpc>
+                <a:spcPct val="120000"/>
+              </a:lnSpc>
+              <a:spcBef>
+                <a:spcPts val="499"/>
+              </a:spcBef>
+              <a:buClr>
+                <a:schemeClr val="accent1"/>
+              </a:buClr>
+              <a:buSzPct val="100000"/>
+              <a:buFont typeface="Arial"/>
+              <a:buChar char="•"/>
+              <a:defRPr sz="1200">
+                <a:solidFill>
+                  <a:schemeClr val="tx1"/>
+                </a:solidFill>
+                <a:latin typeface="+mn-lt"/>
+                <a:ea typeface="+mn-ea"/>
+                <a:cs typeface="+mn-cs"/>
+              </a:defRPr>
+            </a:lvl9pPr>
+          </a:lstStyle>
+          <a:p>
+            <a:pPr>
+              <a:defRPr/>
+            </a:pPr>
+            <a:r>
+              <a:rPr lang="en-US" sz="2000" b="0" i="0" u="none" strike="noStrike" cap="none" spc="0">
+                <a:solidFill>
+                  <a:schemeClr val="tx1"/>
+                </a:solidFill>
+                <a:latin typeface="Palatino Linotype"/>
+                <a:ea typeface="Arial"/>
+                <a:cs typeface="Arial"/>
+              </a:rPr>
+              <a:t>Vergleichbare Arbeiten schlugen Lösungen in der Vergangenheit vor, dennoch werden diese Projekte nicht mehr aktiv weiterentwickelt</a:t>
+            </a:r>
             <a:endParaRPr/>
           </a:p>
         </p:txBody>
@@ -9117,7 +10046,7 @@
       </p:grpSpPr>
       <p:sp>
         <p:nvSpPr>
-          <p:cNvPr id="1417253658" name="Título 1" hidden="0"/>
+          <p:cNvPr id="1917197885" name="Título 1" hidden="0"/>
           <p:cNvSpPr>
             <a:spLocks noGrp="1"/>
           </p:cNvSpPr>
@@ -9135,48 +10064,55 @@
             </a:pPr>
             <a:r>
               <a:rPr lang="de-DE"/>
-              <a:t>Demo</a:t>
+              <a:t>Methodologie</a:t>
             </a:r>
             <a:br>
               <a:rPr lang="de-DE"/>
             </a:br>
             <a:r>
-              <a:rPr lang="de-DE" sz="1600" b="0" i="1" u="none" strike="noStrike" cap="none" spc="0">
-                <a:solidFill>
-                  <a:schemeClr val="tx1"/>
-                </a:solidFill>
-                <a:latin typeface="+mj-lt"/>
-                <a:ea typeface="+mj-ea"/>
-                <a:cs typeface="+mj-cs"/>
+              <a:rPr lang="de-DE" sz="1600" i="1"/>
+              <a:t>graphische DSL aus </a:t>
+            </a:r>
+            <a:r>
+              <a:rPr lang="de-DE" sz="1600" i="1">
+                <a:latin typeface="URW Bookman"/>
+                <a:ea typeface="URW Bookman"/>
+                <a:cs typeface="URW Bookman"/>
               </a:rPr>
-              <a:t>WebDoc - Web Application Documentor</a:t>
-            </a:r>
-            <a:endParaRPr/>
-          </a:p>
-        </p:txBody>
-      </p:sp>
-      <p:sp>
-        <p:nvSpPr>
-          <p:cNvPr id="514216593" name="Marcador de contenido 2" hidden="0"/>
-          <p:cNvSpPr>
-            <a:spLocks noGrp="1"/>
-          </p:cNvSpPr>
+              <a:t>Cinco</a:t>
+            </a:r>
+            <a:r>
+              <a:rPr lang="de-DE" sz="1600" i="1"/>
+              <a:t> Metasprachen</a:t>
+            </a:r>
+            <a:endParaRPr/>
+          </a:p>
+        </p:txBody>
+      </p:sp>
+      <p:pic>
+        <p:nvPicPr>
+          <p:cNvPr id="510116729" name="" hidden="0"/>
+          <p:cNvPicPr>
+            <a:picLocks noChangeAspect="1"/>
+          </p:cNvPicPr>
           <p:nvPr isPhoto="0" userDrawn="0">
             <p:ph idx="1" hasCustomPrompt="0"/>
           </p:nvPr>
-        </p:nvSpPr>
-        <p:spPr bwMode="auto"/>
-        <p:txBody>
-          <a:bodyPr/>
-          <a:lstStyle/>
-          <a:p>
-            <a:pPr>
-              <a:defRPr/>
-            </a:pPr>
-            <a:endParaRPr/>
-          </a:p>
-        </p:txBody>
-      </p:sp>
+        </p:nvPicPr>
+        <p:blipFill>
+          <a:blip r:embed="rId2"/>
+          <a:stretch/>
+        </p:blipFill>
+        <p:spPr bwMode="auto">
+          <a:xfrm rot="0">
+            <a:off x="1534695" y="1968145"/>
+            <a:ext cx="7353299" cy="1371600"/>
+          </a:xfrm>
+          <a:prstGeom prst="rect">
+            <a:avLst/>
+          </a:prstGeom>
+        </p:spPr>
+      </p:pic>
     </p:spTree>
   </p:cSld>
   <p:clrMapOvr>
@@ -9212,7 +10148,7 @@
       </p:grpSpPr>
       <p:sp>
         <p:nvSpPr>
-          <p:cNvPr id="157058720" name="Título 1" hidden="0"/>
+          <p:cNvPr id="737948483" name="Título 1" hidden="0"/>
           <p:cNvSpPr>
             <a:spLocks noGrp="1"/>
           </p:cNvSpPr>
@@ -9230,18 +10166,22 @@
             </a:pPr>
             <a:r>
               <a:rPr lang="de-DE"/>
-              <a:t>Fazit</a:t>
+              <a:t>Ergebnisse</a:t>
             </a:r>
             <a:br>
               <a:rPr lang="de-DE"/>
             </a:br>
-            <a:endParaRPr sz="1600"/>
-          </a:p>
-        </p:txBody>
-      </p:sp>
-      <p:sp>
-        <p:nvSpPr>
-          <p:cNvPr id="1934508904" name="Marcador de contenido 2" hidden="0"/>
+            <a:r>
+              <a:rPr lang="de-DE" sz="1600" i="1"/>
+              <a:t>WebDoc - Web Application Documentor</a:t>
+            </a:r>
+            <a:endParaRPr/>
+          </a:p>
+        </p:txBody>
+      </p:sp>
+      <p:sp>
+        <p:nvSpPr>
+          <p:cNvPr id="1419255848" name="Marcador de contenido 2" hidden="0"/>
           <p:cNvSpPr>
             <a:spLocks noGrp="1"/>
           </p:cNvSpPr>

--- a/Abschlussvortrag.pptx
+++ b/Abschlussvortrag.pptx
@@ -5,7 +5,7 @@
     <p:sldMasterId id="2147483648" r:id="rId1"/>
   </p:sldMasterIdLst>
   <p:notesMasterIdLst>
-    <p:notesMasterId r:id="rId17"/>
+    <p:notesMasterId r:id="rId21"/>
   </p:notesMasterIdLst>
   <p:sldIdLst>
     <p:sldId id="256" r:id="rId4"/>
@@ -21,6 +21,10 @@
     <p:sldId id="266" r:id="rId14"/>
     <p:sldId id="267" r:id="rId15"/>
     <p:sldId id="268" r:id="rId16"/>
+    <p:sldId id="269" r:id="rId17"/>
+    <p:sldId id="270" r:id="rId18"/>
+    <p:sldId id="271" r:id="rId19"/>
+    <p:sldId id="272" r:id="rId20"/>
   </p:sldIdLst>
   <p:sldSz cx="12192000" cy="6858000"/>
   <p:notesSz cx="12192000" cy="6858000"/>
@@ -1074,7 +1078,7 @@
             </a:pPr>
             <a:r>
               <a:rPr/>
-              <a:t>In dieser Arbeit werden die Vorteile der Entwicklung mit DSL genutzt, um eine Lösung f</a:t>
+              <a:t>In dieser Arbeit werden die Vorteile der Entwicklung mit Domain-spezifische Sprachen genutzt, um eine Lösung f</a:t>
             </a:r>
             <a:r>
               <a:rPr lang="en-US" sz="1200" b="0" i="0" u="none" strike="noStrike" cap="none" spc="0">
@@ -1087,14 +1091,48 @@
               </a:rPr>
               <a:t>ür die Integration des Designs der Endbenutzerdokumentation in den Anwendungsentwicklungsprozess vorzuschlagen.</a:t>
             </a:r>
+            <a:endParaRPr/>
+          </a:p>
+          <a:p>
+            <a:pPr>
+              <a:defRPr/>
+            </a:pPr>
+            <a:endParaRPr/>
+          </a:p>
+          <a:p>
+            <a:pPr>
+              <a:defRPr/>
+            </a:pPr>
             <a:r>
               <a:rPr/>
-              <a:t> Das heißt, unser Ziel ist es, ein Werkzeug zu entwicklen, das eine benutzerfreundliche Facade anzubieten, die auch von Nicht-programmierern verwendet werden kann</a:t>
+              <a:t>Vorteile der model-basierte (DSL-) Lösung: schnelles Entwerfen von Systemmodellen, Modelle abstrahieren und vereinfachen</a:t>
+            </a:r>
+            <a:endParaRPr/>
+          </a:p>
+          <a:p>
+            <a:pPr>
+              <a:defRPr/>
+            </a:pPr>
+            <a:endParaRPr/>
+          </a:p>
+          <a:p>
+            <a:pPr>
+              <a:defRPr/>
+            </a:pPr>
+            <a:r>
+              <a:rPr/>
+              <a:t>Das heißt, unser Ziel ist es, ein Werkzeug zu entwicklen, das eine benutzerfreundliche Umbegung anbietet, die auch von Nicht-programmierern verwendet werden kann</a:t>
             </a:r>
             <a:r>
               <a:rPr/>
               <a:t>, um die Dokumentation als Model zu entwerfen und dann zu generieren. Dieses Konzept stammt von der Cinco Meta Tooling Framework.</a:t>
             </a:r>
+            <a:endParaRPr/>
+          </a:p>
+          <a:p>
+            <a:pPr>
+              <a:defRPr/>
+            </a:pPr>
             <a:endParaRPr lang="en-US" sz="1200" b="0" i="0" u="none" strike="noStrike" cap="none" spc="0">
               <a:solidFill>
                 <a:schemeClr val="tx1"/>
@@ -1108,45 +1146,6 @@
             <a:pPr>
               <a:defRPr/>
             </a:pPr>
-            <a:endParaRPr/>
-          </a:p>
-          <a:p>
-            <a:pPr>
-              <a:defRPr/>
-            </a:pPr>
-            <a:r>
-              <a:rPr lang="en-US" sz="1200" b="0" i="0" u="none" strike="noStrike" cap="none" spc="0">
-                <a:solidFill>
-                  <a:schemeClr val="tx1"/>
-                </a:solidFill>
-                <a:latin typeface="Palatino Linotype"/>
-                <a:ea typeface="Palatino Linotype"/>
-                <a:cs typeface="Palatino Linotype"/>
-              </a:rPr>
-              <a:t>Die Framework Cinco SCCE Meta Tooling suite liefert die Basis unserer Arbeit, indem Metasprachen für unsere </a:t>
-            </a:r>
-            <a:r>
-              <a:rPr lang="en-US" sz="1200" b="0" i="0" u="none" strike="noStrike" cap="none" spc="0">
-                <a:solidFill>
-                  <a:schemeClr val="tx1"/>
-                </a:solidFill>
-                <a:latin typeface="Palatino Linotype"/>
-                <a:ea typeface="Palatino Linotype"/>
-                <a:cs typeface="Palatino Linotype"/>
-              </a:rPr>
-              <a:t>Entwicklung unserer graphischen DSL zu Verfügung gestellt werden.</a:t>
-            </a:r>
-            <a:r>
-              <a:rPr lang="en-US" sz="1200" b="0" i="0" u="none" strike="noStrike" cap="none" spc="0">
-                <a:solidFill>
-                  <a:schemeClr val="tx1"/>
-                </a:solidFill>
-                <a:latin typeface="Palatino Linotype"/>
-                <a:ea typeface="Palatino Linotype"/>
-                <a:cs typeface="Palatino Linotype"/>
-              </a:rPr>
-              <a:t> Wir benutzen diese Metasprachen um die Spezifikationen unserer Endsprachen zu entwerfen, um dann eine Entwicklungsumgebung zu generien, die einen Entwurf der Dokumentation anhand von graphischen Bausteinen ermöglicht.</a:t>
-            </a:r>
             <a:endParaRPr lang="en-US" sz="1200" b="0" i="0" u="none" strike="noStrike" cap="none" spc="0">
               <a:solidFill>
                 <a:schemeClr val="tx1"/>
@@ -1216,7 +1215,7 @@
       </p:grpSpPr>
       <p:sp>
         <p:nvSpPr>
-          <p:cNvPr id="988641185" name="Slide Image Placeholder 1" hidden="0"/>
+          <p:cNvPr id="611909490" name="Slide Image Placeholder 1" hidden="0"/>
           <p:cNvSpPr>
             <a:spLocks noChangeAspect="1" noGrp="1" noRot="1"/>
           </p:cNvSpPr>
@@ -1228,7 +1227,7 @@
       </p:sp>
       <p:sp>
         <p:nvSpPr>
-          <p:cNvPr id="655319745" name="Notes Placeholder 2" hidden="0"/>
+          <p:cNvPr id="1558813346" name="Notes Placeholder 2" hidden="0"/>
           <p:cNvSpPr>
             <a:spLocks noGrp="1"/>
           </p:cNvSpPr>
@@ -1244,25 +1243,6 @@
             <a:pPr>
               <a:defRPr/>
             </a:pPr>
-            <a:r>
-              <a:rPr/>
-              <a:t>In dieser Arbeit werden die Vorteile der Entwicklung mit DSL genutzt, um eine Lösung f</a:t>
-            </a:r>
-            <a:r>
-              <a:rPr lang="en-US" sz="1200" b="0" i="0" u="none" strike="noStrike" cap="none" spc="0">
-                <a:solidFill>
-                  <a:schemeClr val="tx1"/>
-                </a:solidFill>
-                <a:latin typeface="Palatino Linotype"/>
-                <a:ea typeface="Palatino Linotype"/>
-                <a:cs typeface="Palatino Linotype"/>
-              </a:rPr>
-              <a:t>ür die Integration des Designs der Endbenutzerdokumentation in den Anwendungsentwicklungsprozess vorzuschlagen.</a:t>
-            </a:r>
-            <a:r>
-              <a:rPr/>
-              <a:t> Das heißt, unser Ziel ist es, ein Werkzeug zu entwicklen, das die Abstraktion des automatischen Generierungsprozesses versteckt, um eine benutzerfreundliche Facade anzubieten, die auch von Nicht-programmierern verwendet werden kann. Dieses Konzept stammt von der Cinco Meta Tooling Framework.</a:t>
-            </a:r>
             <a:endParaRPr lang="en-US" sz="1200" b="0" i="0" u="none" strike="noStrike" cap="none" spc="0">
               <a:solidFill>
                 <a:schemeClr val="tx1"/>
@@ -1276,45 +1256,6 @@
             <a:pPr>
               <a:defRPr/>
             </a:pPr>
-            <a:endParaRPr/>
-          </a:p>
-          <a:p>
-            <a:pPr>
-              <a:defRPr/>
-            </a:pPr>
-            <a:r>
-              <a:rPr lang="en-US" sz="1200" b="0" i="0" u="none" strike="noStrike" cap="none" spc="0">
-                <a:solidFill>
-                  <a:schemeClr val="tx1"/>
-                </a:solidFill>
-                <a:latin typeface="Palatino Linotype"/>
-                <a:ea typeface="Palatino Linotype"/>
-                <a:cs typeface="Palatino Linotype"/>
-              </a:rPr>
-              <a:t>Die Framework Cinco SCCE Meta Tooling suite liefert die Basis unserer Arbeit, indem Metasprachen für unsere </a:t>
-            </a:r>
-            <a:r>
-              <a:rPr lang="en-US" sz="1200" b="0" i="0" u="none" strike="noStrike" cap="none" spc="0">
-                <a:solidFill>
-                  <a:schemeClr val="tx1"/>
-                </a:solidFill>
-                <a:latin typeface="Palatino Linotype"/>
-                <a:ea typeface="Palatino Linotype"/>
-                <a:cs typeface="Palatino Linotype"/>
-              </a:rPr>
-              <a:t>Entwicklung unserer graphischen DSL zu Verfügung gestellt werden.</a:t>
-            </a:r>
-            <a:r>
-              <a:rPr lang="en-US" sz="1200" b="0" i="0" u="none" strike="noStrike" cap="none" spc="0">
-                <a:solidFill>
-                  <a:schemeClr val="tx1"/>
-                </a:solidFill>
-                <a:latin typeface="Palatino Linotype"/>
-                <a:ea typeface="Palatino Linotype"/>
-                <a:cs typeface="Palatino Linotype"/>
-              </a:rPr>
-              <a:t> Wir benutzen diese Metasprachen um die Spezifikationen unserer Endsprachen zu entwerfen, um dann eine Entwicklungsumgebung zu generien, die einen Entwurf der Dokumentation anhand von graphischen Bausteinen ermöglicht.</a:t>
-            </a:r>
             <a:endParaRPr lang="en-US" sz="1200" b="0" i="0" u="none" strike="noStrike" cap="none" spc="0">
               <a:solidFill>
                 <a:schemeClr val="tx1"/>
@@ -1340,7 +1281,125 @@
       </p:sp>
       <p:sp>
         <p:nvSpPr>
-          <p:cNvPr id="554592255" name="Slide Number Placeholder 3" hidden="0"/>
+          <p:cNvPr id="1083974254" name="Slide Number Placeholder 3" hidden="0"/>
+          <p:cNvSpPr>
+            <a:spLocks noGrp="1"/>
+          </p:cNvSpPr>
+          <p:nvPr isPhoto="0" userDrawn="0">
+            <p:ph type="sldNum" sz="quarter" idx="10" hasCustomPrompt="0"/>
+          </p:nvPr>
+        </p:nvSpPr>
+        <p:spPr bwMode="auto"/>
+        <p:txBody>
+          <a:bodyPr/>
+          <a:lstStyle/>
+          <a:p>
+            <a:pPr>
+              <a:defRPr/>
+            </a:pPr>
+            <a:endParaRPr/>
+          </a:p>
+        </p:txBody>
+      </p:sp>
+    </p:spTree>
+  </p:cSld>
+</p:notes>
+</file>
+
+<file path=ppt/notesSlides/notesSlide7.xml><?xml version="1.0" encoding="utf-8"?>
+<p:notes xmlns:a="http://schemas.openxmlformats.org/drawingml/2006/main" xmlns:r="http://schemas.openxmlformats.org/officeDocument/2006/relationships" xmlns:p="http://schemas.openxmlformats.org/presentationml/2006/main" xmlns:m="http://schemas.openxmlformats.org/officeDocument/2006/math" xmlns:w="http://schemas.openxmlformats.org/wordprocessingml/2006/main">
+  <p:cSld name="">
+    <p:spTree>
+      <p:nvGrpSpPr>
+        <p:cNvPr id="1" name="" hidden="0"/>
+        <p:cNvGrpSpPr/>
+        <p:nvPr isPhoto="0" userDrawn="0"/>
+      </p:nvGrpSpPr>
+      <p:grpSpPr bwMode="auto">
+        <a:xfrm>
+          <a:off x="0" y="0"/>
+          <a:ext cx="0" cy="0"/>
+          <a:chOff x="0" y="0"/>
+          <a:chExt cx="0" cy="0"/>
+        </a:xfrm>
+      </p:grpSpPr>
+      <p:sp>
+        <p:nvSpPr>
+          <p:cNvPr id="2" name="Slide Image Placeholder 1" hidden="0"/>
+          <p:cNvSpPr>
+            <a:spLocks noChangeAspect="1" noGrp="1" noRot="1"/>
+          </p:cNvSpPr>
+          <p:nvPr isPhoto="0" userDrawn="0">
+            <p:ph type="sldImg" hasCustomPrompt="0"/>
+          </p:nvPr>
+        </p:nvSpPr>
+        <p:spPr bwMode="auto"/>
+      </p:sp>
+      <p:sp>
+        <p:nvSpPr>
+          <p:cNvPr id="3" name="Notes Placeholder 2" hidden="0"/>
+          <p:cNvSpPr>
+            <a:spLocks noGrp="1"/>
+          </p:cNvSpPr>
+          <p:nvPr isPhoto="0" userDrawn="0">
+            <p:ph type="body" idx="1" hasCustomPrompt="0"/>
+          </p:nvPr>
+        </p:nvSpPr>
+        <p:spPr bwMode="auto"/>
+        <p:txBody>
+          <a:bodyPr/>
+          <a:lstStyle/>
+          <a:p>
+            <a:pPr>
+              <a:defRPr/>
+            </a:pPr>
+            <a:r>
+              <a:rPr lang="en-US" sz="1200" b="0" i="0" u="none" strike="noStrike" cap="none" spc="0">
+                <a:solidFill>
+                  <a:schemeClr val="tx1"/>
+                </a:solidFill>
+                <a:latin typeface="Palatino Linotype"/>
+                <a:ea typeface="Palatino Linotype"/>
+                <a:cs typeface="Palatino Linotype"/>
+              </a:rPr>
+              <a:t>Die Framework Cinco SCCE Meta Tooling suite liefert die Basis unserer Arbeit, indem Metasprachen für unsere </a:t>
+            </a:r>
+            <a:r>
+              <a:rPr lang="en-US" sz="1200" b="0" i="0" u="none" strike="noStrike" cap="none" spc="0">
+                <a:solidFill>
+                  <a:schemeClr val="tx1"/>
+                </a:solidFill>
+                <a:latin typeface="Palatino Linotype"/>
+                <a:ea typeface="Palatino Linotype"/>
+                <a:cs typeface="Palatino Linotype"/>
+              </a:rPr>
+              <a:t>Entwicklung unserer graphischen DSL zu Verfügung gestellt werden.</a:t>
+            </a:r>
+            <a:r>
+              <a:rPr lang="en-US" sz="1200" b="0" i="0" u="none" strike="noStrike" cap="none" spc="0">
+                <a:solidFill>
+                  <a:schemeClr val="tx1"/>
+                </a:solidFill>
+                <a:latin typeface="Palatino Linotype"/>
+                <a:ea typeface="Palatino Linotype"/>
+                <a:cs typeface="Palatino Linotype"/>
+              </a:rPr>
+              <a:t> Wir benutzen diese Metasprachen um die Spezifikationen unserer Endsprachen zu entwerfen, um dann eine Entwicklungsumgebung zu generien, die einen Entwurf der Dokumentation anhand von graphischen Bausteinen ermöglicht.</a:t>
+            </a:r>
+            <a:endParaRPr sz="1200" b="0" i="0" u="none" strike="noStrike" cap="none" spc="0">
+              <a:solidFill>
+                <a:schemeClr val="tx1"/>
+              </a:solidFill>
+              <a:latin typeface="Palatino Linotype"/>
+              <a:ea typeface="Palatino Linotype"/>
+              <a:cs typeface="Palatino Linotype"/>
+            </a:endParaRPr>
+          </a:p>
+        </p:txBody>
+      </p:sp>
+      <p:sp>
+        <p:nvSpPr>
+          <p:cNvPr id="4" name="Slide Number Placeholder 3" hidden="0"/>
           <p:cNvSpPr>
             <a:spLocks noGrp="1"/>
           </p:cNvSpPr>
@@ -7652,7 +7711,7 @@
       </p:grpSpPr>
       <p:sp>
         <p:nvSpPr>
-          <p:cNvPr id="1417253658" name="Título 1" hidden="0"/>
+          <p:cNvPr id="53415977" name="Título 1" hidden="0"/>
           <p:cNvSpPr>
             <a:spLocks noGrp="1"/>
           </p:cNvSpPr>
@@ -7670,48 +7729,55 @@
             </a:pPr>
             <a:r>
               <a:rPr lang="de-DE"/>
-              <a:t>Demo</a:t>
+              <a:t>Methodologie</a:t>
             </a:r>
             <a:br>
               <a:rPr lang="de-DE"/>
             </a:br>
             <a:r>
-              <a:rPr lang="de-DE" sz="1600" b="0" i="1" u="none" strike="noStrike" cap="none" spc="0">
-                <a:solidFill>
-                  <a:schemeClr val="tx1"/>
-                </a:solidFill>
-                <a:latin typeface="+mj-lt"/>
-                <a:ea typeface="+mj-ea"/>
-                <a:cs typeface="+mj-cs"/>
+              <a:rPr lang="de-DE" sz="1600" i="1"/>
+              <a:t>graphische DSL aus </a:t>
+            </a:r>
+            <a:r>
+              <a:rPr lang="de-DE" sz="1600" i="1">
+                <a:latin typeface="URW Bookman"/>
+                <a:ea typeface="URW Bookman"/>
+                <a:cs typeface="URW Bookman"/>
               </a:rPr>
-              <a:t>WebDoc - Web Application Documentor</a:t>
-            </a:r>
-            <a:endParaRPr/>
-          </a:p>
-        </p:txBody>
-      </p:sp>
-      <p:sp>
-        <p:nvSpPr>
-          <p:cNvPr id="514216593" name="Marcador de contenido 2" hidden="0"/>
-          <p:cNvSpPr>
-            <a:spLocks noGrp="1"/>
-          </p:cNvSpPr>
+              <a:t>Cinco</a:t>
+            </a:r>
+            <a:r>
+              <a:rPr lang="de-DE" sz="1600" i="1"/>
+              <a:t> Metasprachen</a:t>
+            </a:r>
+            <a:endParaRPr/>
+          </a:p>
+        </p:txBody>
+      </p:sp>
+      <p:pic>
+        <p:nvPicPr>
+          <p:cNvPr id="998142041" name="" hidden="0"/>
+          <p:cNvPicPr>
+            <a:picLocks noChangeAspect="1"/>
+          </p:cNvPicPr>
           <p:nvPr isPhoto="0" userDrawn="0">
             <p:ph idx="1" hasCustomPrompt="0"/>
           </p:nvPr>
-        </p:nvSpPr>
-        <p:spPr bwMode="auto"/>
-        <p:txBody>
-          <a:bodyPr/>
-          <a:lstStyle/>
-          <a:p>
-            <a:pPr>
-              <a:defRPr/>
-            </a:pPr>
-            <a:endParaRPr/>
-          </a:p>
-        </p:txBody>
-      </p:sp>
+        </p:nvPicPr>
+        <p:blipFill>
+          <a:blip r:embed="rId2"/>
+          <a:stretch/>
+        </p:blipFill>
+        <p:spPr bwMode="auto">
+          <a:xfrm rot="0">
+            <a:off x="1534695" y="1968145"/>
+            <a:ext cx="7353299" cy="1371600"/>
+          </a:xfrm>
+          <a:prstGeom prst="rect">
+            <a:avLst/>
+          </a:prstGeom>
+        </p:spPr>
+      </p:pic>
     </p:spTree>
   </p:cSld>
   <p:clrMapOvr>
@@ -7747,7 +7813,7 @@
       </p:grpSpPr>
       <p:sp>
         <p:nvSpPr>
-          <p:cNvPr id="157058720" name="Título 1" hidden="0"/>
+          <p:cNvPr id="737948483" name="Título 1" hidden="0"/>
           <p:cNvSpPr>
             <a:spLocks noGrp="1"/>
           </p:cNvSpPr>
@@ -7765,18 +7831,22 @@
             </a:pPr>
             <a:r>
               <a:rPr lang="de-DE"/>
-              <a:t>Fazit</a:t>
+              <a:t>Ergebnisse</a:t>
             </a:r>
             <a:br>
               <a:rPr lang="de-DE"/>
             </a:br>
-            <a:endParaRPr sz="1600"/>
-          </a:p>
-        </p:txBody>
-      </p:sp>
-      <p:sp>
-        <p:nvSpPr>
-          <p:cNvPr id="1934508904" name="Marcador de contenido 2" hidden="0"/>
+            <a:r>
+              <a:rPr lang="de-DE" sz="1600" i="1"/>
+              <a:t>WebDoc - Web Application Documentor</a:t>
+            </a:r>
+            <a:endParaRPr/>
+          </a:p>
+        </p:txBody>
+      </p:sp>
+      <p:sp>
+        <p:nvSpPr>
+          <p:cNvPr id="1419255848" name="Marcador de contenido 2" hidden="0"/>
           <p:cNvSpPr>
             <a:spLocks noGrp="1"/>
           </p:cNvSpPr>
@@ -7831,7 +7901,7 @@
       </p:grpSpPr>
       <p:sp>
         <p:nvSpPr>
-          <p:cNvPr id="491240005" name="Título 1" hidden="0"/>
+          <p:cNvPr id="2066127232" name="Título 1" hidden="0"/>
           <p:cNvSpPr>
             <a:spLocks noGrp="1"/>
           </p:cNvSpPr>
@@ -7849,18 +7919,22 @@
             </a:pPr>
             <a:r>
               <a:rPr lang="de-DE"/>
-              <a:t>Referenzen</a:t>
+              <a:t>Ergebnisse</a:t>
             </a:r>
             <a:br>
               <a:rPr lang="de-DE"/>
             </a:br>
-            <a:endParaRPr sz="1800"/>
-          </a:p>
-        </p:txBody>
-      </p:sp>
-      <p:sp>
-        <p:nvSpPr>
-          <p:cNvPr id="835041238" name="Marcador de contenido 2" hidden="0"/>
+            <a:r>
+              <a:rPr lang="de-DE" sz="1600" i="1"/>
+              <a:t>WebDoc - Web Application Documentor</a:t>
+            </a:r>
+            <a:endParaRPr/>
+          </a:p>
+        </p:txBody>
+      </p:sp>
+      <p:sp>
+        <p:nvSpPr>
+          <p:cNvPr id="1550064571" name="Marcador de contenido 2" hidden="0"/>
           <p:cNvSpPr>
             <a:spLocks noGrp="1"/>
           </p:cNvSpPr>
@@ -7876,21 +7950,6 @@
             <a:pPr>
               <a:defRPr/>
             </a:pPr>
-            <a:r>
-              <a:rPr/>
-              <a:t>Icons, Gifs, Cliparts aus </a:t>
-            </a:r>
-            <a:r>
-              <a:rPr lang="en-US" sz="2000" b="0" i="0" u="none" strike="noStrike" cap="none" spc="0">
-                <a:solidFill>
-                  <a:schemeClr val="tx1"/>
-                </a:solidFill>
-                <a:latin typeface="Palatino Linotype"/>
-                <a:ea typeface="Palatino Linotype"/>
-                <a:cs typeface="Palatino Linotype"/>
-              </a:rPr>
-              <a:t>https://www.flaticon.com/</a:t>
-            </a:r>
             <a:endParaRPr/>
           </a:p>
         </p:txBody>
@@ -7912,6 +7971,372 @@
 </file>
 
 <file path=ppt/slides/slide13.xml><?xml version="1.0" encoding="utf-8"?>
+<p:sld xmlns:a="http://schemas.openxmlformats.org/drawingml/2006/main" xmlns:r="http://schemas.openxmlformats.org/officeDocument/2006/relationships" xmlns:p="http://schemas.openxmlformats.org/presentationml/2006/main" xmlns:m="http://schemas.openxmlformats.org/officeDocument/2006/math" xmlns:w="http://schemas.openxmlformats.org/wordprocessingml/2006/main" showMasterPhAnim="0" show="1">
+  <p:cSld name="">
+    <p:spTree>
+      <p:nvGrpSpPr>
+        <p:cNvPr id="1" name="" hidden="0"/>
+        <p:cNvGrpSpPr/>
+        <p:nvPr isPhoto="0" userDrawn="0"/>
+      </p:nvGrpSpPr>
+      <p:grpSpPr bwMode="auto">
+        <a:xfrm>
+          <a:off x="0" y="0"/>
+          <a:ext cx="0" cy="0"/>
+          <a:chOff x="0" y="0"/>
+          <a:chExt cx="0" cy="0"/>
+        </a:xfrm>
+      </p:grpSpPr>
+      <p:sp>
+        <p:nvSpPr>
+          <p:cNvPr id="313569025" name="Título 1" hidden="0"/>
+          <p:cNvSpPr>
+            <a:spLocks noGrp="1"/>
+          </p:cNvSpPr>
+          <p:nvPr isPhoto="0" userDrawn="0">
+            <p:ph type="title" hasCustomPrompt="0"/>
+          </p:nvPr>
+        </p:nvSpPr>
+        <p:spPr bwMode="auto"/>
+        <p:txBody>
+          <a:bodyPr/>
+          <a:lstStyle/>
+          <a:p>
+            <a:pPr>
+              <a:defRPr/>
+            </a:pPr>
+            <a:r>
+              <a:rPr lang="de-DE"/>
+              <a:t>Ergebnisse</a:t>
+            </a:r>
+            <a:br>
+              <a:rPr lang="de-DE"/>
+            </a:br>
+            <a:r>
+              <a:rPr lang="de-DE" sz="1600" i="1"/>
+              <a:t>WebDoc - Web Application Documentor</a:t>
+            </a:r>
+            <a:endParaRPr/>
+          </a:p>
+        </p:txBody>
+      </p:sp>
+      <p:sp>
+        <p:nvSpPr>
+          <p:cNvPr id="985876979" name="Marcador de contenido 2" hidden="0"/>
+          <p:cNvSpPr>
+            <a:spLocks noGrp="1"/>
+          </p:cNvSpPr>
+          <p:nvPr isPhoto="0" userDrawn="0">
+            <p:ph idx="1" hasCustomPrompt="0"/>
+          </p:nvPr>
+        </p:nvSpPr>
+        <p:spPr bwMode="auto"/>
+        <p:txBody>
+          <a:bodyPr/>
+          <a:lstStyle/>
+          <a:p>
+            <a:pPr>
+              <a:defRPr/>
+            </a:pPr>
+            <a:endParaRPr/>
+          </a:p>
+        </p:txBody>
+      </p:sp>
+    </p:spTree>
+  </p:cSld>
+  <p:clrMapOvr>
+    <a:masterClrMapping/>
+  </p:clrMapOvr>
+  <mc:AlternateContent xmlns:mc="http://schemas.openxmlformats.org/markup-compatibility/2006">
+    <mc:Choice xmlns:p14="http://schemas.microsoft.com/office/powerpoint/2010/main" Requires="p14">
+      <p:transition p14:dur="2000" advClick="1"/>
+    </mc:Choice>
+    <mc:Fallback>
+      <p:transition advClick="1"/>
+    </mc:Fallback>
+  </mc:AlternateContent>
+</p:sld>
+</file>
+
+<file path=ppt/slides/slide14.xml><?xml version="1.0" encoding="utf-8"?>
+<p:sld xmlns:a="http://schemas.openxmlformats.org/drawingml/2006/main" xmlns:r="http://schemas.openxmlformats.org/officeDocument/2006/relationships" xmlns:p="http://schemas.openxmlformats.org/presentationml/2006/main" xmlns:m="http://schemas.openxmlformats.org/officeDocument/2006/math" xmlns:w="http://schemas.openxmlformats.org/wordprocessingml/2006/main" showMasterPhAnim="0" show="1">
+  <p:cSld name="">
+    <p:spTree>
+      <p:nvGrpSpPr>
+        <p:cNvPr id="1" name="" hidden="0"/>
+        <p:cNvGrpSpPr/>
+        <p:nvPr isPhoto="0" userDrawn="0"/>
+      </p:nvGrpSpPr>
+      <p:grpSpPr bwMode="auto">
+        <a:xfrm>
+          <a:off x="0" y="0"/>
+          <a:ext cx="0" cy="0"/>
+          <a:chOff x="0" y="0"/>
+          <a:chExt cx="0" cy="0"/>
+        </a:xfrm>
+      </p:grpSpPr>
+      <p:sp>
+        <p:nvSpPr>
+          <p:cNvPr id="1417253658" name="Título 1" hidden="0"/>
+          <p:cNvSpPr>
+            <a:spLocks noGrp="1"/>
+          </p:cNvSpPr>
+          <p:nvPr isPhoto="0" userDrawn="0">
+            <p:ph type="title" hasCustomPrompt="0"/>
+          </p:nvPr>
+        </p:nvSpPr>
+        <p:spPr bwMode="auto"/>
+        <p:txBody>
+          <a:bodyPr/>
+          <a:lstStyle/>
+          <a:p>
+            <a:pPr>
+              <a:defRPr/>
+            </a:pPr>
+            <a:r>
+              <a:rPr lang="de-DE"/>
+              <a:t>Demo</a:t>
+            </a:r>
+            <a:br>
+              <a:rPr lang="de-DE"/>
+            </a:br>
+            <a:r>
+              <a:rPr lang="de-DE" sz="1600" b="0" i="1" u="none" strike="noStrike" cap="none" spc="0">
+                <a:solidFill>
+                  <a:schemeClr val="tx1"/>
+                </a:solidFill>
+                <a:latin typeface="+mj-lt"/>
+                <a:ea typeface="+mj-ea"/>
+                <a:cs typeface="+mj-cs"/>
+              </a:rPr>
+              <a:t>WebDoc - Web Application Documentor</a:t>
+            </a:r>
+            <a:endParaRPr/>
+          </a:p>
+        </p:txBody>
+      </p:sp>
+      <p:sp>
+        <p:nvSpPr>
+          <p:cNvPr id="514216593" name="Marcador de contenido 2" hidden="0"/>
+          <p:cNvSpPr>
+            <a:spLocks noGrp="1"/>
+          </p:cNvSpPr>
+          <p:nvPr isPhoto="0" userDrawn="0">
+            <p:ph idx="1" hasCustomPrompt="0"/>
+          </p:nvPr>
+        </p:nvSpPr>
+        <p:spPr bwMode="auto"/>
+        <p:txBody>
+          <a:bodyPr/>
+          <a:lstStyle/>
+          <a:p>
+            <a:pPr>
+              <a:defRPr/>
+            </a:pPr>
+            <a:endParaRPr/>
+          </a:p>
+        </p:txBody>
+      </p:sp>
+    </p:spTree>
+  </p:cSld>
+  <p:clrMapOvr>
+    <a:masterClrMapping/>
+  </p:clrMapOvr>
+  <mc:AlternateContent xmlns:mc="http://schemas.openxmlformats.org/markup-compatibility/2006">
+    <mc:Choice xmlns:p14="http://schemas.microsoft.com/office/powerpoint/2010/main" Requires="p14">
+      <p:transition p14:dur="2000" advClick="1"/>
+    </mc:Choice>
+    <mc:Fallback>
+      <p:transition advClick="1"/>
+    </mc:Fallback>
+  </mc:AlternateContent>
+</p:sld>
+</file>
+
+<file path=ppt/slides/slide15.xml><?xml version="1.0" encoding="utf-8"?>
+<p:sld xmlns:a="http://schemas.openxmlformats.org/drawingml/2006/main" xmlns:r="http://schemas.openxmlformats.org/officeDocument/2006/relationships" xmlns:p="http://schemas.openxmlformats.org/presentationml/2006/main" xmlns:m="http://schemas.openxmlformats.org/officeDocument/2006/math" xmlns:w="http://schemas.openxmlformats.org/wordprocessingml/2006/main" showMasterPhAnim="0" show="1">
+  <p:cSld name="">
+    <p:spTree>
+      <p:nvGrpSpPr>
+        <p:cNvPr id="1" name="" hidden="0"/>
+        <p:cNvGrpSpPr/>
+        <p:nvPr isPhoto="0" userDrawn="0"/>
+      </p:nvGrpSpPr>
+      <p:grpSpPr bwMode="auto">
+        <a:xfrm>
+          <a:off x="0" y="0"/>
+          <a:ext cx="0" cy="0"/>
+          <a:chOff x="0" y="0"/>
+          <a:chExt cx="0" cy="0"/>
+        </a:xfrm>
+      </p:grpSpPr>
+      <p:sp>
+        <p:nvSpPr>
+          <p:cNvPr id="157058720" name="Título 1" hidden="0"/>
+          <p:cNvSpPr>
+            <a:spLocks noGrp="1"/>
+          </p:cNvSpPr>
+          <p:nvPr isPhoto="0" userDrawn="0">
+            <p:ph type="title" hasCustomPrompt="0"/>
+          </p:nvPr>
+        </p:nvSpPr>
+        <p:spPr bwMode="auto"/>
+        <p:txBody>
+          <a:bodyPr/>
+          <a:lstStyle/>
+          <a:p>
+            <a:pPr>
+              <a:defRPr/>
+            </a:pPr>
+            <a:r>
+              <a:rPr lang="de-DE"/>
+              <a:t>Fazit</a:t>
+            </a:r>
+            <a:br>
+              <a:rPr lang="de-DE"/>
+            </a:br>
+            <a:endParaRPr sz="1600"/>
+          </a:p>
+        </p:txBody>
+      </p:sp>
+      <p:sp>
+        <p:nvSpPr>
+          <p:cNvPr id="1934508904" name="Marcador de contenido 2" hidden="0"/>
+          <p:cNvSpPr>
+            <a:spLocks noGrp="1"/>
+          </p:cNvSpPr>
+          <p:nvPr isPhoto="0" userDrawn="0">
+            <p:ph idx="1" hasCustomPrompt="0"/>
+          </p:nvPr>
+        </p:nvSpPr>
+        <p:spPr bwMode="auto"/>
+        <p:txBody>
+          <a:bodyPr/>
+          <a:lstStyle/>
+          <a:p>
+            <a:pPr>
+              <a:defRPr/>
+            </a:pPr>
+            <a:endParaRPr/>
+          </a:p>
+        </p:txBody>
+      </p:sp>
+    </p:spTree>
+  </p:cSld>
+  <p:clrMapOvr>
+    <a:masterClrMapping/>
+  </p:clrMapOvr>
+  <mc:AlternateContent xmlns:mc="http://schemas.openxmlformats.org/markup-compatibility/2006">
+    <mc:Choice xmlns:p14="http://schemas.microsoft.com/office/powerpoint/2010/main" Requires="p14">
+      <p:transition p14:dur="2000" advClick="1"/>
+    </mc:Choice>
+    <mc:Fallback>
+      <p:transition advClick="1"/>
+    </mc:Fallback>
+  </mc:AlternateContent>
+</p:sld>
+</file>
+
+<file path=ppt/slides/slide16.xml><?xml version="1.0" encoding="utf-8"?>
+<p:sld xmlns:a="http://schemas.openxmlformats.org/drawingml/2006/main" xmlns:r="http://schemas.openxmlformats.org/officeDocument/2006/relationships" xmlns:p="http://schemas.openxmlformats.org/presentationml/2006/main" xmlns:m="http://schemas.openxmlformats.org/officeDocument/2006/math" xmlns:w="http://schemas.openxmlformats.org/wordprocessingml/2006/main" showMasterPhAnim="0" show="1">
+  <p:cSld name="">
+    <p:spTree>
+      <p:nvGrpSpPr>
+        <p:cNvPr id="1" name="" hidden="0"/>
+        <p:cNvGrpSpPr/>
+        <p:nvPr isPhoto="0" userDrawn="0"/>
+      </p:nvGrpSpPr>
+      <p:grpSpPr bwMode="auto">
+        <a:xfrm>
+          <a:off x="0" y="0"/>
+          <a:ext cx="0" cy="0"/>
+          <a:chOff x="0" y="0"/>
+          <a:chExt cx="0" cy="0"/>
+        </a:xfrm>
+      </p:grpSpPr>
+      <p:sp>
+        <p:nvSpPr>
+          <p:cNvPr id="491240005" name="Título 1" hidden="0"/>
+          <p:cNvSpPr>
+            <a:spLocks noGrp="1"/>
+          </p:cNvSpPr>
+          <p:nvPr isPhoto="0" userDrawn="0">
+            <p:ph type="title" hasCustomPrompt="0"/>
+          </p:nvPr>
+        </p:nvSpPr>
+        <p:spPr bwMode="auto"/>
+        <p:txBody>
+          <a:bodyPr/>
+          <a:lstStyle/>
+          <a:p>
+            <a:pPr>
+              <a:defRPr/>
+            </a:pPr>
+            <a:r>
+              <a:rPr lang="de-DE"/>
+              <a:t>Referenzen</a:t>
+            </a:r>
+            <a:br>
+              <a:rPr lang="de-DE"/>
+            </a:br>
+            <a:endParaRPr sz="1800"/>
+          </a:p>
+        </p:txBody>
+      </p:sp>
+      <p:sp>
+        <p:nvSpPr>
+          <p:cNvPr id="835041238" name="Marcador de contenido 2" hidden="0"/>
+          <p:cNvSpPr>
+            <a:spLocks noGrp="1"/>
+          </p:cNvSpPr>
+          <p:nvPr isPhoto="0" userDrawn="0">
+            <p:ph idx="1" hasCustomPrompt="0"/>
+          </p:nvPr>
+        </p:nvSpPr>
+        <p:spPr bwMode="auto"/>
+        <p:txBody>
+          <a:bodyPr/>
+          <a:lstStyle/>
+          <a:p>
+            <a:pPr>
+              <a:defRPr/>
+            </a:pPr>
+            <a:r>
+              <a:rPr/>
+              <a:t>Icons, Gifs, Cliparts aus </a:t>
+            </a:r>
+            <a:r>
+              <a:rPr lang="en-US" sz="2000" b="0" i="0" u="none" strike="noStrike" cap="none" spc="0">
+                <a:solidFill>
+                  <a:schemeClr val="tx1"/>
+                </a:solidFill>
+                <a:latin typeface="Palatino Linotype"/>
+                <a:ea typeface="Palatino Linotype"/>
+                <a:cs typeface="Palatino Linotype"/>
+              </a:rPr>
+              <a:t>https://www.flaticon.com/</a:t>
+            </a:r>
+            <a:endParaRPr/>
+          </a:p>
+        </p:txBody>
+      </p:sp>
+    </p:spTree>
+  </p:cSld>
+  <p:clrMapOvr>
+    <a:masterClrMapping/>
+  </p:clrMapOvr>
+  <mc:AlternateContent xmlns:mc="http://schemas.openxmlformats.org/markup-compatibility/2006">
+    <mc:Choice xmlns:p14="http://schemas.microsoft.com/office/powerpoint/2010/main" Requires="p14">
+      <p:transition p14:dur="2000" advClick="1"/>
+    </mc:Choice>
+    <mc:Fallback>
+      <p:transition advClick="1"/>
+    </mc:Fallback>
+  </mc:AlternateContent>
+</p:sld>
+</file>
+
+<file path=ppt/slides/slide17.xml><?xml version="1.0" encoding="utf-8"?>
 <p:sld xmlns:a="http://schemas.openxmlformats.org/drawingml/2006/main" xmlns:r="http://schemas.openxmlformats.org/officeDocument/2006/relationships" xmlns:p="http://schemas.openxmlformats.org/presentationml/2006/main" xmlns:m="http://schemas.openxmlformats.org/officeDocument/2006/math" xmlns:w="http://schemas.openxmlformats.org/wordprocessingml/2006/main" showMasterPhAnim="0" show="1">
   <p:cSld name="">
     <p:spTree>
@@ -9372,7 +9797,7 @@
         <p:spPr bwMode="auto">
           <a:xfrm flipH="0" flipV="0">
             <a:off x="1534695" y="2015731"/>
-            <a:ext cx="9520157" cy="1721795"/>
+            <a:ext cx="9520157" cy="3418402"/>
           </a:xfrm>
         </p:spPr>
         <p:txBody>
@@ -9386,7 +9811,7 @@
             </a:pPr>
             <a:r>
               <a:rPr/>
-              <a:t>Model-basierte Lösung vorschlagen, die die Vorteile der Entwicklung mit DSL ausnutzt, um Endbenutzerdokumentation automatisch zu generieren </a:t>
+              <a:t>Model-basierte Lösung vorschlagen, die die Vorteile der Entwicklung mit DSL ausnutzt, um Endbenutzerdokumentation für Webanwendungen automatisch zu generieren</a:t>
             </a:r>
             <a:endParaRPr/>
           </a:p>
@@ -9396,270 +9821,33 @@
             </a:pPr>
             <a:r>
               <a:rPr/>
-              <a:t>Den Grundstein liefert die Cinco Entwicklungsumgebung samt der Modelierungssprachen </a:t>
-            </a:r>
+              <a:t>DSLs erlauben eine Repräsentation des Problems (des Systems) zunächst als Model, um dann daraus eine Lösung zu generieren</a:t>
+            </a:r>
+            <a:endParaRPr/>
+          </a:p>
+          <a:p>
+            <a:pPr>
+              <a:defRPr/>
+            </a:pPr>
             <a:r>
               <a:rPr/>
-              <a:t>(MGL, MSL, CPD)</a:t>
-            </a:r>
-            <a:endParaRPr/>
-          </a:p>
-        </p:txBody>
-      </p:sp>
-      <p:pic>
-        <p:nvPicPr>
-          <p:cNvPr id="57513757" name="" hidden="0"/>
-          <p:cNvPicPr>
-            <a:picLocks noChangeAspect="1"/>
-          </p:cNvPicPr>
-          <p:nvPr isPhoto="0" userDrawn="0"/>
-        </p:nvPicPr>
-        <p:blipFill>
-          <a:blip r:embed="rId3"/>
-          <a:stretch/>
-        </p:blipFill>
-        <p:spPr bwMode="auto">
-          <a:xfrm flipH="0" flipV="0">
-            <a:off x="8247961" y="3364809"/>
-            <a:ext cx="3365022" cy="2370896"/>
-          </a:xfrm>
-          <a:prstGeom prst="rect">
-            <a:avLst/>
-          </a:prstGeom>
-        </p:spPr>
-      </p:pic>
-      <p:sp>
-        <p:nvSpPr>
-          <p:cNvPr id="80208309" name="Marcador de contenido 2" hidden="0"/>
-          <p:cNvSpPr>
-            <a:spLocks noGrp="1"/>
-          </p:cNvSpPr>
-          <p:nvPr isPhoto="0" userDrawn="0"/>
-        </p:nvSpPr>
-        <p:spPr bwMode="auto">
-          <a:xfrm flipH="0" flipV="0">
-            <a:off x="1482928" y="3737526"/>
-            <a:ext cx="6765033" cy="1998179"/>
-          </a:xfrm>
-        </p:spPr>
-        <p:txBody>
-          <a:bodyPr vertOverflow="overflow" horzOverflow="clip" vert="horz" wrap="square" lIns="91440" tIns="45720" rIns="91440" bIns="45720" numCol="1" spcCol="0" rtlCol="0" fromWordArt="0" anchor="t" anchorCtr="0" forceAA="0" upright="0" compatLnSpc="0">
-            <a:normAutofit/>
-          </a:bodyPr>
-          <a:lstStyle>
-            <a:lvl1pPr marL="228600" indent="-228600" algn="l" defTabSz="914400">
-              <a:lnSpc>
-                <a:spcPct val="120000"/>
-              </a:lnSpc>
-              <a:spcBef>
-                <a:spcPts val="999"/>
-              </a:spcBef>
-              <a:buClr>
-                <a:schemeClr val="accent1"/>
-              </a:buClr>
-              <a:buSzPct val="100000"/>
-              <a:buFont typeface="Arial"/>
-              <a:buChar char="•"/>
-              <a:defRPr sz="2000">
-                <a:solidFill>
-                  <a:schemeClr val="tx1"/>
-                </a:solidFill>
-                <a:latin typeface="+mn-lt"/>
-                <a:ea typeface="+mn-ea"/>
-                <a:cs typeface="+mn-cs"/>
-              </a:defRPr>
-            </a:lvl1pPr>
-            <a:lvl2pPr marL="685800" indent="-228600" algn="l" defTabSz="914400">
-              <a:lnSpc>
-                <a:spcPct val="120000"/>
-              </a:lnSpc>
-              <a:spcBef>
-                <a:spcPts val="499"/>
-              </a:spcBef>
-              <a:buClr>
-                <a:schemeClr val="accent1"/>
-              </a:buClr>
-              <a:buSzPct val="100000"/>
-              <a:buFont typeface="Arial"/>
-              <a:buChar char="•"/>
-              <a:defRPr sz="1800" cap="none">
-                <a:solidFill>
-                  <a:schemeClr val="tx1"/>
-                </a:solidFill>
-                <a:latin typeface="+mn-lt"/>
-                <a:ea typeface="+mn-ea"/>
-                <a:cs typeface="+mn-cs"/>
-              </a:defRPr>
-            </a:lvl2pPr>
-            <a:lvl3pPr marL="1143000" indent="-228600" algn="l" defTabSz="914400">
-              <a:lnSpc>
-                <a:spcPct val="120000"/>
-              </a:lnSpc>
-              <a:spcBef>
-                <a:spcPts val="499"/>
-              </a:spcBef>
-              <a:buClr>
-                <a:schemeClr val="accent1"/>
-              </a:buClr>
-              <a:buSzPct val="100000"/>
-              <a:buFont typeface="Arial"/>
-              <a:buChar char="•"/>
-              <a:defRPr sz="1600">
-                <a:solidFill>
-                  <a:schemeClr val="tx1"/>
-                </a:solidFill>
-                <a:latin typeface="+mn-lt"/>
-                <a:ea typeface="+mn-ea"/>
-                <a:cs typeface="+mn-cs"/>
-              </a:defRPr>
-            </a:lvl3pPr>
-            <a:lvl4pPr marL="1600200" indent="-228600" algn="l" defTabSz="914400">
-              <a:lnSpc>
-                <a:spcPct val="120000"/>
-              </a:lnSpc>
-              <a:spcBef>
-                <a:spcPts val="499"/>
-              </a:spcBef>
-              <a:buClr>
-                <a:schemeClr val="accent1"/>
-              </a:buClr>
-              <a:buSzPct val="100000"/>
-              <a:buFont typeface="Arial"/>
-              <a:buChar char="•"/>
-              <a:defRPr sz="1400" cap="none">
-                <a:solidFill>
-                  <a:schemeClr val="tx1"/>
-                </a:solidFill>
-                <a:latin typeface="+mn-lt"/>
-                <a:ea typeface="+mn-ea"/>
-                <a:cs typeface="+mn-cs"/>
-              </a:defRPr>
-            </a:lvl4pPr>
-            <a:lvl5pPr marL="2057400" indent="-228600" algn="l" defTabSz="914400">
-              <a:lnSpc>
-                <a:spcPct val="120000"/>
-              </a:lnSpc>
-              <a:spcBef>
-                <a:spcPts val="499"/>
-              </a:spcBef>
-              <a:buClr>
-                <a:schemeClr val="accent1"/>
-              </a:buClr>
-              <a:buSzPct val="100000"/>
-              <a:buFont typeface="Arial"/>
-              <a:buChar char="•"/>
-              <a:defRPr sz="1200">
-                <a:solidFill>
-                  <a:schemeClr val="tx1"/>
-                </a:solidFill>
-                <a:latin typeface="+mn-lt"/>
-                <a:ea typeface="+mn-ea"/>
-                <a:cs typeface="+mn-cs"/>
-              </a:defRPr>
-            </a:lvl5pPr>
-            <a:lvl6pPr marL="2514599" indent="-228600" algn="l" defTabSz="914400">
-              <a:lnSpc>
-                <a:spcPct val="120000"/>
-              </a:lnSpc>
-              <a:spcBef>
-                <a:spcPts val="499"/>
-              </a:spcBef>
-              <a:buClr>
-                <a:schemeClr val="accent1"/>
-              </a:buClr>
-              <a:buSzPct val="100000"/>
-              <a:buFont typeface="Arial"/>
-              <a:buChar char="•"/>
-              <a:defRPr sz="1200">
-                <a:solidFill>
-                  <a:schemeClr val="tx1"/>
-                </a:solidFill>
-                <a:latin typeface="+mn-lt"/>
-                <a:ea typeface="+mn-ea"/>
-                <a:cs typeface="+mn-cs"/>
-              </a:defRPr>
-            </a:lvl6pPr>
-            <a:lvl7pPr marL="2971800" indent="-228600" algn="l" defTabSz="914400">
-              <a:lnSpc>
-                <a:spcPct val="120000"/>
-              </a:lnSpc>
-              <a:spcBef>
-                <a:spcPts val="499"/>
-              </a:spcBef>
-              <a:buClr>
-                <a:schemeClr val="accent1"/>
-              </a:buClr>
-              <a:buSzPct val="100000"/>
-              <a:buFont typeface="Arial"/>
-              <a:buChar char="•"/>
-              <a:defRPr sz="1200">
-                <a:solidFill>
-                  <a:schemeClr val="tx1"/>
-                </a:solidFill>
-                <a:latin typeface="+mn-lt"/>
-                <a:ea typeface="+mn-ea"/>
-                <a:cs typeface="+mn-cs"/>
-              </a:defRPr>
-            </a:lvl7pPr>
-            <a:lvl8pPr marL="3429000" indent="-228600" algn="l" defTabSz="914400">
-              <a:lnSpc>
-                <a:spcPct val="120000"/>
-              </a:lnSpc>
-              <a:spcBef>
-                <a:spcPts val="499"/>
-              </a:spcBef>
-              <a:buClr>
-                <a:schemeClr val="accent1"/>
-              </a:buClr>
-              <a:buSzPct val="100000"/>
-              <a:buFont typeface="Arial"/>
-              <a:buChar char="•"/>
-              <a:defRPr sz="1200">
-                <a:solidFill>
-                  <a:schemeClr val="tx1"/>
-                </a:solidFill>
-                <a:latin typeface="+mn-lt"/>
-                <a:ea typeface="+mn-ea"/>
-                <a:cs typeface="+mn-cs"/>
-              </a:defRPr>
-            </a:lvl8pPr>
-            <a:lvl9pPr marL="3886200" indent="-228600" algn="l" defTabSz="914400">
-              <a:lnSpc>
-                <a:spcPct val="120000"/>
-              </a:lnSpc>
-              <a:spcBef>
-                <a:spcPts val="499"/>
-              </a:spcBef>
-              <a:buClr>
-                <a:schemeClr val="accent1"/>
-              </a:buClr>
-              <a:buSzPct val="100000"/>
-              <a:buFont typeface="Arial"/>
-              <a:buChar char="•"/>
-              <a:defRPr sz="1200">
-                <a:solidFill>
-                  <a:schemeClr val="tx1"/>
-                </a:solidFill>
-                <a:latin typeface="+mn-lt"/>
-                <a:ea typeface="+mn-ea"/>
-                <a:cs typeface="+mn-cs"/>
-              </a:defRPr>
-            </a:lvl9pPr>
-          </a:lstStyle>
-          <a:p>
-            <a:pPr>
-              <a:defRPr/>
-            </a:pPr>
-            <a:r>
-              <a:rPr lang="en-US" sz="2000" b="0" i="0" u="none" strike="noStrike" cap="none" spc="0">
-                <a:solidFill>
-                  <a:schemeClr val="tx1"/>
-                </a:solidFill>
-                <a:latin typeface="Palatino Linotype"/>
-                <a:ea typeface="Arial"/>
-                <a:cs typeface="Arial"/>
-              </a:rPr>
-              <a:t>Diese Modelierungssprachen fundieren als Metamodelierungssprachen zur graphischen Sprache mit der Dokumentationsmodele entworfen werden</a:t>
+              <a:t>Modelle</a:t>
+            </a:r>
+            <a:r>
+              <a:rPr/>
+              <a:t> der Dokumentation zum aktuellen Stand der Anwendung </a:t>
+            </a:r>
+            <a:r>
+              <a:rPr/>
+              <a:t>können a</a:t>
+            </a:r>
+            <a:r>
+              <a:rPr/>
+              <a:t>uch Nicht-Programmierer</a:t>
+            </a:r>
+            <a:r>
+              <a:rPr/>
+              <a:t> erstellen</a:t>
             </a:r>
             <a:endParaRPr/>
           </a:p>
@@ -9700,7 +9888,7 @@
       </p:grpSpPr>
       <p:sp>
         <p:nvSpPr>
-          <p:cNvPr id="1136142833" name="Título 1" hidden="0"/>
+          <p:cNvPr id="133665040" name="Título 1" hidden="0"/>
           <p:cNvSpPr>
             <a:spLocks noGrp="1"/>
           </p:cNvSpPr>
@@ -9718,22 +9906,22 @@
             </a:pPr>
             <a:r>
               <a:rPr lang="de-DE"/>
-              <a:t>Gegenstand der Arbeit</a:t>
+              <a:t>Verwandte Arbeit</a:t>
             </a:r>
             <a:br>
               <a:rPr lang="de-DE"/>
             </a:br>
             <a:r>
               <a:rPr lang="de-DE" sz="1600" i="1"/>
-              <a:t>Eine DSL zur automatischen Generation der Nutzerdokumentation </a:t>
-            </a:r>
-            <a:endParaRPr/>
-          </a:p>
-        </p:txBody>
-      </p:sp>
-      <p:sp>
-        <p:nvSpPr>
-          <p:cNvPr id="49066044" name="Marcador de contenido 2" hidden="0"/>
+              <a:t>Modellierung von Eclipse-basierte Anwendungen</a:t>
+            </a:r>
+            <a:endParaRPr/>
+          </a:p>
+        </p:txBody>
+      </p:sp>
+      <p:sp>
+        <p:nvSpPr>
+          <p:cNvPr id="410487499" name="Marcador de contenido 2" hidden="0"/>
           <p:cNvSpPr>
             <a:spLocks noGrp="1"/>
           </p:cNvSpPr>
@@ -9744,7 +9932,7 @@
         <p:spPr bwMode="auto">
           <a:xfrm flipH="0" flipV="0">
             <a:off x="1534695" y="2015731"/>
-            <a:ext cx="9520157" cy="1680382"/>
+            <a:ext cx="6410784" cy="3564941"/>
           </a:xfrm>
         </p:spPr>
         <p:txBody>
@@ -9758,240 +9946,100 @@
             </a:pPr>
             <a:r>
               <a:rPr/>
-              <a:t>Die graphische Sprache - bestehend aus Browser UI Elemente - wird zum Entwerfen des Dokumentationsmodels verwendet</a:t>
-            </a:r>
-            <a:endParaRPr/>
-          </a:p>
-          <a:p>
-            <a:pPr>
-              <a:defRPr/>
-            </a:pPr>
-            <a:r>
-              <a:rPr/>
-              <a:t>Das Endresultat ist eine Dokumentation in Textformat (Markdown) mit Screenshot</a:t>
-            </a:r>
-            <a:endParaRPr/>
-          </a:p>
-        </p:txBody>
-      </p:sp>
-      <p:sp>
-        <p:nvSpPr>
-          <p:cNvPr id="1925263076" name="Marcador de contenido 2" hidden="0"/>
-          <p:cNvSpPr>
-            <a:spLocks noGrp="1"/>
-          </p:cNvSpPr>
-          <p:nvPr isPhoto="0" userDrawn="0"/>
-        </p:nvSpPr>
-        <p:spPr bwMode="auto">
-          <a:xfrm flipH="0" flipV="0">
-            <a:off x="1534694" y="4396980"/>
-            <a:ext cx="9520157" cy="810709"/>
-          </a:xfrm>
-        </p:spPr>
-        <p:txBody>
-          <a:bodyPr vertOverflow="overflow" horzOverflow="clip" vert="horz" wrap="square" lIns="91440" tIns="45720" rIns="91440" bIns="45720" numCol="1" spcCol="0" rtlCol="0" fromWordArt="0" anchor="t" anchorCtr="0" forceAA="0" upright="0" compatLnSpc="0">
-            <a:normAutofit/>
-          </a:bodyPr>
-          <a:lstStyle>
-            <a:lvl1pPr marL="228600" indent="-228600" algn="l" defTabSz="914400">
-              <a:lnSpc>
-                <a:spcPct val="120000"/>
-              </a:lnSpc>
-              <a:spcBef>
-                <a:spcPts val="999"/>
-              </a:spcBef>
-              <a:buClr>
-                <a:schemeClr val="accent1"/>
-              </a:buClr>
-              <a:buSzPct val="100000"/>
-              <a:buFont typeface="Arial"/>
-              <a:buChar char="•"/>
-              <a:defRPr sz="2000">
-                <a:solidFill>
-                  <a:schemeClr val="tx1"/>
-                </a:solidFill>
-                <a:latin typeface="+mn-lt"/>
-                <a:ea typeface="+mn-ea"/>
-                <a:cs typeface="+mn-cs"/>
-              </a:defRPr>
-            </a:lvl1pPr>
-            <a:lvl2pPr marL="685800" indent="-228600" algn="l" defTabSz="914400">
-              <a:lnSpc>
-                <a:spcPct val="120000"/>
-              </a:lnSpc>
-              <a:spcBef>
-                <a:spcPts val="499"/>
-              </a:spcBef>
-              <a:buClr>
-                <a:schemeClr val="accent1"/>
-              </a:buClr>
-              <a:buSzPct val="100000"/>
-              <a:buFont typeface="Arial"/>
-              <a:buChar char="•"/>
-              <a:defRPr sz="1800" cap="none">
-                <a:solidFill>
-                  <a:schemeClr val="tx1"/>
-                </a:solidFill>
-                <a:latin typeface="+mn-lt"/>
-                <a:ea typeface="+mn-ea"/>
-                <a:cs typeface="+mn-cs"/>
-              </a:defRPr>
-            </a:lvl2pPr>
-            <a:lvl3pPr marL="1143000" indent="-228600" algn="l" defTabSz="914400">
-              <a:lnSpc>
-                <a:spcPct val="120000"/>
-              </a:lnSpc>
-              <a:spcBef>
-                <a:spcPts val="499"/>
-              </a:spcBef>
-              <a:buClr>
-                <a:schemeClr val="accent1"/>
-              </a:buClr>
-              <a:buSzPct val="100000"/>
-              <a:buFont typeface="Arial"/>
-              <a:buChar char="•"/>
-              <a:defRPr sz="1600">
-                <a:solidFill>
-                  <a:schemeClr val="tx1"/>
-                </a:solidFill>
-                <a:latin typeface="+mn-lt"/>
-                <a:ea typeface="+mn-ea"/>
-                <a:cs typeface="+mn-cs"/>
-              </a:defRPr>
-            </a:lvl3pPr>
-            <a:lvl4pPr marL="1600200" indent="-228600" algn="l" defTabSz="914400">
-              <a:lnSpc>
-                <a:spcPct val="120000"/>
-              </a:lnSpc>
-              <a:spcBef>
-                <a:spcPts val="499"/>
-              </a:spcBef>
-              <a:buClr>
-                <a:schemeClr val="accent1"/>
-              </a:buClr>
-              <a:buSzPct val="100000"/>
-              <a:buFont typeface="Arial"/>
-              <a:buChar char="•"/>
-              <a:defRPr sz="1400" cap="none">
-                <a:solidFill>
-                  <a:schemeClr val="tx1"/>
-                </a:solidFill>
-                <a:latin typeface="+mn-lt"/>
-                <a:ea typeface="+mn-ea"/>
-                <a:cs typeface="+mn-cs"/>
-              </a:defRPr>
-            </a:lvl4pPr>
-            <a:lvl5pPr marL="2057400" indent="-228600" algn="l" defTabSz="914400">
-              <a:lnSpc>
-                <a:spcPct val="120000"/>
-              </a:lnSpc>
-              <a:spcBef>
-                <a:spcPts val="499"/>
-              </a:spcBef>
-              <a:buClr>
-                <a:schemeClr val="accent1"/>
-              </a:buClr>
-              <a:buSzPct val="100000"/>
-              <a:buFont typeface="Arial"/>
-              <a:buChar char="•"/>
-              <a:defRPr sz="1200">
-                <a:solidFill>
-                  <a:schemeClr val="tx1"/>
-                </a:solidFill>
-                <a:latin typeface="+mn-lt"/>
-                <a:ea typeface="+mn-ea"/>
-                <a:cs typeface="+mn-cs"/>
-              </a:defRPr>
-            </a:lvl5pPr>
-            <a:lvl6pPr marL="2514599" indent="-228600" algn="l" defTabSz="914400">
-              <a:lnSpc>
-                <a:spcPct val="120000"/>
-              </a:lnSpc>
-              <a:spcBef>
-                <a:spcPts val="499"/>
-              </a:spcBef>
-              <a:buClr>
-                <a:schemeClr val="accent1"/>
-              </a:buClr>
-              <a:buSzPct val="100000"/>
-              <a:buFont typeface="Arial"/>
-              <a:buChar char="•"/>
-              <a:defRPr sz="1200">
-                <a:solidFill>
-                  <a:schemeClr val="tx1"/>
-                </a:solidFill>
-                <a:latin typeface="+mn-lt"/>
-                <a:ea typeface="+mn-ea"/>
-                <a:cs typeface="+mn-cs"/>
-              </a:defRPr>
-            </a:lvl6pPr>
-            <a:lvl7pPr marL="2971800" indent="-228600" algn="l" defTabSz="914400">
-              <a:lnSpc>
-                <a:spcPct val="120000"/>
-              </a:lnSpc>
-              <a:spcBef>
-                <a:spcPts val="499"/>
-              </a:spcBef>
-              <a:buClr>
-                <a:schemeClr val="accent1"/>
-              </a:buClr>
-              <a:buSzPct val="100000"/>
-              <a:buFont typeface="Arial"/>
-              <a:buChar char="•"/>
-              <a:defRPr sz="1200">
-                <a:solidFill>
-                  <a:schemeClr val="tx1"/>
-                </a:solidFill>
-                <a:latin typeface="+mn-lt"/>
-                <a:ea typeface="+mn-ea"/>
-                <a:cs typeface="+mn-cs"/>
-              </a:defRPr>
-            </a:lvl7pPr>
-            <a:lvl8pPr marL="3429000" indent="-228600" algn="l" defTabSz="914400">
-              <a:lnSpc>
-                <a:spcPct val="120000"/>
-              </a:lnSpc>
-              <a:spcBef>
-                <a:spcPts val="499"/>
-              </a:spcBef>
-              <a:buClr>
-                <a:schemeClr val="accent1"/>
-              </a:buClr>
-              <a:buSzPct val="100000"/>
-              <a:buFont typeface="Arial"/>
-              <a:buChar char="•"/>
-              <a:defRPr sz="1200">
-                <a:solidFill>
-                  <a:schemeClr val="tx1"/>
-                </a:solidFill>
-                <a:latin typeface="+mn-lt"/>
-                <a:ea typeface="+mn-ea"/>
-                <a:cs typeface="+mn-cs"/>
-              </a:defRPr>
-            </a:lvl8pPr>
-            <a:lvl9pPr marL="3886200" indent="-228600" algn="l" defTabSz="914400">
-              <a:lnSpc>
-                <a:spcPct val="120000"/>
-              </a:lnSpc>
-              <a:spcBef>
-                <a:spcPts val="499"/>
-              </a:spcBef>
-              <a:buClr>
-                <a:schemeClr val="accent1"/>
-              </a:buClr>
-              <a:buSzPct val="100000"/>
-              <a:buFont typeface="Arial"/>
-              <a:buChar char="•"/>
-              <a:defRPr sz="1200">
-                <a:solidFill>
-                  <a:schemeClr val="tx1"/>
-                </a:solidFill>
-                <a:latin typeface="+mn-lt"/>
-                <a:ea typeface="+mn-ea"/>
-                <a:cs typeface="+mn-cs"/>
-              </a:defRPr>
-            </a:lvl9pPr>
-          </a:lstStyle>
+              <a:t>Das Écrit Toolkit von Marco Descher et al.</a:t>
+            </a:r>
+            <a:endParaRPr/>
+          </a:p>
+          <a:p>
+            <a:pPr>
+              <a:defRPr/>
+            </a:pPr>
+            <a:r>
+              <a:rPr lang="en-US" sz="2000" b="0" i="0" u="none" strike="noStrike" cap="none" spc="0">
+                <a:solidFill>
+                  <a:schemeClr val="tx1"/>
+                </a:solidFill>
+                <a:latin typeface="+mn-lt"/>
+                <a:ea typeface="+mn-ea"/>
+                <a:cs typeface="+mn-cs"/>
+              </a:rPr>
+              <a:t>Applikationsmodell</a:t>
+            </a:r>
+            <a:r>
+              <a:rPr lang="en-US" sz="2000" b="0" i="0" u="none" strike="noStrike" cap="none" spc="0">
+                <a:solidFill>
+                  <a:schemeClr val="tx1"/>
+                </a:solidFill>
+                <a:latin typeface="+mn-lt"/>
+                <a:ea typeface="+mn-ea"/>
+                <a:cs typeface="+mn-cs"/>
+              </a:rPr>
+              <a:t> um </a:t>
+            </a:r>
+            <a:r>
+              <a:rPr lang="en-US" sz="2000" b="0" i="0" u="none" strike="noStrike" cap="none" spc="0">
+                <a:solidFill>
+                  <a:schemeClr val="tx1"/>
+                </a:solidFill>
+                <a:latin typeface="+mn-lt"/>
+                <a:ea typeface="+mn-ea"/>
+                <a:cs typeface="+mn-cs"/>
+              </a:rPr>
+              <a:t>semantische</a:t>
+            </a:r>
+            <a:r>
+              <a:rPr lang="en-US" sz="2000" b="0" i="0" u="none" strike="noStrike" cap="none" spc="0">
+                <a:solidFill>
+                  <a:schemeClr val="tx1"/>
+                </a:solidFill>
+                <a:latin typeface="+mn-lt"/>
+                <a:ea typeface="+mn-ea"/>
+                <a:cs typeface="+mn-cs"/>
+              </a:rPr>
+              <a:t> </a:t>
+            </a:r>
+            <a:r>
+              <a:rPr lang="en-US" sz="2000" b="0" i="0" u="none" strike="noStrike" cap="none" spc="0">
+                <a:solidFill>
+                  <a:schemeClr val="tx1"/>
+                </a:solidFill>
+                <a:latin typeface="+mn-lt"/>
+                <a:ea typeface="+mn-ea"/>
+                <a:cs typeface="+mn-cs"/>
+              </a:rPr>
+              <a:t>Beschreibung</a:t>
+            </a:r>
+            <a:r>
+              <a:rPr lang="en-US" sz="2000" b="0" i="0" u="none" strike="noStrike" cap="none" spc="0">
+                <a:solidFill>
+                  <a:schemeClr val="tx1"/>
+                </a:solidFill>
+                <a:latin typeface="+mn-lt"/>
+                <a:ea typeface="+mn-ea"/>
+                <a:cs typeface="+mn-cs"/>
+              </a:rPr>
+              <a:t> </a:t>
+            </a:r>
+            <a:r>
+              <a:rPr lang="en-US" sz="2000" b="0" i="0" u="none" strike="noStrike" cap="none" spc="0">
+                <a:solidFill>
+                  <a:schemeClr val="tx1"/>
+                </a:solidFill>
+                <a:latin typeface="+mn-lt"/>
+                <a:ea typeface="+mn-ea"/>
+                <a:cs typeface="+mn-cs"/>
+              </a:rPr>
+              <a:t>erweitern</a:t>
+            </a:r>
+            <a:endParaRPr lang="en-US" sz="2000" b="0" i="0" u="none" strike="noStrike" cap="none" spc="0">
+              <a:solidFill>
+                <a:schemeClr val="tx1"/>
+              </a:solidFill>
+              <a:latin typeface="Palatino Linotype"/>
+              <a:ea typeface="Arial"/>
+              <a:cs typeface="Arial"/>
+            </a:endParaRPr>
+          </a:p>
           <a:p>
             <a:pPr>
               <a:defRPr/>
@@ -10005,12 +10053,166 @@
                 <a:ea typeface="Arial"/>
                 <a:cs typeface="Arial"/>
               </a:rPr>
-              <a:t>Vergleichbare Arbeiten schlugen Lösungen in der Vergangenheit vor, dennoch werden diese Projekte nicht mehr aktiv weiterentwickelt</a:t>
-            </a:r>
-            <a:endParaRPr/>
-          </a:p>
-        </p:txBody>
-      </p:sp>
+              <a:t>Documentation </a:t>
+            </a:r>
+            <a:r>
+              <a:rPr lang="en-US" sz="2000" b="0" i="0" u="none" strike="noStrike" cap="none" spc="0">
+                <a:solidFill>
+                  <a:schemeClr val="tx1"/>
+                </a:solidFill>
+                <a:latin typeface="+mn-lt"/>
+                <a:ea typeface="+mn-ea"/>
+                <a:cs typeface="+mn-cs"/>
+              </a:rPr>
+              <a:t>Outputter</a:t>
+            </a:r>
+            <a:r>
+              <a:rPr lang="en-US" sz="2000" b="0" i="0" u="none" strike="noStrike" cap="none" spc="0">
+                <a:solidFill>
+                  <a:schemeClr val="tx1"/>
+                </a:solidFill>
+                <a:latin typeface="+mn-lt"/>
+                <a:ea typeface="+mn-ea"/>
+                <a:cs typeface="+mn-cs"/>
+              </a:rPr>
+              <a:t> </a:t>
+            </a:r>
+            <a:r>
+              <a:rPr lang="en-US" sz="2000" b="0" i="0" u="none" strike="noStrike" cap="none" spc="0">
+                <a:solidFill>
+                  <a:schemeClr val="tx1"/>
+                </a:solidFill>
+                <a:latin typeface="+mn-lt"/>
+                <a:ea typeface="+mn-ea"/>
+                <a:cs typeface="+mn-cs"/>
+              </a:rPr>
+              <a:t>generiert</a:t>
+            </a:r>
+            <a:r>
+              <a:rPr lang="en-US" sz="2000" b="0" i="0" u="none" strike="noStrike" cap="none" spc="0">
+                <a:solidFill>
+                  <a:schemeClr val="tx1"/>
+                </a:solidFill>
+                <a:latin typeface="+mn-lt"/>
+                <a:ea typeface="+mn-ea"/>
+                <a:cs typeface="+mn-cs"/>
+              </a:rPr>
+              <a:t> </a:t>
+            </a:r>
+            <a:r>
+              <a:rPr lang="en-US" sz="2000" b="0" i="0" u="none" strike="noStrike" cap="none" spc="0">
+                <a:solidFill>
+                  <a:schemeClr val="tx1"/>
+                </a:solidFill>
+                <a:latin typeface="+mn-lt"/>
+                <a:ea typeface="+mn-ea"/>
+                <a:cs typeface="+mn-cs"/>
+              </a:rPr>
+              <a:t>in </a:t>
+            </a:r>
+            <a:r>
+              <a:rPr lang="en-US" sz="2000" b="0" i="0" u="none" strike="noStrike" cap="none" spc="0">
+                <a:solidFill>
+                  <a:schemeClr val="tx1"/>
+                </a:solidFill>
+                <a:latin typeface="+mn-lt"/>
+                <a:ea typeface="+mn-ea"/>
+                <a:cs typeface="+mn-cs"/>
+              </a:rPr>
+              <a:t>LaTex</a:t>
+            </a:r>
+            <a:r>
+              <a:rPr lang="en-US" sz="2000" b="0" i="0" u="none" strike="noStrike" cap="none" spc="0">
+                <a:solidFill>
+                  <a:schemeClr val="tx1"/>
+                </a:solidFill>
+                <a:latin typeface="+mn-lt"/>
+                <a:ea typeface="+mn-ea"/>
+                <a:cs typeface="+mn-cs"/>
+              </a:rPr>
+              <a:t> </a:t>
+            </a:r>
+            <a:r>
+              <a:rPr lang="en-US" sz="2000" b="0" i="0" u="none" strike="noStrike" cap="none" spc="0">
+                <a:solidFill>
+                  <a:schemeClr val="tx1"/>
+                </a:solidFill>
+                <a:latin typeface="+mn-lt"/>
+                <a:ea typeface="+mn-ea"/>
+                <a:cs typeface="+mn-cs"/>
+              </a:rPr>
+              <a:t>oder</a:t>
+            </a:r>
+            <a:r>
+              <a:rPr lang="en-US" sz="2000" b="0" i="0" u="none" strike="noStrike" cap="none" spc="0">
+                <a:solidFill>
+                  <a:schemeClr val="tx1"/>
+                </a:solidFill>
+                <a:latin typeface="+mn-lt"/>
+                <a:ea typeface="+mn-ea"/>
+                <a:cs typeface="+mn-cs"/>
+              </a:rPr>
+              <a:t> HTML, Coding-</a:t>
+            </a:r>
+            <a:r>
+              <a:rPr lang="en-US" sz="2000" b="0" i="0" u="none" strike="noStrike" cap="none" spc="0">
+                <a:solidFill>
+                  <a:schemeClr val="tx1"/>
+                </a:solidFill>
+                <a:latin typeface="+mn-lt"/>
+                <a:ea typeface="+mn-ea"/>
+                <a:cs typeface="+mn-cs"/>
+              </a:rPr>
+              <a:t>Kenntnisse</a:t>
+            </a:r>
+            <a:r>
+              <a:rPr lang="en-US" sz="2000" b="0" i="0" u="none" strike="noStrike" cap="none" spc="0">
+                <a:solidFill>
+                  <a:schemeClr val="tx1"/>
+                </a:solidFill>
+                <a:latin typeface="+mn-lt"/>
+                <a:ea typeface="+mn-ea"/>
+                <a:cs typeface="+mn-cs"/>
+              </a:rPr>
+              <a:t>  ware</a:t>
+            </a:r>
+            <a:r>
+              <a:rPr lang="en-US" sz="2000" b="0" i="0" u="none" strike="noStrike" cap="none" spc="0">
+                <a:solidFill>
+                  <a:schemeClr val="tx1"/>
+                </a:solidFill>
+                <a:latin typeface="+mn-lt"/>
+                <a:ea typeface="+mn-ea"/>
+                <a:cs typeface="+mn-cs"/>
+              </a:rPr>
+              <a:t>verlangt</a:t>
+            </a:r>
+            <a:endParaRPr sz="2000"/>
+          </a:p>
+        </p:txBody>
+      </p:sp>
+      <p:pic>
+        <p:nvPicPr>
+          <p:cNvPr id="22376149" name="" hidden="0"/>
+          <p:cNvPicPr>
+            <a:picLocks noChangeAspect="1"/>
+          </p:cNvPicPr>
+          <p:nvPr isPhoto="0" userDrawn="0"/>
+        </p:nvPicPr>
+        <p:blipFill>
+          <a:blip r:embed="rId3"/>
+          <a:stretch/>
+        </p:blipFill>
+        <p:spPr bwMode="auto">
+          <a:xfrm flipH="0" flipV="0">
+            <a:off x="7945480" y="2015731"/>
+            <a:ext cx="3970276" cy="3529134"/>
+          </a:xfrm>
+          <a:prstGeom prst="rect">
+            <a:avLst/>
+          </a:prstGeom>
+        </p:spPr>
+      </p:pic>
     </p:spTree>
   </p:cSld>
   <p:clrMapOvr>
@@ -10091,28 +10293,298 @@
       </p:sp>
       <p:pic>
         <p:nvPicPr>
-          <p:cNvPr id="510116729" name="" hidden="0"/>
+          <p:cNvPr id="1606120028" name="" hidden="0"/>
           <p:cNvPicPr>
             <a:picLocks noChangeAspect="1"/>
           </p:cNvPicPr>
-          <p:nvPr isPhoto="0" userDrawn="0">
-            <p:ph idx="1" hasCustomPrompt="0"/>
-          </p:nvPr>
+          <p:nvPr isPhoto="0" userDrawn="0"/>
         </p:nvPicPr>
         <p:blipFill>
-          <a:blip r:embed="rId2"/>
+          <a:blip r:embed="rId3"/>
           <a:stretch/>
         </p:blipFill>
         <p:spPr bwMode="auto">
-          <a:xfrm rot="0">
-            <a:off x="1534695" y="1968145"/>
-            <a:ext cx="7353299" cy="1371600"/>
+          <a:xfrm flipH="0" flipV="0">
+            <a:off x="8247960" y="2485577"/>
+            <a:ext cx="3365021" cy="2370895"/>
           </a:xfrm>
           <a:prstGeom prst="rect">
             <a:avLst/>
           </a:prstGeom>
         </p:spPr>
       </p:pic>
+      <p:sp>
+        <p:nvSpPr>
+          <p:cNvPr id="1774484863" name="Marcador de contenido 2" hidden="0"/>
+          <p:cNvSpPr>
+            <a:spLocks noGrp="1"/>
+          </p:cNvSpPr>
+          <p:nvPr isPhoto="0" userDrawn="0"/>
+        </p:nvSpPr>
+        <p:spPr bwMode="auto">
+          <a:xfrm flipH="0" flipV="0">
+            <a:off x="1482927" y="1990480"/>
+            <a:ext cx="7170821" cy="2772019"/>
+          </a:xfrm>
+        </p:spPr>
+        <p:txBody>
+          <a:bodyPr vertOverflow="overflow" horzOverflow="clip" vert="horz" wrap="square" lIns="91440" tIns="45720" rIns="91440" bIns="45720" numCol="1" spcCol="0" rtlCol="0" fromWordArt="0" anchor="t" anchorCtr="0" forceAA="0" upright="0" compatLnSpc="0">
+            <a:normAutofit/>
+          </a:bodyPr>
+          <a:lstStyle>
+            <a:lvl1pPr marL="228600" indent="-228600" algn="l" defTabSz="914400">
+              <a:lnSpc>
+                <a:spcPct val="120000"/>
+              </a:lnSpc>
+              <a:spcBef>
+                <a:spcPts val="999"/>
+              </a:spcBef>
+              <a:buClr>
+                <a:schemeClr val="accent1"/>
+              </a:buClr>
+              <a:buSzPct val="100000"/>
+              <a:buFont typeface="Arial"/>
+              <a:buChar char="•"/>
+              <a:defRPr sz="2000">
+                <a:solidFill>
+                  <a:schemeClr val="tx1"/>
+                </a:solidFill>
+                <a:latin typeface="+mn-lt"/>
+                <a:ea typeface="+mn-ea"/>
+                <a:cs typeface="+mn-cs"/>
+              </a:defRPr>
+            </a:lvl1pPr>
+            <a:lvl2pPr marL="685800" indent="-228600" algn="l" defTabSz="914400">
+              <a:lnSpc>
+                <a:spcPct val="120000"/>
+              </a:lnSpc>
+              <a:spcBef>
+                <a:spcPts val="499"/>
+              </a:spcBef>
+              <a:buClr>
+                <a:schemeClr val="accent1"/>
+              </a:buClr>
+              <a:buSzPct val="100000"/>
+              <a:buFont typeface="Arial"/>
+              <a:buChar char="•"/>
+              <a:defRPr sz="1800" cap="none">
+                <a:solidFill>
+                  <a:schemeClr val="tx1"/>
+                </a:solidFill>
+                <a:latin typeface="+mn-lt"/>
+                <a:ea typeface="+mn-ea"/>
+                <a:cs typeface="+mn-cs"/>
+              </a:defRPr>
+            </a:lvl2pPr>
+            <a:lvl3pPr marL="1143000" indent="-228600" algn="l" defTabSz="914400">
+              <a:lnSpc>
+                <a:spcPct val="120000"/>
+              </a:lnSpc>
+              <a:spcBef>
+                <a:spcPts val="499"/>
+              </a:spcBef>
+              <a:buClr>
+                <a:schemeClr val="accent1"/>
+              </a:buClr>
+              <a:buSzPct val="100000"/>
+              <a:buFont typeface="Arial"/>
+              <a:buChar char="•"/>
+              <a:defRPr sz="1600">
+                <a:solidFill>
+                  <a:schemeClr val="tx1"/>
+                </a:solidFill>
+                <a:latin typeface="+mn-lt"/>
+                <a:ea typeface="+mn-ea"/>
+                <a:cs typeface="+mn-cs"/>
+              </a:defRPr>
+            </a:lvl3pPr>
+            <a:lvl4pPr marL="1600200" indent="-228600" algn="l" defTabSz="914400">
+              <a:lnSpc>
+                <a:spcPct val="120000"/>
+              </a:lnSpc>
+              <a:spcBef>
+                <a:spcPts val="499"/>
+              </a:spcBef>
+              <a:buClr>
+                <a:schemeClr val="accent1"/>
+              </a:buClr>
+              <a:buSzPct val="100000"/>
+              <a:buFont typeface="Arial"/>
+              <a:buChar char="•"/>
+              <a:defRPr sz="1400" cap="none">
+                <a:solidFill>
+                  <a:schemeClr val="tx1"/>
+                </a:solidFill>
+                <a:latin typeface="+mn-lt"/>
+                <a:ea typeface="+mn-ea"/>
+                <a:cs typeface="+mn-cs"/>
+              </a:defRPr>
+            </a:lvl4pPr>
+            <a:lvl5pPr marL="2057400" indent="-228600" algn="l" defTabSz="914400">
+              <a:lnSpc>
+                <a:spcPct val="120000"/>
+              </a:lnSpc>
+              <a:spcBef>
+                <a:spcPts val="499"/>
+              </a:spcBef>
+              <a:buClr>
+                <a:schemeClr val="accent1"/>
+              </a:buClr>
+              <a:buSzPct val="100000"/>
+              <a:buFont typeface="Arial"/>
+              <a:buChar char="•"/>
+              <a:defRPr sz="1200">
+                <a:solidFill>
+                  <a:schemeClr val="tx1"/>
+                </a:solidFill>
+                <a:latin typeface="+mn-lt"/>
+                <a:ea typeface="+mn-ea"/>
+                <a:cs typeface="+mn-cs"/>
+              </a:defRPr>
+            </a:lvl5pPr>
+            <a:lvl6pPr marL="2514599" indent="-228600" algn="l" defTabSz="914400">
+              <a:lnSpc>
+                <a:spcPct val="120000"/>
+              </a:lnSpc>
+              <a:spcBef>
+                <a:spcPts val="499"/>
+              </a:spcBef>
+              <a:buClr>
+                <a:schemeClr val="accent1"/>
+              </a:buClr>
+              <a:buSzPct val="100000"/>
+              <a:buFont typeface="Arial"/>
+              <a:buChar char="•"/>
+              <a:defRPr sz="1200">
+                <a:solidFill>
+                  <a:schemeClr val="tx1"/>
+                </a:solidFill>
+                <a:latin typeface="+mn-lt"/>
+                <a:ea typeface="+mn-ea"/>
+                <a:cs typeface="+mn-cs"/>
+              </a:defRPr>
+            </a:lvl6pPr>
+            <a:lvl7pPr marL="2971800" indent="-228600" algn="l" defTabSz="914400">
+              <a:lnSpc>
+                <a:spcPct val="120000"/>
+              </a:lnSpc>
+              <a:spcBef>
+                <a:spcPts val="499"/>
+              </a:spcBef>
+              <a:buClr>
+                <a:schemeClr val="accent1"/>
+              </a:buClr>
+              <a:buSzPct val="100000"/>
+              <a:buFont typeface="Arial"/>
+              <a:buChar char="•"/>
+              <a:defRPr sz="1200">
+                <a:solidFill>
+                  <a:schemeClr val="tx1"/>
+                </a:solidFill>
+                <a:latin typeface="+mn-lt"/>
+                <a:ea typeface="+mn-ea"/>
+                <a:cs typeface="+mn-cs"/>
+              </a:defRPr>
+            </a:lvl7pPr>
+            <a:lvl8pPr marL="3429000" indent="-228600" algn="l" defTabSz="914400">
+              <a:lnSpc>
+                <a:spcPct val="120000"/>
+              </a:lnSpc>
+              <a:spcBef>
+                <a:spcPts val="499"/>
+              </a:spcBef>
+              <a:buClr>
+                <a:schemeClr val="accent1"/>
+              </a:buClr>
+              <a:buSzPct val="100000"/>
+              <a:buFont typeface="Arial"/>
+              <a:buChar char="•"/>
+              <a:defRPr sz="1200">
+                <a:solidFill>
+                  <a:schemeClr val="tx1"/>
+                </a:solidFill>
+                <a:latin typeface="+mn-lt"/>
+                <a:ea typeface="+mn-ea"/>
+                <a:cs typeface="+mn-cs"/>
+              </a:defRPr>
+            </a:lvl8pPr>
+            <a:lvl9pPr marL="3886200" indent="-228600" algn="l" defTabSz="914400">
+              <a:lnSpc>
+                <a:spcPct val="120000"/>
+              </a:lnSpc>
+              <a:spcBef>
+                <a:spcPts val="499"/>
+              </a:spcBef>
+              <a:buClr>
+                <a:schemeClr val="accent1"/>
+              </a:buClr>
+              <a:buSzPct val="100000"/>
+              <a:buFont typeface="Arial"/>
+              <a:buChar char="•"/>
+              <a:defRPr sz="1200">
+                <a:solidFill>
+                  <a:schemeClr val="tx1"/>
+                </a:solidFill>
+                <a:latin typeface="+mn-lt"/>
+                <a:ea typeface="+mn-ea"/>
+                <a:cs typeface="+mn-cs"/>
+              </a:defRPr>
+            </a:lvl9pPr>
+          </a:lstStyle>
+          <a:p>
+            <a:pPr>
+              <a:defRPr/>
+            </a:pPr>
+            <a:r>
+              <a:rPr lang="en-US" sz="2000" b="0" i="0" u="none" strike="noStrike" cap="none" spc="0">
+                <a:solidFill>
+                  <a:schemeClr val="tx1"/>
+                </a:solidFill>
+                <a:latin typeface="Palatino Linotype"/>
+                <a:ea typeface="Arial"/>
+                <a:cs typeface="Arial"/>
+              </a:rPr>
+              <a:t>Den Grundstein liefert die Cinco Entwicklungsumgebung samt der Modelierungssprachen </a:t>
+            </a:r>
+            <a:r>
+              <a:rPr lang="en-US" sz="2000" b="0" i="0" u="none" strike="noStrike" cap="none" spc="0">
+                <a:solidFill>
+                  <a:schemeClr val="tx1"/>
+                </a:solidFill>
+                <a:latin typeface="Palatino Linotype"/>
+                <a:ea typeface="Arial"/>
+                <a:cs typeface="Arial"/>
+              </a:rPr>
+              <a:t>(MGL, MSL, CPD)</a:t>
+            </a:r>
+            <a:endParaRPr/>
+          </a:p>
+          <a:p>
+            <a:pPr>
+              <a:defRPr/>
+            </a:pPr>
+            <a:r>
+              <a:rPr lang="en-US" sz="2000" b="0" i="0" u="none" strike="noStrike" cap="none" spc="0">
+                <a:solidFill>
+                  <a:schemeClr val="tx1"/>
+                </a:solidFill>
+                <a:latin typeface="Palatino Linotype"/>
+                <a:ea typeface="Arial"/>
+                <a:cs typeface="Arial"/>
+              </a:rPr>
+              <a:t>Diese Modelierungssprachen fundieren als Metamodelierungssprachen zur graphischen Sprache mit der Dokumentationsmodele entworfen werden</a:t>
+            </a:r>
+            <a:endParaRPr lang="en-US" sz="2000" b="0" i="0" u="none" strike="noStrike" cap="none" spc="0">
+              <a:solidFill>
+                <a:schemeClr val="tx1"/>
+              </a:solidFill>
+              <a:latin typeface="Palatino Linotype"/>
+              <a:ea typeface="Arial"/>
+              <a:cs typeface="Arial"/>
+            </a:endParaRPr>
+          </a:p>
+        </p:txBody>
+      </p:sp>
     </p:spTree>
   </p:cSld>
   <p:clrMapOvr>
@@ -10148,7 +10620,7 @@
       </p:grpSpPr>
       <p:sp>
         <p:nvSpPr>
-          <p:cNvPr id="737948483" name="Título 1" hidden="0"/>
+          <p:cNvPr id="1245924961" name="Título 1" hidden="0"/>
           <p:cNvSpPr>
             <a:spLocks noGrp="1"/>
           </p:cNvSpPr>
@@ -10166,22 +10638,34 @@
             </a:pPr>
             <a:r>
               <a:rPr lang="de-DE"/>
-              <a:t>Ergebnisse</a:t>
+              <a:t>Methodologie</a:t>
             </a:r>
             <a:br>
               <a:rPr lang="de-DE"/>
             </a:br>
             <a:r>
               <a:rPr lang="de-DE" sz="1600" i="1"/>
-              <a:t>WebDoc - Web Application Documentor</a:t>
-            </a:r>
-            <a:endParaRPr/>
-          </a:p>
-        </p:txBody>
-      </p:sp>
-      <p:sp>
-        <p:nvSpPr>
-          <p:cNvPr id="1419255848" name="Marcador de contenido 2" hidden="0"/>
+              <a:t>graphische DSL aus </a:t>
+            </a:r>
+            <a:r>
+              <a:rPr lang="de-DE" sz="1600" i="1">
+                <a:latin typeface="URW Bookman"/>
+                <a:ea typeface="URW Bookman"/>
+                <a:cs typeface="URW Bookman"/>
+              </a:rPr>
+              <a:t>Cinco</a:t>
+            </a:r>
+            <a:r>
+              <a:rPr lang="de-DE" sz="1600" i="1"/>
+              <a:t> Metasprachen</a:t>
+            </a:r>
+            <a:endParaRPr/>
+          </a:p>
+        </p:txBody>
+      </p:sp>
+      <p:sp>
+        <p:nvSpPr>
+          <p:cNvPr id="1943138706" name="Content Placeholder 2" hidden="0"/>
           <p:cNvSpPr>
             <a:spLocks noGrp="1"/>
           </p:cNvSpPr>
@@ -10191,13 +10675,41 @@
         </p:nvSpPr>
         <p:spPr bwMode="auto"/>
         <p:txBody>
-          <a:bodyPr/>
+          <a:bodyPr anchor="t"/>
           <a:lstStyle/>
           <a:p>
             <a:pPr>
               <a:defRPr/>
             </a:pPr>
-            <a:endParaRPr/>
+            <a:r>
+              <a:rPr lang="en-US" sz="2000" b="0" i="0" u="none" strike="noStrike" cap="none" spc="0">
+                <a:solidFill>
+                  <a:schemeClr val="tx1"/>
+                </a:solidFill>
+                <a:latin typeface="+mn-lt"/>
+                <a:ea typeface="+mn-ea"/>
+                <a:cs typeface="+mn-cs"/>
+              </a:rPr>
+              <a:t>Die graphische Sprache - bestehend aus Browser UI Elemente - wird zum Entwerfen des Dokumentationsmodels verwendet</a:t>
+            </a:r>
+            <a:endParaRPr sz="2000"/>
+          </a:p>
+          <a:p>
+            <a:pPr>
+              <a:defRPr/>
+            </a:pPr>
+            <a:r>
+              <a:rPr lang="en-US" sz="2000" b="0" i="0" u="none" strike="noStrike" cap="none" spc="0">
+                <a:solidFill>
+                  <a:schemeClr val="tx1"/>
+                </a:solidFill>
+                <a:latin typeface="+mn-lt"/>
+                <a:ea typeface="+mn-ea"/>
+                <a:cs typeface="+mn-cs"/>
+              </a:rPr>
+              <a:t>Das Endresultat ist eine Dokumentation in Textformat (Markdown) mit Screenshot</a:t>
+            </a:r>
+            <a:endParaRPr sz="2000"/>
           </a:p>
         </p:txBody>
       </p:sp>

--- a/Abschlussvortrag.pptx
+++ b/Abschlussvortrag.pptx
@@ -5,7 +5,7 @@
     <p:sldMasterId id="2147483648" r:id="rId1"/>
   </p:sldMasterIdLst>
   <p:notesMasterIdLst>
-    <p:notesMasterId r:id="rId21"/>
+    <p:notesMasterId r:id="rId22"/>
   </p:notesMasterIdLst>
   <p:sldIdLst>
     <p:sldId id="256" r:id="rId4"/>
@@ -25,6 +25,7 @@
     <p:sldId id="270" r:id="rId18"/>
     <p:sldId id="271" r:id="rId19"/>
     <p:sldId id="272" r:id="rId20"/>
+    <p:sldId id="273" r:id="rId21"/>
   </p:sldIdLst>
   <p:sldSz cx="12192000" cy="6858000"/>
   <p:notesSz cx="12192000" cy="6858000"/>
@@ -7748,7 +7749,52 @@
             </a:r>
             <a:r>
               <a:rPr lang="de-DE" sz="1600" i="1"/>
-              <a:t> Metasprachen</a:t>
+              <a:t> Metasprachen - technisches Detail</a:t>
+            </a:r>
+            <a:endParaRPr/>
+          </a:p>
+        </p:txBody>
+      </p:sp>
+      <p:sp>
+        <p:nvSpPr>
+          <p:cNvPr id="1975793017" name="Content Placeholder 2" hidden="0"/>
+          <p:cNvSpPr>
+            <a:spLocks noGrp="1"/>
+          </p:cNvSpPr>
+          <p:nvPr isPhoto="0" userDrawn="0">
+            <p:ph idx="1" hasCustomPrompt="0"/>
+          </p:nvPr>
+        </p:nvSpPr>
+        <p:spPr bwMode="auto">
+          <a:xfrm flipH="0" flipV="0">
+            <a:off x="1534695" y="2015731"/>
+            <a:ext cx="9520157" cy="1891960"/>
+          </a:xfrm>
+        </p:spPr>
+        <p:txBody>
+          <a:bodyPr anchor="t"/>
+          <a:lstStyle/>
+          <a:p>
+            <a:pPr>
+              <a:defRPr/>
+            </a:pPr>
+            <a:r>
+              <a:rPr/>
+              <a:t>Verwendung von Selenium-Java und VuePress, um einen Dokumentationstext mit Bildern in Markdownformat zu erstellen</a:t>
+            </a:r>
+            <a:endParaRPr/>
+          </a:p>
+          <a:p>
+            <a:pPr>
+              <a:defRPr/>
+            </a:pPr>
+            <a:r>
+              <a:rPr/>
+              <a:t>Separates Erzeugen der Texte und der Screenshots wird bevorzugt, um Single-Point-of-failure zu </a:t>
+            </a:r>
+            <a:r>
+              <a:rPr lang="de-DE"/>
+              <a:t>vermeiden</a:t>
             </a:r>
             <a:endParaRPr/>
           </a:p>
@@ -7756,22 +7802,20 @@
       </p:sp>
       <p:pic>
         <p:nvPicPr>
-          <p:cNvPr id="998142041" name="" hidden="0"/>
+          <p:cNvPr id="586522987" name="" hidden="0"/>
           <p:cNvPicPr>
             <a:picLocks noChangeAspect="1"/>
           </p:cNvPicPr>
-          <p:nvPr isPhoto="0" userDrawn="0">
-            <p:ph idx="1" hasCustomPrompt="0"/>
-          </p:nvPr>
+          <p:nvPr isPhoto="0" userDrawn="0"/>
         </p:nvPicPr>
         <p:blipFill>
           <a:blip r:embed="rId2"/>
           <a:stretch/>
         </p:blipFill>
         <p:spPr bwMode="auto">
-          <a:xfrm rot="0">
-            <a:off x="1534695" y="1968145"/>
-            <a:ext cx="7353299" cy="1371600"/>
+          <a:xfrm rot="0" flipH="0" flipV="0">
+            <a:off x="3605095" y="3378843"/>
+            <a:ext cx="5739875" cy="2403879"/>
           </a:xfrm>
           <a:prstGeom prst="rect">
             <a:avLst/>
@@ -7813,7 +7857,7 @@
       </p:grpSpPr>
       <p:sp>
         <p:nvSpPr>
-          <p:cNvPr id="737948483" name="Título 1" hidden="0"/>
+          <p:cNvPr id="564735652" name="Title 1" hidden="0"/>
           <p:cNvSpPr>
             <a:spLocks noGrp="1"/>
           </p:cNvSpPr>
@@ -7823,49 +7867,258 @@
         </p:nvSpPr>
         <p:spPr bwMode="auto"/>
         <p:txBody>
-          <a:bodyPr/>
+          <a:bodyPr vertOverflow="overflow" horzOverflow="clip" vert="horz" wrap="square" lIns="91440" tIns="45720" rIns="91440" bIns="45720" numCol="1" spcCol="0" rtlCol="0" fromWordArt="0" anchor="b" anchorCtr="0" forceAA="0" upright="0" compatLnSpc="0">
+            <a:normAutofit/>
+          </a:bodyPr>
           <a:lstStyle/>
           <a:p>
             <a:pPr>
               <a:defRPr/>
             </a:pPr>
             <a:r>
-              <a:rPr lang="de-DE"/>
-              <a:t>Ergebnisse</a:t>
+              <a:rPr lang="de-DE" sz="3200" b="0" i="0" u="none" strike="noStrike" cap="none" spc="0">
+                <a:solidFill>
+                  <a:schemeClr val="tx1"/>
+                </a:solidFill>
+                <a:latin typeface="+mj-lt"/>
+                <a:ea typeface="+mj-ea"/>
+                <a:cs typeface="+mj-cs"/>
+              </a:rPr>
+              <a:t>Methodologie</a:t>
             </a:r>
             <a:br>
-              <a:rPr lang="de-DE"/>
+              <a:rPr lang="de-DE" sz="3200" b="0" i="0" u="none" strike="noStrike" cap="none" spc="0">
+                <a:solidFill>
+                  <a:schemeClr val="tx1"/>
+                </a:solidFill>
+                <a:latin typeface="+mj-lt"/>
+                <a:ea typeface="+mj-ea"/>
+                <a:cs typeface="+mj-cs"/>
+              </a:rPr>
             </a:br>
             <a:r>
-              <a:rPr lang="de-DE" sz="1600" i="1"/>
-              <a:t>WebDoc - Web Application Documentor</a:t>
-            </a:r>
-            <a:endParaRPr/>
-          </a:p>
-        </p:txBody>
-      </p:sp>
-      <p:sp>
-        <p:nvSpPr>
-          <p:cNvPr id="1419255848" name="Marcador de contenido 2" hidden="0"/>
-          <p:cNvSpPr>
-            <a:spLocks noGrp="1"/>
-          </p:cNvSpPr>
-          <p:nvPr isPhoto="0" userDrawn="0">
-            <p:ph idx="1" hasCustomPrompt="0"/>
-          </p:nvPr>
-        </p:nvSpPr>
-        <p:spPr bwMode="auto"/>
-        <p:txBody>
-          <a:bodyPr/>
-          <a:lstStyle/>
-          <a:p>
-            <a:pPr>
-              <a:defRPr/>
-            </a:pPr>
-            <a:endParaRPr/>
-          </a:p>
-        </p:txBody>
-      </p:sp>
+              <a:rPr lang="de-DE" sz="1600" b="0" i="1" u="none" strike="noStrike" cap="none" spc="0">
+                <a:solidFill>
+                  <a:schemeClr val="tx1"/>
+                </a:solidFill>
+                <a:latin typeface="Palatino Linotype"/>
+                <a:ea typeface="Palatino Linotype"/>
+                <a:cs typeface="Palatino Linotype"/>
+              </a:rPr>
+              <a:t>graphische DSL aus </a:t>
+            </a:r>
+            <a:r>
+              <a:rPr lang="de-DE" sz="1600" b="0" i="1" u="none" strike="noStrike" cap="none" spc="0">
+                <a:solidFill>
+                  <a:schemeClr val="tx1"/>
+                </a:solidFill>
+                <a:latin typeface="URW Bookman"/>
+                <a:ea typeface="URW Bookman"/>
+                <a:cs typeface="URW Bookman"/>
+              </a:rPr>
+              <a:t>Cinco</a:t>
+            </a:r>
+            <a:r>
+              <a:rPr lang="de-DE" sz="1600" b="0" i="1" u="none" strike="noStrike" cap="none" spc="0">
+                <a:solidFill>
+                  <a:schemeClr val="tx1"/>
+                </a:solidFill>
+                <a:latin typeface="Palatino Linotype"/>
+                <a:ea typeface="Palatino Linotype"/>
+                <a:cs typeface="Palatino Linotype"/>
+              </a:rPr>
+              <a:t> Metasprachen - technisches Detail</a:t>
+            </a:r>
+            <a:endParaRPr/>
+          </a:p>
+        </p:txBody>
+      </p:sp>
+      <p:grpSp>
+        <p:nvGrpSpPr>
+          <p:cNvPr id="1524444960" name="" hidden="0"/>
+          <p:cNvGrpSpPr/>
+          <p:nvPr isPhoto="0" userDrawn="0"/>
+        </p:nvGrpSpPr>
+        <p:grpSpPr bwMode="auto">
+          <a:xfrm>
+            <a:off x="1712307" y="1682792"/>
+            <a:ext cx="8976607" cy="3783552"/>
+            <a:chOff x="0" y="0"/>
+            <a:chExt cx="8976607" cy="3783552"/>
+          </a:xfrm>
+        </p:grpSpPr>
+        <p:grpSp>
+          <p:nvGrpSpPr>
+            <p:cNvPr id="353857643" name="" hidden="0"/>
+            <p:cNvGrpSpPr/>
+            <p:nvPr isPhoto="0" userDrawn="0"/>
+          </p:nvGrpSpPr>
+          <p:grpSpPr bwMode="auto">
+            <a:xfrm>
+              <a:off x="0" y="0"/>
+              <a:ext cx="8976607" cy="3783552"/>
+              <a:chOff x="0" y="0"/>
+              <a:chExt cx="8976607" cy="3783552"/>
+            </a:xfrm>
+          </p:grpSpPr>
+          <p:pic>
+            <p:nvPicPr>
+              <p:cNvPr id="219745317" name="" hidden="0"/>
+              <p:cNvPicPr>
+                <a:picLocks noChangeAspect="1"/>
+              </p:cNvPicPr>
+              <p:nvPr isPhoto="0" userDrawn="0">
+                <p:ph idx="1" hasCustomPrompt="0"/>
+              </p:nvPr>
+            </p:nvPicPr>
+            <p:blipFill>
+              <a:blip r:embed="rId2"/>
+              <a:stretch/>
+            </p:blipFill>
+            <p:spPr bwMode="auto">
+              <a:xfrm rot="0">
+                <a:off x="188327" y="332939"/>
+                <a:ext cx="8788279" cy="3450612"/>
+              </a:xfrm>
+              <a:prstGeom prst="rect">
+                <a:avLst/>
+              </a:prstGeom>
+            </p:spPr>
+          </p:pic>
+          <p:sp>
+            <p:nvSpPr>
+              <p:cNvPr id="534566748" name="" hidden="0"/>
+              <p:cNvSpPr txBox="1"/>
+              <p:nvPr isPhoto="0" userDrawn="0"/>
+            </p:nvSpPr>
+            <p:spPr bwMode="auto">
+              <a:xfrm flipH="0" flipV="0">
+                <a:off x="0" y="3299514"/>
+                <a:ext cx="2149230" cy="341922"/>
+              </a:xfrm>
+              <a:prstGeom prst="rect">
+                <a:avLst/>
+              </a:prstGeom>
+              <a:noFill/>
+            </p:spPr>
+            <p:txBody>
+              <a:bodyPr vertOverflow="overflow" horzOverflow="clip" vert="horz" wrap="square" lIns="91440" tIns="45720" rIns="91440" bIns="45720" numCol="1" spcCol="0" rtlCol="0" fromWordArt="0" anchor="t" anchorCtr="0" forceAA="0" upright="0" compatLnSpc="0">
+                <a:noAutofit/>
+              </a:bodyPr>
+              <a:p>
+                <a:pPr>
+                  <a:defRPr/>
+                </a:pPr>
+                <a:r>
+                  <a:rPr sz="1400"/>
+                  <a:t>Dokumentationsmodell</a:t>
+                </a:r>
+                <a:endParaRPr sz="1400"/>
+              </a:p>
+            </p:txBody>
+          </p:sp>
+          <p:sp>
+            <p:nvSpPr>
+              <p:cNvPr id="79657727" name="" hidden="0"/>
+              <p:cNvSpPr txBox="1"/>
+              <p:nvPr isPhoto="0" userDrawn="0"/>
+            </p:nvSpPr>
+            <p:spPr bwMode="auto">
+              <a:xfrm flipH="0" flipV="0">
+                <a:off x="6704134" y="0"/>
+                <a:ext cx="2198076" cy="341922"/>
+              </a:xfrm>
+              <a:prstGeom prst="rect">
+                <a:avLst/>
+              </a:prstGeom>
+              <a:noFill/>
+            </p:spPr>
+            <p:txBody>
+              <a:bodyPr vertOverflow="overflow" horzOverflow="clip" vert="horz" wrap="square" lIns="91440" tIns="45720" rIns="91440" bIns="45720" numCol="1" spcCol="0" rtlCol="0" fromWordArt="0" anchor="t" anchorCtr="0" forceAA="0" upright="0" compatLnSpc="0">
+                <a:noAutofit/>
+              </a:bodyPr>
+              <a:p>
+                <a:pPr>
+                  <a:defRPr/>
+                </a:pPr>
+                <a:r>
+                  <a:rPr lang="de-DE" sz="1400"/>
+                  <a:t>Fertige Dokumentation</a:t>
+                </a:r>
+                <a:endParaRPr sz="1400"/>
+              </a:p>
+            </p:txBody>
+          </p:sp>
+        </p:grpSp>
+        <p:sp>
+          <p:nvSpPr>
+            <p:cNvPr id="1973260769" name="" hidden="0"/>
+            <p:cNvSpPr txBox="1"/>
+            <p:nvPr isPhoto="0" userDrawn="0"/>
+          </p:nvSpPr>
+          <p:spPr bwMode="auto">
+            <a:xfrm flipH="0" flipV="0">
+              <a:off x="3123461" y="1887284"/>
+              <a:ext cx="2649902" cy="341922"/>
+            </a:xfrm>
+            <a:prstGeom prst="rect">
+              <a:avLst/>
+            </a:prstGeom>
+            <a:noFill/>
+          </p:spPr>
+          <p:txBody>
+            <a:bodyPr vertOverflow="overflow" horzOverflow="clip" vert="horz" wrap="square" lIns="91440" tIns="45720" rIns="91440" bIns="45720" numCol="1" spcCol="0" rtlCol="0" fromWordArt="0" anchor="t" anchorCtr="0" forceAA="0" upright="0" compatLnSpc="0">
+              <a:noAutofit/>
+            </a:bodyPr>
+            <a:p>
+              <a:pPr>
+                <a:defRPr/>
+              </a:pPr>
+              <a:r>
+                <a:rPr lang="de-DE" sz="1400"/>
+                <a:t>Dokumentation </a:t>
+              </a:r>
+              <a:r>
+                <a:rPr sz="1400"/>
+                <a:t>in Markdown</a:t>
+              </a:r>
+              <a:endParaRPr sz="1400"/>
+            </a:p>
+          </p:txBody>
+        </p:sp>
+        <p:sp>
+          <p:nvSpPr>
+            <p:cNvPr id="1826178206" name="" hidden="0"/>
+            <p:cNvSpPr txBox="1"/>
+            <p:nvPr isPhoto="0" userDrawn="0"/>
+          </p:nvSpPr>
+          <p:spPr bwMode="auto">
+            <a:xfrm flipH="0" flipV="0">
+              <a:off x="4322884" y="2688937"/>
+              <a:ext cx="1199423" cy="260749"/>
+            </a:xfrm>
+            <a:prstGeom prst="rect">
+              <a:avLst/>
+            </a:prstGeom>
+            <a:noFill/>
+          </p:spPr>
+          <p:txBody>
+            <a:bodyPr vertOverflow="overflow" horzOverflow="clip" vert="horz" wrap="square" lIns="91440" tIns="45720" rIns="91440" bIns="45720" numCol="1" spcCol="0" rtlCol="0" fromWordArt="0" anchor="t" anchorCtr="0" forceAA="0" upright="0" compatLnSpc="0">
+              <a:noAutofit/>
+            </a:bodyPr>
+            <a:p>
+              <a:pPr>
+                <a:defRPr/>
+              </a:pPr>
+              <a:r>
+                <a:rPr lang="de-DE" sz="1400"/>
+                <a:t>Screenshots</a:t>
+              </a:r>
+              <a:endParaRPr sz="1400"/>
+            </a:p>
+          </p:txBody>
+        </p:sp>
+      </p:grpSp>
     </p:spTree>
   </p:cSld>
   <p:clrMapOvr>
@@ -7901,7 +8154,7 @@
       </p:grpSpPr>
       <p:sp>
         <p:nvSpPr>
-          <p:cNvPr id="2066127232" name="Título 1" hidden="0"/>
+          <p:cNvPr id="737948483" name="Título 1" hidden="0"/>
           <p:cNvSpPr>
             <a:spLocks noGrp="1"/>
           </p:cNvSpPr>
@@ -7934,7 +8187,7 @@
       </p:sp>
       <p:sp>
         <p:nvSpPr>
-          <p:cNvPr id="1550064571" name="Marcador de contenido 2" hidden="0"/>
+          <p:cNvPr id="1419255848" name="Marcador de contenido 2" hidden="0"/>
           <p:cNvSpPr>
             <a:spLocks noGrp="1"/>
           </p:cNvSpPr>
@@ -7989,7 +8242,7 @@
       </p:grpSpPr>
       <p:sp>
         <p:nvSpPr>
-          <p:cNvPr id="313569025" name="Título 1" hidden="0"/>
+          <p:cNvPr id="2066127232" name="Título 1" hidden="0"/>
           <p:cNvSpPr>
             <a:spLocks noGrp="1"/>
           </p:cNvSpPr>
@@ -8022,7 +8275,7 @@
       </p:sp>
       <p:sp>
         <p:nvSpPr>
-          <p:cNvPr id="985876979" name="Marcador de contenido 2" hidden="0"/>
+          <p:cNvPr id="1550064571" name="Marcador de contenido 2" hidden="0"/>
           <p:cNvSpPr>
             <a:spLocks noGrp="1"/>
           </p:cNvSpPr>
@@ -8077,7 +8330,7 @@
       </p:grpSpPr>
       <p:sp>
         <p:nvSpPr>
-          <p:cNvPr id="1417253658" name="Título 1" hidden="0"/>
+          <p:cNvPr id="313569025" name="Título 1" hidden="0"/>
           <p:cNvSpPr>
             <a:spLocks noGrp="1"/>
           </p:cNvSpPr>
@@ -8095,20 +8348,13 @@
             </a:pPr>
             <a:r>
               <a:rPr lang="de-DE"/>
-              <a:t>Demo</a:t>
+              <a:t>Ergebnisse</a:t>
             </a:r>
             <a:br>
               <a:rPr lang="de-DE"/>
             </a:br>
             <a:r>
-              <a:rPr lang="de-DE" sz="1600" b="0" i="1" u="none" strike="noStrike" cap="none" spc="0">
-                <a:solidFill>
-                  <a:schemeClr val="tx1"/>
-                </a:solidFill>
-                <a:latin typeface="+mj-lt"/>
-                <a:ea typeface="+mj-ea"/>
-                <a:cs typeface="+mj-cs"/>
-              </a:rPr>
+              <a:rPr lang="de-DE" sz="1600" i="1"/>
               <a:t>WebDoc - Web Application Documentor</a:t>
             </a:r>
             <a:endParaRPr/>
@@ -8117,7 +8363,7 @@
       </p:sp>
       <p:sp>
         <p:nvSpPr>
-          <p:cNvPr id="514216593" name="Marcador de contenido 2" hidden="0"/>
+          <p:cNvPr id="985876979" name="Marcador de contenido 2" hidden="0"/>
           <p:cNvSpPr>
             <a:spLocks noGrp="1"/>
           </p:cNvSpPr>
@@ -8172,7 +8418,7 @@
       </p:grpSpPr>
       <p:sp>
         <p:nvSpPr>
-          <p:cNvPr id="157058720" name="Título 1" hidden="0"/>
+          <p:cNvPr id="1417253658" name="Título 1" hidden="0"/>
           <p:cNvSpPr>
             <a:spLocks noGrp="1"/>
           </p:cNvSpPr>
@@ -8190,18 +8436,29 @@
             </a:pPr>
             <a:r>
               <a:rPr lang="de-DE"/>
-              <a:t>Fazit</a:t>
+              <a:t>Demo</a:t>
             </a:r>
             <a:br>
               <a:rPr lang="de-DE"/>
             </a:br>
-            <a:endParaRPr sz="1600"/>
-          </a:p>
-        </p:txBody>
-      </p:sp>
-      <p:sp>
-        <p:nvSpPr>
-          <p:cNvPr id="1934508904" name="Marcador de contenido 2" hidden="0"/>
+            <a:r>
+              <a:rPr lang="de-DE" sz="1600" b="0" i="1" u="none" strike="noStrike" cap="none" spc="0">
+                <a:solidFill>
+                  <a:schemeClr val="tx1"/>
+                </a:solidFill>
+                <a:latin typeface="+mj-lt"/>
+                <a:ea typeface="+mj-ea"/>
+                <a:cs typeface="+mj-cs"/>
+              </a:rPr>
+              <a:t>WebDoc - Web Application Documentor</a:t>
+            </a:r>
+            <a:endParaRPr/>
+          </a:p>
+        </p:txBody>
+      </p:sp>
+      <p:sp>
+        <p:nvSpPr>
+          <p:cNvPr id="941672108" name="Content Placeholder 2" hidden="0"/>
           <p:cNvSpPr>
             <a:spLocks noGrp="1"/>
           </p:cNvSpPr>
@@ -8211,7 +8468,7 @@
         </p:nvSpPr>
         <p:spPr bwMode="auto"/>
         <p:txBody>
-          <a:bodyPr/>
+          <a:bodyPr anchor="t"/>
           <a:lstStyle/>
           <a:p>
             <a:pPr>
@@ -8256,7 +8513,7 @@
       </p:grpSpPr>
       <p:sp>
         <p:nvSpPr>
-          <p:cNvPr id="491240005" name="Título 1" hidden="0"/>
+          <p:cNvPr id="157058720" name="Título 1" hidden="0"/>
           <p:cNvSpPr>
             <a:spLocks noGrp="1"/>
           </p:cNvSpPr>
@@ -8274,18 +8531,18 @@
             </a:pPr>
             <a:r>
               <a:rPr lang="de-DE"/>
-              <a:t>Referenzen</a:t>
+              <a:t>Fazit</a:t>
             </a:r>
             <a:br>
               <a:rPr lang="de-DE"/>
             </a:br>
-            <a:endParaRPr sz="1800"/>
-          </a:p>
-        </p:txBody>
-      </p:sp>
-      <p:sp>
-        <p:nvSpPr>
-          <p:cNvPr id="835041238" name="Marcador de contenido 2" hidden="0"/>
+            <a:endParaRPr sz="1600"/>
+          </a:p>
+        </p:txBody>
+      </p:sp>
+      <p:sp>
+        <p:nvSpPr>
+          <p:cNvPr id="1934508904" name="Marcador de contenido 2" hidden="0"/>
           <p:cNvSpPr>
             <a:spLocks noGrp="1"/>
           </p:cNvSpPr>
@@ -8301,21 +8558,6 @@
             <a:pPr>
               <a:defRPr/>
             </a:pPr>
-            <a:r>
-              <a:rPr/>
-              <a:t>Icons, Gifs, Cliparts aus </a:t>
-            </a:r>
-            <a:r>
-              <a:rPr lang="en-US" sz="2000" b="0" i="0" u="none" strike="noStrike" cap="none" spc="0">
-                <a:solidFill>
-                  <a:schemeClr val="tx1"/>
-                </a:solidFill>
-                <a:latin typeface="Palatino Linotype"/>
-                <a:ea typeface="Palatino Linotype"/>
-                <a:cs typeface="Palatino Linotype"/>
-              </a:rPr>
-              <a:t>https://www.flaticon.com/</a:t>
-            </a:r>
             <a:endParaRPr/>
           </a:p>
         </p:txBody>
@@ -8337,6 +8579,105 @@
 </file>
 
 <file path=ppt/slides/slide17.xml><?xml version="1.0" encoding="utf-8"?>
+<p:sld xmlns:a="http://schemas.openxmlformats.org/drawingml/2006/main" xmlns:r="http://schemas.openxmlformats.org/officeDocument/2006/relationships" xmlns:p="http://schemas.openxmlformats.org/presentationml/2006/main" xmlns:m="http://schemas.openxmlformats.org/officeDocument/2006/math" xmlns:w="http://schemas.openxmlformats.org/wordprocessingml/2006/main" showMasterPhAnim="0" show="1">
+  <p:cSld name="">
+    <p:spTree>
+      <p:nvGrpSpPr>
+        <p:cNvPr id="1" name="" hidden="0"/>
+        <p:cNvGrpSpPr/>
+        <p:nvPr isPhoto="0" userDrawn="0"/>
+      </p:nvGrpSpPr>
+      <p:grpSpPr bwMode="auto">
+        <a:xfrm>
+          <a:off x="0" y="0"/>
+          <a:ext cx="0" cy="0"/>
+          <a:chOff x="0" y="0"/>
+          <a:chExt cx="0" cy="0"/>
+        </a:xfrm>
+      </p:grpSpPr>
+      <p:sp>
+        <p:nvSpPr>
+          <p:cNvPr id="491240005" name="Título 1" hidden="0"/>
+          <p:cNvSpPr>
+            <a:spLocks noGrp="1"/>
+          </p:cNvSpPr>
+          <p:nvPr isPhoto="0" userDrawn="0">
+            <p:ph type="title" hasCustomPrompt="0"/>
+          </p:nvPr>
+        </p:nvSpPr>
+        <p:spPr bwMode="auto"/>
+        <p:txBody>
+          <a:bodyPr/>
+          <a:lstStyle/>
+          <a:p>
+            <a:pPr>
+              <a:defRPr/>
+            </a:pPr>
+            <a:r>
+              <a:rPr lang="de-DE"/>
+              <a:t>Referenzen</a:t>
+            </a:r>
+            <a:br>
+              <a:rPr lang="de-DE"/>
+            </a:br>
+            <a:endParaRPr sz="1800"/>
+          </a:p>
+        </p:txBody>
+      </p:sp>
+      <p:sp>
+        <p:nvSpPr>
+          <p:cNvPr id="835041238" name="Marcador de contenido 2" hidden="0"/>
+          <p:cNvSpPr>
+            <a:spLocks noGrp="1"/>
+          </p:cNvSpPr>
+          <p:nvPr isPhoto="0" userDrawn="0">
+            <p:ph idx="1" hasCustomPrompt="0"/>
+          </p:nvPr>
+        </p:nvSpPr>
+        <p:spPr bwMode="auto"/>
+        <p:txBody>
+          <a:bodyPr/>
+          <a:lstStyle/>
+          <a:p>
+            <a:pPr>
+              <a:defRPr/>
+            </a:pPr>
+            <a:r>
+              <a:rPr/>
+              <a:t>Icons, Gifs, Cliparts aus </a:t>
+            </a:r>
+            <a:r>
+              <a:rPr lang="en-US" sz="2000" b="0" i="0" u="none" strike="noStrike" cap="none" spc="0">
+                <a:solidFill>
+                  <a:schemeClr val="tx1"/>
+                </a:solidFill>
+                <a:latin typeface="Palatino Linotype"/>
+                <a:ea typeface="Palatino Linotype"/>
+                <a:cs typeface="Palatino Linotype"/>
+              </a:rPr>
+              <a:t>https://www.flaticon.com/</a:t>
+            </a:r>
+            <a:endParaRPr/>
+          </a:p>
+        </p:txBody>
+      </p:sp>
+    </p:spTree>
+  </p:cSld>
+  <p:clrMapOvr>
+    <a:masterClrMapping/>
+  </p:clrMapOvr>
+  <mc:AlternateContent xmlns:mc="http://schemas.openxmlformats.org/markup-compatibility/2006">
+    <mc:Choice xmlns:p14="http://schemas.microsoft.com/office/powerpoint/2010/main" Requires="p14">
+      <p:transition p14:dur="2000" advClick="1"/>
+    </mc:Choice>
+    <mc:Fallback>
+      <p:transition advClick="1"/>
+    </mc:Fallback>
+  </mc:AlternateContent>
+</p:sld>
+</file>
+
+<file path=ppt/slides/slide18.xml><?xml version="1.0" encoding="utf-8"?>
 <p:sld xmlns:a="http://schemas.openxmlformats.org/drawingml/2006/main" xmlns:r="http://schemas.openxmlformats.org/officeDocument/2006/relationships" xmlns:p="http://schemas.openxmlformats.org/presentationml/2006/main" xmlns:m="http://schemas.openxmlformats.org/officeDocument/2006/math" xmlns:w="http://schemas.openxmlformats.org/wordprocessingml/2006/main" showMasterPhAnim="0" show="1">
   <p:cSld name="">
     <p:spTree>
@@ -10546,17 +10887,6 @@
               </a:rPr>
               <a:t>Den Grundstein liefert die Cinco Entwicklungsumgebung samt der Modelierungssprachen </a:t>
             </a:r>
-            <a:r>
-              <a:rPr lang="en-US" sz="2000" b="0" i="0" u="none" strike="noStrike" cap="none" spc="0">
-                <a:solidFill>
-                  <a:schemeClr val="tx1"/>
-                </a:solidFill>
-                <a:latin typeface="Palatino Linotype"/>
-                <a:ea typeface="Arial"/>
-                <a:cs typeface="Arial"/>
-              </a:rPr>
-              <a:t>(MGL, MSL, CPD)</a:t>
-            </a:r>
             <a:endParaRPr/>
           </a:p>
           <a:p>
@@ -10686,13 +11016,48 @@
                 <a:solidFill>
                   <a:schemeClr val="tx1"/>
                 </a:solidFill>
-                <a:latin typeface="+mn-lt"/>
-                <a:ea typeface="+mn-ea"/>
-                <a:cs typeface="+mn-cs"/>
+                <a:latin typeface="Palatino Linotype"/>
+                <a:ea typeface="Arial"/>
+                <a:cs typeface="Arial"/>
               </a:rPr>
-              <a:t>Die graphische Sprache - bestehend aus Browser UI Elemente - wird zum Entwerfen des Dokumentationsmodels verwendet</a:t>
+              <a:t>Cinco Metasprachen (Meta Graph Language, Meta Style Language, Cinco Product Definition) spezifizieren unsere graphische Domainsprache </a:t>
             </a:r>
             <a:endParaRPr sz="2000"/>
+          </a:p>
+          <a:p>
+            <a:pPr>
+              <a:defRPr/>
+            </a:pPr>
+            <a:r>
+              <a:rPr lang="en-US" sz="2000" b="0" i="0" u="none" strike="noStrike" cap="none" spc="0">
+                <a:solidFill>
+                  <a:schemeClr val="tx1"/>
+                </a:solidFill>
+                <a:latin typeface="+mn-lt"/>
+                <a:ea typeface="+mn-ea"/>
+                <a:cs typeface="+mn-cs"/>
+              </a:rPr>
+              <a:t>Diese</a:t>
+            </a:r>
+            <a:r>
+              <a:rPr lang="en-US" sz="2000" b="0" i="0" u="none" strike="noStrike" cap="none" spc="0">
+                <a:solidFill>
+                  <a:schemeClr val="tx1"/>
+                </a:solidFill>
+                <a:latin typeface="Palatino Linotype"/>
+                <a:ea typeface="Arial"/>
+                <a:cs typeface="Arial"/>
+              </a:rPr>
+              <a:t> graphische Sprache - bestehend aus Repräsentationender  Browser UI Elemente - wird zum Entwerfen des Dokumentationsmodels verwendet</a:t>
+            </a:r>
+            <a:endParaRPr lang="en-US" sz="2000" b="0" i="0" u="none" strike="noStrike" cap="none" spc="0">
+              <a:solidFill>
+                <a:schemeClr val="tx1"/>
+              </a:solidFill>
+              <a:latin typeface="Palatino Linotype"/>
+              <a:ea typeface="Arial"/>
+              <a:cs typeface="Arial"/>
+            </a:endParaRPr>
           </a:p>
           <a:p>
             <a:pPr>
@@ -10713,6 +11078,169 @@
           </a:p>
         </p:txBody>
       </p:sp>
+      <p:grpSp>
+        <p:nvGrpSpPr>
+          <p:cNvPr id="1487921282" name="" hidden="0"/>
+          <p:cNvGrpSpPr/>
+          <p:nvPr isPhoto="0" userDrawn="0"/>
+        </p:nvGrpSpPr>
+        <p:grpSpPr bwMode="auto">
+          <a:xfrm>
+            <a:off x="3071936" y="4516193"/>
+            <a:ext cx="6240096" cy="1161743"/>
+            <a:chOff x="0" y="0"/>
+            <a:chExt cx="6240096" cy="1161743"/>
+          </a:xfrm>
+        </p:grpSpPr>
+        <p:pic>
+          <p:nvPicPr>
+            <p:cNvPr id="986360154" name="" hidden="0"/>
+            <p:cNvPicPr>
+              <a:picLocks noChangeAspect="1"/>
+            </p:cNvPicPr>
+            <p:nvPr isPhoto="0" userDrawn="0"/>
+          </p:nvPicPr>
+          <p:blipFill>
+            <a:blip r:embed="rId2"/>
+            <a:stretch/>
+          </p:blipFill>
+          <p:spPr bwMode="auto">
+            <a:xfrm flipH="0" flipV="0">
+              <a:off x="0" y="0"/>
+              <a:ext cx="4114793" cy="1131214"/>
+            </a:xfrm>
+            <a:prstGeom prst="rect">
+              <a:avLst/>
+            </a:prstGeom>
+          </p:spPr>
+        </p:pic>
+        <p:grpSp>
+          <p:nvGrpSpPr>
+            <p:cNvPr id="1372563930" name="" hidden="0"/>
+            <p:cNvGrpSpPr/>
+            <p:nvPr isPhoto="0" userDrawn="0"/>
+          </p:nvGrpSpPr>
+          <p:grpSpPr bwMode="auto">
+            <a:xfrm>
+              <a:off x="4114793" y="181063"/>
+              <a:ext cx="2125301" cy="980680"/>
+              <a:chOff x="0" y="0"/>
+              <a:chExt cx="2125301" cy="980680"/>
+            </a:xfrm>
+          </p:grpSpPr>
+          <p:cxnSp>
+            <p:nvCxnSpPr>
+              <p:cNvPr id="0" name="" hidden="0"/>
+              <p:cNvCxnSpPr>
+                <a:cxnSpLocks/>
+                <a:stCxn id="986360154" idx="3"/>
+              </p:cNvCxnSpPr>
+              <p:nvPr isPhoto="0" userDrawn="0"/>
+            </p:nvCxnSpPr>
+            <p:spPr bwMode="auto">
+              <a:xfrm rot="0" flipH="0" flipV="1">
+                <a:off x="0" y="380376"/>
+                <a:ext cx="900000" cy="0"/>
+              </a:xfrm>
+              <a:prstGeom prst="line">
+                <a:avLst/>
+              </a:prstGeom>
+              <a:ln w="19049" cap="flat" cmpd="sng" algn="ctr">
+                <a:solidFill>
+                  <a:schemeClr val="tx1"/>
+                </a:solidFill>
+                <a:prstDash val="solid"/>
+                <a:tailEnd type="arrow" len="med"/>
+              </a:ln>
+            </p:spPr>
+            <p:style>
+              <a:lnRef idx="1">
+                <a:schemeClr val="accent1">
+                  <a:shade val="50000"/>
+                </a:schemeClr>
+              </a:lnRef>
+              <a:fillRef idx="0">
+                <a:schemeClr val="accent1"/>
+              </a:fillRef>
+              <a:effectRef idx="0">
+                <a:schemeClr val="accent1"/>
+              </a:effectRef>
+              <a:fontRef idx="minor">
+                <a:schemeClr val="tx1"/>
+              </a:fontRef>
+            </p:style>
+          </p:cxnSp>
+          <p:grpSp>
+            <p:nvGrpSpPr>
+              <p:cNvPr id="1213238108" name="" hidden="0"/>
+              <p:cNvGrpSpPr/>
+              <p:nvPr isPhoto="0" userDrawn="0"/>
+            </p:nvGrpSpPr>
+            <p:grpSpPr bwMode="auto">
+              <a:xfrm>
+                <a:off x="900000" y="0"/>
+                <a:ext cx="1225301" cy="980680"/>
+                <a:chOff x="0" y="0"/>
+                <a:chExt cx="1225301" cy="980680"/>
+              </a:xfrm>
+            </p:grpSpPr>
+            <p:pic>
+              <p:nvPicPr>
+                <p:cNvPr id="1071333906" name="" hidden="0"/>
+                <p:cNvPicPr>
+                  <a:picLocks noChangeAspect="1"/>
+                </p:cNvPicPr>
+                <p:nvPr isPhoto="0" userDrawn="0"/>
+              </p:nvPicPr>
+              <p:blipFill>
+                <a:blip r:embed="rId3"/>
+                <a:stretch/>
+              </p:blipFill>
+              <p:spPr bwMode="auto">
+                <a:xfrm rot="0" flipH="0" flipV="0">
+                  <a:off x="293195" y="0"/>
+                  <a:ext cx="769088" cy="769088"/>
+                </a:xfrm>
+                <a:prstGeom prst="rect">
+                  <a:avLst/>
+                </a:prstGeom>
+              </p:spPr>
+            </p:pic>
+            <p:sp>
+              <p:nvSpPr>
+                <p:cNvPr id="318253103" name="" hidden="0"/>
+                <p:cNvSpPr txBox="1"/>
+                <p:nvPr isPhoto="0" userDrawn="0"/>
+              </p:nvSpPr>
+              <p:spPr bwMode="auto">
+                <a:xfrm rot="0" flipH="0" flipV="0">
+                  <a:off x="0" y="797507"/>
+                  <a:ext cx="1225301" cy="183173"/>
+                </a:xfrm>
+                <a:prstGeom prst="rect">
+                  <a:avLst/>
+                </a:prstGeom>
+                <a:noFill/>
+              </p:spPr>
+              <p:txBody>
+                <a:bodyPr vertOverflow="overflow" horzOverflow="clip" vert="horz" wrap="square" lIns="91440" tIns="45720" rIns="91440" bIns="45720" numCol="1" spcCol="0" rtlCol="0" fromWordArt="0" anchor="ctr" anchorCtr="0" forceAA="0" upright="0" compatLnSpc="0">
+                  <a:noAutofit/>
+                </a:bodyPr>
+                <a:p>
+                  <a:pPr>
+                    <a:defRPr/>
+                  </a:pPr>
+                  <a:r>
+                    <a:rPr sz="850"/>
+                    <a:t>Dokumentationstext</a:t>
+                  </a:r>
+                  <a:endParaRPr sz="800"/>
+                </a:p>
+              </p:txBody>
+            </p:sp>
+          </p:grpSp>
+        </p:grpSp>
+      </p:grpSp>
     </p:spTree>
   </p:cSld>
   <p:clrMapOvr>

--- a/Abschlussvortrag.pptx
+++ b/Abschlussvortrag.pptx
@@ -1401,6 +1401,88 @@
       <p:sp>
         <p:nvSpPr>
           <p:cNvPr id="4" name="Slide Number Placeholder 3" hidden="0"/>
+          <p:cNvSpPr>
+            <a:spLocks noGrp="1"/>
+          </p:cNvSpPr>
+          <p:nvPr isPhoto="0" userDrawn="0">
+            <p:ph type="sldNum" sz="quarter" idx="10" hasCustomPrompt="0"/>
+          </p:nvPr>
+        </p:nvSpPr>
+        <p:spPr bwMode="auto"/>
+        <p:txBody>
+          <a:bodyPr/>
+          <a:lstStyle/>
+          <a:p>
+            <a:pPr>
+              <a:defRPr/>
+            </a:pPr>
+            <a:endParaRPr/>
+          </a:p>
+        </p:txBody>
+      </p:sp>
+    </p:spTree>
+  </p:cSld>
+</p:notes>
+</file>
+
+<file path=ppt/notesSlides/notesSlide8.xml><?xml version="1.0" encoding="utf-8"?>
+<p:notes xmlns:a="http://schemas.openxmlformats.org/drawingml/2006/main" xmlns:r="http://schemas.openxmlformats.org/officeDocument/2006/relationships" xmlns:p="http://schemas.openxmlformats.org/presentationml/2006/main" xmlns:m="http://schemas.openxmlformats.org/officeDocument/2006/math" xmlns:w="http://schemas.openxmlformats.org/wordprocessingml/2006/main">
+  <p:cSld name="">
+    <p:spTree>
+      <p:nvGrpSpPr>
+        <p:cNvPr id="1" name="" hidden="0"/>
+        <p:cNvGrpSpPr/>
+        <p:nvPr isPhoto="0" userDrawn="0"/>
+      </p:nvGrpSpPr>
+      <p:grpSpPr bwMode="auto">
+        <a:xfrm>
+          <a:off x="0" y="0"/>
+          <a:ext cx="0" cy="0"/>
+          <a:chOff x="0" y="0"/>
+          <a:chExt cx="0" cy="0"/>
+        </a:xfrm>
+      </p:grpSpPr>
+      <p:sp>
+        <p:nvSpPr>
+          <p:cNvPr id="2002792847" name="Slide Image Placeholder 1" hidden="0"/>
+          <p:cNvSpPr>
+            <a:spLocks noChangeAspect="1" noGrp="1" noRot="1"/>
+          </p:cNvSpPr>
+          <p:nvPr isPhoto="0" userDrawn="0">
+            <p:ph type="sldImg" hasCustomPrompt="0"/>
+          </p:nvPr>
+        </p:nvSpPr>
+        <p:spPr bwMode="auto"/>
+      </p:sp>
+      <p:sp>
+        <p:nvSpPr>
+          <p:cNvPr id="781609919" name="Notes Placeholder 2" hidden="0"/>
+          <p:cNvSpPr>
+            <a:spLocks noGrp="1"/>
+          </p:cNvSpPr>
+          <p:nvPr isPhoto="0" userDrawn="0">
+            <p:ph type="body" idx="1" hasCustomPrompt="0"/>
+          </p:nvPr>
+        </p:nvSpPr>
+        <p:spPr bwMode="auto"/>
+        <p:txBody>
+          <a:bodyPr/>
+          <a:lstStyle/>
+          <a:p>
+            <a:pPr>
+              <a:defRPr/>
+            </a:pPr>
+            <a:r>
+              <a:rPr/>
+              <a:t>Die Verwendung externer Technologie ist insofern</a:t>
+            </a:r>
+            <a:endParaRPr/>
+          </a:p>
+        </p:txBody>
+      </p:sp>
+      <p:sp>
+        <p:nvSpPr>
+          <p:cNvPr id="1255829888" name="Slide Number Placeholder 3" hidden="0"/>
           <p:cNvSpPr>
             <a:spLocks noGrp="1"/>
           </p:cNvSpPr>
@@ -7809,7 +7891,7 @@
           <p:nvPr isPhoto="0" userDrawn="0"/>
         </p:nvPicPr>
         <p:blipFill>
-          <a:blip r:embed="rId2"/>
+          <a:blip r:embed="rId3"/>
           <a:stretch/>
         </p:blipFill>
         <p:spPr bwMode="auto">

--- a/Abschlussvortrag.pptx
+++ b/Abschlussvortrag.pptx
@@ -5,7 +5,7 @@
     <p:sldMasterId id="2147483648" r:id="rId1"/>
   </p:sldMasterIdLst>
   <p:notesMasterIdLst>
-    <p:notesMasterId r:id="rId22"/>
+    <p:notesMasterId r:id="rId23"/>
   </p:notesMasterIdLst>
   <p:sldIdLst>
     <p:sldId id="256" r:id="rId4"/>
@@ -26,12 +26,13 @@
     <p:sldId id="271" r:id="rId19"/>
     <p:sldId id="272" r:id="rId20"/>
     <p:sldId id="273" r:id="rId21"/>
+    <p:sldId id="274" r:id="rId22"/>
   </p:sldIdLst>
   <p:sldSz cx="12192000" cy="6858000"/>
   <p:notesSz cx="12192000" cy="6858000"/>
   <p:defaultTextStyle>
     <a:defPPr>
-      <a:defRPr lang="en-US"/>
+      <a:defRPr lang="de-DE"/>
     </a:defPPr>
     <a:lvl1pPr marL="0" algn="l" defTabSz="457200">
       <a:defRPr sz="1800">
@@ -8076,7 +8077,7 @@
             <p:spPr bwMode="auto">
               <a:xfrm flipH="0" flipV="0">
                 <a:off x="0" y="3299514"/>
-                <a:ext cx="2149230" cy="341922"/>
+                <a:ext cx="2149230" cy="341921"/>
               </a:xfrm>
               <a:prstGeom prst="rect">
                 <a:avLst/>
@@ -8108,7 +8109,7 @@
             <p:spPr bwMode="auto">
               <a:xfrm flipH="0" flipV="0">
                 <a:off x="6704134" y="0"/>
-                <a:ext cx="2198076" cy="341922"/>
+                <a:ext cx="2198076" cy="341921"/>
               </a:xfrm>
               <a:prstGeom prst="rect">
                 <a:avLst/>
@@ -8141,7 +8142,7 @@
           <p:spPr bwMode="auto">
             <a:xfrm flipH="0" flipV="0">
               <a:off x="3123461" y="1887284"/>
-              <a:ext cx="2649902" cy="341922"/>
+              <a:ext cx="2649901" cy="341921"/>
             </a:xfrm>
             <a:prstGeom prst="rect">
               <a:avLst/>
@@ -8277,18 +8278,71 @@
             <p:ph idx="1" hasCustomPrompt="0"/>
           </p:nvPr>
         </p:nvSpPr>
-        <p:spPr bwMode="auto"/>
-        <p:txBody>
-          <a:bodyPr/>
+        <p:spPr bwMode="auto">
+          <a:xfrm flipH="0" flipV="0">
+            <a:off x="1534695" y="2015731"/>
+            <a:ext cx="5583962" cy="3450612"/>
+          </a:xfrm>
+        </p:spPr>
+        <p:txBody>
+          <a:bodyPr vertOverflow="overflow" horzOverflow="clip" vert="horz" wrap="square" lIns="91440" tIns="45720" rIns="91440" bIns="45720" numCol="1" spcCol="0" rtlCol="0" fromWordArt="0" anchor="t" anchorCtr="0" forceAA="0" upright="0" compatLnSpc="0">
+            <a:normAutofit fontScale="95000" lnSpcReduction="1000"/>
+          </a:bodyPr>
           <a:lstStyle/>
           <a:p>
             <a:pPr>
               <a:defRPr/>
             </a:pPr>
-            <a:endParaRPr/>
-          </a:p>
-        </p:txBody>
-      </p:sp>
+            <a:r>
+              <a:rPr/>
+              <a:t>Modell-basierter Editor zum Erstellen von Nutzerdokumentation für Webanwendungen</a:t>
+            </a:r>
+            <a:endParaRPr/>
+          </a:p>
+          <a:p>
+            <a:pPr>
+              <a:defRPr/>
+            </a:pPr>
+            <a:r>
+              <a:rPr/>
+              <a:t>Zwei Modellsprachen, die jeweils die Funktionalitäten und die darin enthaltene Nutzeraktionen beschreiben</a:t>
+            </a:r>
+            <a:endParaRPr/>
+          </a:p>
+          <a:p>
+            <a:pPr>
+              <a:defRPr/>
+            </a:pPr>
+            <a:r>
+              <a:rPr/>
+              <a:t>Ein Modell-zu-Text-Generator, der Markdowndateien mit Dummybildern erstellt</a:t>
+            </a:r>
+            <a:endParaRPr/>
+          </a:p>
+        </p:txBody>
+      </p:sp>
+      <p:pic>
+        <p:nvPicPr>
+          <p:cNvPr id="356184977" name="" hidden="0"/>
+          <p:cNvPicPr>
+            <a:picLocks noChangeAspect="1"/>
+          </p:cNvPicPr>
+          <p:nvPr isPhoto="0" userDrawn="0"/>
+        </p:nvPicPr>
+        <p:blipFill>
+          <a:blip r:embed="rId2"/>
+          <a:stretch/>
+        </p:blipFill>
+        <p:spPr bwMode="auto">
+          <a:xfrm>
+            <a:off x="7238999" y="2015731"/>
+            <a:ext cx="4762499" cy="3143250"/>
+          </a:xfrm>
+          <a:prstGeom prst="rect">
+            <a:avLst/>
+          </a:prstGeom>
+        </p:spPr>
+      </p:pic>
     </p:spTree>
   </p:cSld>
   <p:clrMapOvr>
@@ -8373,6 +8427,36 @@
             <a:pPr>
               <a:defRPr/>
             </a:pPr>
+            <a:r>
+              <a:rPr/>
+              <a:t>Die Wiederverwendbarkeit der Modellelemente beschleunigt den Designprozess</a:t>
+            </a:r>
+            <a:endParaRPr/>
+          </a:p>
+          <a:p>
+            <a:pPr>
+              <a:defRPr/>
+            </a:pPr>
+            <a:r>
+              <a:rPr/>
+              <a:t>Überprüfung der Korrektheit des Graphmodells vor der Generation, um Fehler zu minimieren</a:t>
+            </a:r>
+            <a:endParaRPr/>
+          </a:p>
+          <a:p>
+            <a:pPr>
+              <a:defRPr/>
+            </a:pPr>
+            <a:r>
+              <a:rPr/>
+              <a:t> </a:t>
+            </a:r>
+            <a:endParaRPr/>
+          </a:p>
+          <a:p>
+            <a:pPr>
+              <a:defRPr/>
+            </a:pPr>
             <a:endParaRPr/>
           </a:p>
         </p:txBody>
@@ -8484,6 +8568,21 @@
 <file path=ppt/slides/slide15.xml><?xml version="1.0" encoding="utf-8"?>
 <p:sld xmlns:a="http://schemas.openxmlformats.org/drawingml/2006/main" xmlns:r="http://schemas.openxmlformats.org/officeDocument/2006/relationships" xmlns:p="http://schemas.openxmlformats.org/presentationml/2006/main" xmlns:m="http://schemas.openxmlformats.org/officeDocument/2006/math" xmlns:w="http://schemas.openxmlformats.org/wordprocessingml/2006/main" showMasterPhAnim="0" show="1">
   <p:cSld name="">
+    <p:bg>
+      <p:bgPr shadeToTitle="0">
+        <a:gradFill>
+          <a:gsLst>
+            <a:gs pos="0">
+              <a:srgbClr val="D7D5D2"/>
+            </a:gs>
+            <a:gs pos="85000">
+              <a:srgbClr val="422B54"/>
+            </a:gs>
+          </a:gsLst>
+          <a:lin ang="3000000" scaled="1"/>
+        </a:gradFill>
+      </p:bgPr>
+    </p:bg>
     <p:spTree>
       <p:nvGrpSpPr>
         <p:cNvPr id="1" name="" hidden="0"/>
@@ -8538,28 +8637,28 @@
           </a:p>
         </p:txBody>
       </p:sp>
-      <p:sp>
-        <p:nvSpPr>
-          <p:cNvPr id="941672108" name="Content Placeholder 2" hidden="0"/>
-          <p:cNvSpPr>
-            <a:spLocks noGrp="1"/>
-          </p:cNvSpPr>
-          <p:nvPr isPhoto="0" userDrawn="0">
-            <p:ph idx="1" hasCustomPrompt="0"/>
-          </p:nvPr>
-        </p:nvSpPr>
-        <p:spPr bwMode="auto"/>
-        <p:txBody>
-          <a:bodyPr anchor="t"/>
-          <a:lstStyle/>
-          <a:p>
-            <a:pPr>
-              <a:defRPr/>
-            </a:pPr>
-            <a:endParaRPr/>
-          </a:p>
-        </p:txBody>
-      </p:sp>
+      <p:pic>
+        <p:nvPicPr>
+          <p:cNvPr id="1928959524" name="" hidden="0"/>
+          <p:cNvPicPr>
+            <a:picLocks noChangeAspect="1"/>
+          </p:cNvPicPr>
+          <p:nvPr isPhoto="0" userDrawn="0"/>
+        </p:nvPicPr>
+        <p:blipFill>
+          <a:blip r:embed="rId2"/>
+          <a:stretch/>
+        </p:blipFill>
+        <p:spPr bwMode="auto">
+          <a:xfrm>
+            <a:off x="6933828" y="1312915"/>
+            <a:ext cx="4762498" cy="3143250"/>
+          </a:xfrm>
+          <a:prstGeom prst="rect">
+            <a:avLst/>
+          </a:prstGeom>
+        </p:spPr>
+      </p:pic>
     </p:spTree>
   </p:cSld>
   <p:clrMapOvr>
@@ -8613,7 +8712,7 @@
             </a:pPr>
             <a:r>
               <a:rPr lang="de-DE"/>
-              <a:t>Fazit</a:t>
+              <a:t>Künftige Arbeiten</a:t>
             </a:r>
             <a:br>
               <a:rPr lang="de-DE"/>
@@ -8640,6 +8739,17 @@
             <a:pPr>
               <a:defRPr/>
             </a:pPr>
+            <a:r>
+              <a:rPr lang="de-DE" sz="2000" b="0" i="0" u="none" strike="noStrike" cap="none" spc="0">
+                <a:solidFill>
+                  <a:schemeClr val="tx1"/>
+                </a:solidFill>
+                <a:latin typeface="Palatino Linotype"/>
+                <a:ea typeface="Palatino Linotype"/>
+                <a:cs typeface="Palatino Linotype"/>
+              </a:rPr>
+              <a:t>DSL-getriebene Generierung von Endbenutzerdokumentation für Webanwendungen auf der Basis von Graphenmodellen unter Verwendung einer grafischen DSL</a:t>
+            </a:r>
             <a:endParaRPr/>
           </a:p>
         </p:txBody>
@@ -8679,7 +8789,7 @@
       </p:grpSpPr>
       <p:sp>
         <p:nvSpPr>
-          <p:cNvPr id="491240005" name="Título 1" hidden="0"/>
+          <p:cNvPr id="653499456" name="Título 1" hidden="0"/>
           <p:cNvSpPr>
             <a:spLocks noGrp="1"/>
           </p:cNvSpPr>
@@ -8697,18 +8807,18 @@
             </a:pPr>
             <a:r>
               <a:rPr lang="de-DE"/>
-              <a:t>Referenzen</a:t>
+              <a:t>Fazit</a:t>
             </a:r>
             <a:br>
               <a:rPr lang="de-DE"/>
             </a:br>
-            <a:endParaRPr sz="1800"/>
-          </a:p>
-        </p:txBody>
-      </p:sp>
-      <p:sp>
-        <p:nvSpPr>
-          <p:cNvPr id="835041238" name="Marcador de contenido 2" hidden="0"/>
+            <a:endParaRPr sz="1600"/>
+          </a:p>
+        </p:txBody>
+      </p:sp>
+      <p:sp>
+        <p:nvSpPr>
+          <p:cNvPr id="751158943" name="Marcador de contenido 2" hidden="0"/>
           <p:cNvSpPr>
             <a:spLocks noGrp="1"/>
           </p:cNvSpPr>
@@ -8725,11 +8835,7 @@
               <a:defRPr/>
             </a:pPr>
             <a:r>
-              <a:rPr/>
-              <a:t>Icons, Gifs, Cliparts aus </a:t>
-            </a:r>
-            <a:r>
-              <a:rPr lang="en-US" sz="2000" b="0" i="0" u="none" strike="noStrike" cap="none" spc="0">
+              <a:rPr lang="de-DE" sz="2000" b="0" i="0" u="none" strike="noStrike" cap="none" spc="0">
                 <a:solidFill>
                   <a:schemeClr val="tx1"/>
                 </a:solidFill>
@@ -8737,9 +8843,90 @@
                 <a:ea typeface="Palatino Linotype"/>
                 <a:cs typeface="Palatino Linotype"/>
               </a:rPr>
-              <a:t>https://www.flaticon.com/</a:t>
-            </a:r>
-            <a:endParaRPr/>
+              <a:t>DSL-getriebene Generierung von Endbenutzerdokumentation für Webanwendungen auf der Basis von Graphenmodellen unter Verwendung einer grafischen DSL</a:t>
+            </a:r>
+            <a:endParaRPr lang="de-DE" sz="2000" b="0" i="0" u="none" strike="noStrike" cap="none" spc="0">
+              <a:solidFill>
+                <a:schemeClr val="tx1"/>
+              </a:solidFill>
+              <a:latin typeface="Palatino Linotype"/>
+              <a:ea typeface="Palatino Linotype"/>
+              <a:cs typeface="Palatino Linotype"/>
+            </a:endParaRPr>
+          </a:p>
+          <a:p>
+            <a:pPr>
+              <a:defRPr/>
+            </a:pPr>
+            <a:r>
+              <a:rPr lang="de-DE" sz="2000" b="0" i="0" u="none" strike="noStrike" cap="none" spc="0">
+                <a:solidFill>
+                  <a:schemeClr val="tx1"/>
+                </a:solidFill>
+                <a:latin typeface="Palatino Linotype"/>
+                <a:ea typeface="Palatino Linotype"/>
+                <a:cs typeface="Palatino Linotype"/>
+              </a:rPr>
+              <a:t>Erstellung einer Editoranwendung, die es dem Dokumentationsdesigner ermöglicht grafische Diagramme zu erstellen, die den erforderlichen Benutzer-Workflow veranschaulichen</a:t>
+            </a:r>
+            <a:endParaRPr lang="de-DE" sz="2000" b="0" i="0" u="none" strike="noStrike" cap="none" spc="0">
+              <a:solidFill>
+                <a:schemeClr val="tx1"/>
+              </a:solidFill>
+              <a:latin typeface="Palatino Linotype"/>
+              <a:ea typeface="Palatino Linotype"/>
+              <a:cs typeface="Palatino Linotype"/>
+            </a:endParaRPr>
+          </a:p>
+          <a:p>
+            <a:pPr>
+              <a:defRPr/>
+            </a:pPr>
+            <a:r>
+              <a:rPr lang="de-DE" sz="2000" b="0" i="0" u="none" strike="noStrike" cap="none" spc="0">
+                <a:solidFill>
+                  <a:schemeClr val="tx1"/>
+                </a:solidFill>
+                <a:latin typeface="Palatino Linotype"/>
+                <a:ea typeface="Palatino Linotype"/>
+                <a:cs typeface="Palatino Linotype"/>
+              </a:rPr>
+              <a:t>Mithilfe von </a:t>
+            </a:r>
+            <a:r>
+              <a:rPr lang="de-DE" sz="2000" b="0" i="0" u="none" strike="noStrike" cap="none" spc="0">
+                <a:solidFill>
+                  <a:schemeClr val="tx1"/>
+                </a:solidFill>
+                <a:latin typeface="Palatino Linotype"/>
+                <a:ea typeface="Palatino Linotype"/>
+                <a:cs typeface="Palatino Linotype"/>
+              </a:rPr>
+              <a:t>Drittanbietern</a:t>
+            </a:r>
+            <a:r>
+              <a:rPr lang="de-DE" sz="2000" b="0" i="0" u="none" strike="noStrike" cap="none" spc="0">
+                <a:solidFill>
+                  <a:schemeClr val="tx1"/>
+                </a:solidFill>
+                <a:latin typeface="Palatino Linotype"/>
+                <a:ea typeface="Palatino Linotype"/>
+                <a:cs typeface="Palatino Linotype"/>
+              </a:rPr>
+              <a:t>-Tools</a:t>
+            </a:r>
+            <a:r>
+              <a:rPr lang="de-DE" sz="2000" b="0" i="0" u="none" strike="noStrike" cap="none" spc="0">
+                <a:solidFill>
+                  <a:schemeClr val="tx1"/>
+                </a:solidFill>
+                <a:latin typeface="Palatino Linotype"/>
+                <a:ea typeface="Palatino Linotype"/>
+                <a:cs typeface="Palatino Linotype"/>
+              </a:rPr>
+              <a:t> konnten wir eine gut strukturierte und voll funktionsfähige Dokumentation-Website zu erstellen</a:t>
+            </a:r>
+            <a:endParaRPr lang="de-DE"/>
           </a:p>
         </p:txBody>
       </p:sp>
@@ -8760,6 +8947,105 @@
 </file>
 
 <file path=ppt/slides/slide18.xml><?xml version="1.0" encoding="utf-8"?>
+<p:sld xmlns:a="http://schemas.openxmlformats.org/drawingml/2006/main" xmlns:r="http://schemas.openxmlformats.org/officeDocument/2006/relationships" xmlns:p="http://schemas.openxmlformats.org/presentationml/2006/main" xmlns:m="http://schemas.openxmlformats.org/officeDocument/2006/math" xmlns:w="http://schemas.openxmlformats.org/wordprocessingml/2006/main" showMasterPhAnim="0" show="1">
+  <p:cSld name="">
+    <p:spTree>
+      <p:nvGrpSpPr>
+        <p:cNvPr id="1" name="" hidden="0"/>
+        <p:cNvGrpSpPr/>
+        <p:nvPr isPhoto="0" userDrawn="0"/>
+      </p:nvGrpSpPr>
+      <p:grpSpPr bwMode="auto">
+        <a:xfrm>
+          <a:off x="0" y="0"/>
+          <a:ext cx="0" cy="0"/>
+          <a:chOff x="0" y="0"/>
+          <a:chExt cx="0" cy="0"/>
+        </a:xfrm>
+      </p:grpSpPr>
+      <p:sp>
+        <p:nvSpPr>
+          <p:cNvPr id="491240005" name="Título 1" hidden="0"/>
+          <p:cNvSpPr>
+            <a:spLocks noGrp="1"/>
+          </p:cNvSpPr>
+          <p:nvPr isPhoto="0" userDrawn="0">
+            <p:ph type="title" hasCustomPrompt="0"/>
+          </p:nvPr>
+        </p:nvSpPr>
+        <p:spPr bwMode="auto"/>
+        <p:txBody>
+          <a:bodyPr/>
+          <a:lstStyle/>
+          <a:p>
+            <a:pPr>
+              <a:defRPr/>
+            </a:pPr>
+            <a:r>
+              <a:rPr lang="de-DE"/>
+              <a:t>Referenzen</a:t>
+            </a:r>
+            <a:br>
+              <a:rPr lang="de-DE"/>
+            </a:br>
+            <a:endParaRPr sz="1800"/>
+          </a:p>
+        </p:txBody>
+      </p:sp>
+      <p:sp>
+        <p:nvSpPr>
+          <p:cNvPr id="835041238" name="Marcador de contenido 2" hidden="0"/>
+          <p:cNvSpPr>
+            <a:spLocks noGrp="1"/>
+          </p:cNvSpPr>
+          <p:nvPr isPhoto="0" userDrawn="0">
+            <p:ph idx="1" hasCustomPrompt="0"/>
+          </p:nvPr>
+        </p:nvSpPr>
+        <p:spPr bwMode="auto"/>
+        <p:txBody>
+          <a:bodyPr/>
+          <a:lstStyle/>
+          <a:p>
+            <a:pPr>
+              <a:defRPr/>
+            </a:pPr>
+            <a:r>
+              <a:rPr/>
+              <a:t>Icons, Gifs, Cliparts aus </a:t>
+            </a:r>
+            <a:r>
+              <a:rPr lang="en-US" sz="2000" b="0" i="0" u="none" strike="noStrike" cap="none" spc="0">
+                <a:solidFill>
+                  <a:schemeClr val="tx1"/>
+                </a:solidFill>
+                <a:latin typeface="Palatino Linotype"/>
+                <a:ea typeface="Palatino Linotype"/>
+                <a:cs typeface="Palatino Linotype"/>
+              </a:rPr>
+              <a:t>https://www.flaticon.com/</a:t>
+            </a:r>
+            <a:endParaRPr/>
+          </a:p>
+        </p:txBody>
+      </p:sp>
+    </p:spTree>
+  </p:cSld>
+  <p:clrMapOvr>
+    <a:masterClrMapping/>
+  </p:clrMapOvr>
+  <mc:AlternateContent xmlns:mc="http://schemas.openxmlformats.org/markup-compatibility/2006">
+    <mc:Choice xmlns:p14="http://schemas.microsoft.com/office/powerpoint/2010/main" Requires="p14">
+      <p:transition p14:dur="2000" advClick="1"/>
+    </mc:Choice>
+    <mc:Fallback>
+      <p:transition advClick="1"/>
+    </mc:Fallback>
+  </mc:AlternateContent>
+</p:sld>
+</file>
+
+<file path=ppt/slides/slide19.xml><?xml version="1.0" encoding="utf-8"?>
 <p:sld xmlns:a="http://schemas.openxmlformats.org/drawingml/2006/main" xmlns:r="http://schemas.openxmlformats.org/officeDocument/2006/relationships" xmlns:p="http://schemas.openxmlformats.org/presentationml/2006/main" xmlns:m="http://schemas.openxmlformats.org/officeDocument/2006/math" xmlns:w="http://schemas.openxmlformats.org/wordprocessingml/2006/main" showMasterPhAnim="0" show="1">
   <p:cSld name="">
     <p:spTree>
@@ -9881,27 +10167,27 @@
               <a:defRPr/>
             </a:pPr>
             <a:r>
-              <a:rPr/>
-              <a:t>Erleichtern das Erlernen der Bedienung der Anwendung mit Beschreibnungen und Anleitungen</a:t>
-            </a:r>
-            <a:endParaRPr/>
+              <a:rPr lang="de-DE"/>
+              <a:t>Erleichtern das Erlernen der Bedienung der Anwendung mit Beschreibungen und Anleitungen</a:t>
+            </a:r>
+            <a:endParaRPr lang="de-DE"/>
           </a:p>
           <a:p>
             <a:pPr algn="l">
               <a:defRPr/>
             </a:pPr>
             <a:r>
-              <a:rPr/>
+              <a:rPr lang="de-DE"/>
               <a:t>Herausforderung durch regelmäßiges Updaten der Anwendung, vor allem wenn der Benutzer der Aktualisierung nicht zustimmen kann</a:t>
             </a:r>
-            <a:endParaRPr/>
+            <a:endParaRPr lang="de-DE"/>
           </a:p>
           <a:p>
             <a:pPr algn="l">
               <a:defRPr/>
             </a:pPr>
             <a:r>
-              <a:rPr lang="en-US" sz="2000" b="0" i="0" u="none" strike="noStrike" cap="none" spc="0">
+              <a:rPr lang="de-DE" sz="2000" b="0" i="0" u="none" strike="noStrike" cap="none" spc="0">
                 <a:solidFill>
                   <a:schemeClr val="tx1"/>
                 </a:solidFill>
@@ -9909,9 +10195,42 @@
                 <a:ea typeface="+mn-ea"/>
                 <a:cs typeface="+mn-cs"/>
               </a:rPr>
-              <a:t>Gut strukturierte Dokumentation profitiert nicht nur dem User, sondern der entwickelnden Firma auch</a:t>
-            </a:r>
-            <a:endParaRPr/>
+              <a:t>Gut </a:t>
+            </a:r>
+            <a:r>
+              <a:rPr lang="de-DE" sz="2000" b="0" i="0" u="none" strike="noStrike" cap="none" spc="0">
+                <a:solidFill>
+                  <a:schemeClr val="tx1"/>
+                </a:solidFill>
+                <a:latin typeface="Palatino Linotype"/>
+                <a:ea typeface="Arial"/>
+                <a:cs typeface="Arial"/>
+              </a:rPr>
+              <a:t>strukturierte </a:t>
+            </a:r>
+            <a:r>
+              <a:rPr lang="de-DE" sz="2000" b="0" i="0" u="none" strike="noStrike" cap="none" spc="0">
+                <a:solidFill>
+                  <a:schemeClr val="tx1"/>
+                </a:solidFill>
+                <a:latin typeface="Palatino Linotype"/>
+                <a:ea typeface="Arial"/>
+                <a:cs typeface="Arial"/>
+              </a:rPr>
+              <a:t>Dokumentation </a:t>
+            </a:r>
+            <a:r>
+              <a:rPr lang="de-DE" sz="2000" b="0" i="0" u="none" strike="noStrike" cap="none" spc="0">
+                <a:solidFill>
+                  <a:schemeClr val="tx1"/>
+                </a:solidFill>
+                <a:latin typeface="Palatino Linotype"/>
+                <a:ea typeface="Arial"/>
+                <a:cs typeface="Arial"/>
+              </a:rPr>
+              <a:t>profitiert nicht nur dem User, sondern der entwickelnden Firma auch</a:t>
+            </a:r>
+            <a:endParaRPr lang="de-DE"/>
           </a:p>
         </p:txBody>
       </p:sp>
@@ -10051,21 +10370,21 @@
               <a:defRPr/>
             </a:pPr>
             <a:r>
-              <a:rPr/>
-              <a:t>Erster Ansatzpunkt für den Entwickler dem Endbenutzer das Wissen zu vermittlen, um mit der Anwendung angemessen zu interagieren</a:t>
-            </a:r>
-            <a:endParaRPr/>
+              <a:rPr lang="de-DE"/>
+              <a:t>Erster Ansatzpunkt für den Entwickler dem Endbenutzer das Wissen zu vermitteln, um mit der Anwendung angemessen zu interagieren</a:t>
+            </a:r>
+            <a:endParaRPr lang="de-DE"/>
           </a:p>
           <a:p>
             <a:pPr algn="l">
               <a:defRPr/>
             </a:pPr>
             <a:r>
-              <a:rPr/>
+              <a:rPr lang="de-DE"/>
               <a:t>In unserem Fall </a:t>
             </a:r>
             <a:r>
-              <a:rPr>
+              <a:rPr lang="de-DE">
                 <a:latin typeface="Akaash"/>
                 <a:ea typeface="Akaash"/>
                 <a:cs typeface="Akaash"/>
@@ -10073,17 +10392,17 @@
               <a:t>‣</a:t>
             </a:r>
             <a:r>
-              <a:rPr/>
+              <a:rPr lang="de-DE"/>
               <a:t> Beschreibung und Navigationsanweisungen der User Interface (UI) mit unterstützenden Bildern</a:t>
             </a:r>
-            <a:endParaRPr/>
+            <a:endParaRPr lang="de-DE"/>
           </a:p>
           <a:p>
             <a:pPr algn="l">
               <a:defRPr/>
             </a:pPr>
             <a:r>
-              <a:rPr lang="en-US" sz="2000" b="0" i="0" u="none" strike="noStrike" cap="none" spc="0">
+              <a:rPr lang="de-DE" sz="2000" b="0" i="0" u="none" strike="noStrike" cap="none" spc="0">
                 <a:solidFill>
                   <a:schemeClr val="tx1"/>
                 </a:solidFill>
@@ -10091,9 +10410,31 @@
                 <a:ea typeface="+mn-ea"/>
                 <a:cs typeface="+mn-cs"/>
               </a:rPr>
-              <a:t>Normiertes Vorgehen zur Dokumentation durch ISO/IEEE (z.B. ISO-26514 oder -26511)</a:t>
-            </a:r>
-            <a:endParaRPr/>
+              <a:t>Normiertes </a:t>
+            </a:r>
+            <a:r>
+              <a:rPr lang="de-DE" sz="2000" b="0" i="0" u="none" strike="noStrike" cap="none" spc="0">
+                <a:solidFill>
+                  <a:schemeClr val="tx1"/>
+                </a:solidFill>
+                <a:latin typeface="Palatino Linotype"/>
+                <a:ea typeface="Arial"/>
+                <a:cs typeface="Arial"/>
+              </a:rPr>
+              <a:t>Vorgehen </a:t>
+            </a:r>
+            <a:r>
+              <a:rPr lang="de-DE" sz="2000" b="0" i="0" u="none" strike="noStrike" cap="none" spc="0">
+                <a:solidFill>
+                  <a:schemeClr val="tx1"/>
+                </a:solidFill>
+                <a:latin typeface="Palatino Linotype"/>
+                <a:ea typeface="Arial"/>
+                <a:cs typeface="Arial"/>
+              </a:rPr>
+              <a:t>zur Dokumentation durch ISO/IEEE (z.B. ISO-26514 oder -26511)</a:t>
+            </a:r>
+            <a:endParaRPr lang="de-DE"/>
           </a:p>
         </p:txBody>
       </p:sp>
@@ -10368,17 +10709,17 @@
               <a:defRPr/>
             </a:pPr>
             <a:r>
-              <a:rPr/>
+              <a:rPr lang="de-DE"/>
               <a:t>Das Écrit Toolkit von Marco Descher et al.</a:t>
             </a:r>
-            <a:endParaRPr/>
-          </a:p>
-          <a:p>
-            <a:pPr>
-              <a:defRPr/>
-            </a:pPr>
-            <a:r>
-              <a:rPr lang="en-US" sz="2000" b="0" i="0" u="none" strike="noStrike" cap="none" spc="0">
+            <a:endParaRPr lang="de-DE"/>
+          </a:p>
+          <a:p>
+            <a:pPr>
+              <a:defRPr/>
+            </a:pPr>
+            <a:r>
+              <a:rPr lang="de-DE" sz="2000" b="0" i="0" u="none" strike="noStrike" cap="none" spc="0">
                 <a:solidFill>
                   <a:schemeClr val="tx1"/>
                 </a:solidFill>
@@ -10389,7 +10730,7 @@
               <a:t>Applikationsmodell</a:t>
             </a:r>
             <a:r>
-              <a:rPr lang="en-US" sz="2000" b="0" i="0" u="none" strike="noStrike" cap="none" spc="0">
+              <a:rPr lang="de-DE" sz="2000" b="0" i="0" u="none" strike="noStrike" cap="none" spc="0">
                 <a:solidFill>
                   <a:schemeClr val="tx1"/>
                 </a:solidFill>
@@ -10400,7 +10741,7 @@
               <a:t> um </a:t>
             </a:r>
             <a:r>
-              <a:rPr lang="en-US" sz="2000" b="0" i="0" u="none" strike="noStrike" cap="none" spc="0">
+              <a:rPr lang="de-DE" sz="2000" b="0" i="0" u="none" strike="noStrike" cap="none" spc="0">
                 <a:solidFill>
                   <a:schemeClr val="tx1"/>
                 </a:solidFill>
@@ -10411,7 +10752,7 @@
               <a:t>semantische</a:t>
             </a:r>
             <a:r>
-              <a:rPr lang="en-US" sz="2000" b="0" i="0" u="none" strike="noStrike" cap="none" spc="0">
+              <a:rPr lang="de-DE" sz="2000" b="0" i="0" u="none" strike="noStrike" cap="none" spc="0">
                 <a:solidFill>
                   <a:schemeClr val="tx1"/>
                 </a:solidFill>
@@ -10422,7 +10763,7 @@
               <a:t> </a:t>
             </a:r>
             <a:r>
-              <a:rPr lang="en-US" sz="2000" b="0" i="0" u="none" strike="noStrike" cap="none" spc="0">
+              <a:rPr lang="de-DE" sz="2000" b="0" i="0" u="none" strike="noStrike" cap="none" spc="0">
                 <a:solidFill>
                   <a:schemeClr val="tx1"/>
                 </a:solidFill>
@@ -10433,7 +10774,7 @@
               <a:t>Beschreibung</a:t>
             </a:r>
             <a:r>
-              <a:rPr lang="en-US" sz="2000" b="0" i="0" u="none" strike="noStrike" cap="none" spc="0">
+              <a:rPr lang="de-DE" sz="2000" b="0" i="0" u="none" strike="noStrike" cap="none" spc="0">
                 <a:solidFill>
                   <a:schemeClr val="tx1"/>
                 </a:solidFill>
@@ -10444,7 +10785,7 @@
               <a:t> </a:t>
             </a:r>
             <a:r>
-              <a:rPr lang="en-US" sz="2000" b="0" i="0" u="none" strike="noStrike" cap="none" spc="0">
+              <a:rPr lang="de-DE" sz="2000" b="0" i="0" u="none" strike="noStrike" cap="none" spc="0">
                 <a:solidFill>
                   <a:schemeClr val="tx1"/>
                 </a:solidFill>
@@ -10454,7 +10795,7 @@
               </a:rPr>
               <a:t>erweitern</a:t>
             </a:r>
-            <a:endParaRPr lang="en-US" sz="2000" b="0" i="0" u="none" strike="noStrike" cap="none" spc="0">
+            <a:endParaRPr lang="de-DE" sz="2000" b="0" i="0" u="none" strike="noStrike" cap="none" spc="0">
               <a:solidFill>
                 <a:schemeClr val="tx1"/>
               </a:solidFill>
@@ -10468,7 +10809,7 @@
               <a:defRPr/>
             </a:pPr>
             <a:r>
-              <a:rPr lang="en-US" sz="2000" b="0" i="0" u="none" strike="noStrike" cap="none" spc="0">
+              <a:rPr lang="de-DE" sz="2000" b="0" i="0" u="none" strike="noStrike" cap="none" spc="0">
                 <a:solidFill>
                   <a:schemeClr val="tx1"/>
                 </a:solidFill>
@@ -10479,7 +10820,7 @@
               <a:t>Documentation </a:t>
             </a:r>
             <a:r>
-              <a:rPr lang="en-US" sz="2000" b="0" i="0" u="none" strike="noStrike" cap="none" spc="0">
+              <a:rPr lang="de-DE" sz="2000" b="0" i="0" u="none" strike="noStrike" cap="none" spc="0">
                 <a:solidFill>
                   <a:schemeClr val="tx1"/>
                 </a:solidFill>
@@ -10490,7 +10831,7 @@
               <a:t>Outputter</a:t>
             </a:r>
             <a:r>
-              <a:rPr lang="en-US" sz="2000" b="0" i="0" u="none" strike="noStrike" cap="none" spc="0">
+              <a:rPr lang="de-DE" sz="2000" b="0" i="0" u="none" strike="noStrike" cap="none" spc="0">
                 <a:solidFill>
                   <a:schemeClr val="tx1"/>
                 </a:solidFill>
@@ -10501,7 +10842,7 @@
               <a:t> </a:t>
             </a:r>
             <a:r>
-              <a:rPr lang="en-US" sz="2000" b="0" i="0" u="none" strike="noStrike" cap="none" spc="0">
+              <a:rPr lang="de-DE" sz="2000" b="0" i="0" u="none" strike="noStrike" cap="none" spc="0">
                 <a:solidFill>
                   <a:schemeClr val="tx1"/>
                 </a:solidFill>
@@ -10512,7 +10853,7 @@
               <a:t>generiert</a:t>
             </a:r>
             <a:r>
-              <a:rPr lang="en-US" sz="2000" b="0" i="0" u="none" strike="noStrike" cap="none" spc="0">
+              <a:rPr lang="de-DE" sz="2000" b="0" i="0" u="none" strike="noStrike" cap="none" spc="0">
                 <a:solidFill>
                   <a:schemeClr val="tx1"/>
                 </a:solidFill>
@@ -10523,7 +10864,7 @@
               <a:t> </a:t>
             </a:r>
             <a:r>
-              <a:rPr lang="en-US" sz="2000" b="0" i="0" u="none" strike="noStrike" cap="none" spc="0">
+              <a:rPr lang="de-DE" sz="2000" b="0" i="0" u="none" strike="noStrike" cap="none" spc="0">
                 <a:solidFill>
                   <a:schemeClr val="tx1"/>
                 </a:solidFill>
@@ -10534,7 +10875,7 @@
               <a:t>in </a:t>
             </a:r>
             <a:r>
-              <a:rPr lang="en-US" sz="2000" b="0" i="0" u="none" strike="noStrike" cap="none" spc="0">
+              <a:rPr lang="de-DE" sz="2000" b="0" i="0" u="none" strike="noStrike" cap="none" spc="0">
                 <a:solidFill>
                   <a:schemeClr val="tx1"/>
                 </a:solidFill>
@@ -10545,7 +10886,7 @@
               <a:t>LaTex</a:t>
             </a:r>
             <a:r>
-              <a:rPr lang="en-US" sz="2000" b="0" i="0" u="none" strike="noStrike" cap="none" spc="0">
+              <a:rPr lang="de-DE" sz="2000" b="0" i="0" u="none" strike="noStrike" cap="none" spc="0">
                 <a:solidFill>
                   <a:schemeClr val="tx1"/>
                 </a:solidFill>
@@ -10556,7 +10897,7 @@
               <a:t> </a:t>
             </a:r>
             <a:r>
-              <a:rPr lang="en-US" sz="2000" b="0" i="0" u="none" strike="noStrike" cap="none" spc="0">
+              <a:rPr lang="de-DE" sz="2000" b="0" i="0" u="none" strike="noStrike" cap="none" spc="0">
                 <a:solidFill>
                   <a:schemeClr val="tx1"/>
                 </a:solidFill>
@@ -10567,7 +10908,7 @@
               <a:t>oder</a:t>
             </a:r>
             <a:r>
-              <a:rPr lang="en-US" sz="2000" b="0" i="0" u="none" strike="noStrike" cap="none" spc="0">
+              <a:rPr lang="de-DE" sz="2000" b="0" i="0" u="none" strike="noStrike" cap="none" spc="0">
                 <a:solidFill>
                   <a:schemeClr val="tx1"/>
                 </a:solidFill>
@@ -10578,7 +10919,7 @@
               <a:t> HTML, Coding-</a:t>
             </a:r>
             <a:r>
-              <a:rPr lang="en-US" sz="2000" b="0" i="0" u="none" strike="noStrike" cap="none" spc="0">
+              <a:rPr lang="de-DE" sz="2000" b="0" i="0" u="none" strike="noStrike" cap="none" spc="0">
                 <a:solidFill>
                   <a:schemeClr val="tx1"/>
                 </a:solidFill>
@@ -10589,7 +10930,7 @@
               <a:t>Kenntnisse</a:t>
             </a:r>
             <a:r>
-              <a:rPr lang="en-US" sz="2000" b="0" i="0" u="none" strike="noStrike" cap="none" spc="0">
+              <a:rPr lang="de-DE" sz="2000" b="0" i="0" u="none" strike="noStrike" cap="none" spc="0">
                 <a:solidFill>
                   <a:schemeClr val="tx1"/>
                 </a:solidFill>
@@ -10600,7 +10941,7 @@
               <a:t>  ware</a:t>
             </a:r>
             <a:r>
-              <a:rPr lang="en-US" sz="2000" b="0" i="0" u="none" strike="noStrike" cap="none" spc="0">
+              <a:rPr lang="de-DE" sz="2000" b="0" i="0" u="none" strike="noStrike" cap="none" spc="0">
                 <a:solidFill>
                   <a:schemeClr val="tx1"/>
                 </a:solidFill>
@@ -10608,9 +10949,9 @@
                 <a:ea typeface="+mn-ea"/>
                 <a:cs typeface="+mn-cs"/>
               </a:rPr>
-              <a:t>verlangt</a:t>
-            </a:r>
-            <a:endParaRPr sz="2000"/>
+              <a:t>n verlangt</a:t>
+            </a:r>
+            <a:endParaRPr lang="de-DE" sz="2000"/>
           </a:p>
         </p:txBody>
       </p:sp>
@@ -10959,7 +11300,7 @@
               <a:defRPr/>
             </a:pPr>
             <a:r>
-              <a:rPr lang="en-US" sz="2000" b="0" i="0" u="none" strike="noStrike" cap="none" spc="0">
+              <a:rPr lang="de-DE" sz="2000" b="0" i="0" u="none" strike="noStrike" cap="none" spc="0">
                 <a:solidFill>
                   <a:schemeClr val="tx1"/>
                 </a:solidFill>
@@ -10967,16 +11308,16 @@
                 <a:ea typeface="Arial"/>
                 <a:cs typeface="Arial"/>
               </a:rPr>
-              <a:t>Den Grundstein liefert die Cinco Entwicklungsumgebung samt der Modelierungssprachen </a:t>
-            </a:r>
-            <a:endParaRPr/>
-          </a:p>
-          <a:p>
-            <a:pPr>
-              <a:defRPr/>
-            </a:pPr>
-            <a:r>
-              <a:rPr lang="en-US" sz="2000" b="0" i="0" u="none" strike="noStrike" cap="none" spc="0">
+              <a:t>Den Grundstein liefert die Cinco Entwicklungsumgebung samt der Modellierungssprachen </a:t>
+            </a:r>
+            <a:endParaRPr lang="de-DE"/>
+          </a:p>
+          <a:p>
+            <a:pPr>
+              <a:defRPr/>
+            </a:pPr>
+            <a:r>
+              <a:rPr lang="de-DE" sz="2000" b="0" i="0" u="none" strike="noStrike" cap="none" spc="0">
                 <a:solidFill>
                   <a:schemeClr val="tx1"/>
                 </a:solidFill>
@@ -10984,9 +11325,20 @@
                 <a:ea typeface="Arial"/>
                 <a:cs typeface="Arial"/>
               </a:rPr>
-              <a:t>Diese Modelierungssprachen fundieren als Metamodelierungssprachen zur graphischen Sprache mit der Dokumentationsmodele entworfen werden</a:t>
-            </a:r>
-            <a:endParaRPr lang="en-US" sz="2000" b="0" i="0" u="none" strike="noStrike" cap="none" spc="0">
+              <a:t>Diese Modellierungssprachen fundieren als Meta-Modellierungssprachen zur graphischen</a:t>
+            </a:r>
+            <a:r>
+              <a:rPr lang="de-DE" sz="2000" b="0" i="0" u="none" strike="noStrike" cap="none" spc="0">
+                <a:solidFill>
+                  <a:schemeClr val="tx1"/>
+                </a:solidFill>
+                <a:latin typeface="Palatino Linotype"/>
+                <a:ea typeface="Arial"/>
+                <a:cs typeface="Arial"/>
+              </a:rPr>
+              <a:t> Sprache mit der Dokumentationsmodelle entworfen werden</a:t>
+            </a:r>
+            <a:endParaRPr lang="de-DE" sz="2000" b="0" i="0" u="none" strike="noStrike" cap="none" spc="0">
               <a:solidFill>
                 <a:schemeClr val="tx1"/>
               </a:solidFill>
@@ -11094,7 +11446,7 @@
               <a:defRPr/>
             </a:pPr>
             <a:r>
-              <a:rPr lang="en-US" sz="2000" b="0" i="0" u="none" strike="noStrike" cap="none" spc="0">
+              <a:rPr lang="de-DE" sz="2000" b="0" i="0" u="none" strike="noStrike" cap="none" spc="0">
                 <a:solidFill>
                   <a:schemeClr val="tx1"/>
                 </a:solidFill>
@@ -11104,14 +11456,14 @@
               </a:rPr>
               <a:t>Cinco Metasprachen (Meta Graph Language, Meta Style Language, Cinco Product Definition) spezifizieren unsere graphische Domainsprache </a:t>
             </a:r>
-            <a:endParaRPr sz="2000"/>
-          </a:p>
-          <a:p>
-            <a:pPr>
-              <a:defRPr/>
-            </a:pPr>
-            <a:r>
-              <a:rPr lang="en-US" sz="2000" b="0" i="0" u="none" strike="noStrike" cap="none" spc="0">
+            <a:endParaRPr lang="de-DE" sz="2000"/>
+          </a:p>
+          <a:p>
+            <a:pPr>
+              <a:defRPr/>
+            </a:pPr>
+            <a:r>
+              <a:rPr lang="de-DE" sz="2000" b="0" i="0" u="none" strike="noStrike" cap="none" spc="0">
                 <a:solidFill>
                   <a:schemeClr val="tx1"/>
                 </a:solidFill>
@@ -11122,7 +11474,7 @@
               <a:t>Diese</a:t>
             </a:r>
             <a:r>
-              <a:rPr lang="en-US" sz="2000" b="0" i="0" u="none" strike="noStrike" cap="none" spc="0">
+              <a:rPr lang="de-DE" sz="2000" b="0" i="0" u="none" strike="noStrike" cap="none" spc="0">
                 <a:solidFill>
                   <a:schemeClr val="tx1"/>
                 </a:solidFill>
@@ -11130,9 +11482,9 @@
                 <a:ea typeface="Arial"/>
                 <a:cs typeface="Arial"/>
               </a:rPr>
-              <a:t> graphische Sprache - bestehend aus Repräsentationender  Browser UI Elemente - wird zum Entwerfen des Dokumentationsmodels verwendet</a:t>
-            </a:r>
-            <a:endParaRPr lang="en-US" sz="2000" b="0" i="0" u="none" strike="noStrike" cap="none" spc="0">
+              <a:t> graphische Sprache - bestehend aus Repräsentationen der  Browser UI Elemente - wird zum Entwerfen des Dokumentationsmodels verwendet</a:t>
+            </a:r>
+            <a:endParaRPr lang="de-DE" sz="2000" b="0" i="0" u="none" strike="noStrike" cap="none" spc="0">
               <a:solidFill>
                 <a:schemeClr val="tx1"/>
               </a:solidFill>
@@ -11146,7 +11498,7 @@
               <a:defRPr/>
             </a:pPr>
             <a:r>
-              <a:rPr lang="en-US" sz="2000" b="0" i="0" u="none" strike="noStrike" cap="none" spc="0">
+              <a:rPr lang="de-DE" sz="2000" b="0" i="0" u="none" strike="noStrike" cap="none" spc="0">
                 <a:solidFill>
                   <a:schemeClr val="tx1"/>
                 </a:solidFill>
@@ -11156,7 +11508,7 @@
               </a:rPr>
               <a:t>Das Endresultat ist eine Dokumentation in Textformat (Markdown) mit Screenshot</a:t>
             </a:r>
-            <a:endParaRPr sz="2000"/>
+            <a:endParaRPr lang="de-DE" sz="2000"/>
           </a:p>
         </p:txBody>
       </p:sp>
@@ -11261,9 +11613,9 @@
             <p:grpSpPr bwMode="auto">
               <a:xfrm>
                 <a:off x="900000" y="0"/>
-                <a:ext cx="1225301" cy="980680"/>
+                <a:ext cx="1225300" cy="980680"/>
                 <a:chOff x="0" y="0"/>
-                <a:chExt cx="1225301" cy="980680"/>
+                <a:chExt cx="1225300" cy="980680"/>
               </a:xfrm>
             </p:grpSpPr>
             <p:pic>
@@ -11297,7 +11649,7 @@
               <p:spPr bwMode="auto">
                 <a:xfrm rot="0" flipH="0" flipV="0">
                   <a:off x="0" y="797507"/>
-                  <a:ext cx="1225301" cy="183173"/>
+                  <a:ext cx="1225300" cy="183173"/>
                 </a:xfrm>
                 <a:prstGeom prst="rect">
                   <a:avLst/>

--- a/Abschlussvortrag.pptx
+++ b/Abschlussvortrag.pptx
@@ -5,7 +5,7 @@
     <p:sldMasterId id="2147483648" r:id="rId1"/>
   </p:sldMasterIdLst>
   <p:notesMasterIdLst>
-    <p:notesMasterId r:id="rId23"/>
+    <p:notesMasterId r:id="rId22"/>
   </p:notesMasterIdLst>
   <p:sldIdLst>
     <p:sldId id="256" r:id="rId4"/>
@@ -26,7 +26,6 @@
     <p:sldId id="271" r:id="rId19"/>
     <p:sldId id="272" r:id="rId20"/>
     <p:sldId id="273" r:id="rId21"/>
-    <p:sldId id="274" r:id="rId22"/>
   </p:sldIdLst>
   <p:sldSz cx="12192000" cy="6858000"/>
   <p:notesSz cx="12192000" cy="6858000"/>
@@ -8429,7 +8428,7 @@
             </a:pPr>
             <a:r>
               <a:rPr/>
-              <a:t>Die Wiederverwendbarkeit der Modellelemente beschleunigt den Designprozess</a:t>
+              <a:t>Implementierung der Wiederverwendbarkeit der Modellelemente, um den Designprozess zu beschleunigen</a:t>
             </a:r>
             <a:endParaRPr/>
           </a:p>
@@ -8450,6 +8449,17 @@
             <a:r>
               <a:rPr/>
               <a:t> </a:t>
+            </a:r>
+            <a:r>
+              <a:rPr lang="de-DE" sz="2000" b="0" i="0" u="none" strike="noStrike" cap="none" spc="0">
+                <a:solidFill>
+                  <a:schemeClr val="tx1"/>
+                </a:solidFill>
+                <a:latin typeface="Palatino Linotype"/>
+                <a:ea typeface="Palatino Linotype"/>
+                <a:cs typeface="Palatino Linotype"/>
+              </a:rPr>
+              <a:t>Generierung der gesamten Projektstruktur mit ‚Boilerplate-code‘ innerhalb desselben Projektordners</a:t>
             </a:r>
             <a:endParaRPr/>
           </a:p>
@@ -8545,10 +8555,53 @@
             <a:pPr>
               <a:defRPr/>
             </a:pPr>
-            <a:endParaRPr/>
-          </a:p>
-        </p:txBody>
-      </p:sp>
+            <a:r>
+              <a:rPr/>
+              <a:t>Ad hoc Erstellung eine Dokumentations-Webseite durch Integration von Drittanbierter-Tools, VuePress und Markdown</a:t>
+            </a:r>
+            <a:endParaRPr/>
+          </a:p>
+          <a:p>
+            <a:pPr>
+              <a:defRPr/>
+            </a:pPr>
+            <a:r>
+              <a:rPr lang="de-DE" sz="2000" b="0" i="0" u="none" strike="noStrike" cap="none" spc="0">
+                <a:solidFill>
+                  <a:schemeClr val="tx1"/>
+                </a:solidFill>
+                <a:latin typeface="Palatino Linotype"/>
+                <a:ea typeface="Palatino Linotype"/>
+                <a:cs typeface="Palatino Linotype"/>
+              </a:rPr>
+              <a:t>Starten der Dokumentations-Website mit minimalem Konfigurationsaufwand</a:t>
+            </a:r>
+            <a:endParaRPr/>
+          </a:p>
+        </p:txBody>
+      </p:sp>
+      <p:pic>
+        <p:nvPicPr>
+          <p:cNvPr id="307794514" name="" hidden="0"/>
+          <p:cNvPicPr>
+            <a:picLocks noChangeAspect="1"/>
+          </p:cNvPicPr>
+          <p:nvPr isPhoto="0" userDrawn="0"/>
+        </p:nvPicPr>
+        <p:blipFill>
+          <a:blip r:embed="rId2"/>
+          <a:stretch/>
+        </p:blipFill>
+        <p:spPr bwMode="auto">
+          <a:xfrm rot="0" flipH="0" flipV="0">
+            <a:off x="3607499" y="3246060"/>
+            <a:ext cx="5135292" cy="2406740"/>
+          </a:xfrm>
+          <a:prstGeom prst="rect">
+            <a:avLst/>
+          </a:prstGeom>
+        </p:spPr>
+      </p:pic>
     </p:spTree>
   </p:cSld>
   <p:clrMapOvr>
@@ -8694,7 +8747,7 @@
       </p:grpSpPr>
       <p:sp>
         <p:nvSpPr>
-          <p:cNvPr id="157058720" name="Título 1" hidden="0"/>
+          <p:cNvPr id="653499456" name="Título 1" hidden="0"/>
           <p:cNvSpPr>
             <a:spLocks noGrp="1"/>
           </p:cNvSpPr>
@@ -8712,7 +8765,7 @@
             </a:pPr>
             <a:r>
               <a:rPr lang="de-DE"/>
-              <a:t>Künftige Arbeiten</a:t>
+              <a:t>Fazit</a:t>
             </a:r>
             <a:br>
               <a:rPr lang="de-DE"/>
@@ -8723,7 +8776,7 @@
       </p:sp>
       <p:sp>
         <p:nvSpPr>
-          <p:cNvPr id="1934508904" name="Marcador de contenido 2" hidden="0"/>
+          <p:cNvPr id="751158943" name="Marcador de contenido 2" hidden="0"/>
           <p:cNvSpPr>
             <a:spLocks noGrp="1"/>
           </p:cNvSpPr>
@@ -8750,7 +8803,88 @@
               </a:rPr>
               <a:t>DSL-getriebene Generierung von Endbenutzerdokumentation für Webanwendungen auf der Basis von Graphenmodellen unter Verwendung einer grafischen DSL</a:t>
             </a:r>
-            <a:endParaRPr/>
+            <a:endParaRPr lang="de-DE" sz="2000" b="0" i="0" u="none" strike="noStrike" cap="none" spc="0">
+              <a:solidFill>
+                <a:schemeClr val="tx1"/>
+              </a:solidFill>
+              <a:latin typeface="Palatino Linotype"/>
+              <a:ea typeface="Palatino Linotype"/>
+              <a:cs typeface="Palatino Linotype"/>
+            </a:endParaRPr>
+          </a:p>
+          <a:p>
+            <a:pPr>
+              <a:defRPr/>
+            </a:pPr>
+            <a:r>
+              <a:rPr lang="de-DE" sz="2000" b="0" i="0" u="none" strike="noStrike" cap="none" spc="0">
+                <a:solidFill>
+                  <a:schemeClr val="tx1"/>
+                </a:solidFill>
+                <a:latin typeface="Palatino Linotype"/>
+                <a:ea typeface="Palatino Linotype"/>
+                <a:cs typeface="Palatino Linotype"/>
+              </a:rPr>
+              <a:t>Erstellung einer Editoranwendung, die es dem Dokumentationsdesigner ermöglicht grafische Diagramme zu erstellen, die den erforderlichen Benutzer-Workflow veranschaulichen</a:t>
+            </a:r>
+            <a:endParaRPr lang="de-DE" sz="2000" b="0" i="0" u="none" strike="noStrike" cap="none" spc="0">
+              <a:solidFill>
+                <a:schemeClr val="tx1"/>
+              </a:solidFill>
+              <a:latin typeface="Palatino Linotype"/>
+              <a:ea typeface="Palatino Linotype"/>
+              <a:cs typeface="Palatino Linotype"/>
+            </a:endParaRPr>
+          </a:p>
+          <a:p>
+            <a:pPr>
+              <a:defRPr/>
+            </a:pPr>
+            <a:r>
+              <a:rPr lang="de-DE" sz="2000" b="0" i="0" u="none" strike="noStrike" cap="none" spc="0">
+                <a:solidFill>
+                  <a:schemeClr val="tx1"/>
+                </a:solidFill>
+                <a:latin typeface="Palatino Linotype"/>
+                <a:ea typeface="Palatino Linotype"/>
+                <a:cs typeface="Palatino Linotype"/>
+              </a:rPr>
+              <a:t>Mithilfe von </a:t>
+            </a:r>
+            <a:r>
+              <a:rPr lang="de-DE" sz="2000" b="0" i="0" u="none" strike="noStrike" cap="none" spc="0">
+                <a:solidFill>
+                  <a:schemeClr val="tx1"/>
+                </a:solidFill>
+                <a:latin typeface="Palatino Linotype"/>
+                <a:ea typeface="Palatino Linotype"/>
+                <a:cs typeface="Palatino Linotype"/>
+              </a:rPr>
+              <a:t>Drittanbietern</a:t>
+            </a:r>
+            <a:r>
+              <a:rPr lang="de-DE" sz="2000" b="0" i="0" u="none" strike="noStrike" cap="none" spc="0">
+                <a:solidFill>
+                  <a:schemeClr val="tx1"/>
+                </a:solidFill>
+                <a:latin typeface="Palatino Linotype"/>
+                <a:ea typeface="Palatino Linotype"/>
+                <a:cs typeface="Palatino Linotype"/>
+              </a:rPr>
+              <a:t>-Tools</a:t>
+            </a:r>
+            <a:r>
+              <a:rPr lang="de-DE" sz="2000" b="0" i="0" u="none" strike="noStrike" cap="none" spc="0">
+                <a:solidFill>
+                  <a:schemeClr val="tx1"/>
+                </a:solidFill>
+                <a:latin typeface="Palatino Linotype"/>
+                <a:ea typeface="Palatino Linotype"/>
+                <a:cs typeface="Palatino Linotype"/>
+              </a:rPr>
+              <a:t> konnten wir eine gut strukturierte und voll funktionsfähige Dokumentation-Website zu erstellen</a:t>
+            </a:r>
+            <a:endParaRPr lang="de-DE"/>
           </a:p>
         </p:txBody>
       </p:sp>
@@ -8789,7 +8923,7 @@
       </p:grpSpPr>
       <p:sp>
         <p:nvSpPr>
-          <p:cNvPr id="653499456" name="Título 1" hidden="0"/>
+          <p:cNvPr id="491240005" name="Título 1" hidden="0"/>
           <p:cNvSpPr>
             <a:spLocks noGrp="1"/>
           </p:cNvSpPr>
@@ -8807,18 +8941,18 @@
             </a:pPr>
             <a:r>
               <a:rPr lang="de-DE"/>
-              <a:t>Fazit</a:t>
+              <a:t>Referenzen</a:t>
             </a:r>
             <a:br>
               <a:rPr lang="de-DE"/>
             </a:br>
-            <a:endParaRPr sz="1600"/>
-          </a:p>
-        </p:txBody>
-      </p:sp>
-      <p:sp>
-        <p:nvSpPr>
-          <p:cNvPr id="751158943" name="Marcador de contenido 2" hidden="0"/>
+            <a:endParaRPr sz="1800"/>
+          </a:p>
+        </p:txBody>
+      </p:sp>
+      <p:sp>
+        <p:nvSpPr>
+          <p:cNvPr id="835041238" name="Marcador de contenido 2" hidden="0"/>
           <p:cNvSpPr>
             <a:spLocks noGrp="1"/>
           </p:cNvSpPr>
@@ -8835,7 +8969,11 @@
               <a:defRPr/>
             </a:pPr>
             <a:r>
-              <a:rPr lang="de-DE" sz="2000" b="0" i="0" u="none" strike="noStrike" cap="none" spc="0">
+              <a:rPr/>
+              <a:t>Icons, Gifs, Cliparts aus </a:t>
+            </a:r>
+            <a:r>
+              <a:rPr lang="en-US" sz="2000" b="0" i="0" u="none" strike="noStrike" cap="none" spc="0">
                 <a:solidFill>
                   <a:schemeClr val="tx1"/>
                 </a:solidFill>
@@ -8843,90 +8981,9 @@
                 <a:ea typeface="Palatino Linotype"/>
                 <a:cs typeface="Palatino Linotype"/>
               </a:rPr>
-              <a:t>DSL-getriebene Generierung von Endbenutzerdokumentation für Webanwendungen auf der Basis von Graphenmodellen unter Verwendung einer grafischen DSL</a:t>
-            </a:r>
-            <a:endParaRPr lang="de-DE" sz="2000" b="0" i="0" u="none" strike="noStrike" cap="none" spc="0">
-              <a:solidFill>
-                <a:schemeClr val="tx1"/>
-              </a:solidFill>
-              <a:latin typeface="Palatino Linotype"/>
-              <a:ea typeface="Palatino Linotype"/>
-              <a:cs typeface="Palatino Linotype"/>
-            </a:endParaRPr>
-          </a:p>
-          <a:p>
-            <a:pPr>
-              <a:defRPr/>
-            </a:pPr>
-            <a:r>
-              <a:rPr lang="de-DE" sz="2000" b="0" i="0" u="none" strike="noStrike" cap="none" spc="0">
-                <a:solidFill>
-                  <a:schemeClr val="tx1"/>
-                </a:solidFill>
-                <a:latin typeface="Palatino Linotype"/>
-                <a:ea typeface="Palatino Linotype"/>
-                <a:cs typeface="Palatino Linotype"/>
-              </a:rPr>
-              <a:t>Erstellung einer Editoranwendung, die es dem Dokumentationsdesigner ermöglicht grafische Diagramme zu erstellen, die den erforderlichen Benutzer-Workflow veranschaulichen</a:t>
-            </a:r>
-            <a:endParaRPr lang="de-DE" sz="2000" b="0" i="0" u="none" strike="noStrike" cap="none" spc="0">
-              <a:solidFill>
-                <a:schemeClr val="tx1"/>
-              </a:solidFill>
-              <a:latin typeface="Palatino Linotype"/>
-              <a:ea typeface="Palatino Linotype"/>
-              <a:cs typeface="Palatino Linotype"/>
-            </a:endParaRPr>
-          </a:p>
-          <a:p>
-            <a:pPr>
-              <a:defRPr/>
-            </a:pPr>
-            <a:r>
-              <a:rPr lang="de-DE" sz="2000" b="0" i="0" u="none" strike="noStrike" cap="none" spc="0">
-                <a:solidFill>
-                  <a:schemeClr val="tx1"/>
-                </a:solidFill>
-                <a:latin typeface="Palatino Linotype"/>
-                <a:ea typeface="Palatino Linotype"/>
-                <a:cs typeface="Palatino Linotype"/>
-              </a:rPr>
-              <a:t>Mithilfe von </a:t>
-            </a:r>
-            <a:r>
-              <a:rPr lang="de-DE" sz="2000" b="0" i="0" u="none" strike="noStrike" cap="none" spc="0">
-                <a:solidFill>
-                  <a:schemeClr val="tx1"/>
-                </a:solidFill>
-                <a:latin typeface="Palatino Linotype"/>
-                <a:ea typeface="Palatino Linotype"/>
-                <a:cs typeface="Palatino Linotype"/>
-              </a:rPr>
-              <a:t>Drittanbietern</a:t>
-            </a:r>
-            <a:r>
-              <a:rPr lang="de-DE" sz="2000" b="0" i="0" u="none" strike="noStrike" cap="none" spc="0">
-                <a:solidFill>
-                  <a:schemeClr val="tx1"/>
-                </a:solidFill>
-                <a:latin typeface="Palatino Linotype"/>
-                <a:ea typeface="Palatino Linotype"/>
-                <a:cs typeface="Palatino Linotype"/>
-              </a:rPr>
-              <a:t>-Tools</a:t>
-            </a:r>
-            <a:r>
-              <a:rPr lang="de-DE" sz="2000" b="0" i="0" u="none" strike="noStrike" cap="none" spc="0">
-                <a:solidFill>
-                  <a:schemeClr val="tx1"/>
-                </a:solidFill>
-                <a:latin typeface="Palatino Linotype"/>
-                <a:ea typeface="Palatino Linotype"/>
-                <a:cs typeface="Palatino Linotype"/>
-              </a:rPr>
-              <a:t> konnten wir eine gut strukturierte und voll funktionsfähige Dokumentation-Website zu erstellen</a:t>
-            </a:r>
-            <a:endParaRPr lang="de-DE"/>
+              <a:t>https://www.flaticon.com/</a:t>
+            </a:r>
+            <a:endParaRPr/>
           </a:p>
         </p:txBody>
       </p:sp>
@@ -8947,105 +9004,6 @@
 </file>
 
 <file path=ppt/slides/slide18.xml><?xml version="1.0" encoding="utf-8"?>
-<p:sld xmlns:a="http://schemas.openxmlformats.org/drawingml/2006/main" xmlns:r="http://schemas.openxmlformats.org/officeDocument/2006/relationships" xmlns:p="http://schemas.openxmlformats.org/presentationml/2006/main" xmlns:m="http://schemas.openxmlformats.org/officeDocument/2006/math" xmlns:w="http://schemas.openxmlformats.org/wordprocessingml/2006/main" showMasterPhAnim="0" show="1">
-  <p:cSld name="">
-    <p:spTree>
-      <p:nvGrpSpPr>
-        <p:cNvPr id="1" name="" hidden="0"/>
-        <p:cNvGrpSpPr/>
-        <p:nvPr isPhoto="0" userDrawn="0"/>
-      </p:nvGrpSpPr>
-      <p:grpSpPr bwMode="auto">
-        <a:xfrm>
-          <a:off x="0" y="0"/>
-          <a:ext cx="0" cy="0"/>
-          <a:chOff x="0" y="0"/>
-          <a:chExt cx="0" cy="0"/>
-        </a:xfrm>
-      </p:grpSpPr>
-      <p:sp>
-        <p:nvSpPr>
-          <p:cNvPr id="491240005" name="Título 1" hidden="0"/>
-          <p:cNvSpPr>
-            <a:spLocks noGrp="1"/>
-          </p:cNvSpPr>
-          <p:nvPr isPhoto="0" userDrawn="0">
-            <p:ph type="title" hasCustomPrompt="0"/>
-          </p:nvPr>
-        </p:nvSpPr>
-        <p:spPr bwMode="auto"/>
-        <p:txBody>
-          <a:bodyPr/>
-          <a:lstStyle/>
-          <a:p>
-            <a:pPr>
-              <a:defRPr/>
-            </a:pPr>
-            <a:r>
-              <a:rPr lang="de-DE"/>
-              <a:t>Referenzen</a:t>
-            </a:r>
-            <a:br>
-              <a:rPr lang="de-DE"/>
-            </a:br>
-            <a:endParaRPr sz="1800"/>
-          </a:p>
-        </p:txBody>
-      </p:sp>
-      <p:sp>
-        <p:nvSpPr>
-          <p:cNvPr id="835041238" name="Marcador de contenido 2" hidden="0"/>
-          <p:cNvSpPr>
-            <a:spLocks noGrp="1"/>
-          </p:cNvSpPr>
-          <p:nvPr isPhoto="0" userDrawn="0">
-            <p:ph idx="1" hasCustomPrompt="0"/>
-          </p:nvPr>
-        </p:nvSpPr>
-        <p:spPr bwMode="auto"/>
-        <p:txBody>
-          <a:bodyPr/>
-          <a:lstStyle/>
-          <a:p>
-            <a:pPr>
-              <a:defRPr/>
-            </a:pPr>
-            <a:r>
-              <a:rPr/>
-              <a:t>Icons, Gifs, Cliparts aus </a:t>
-            </a:r>
-            <a:r>
-              <a:rPr lang="en-US" sz="2000" b="0" i="0" u="none" strike="noStrike" cap="none" spc="0">
-                <a:solidFill>
-                  <a:schemeClr val="tx1"/>
-                </a:solidFill>
-                <a:latin typeface="Palatino Linotype"/>
-                <a:ea typeface="Palatino Linotype"/>
-                <a:cs typeface="Palatino Linotype"/>
-              </a:rPr>
-              <a:t>https://www.flaticon.com/</a:t>
-            </a:r>
-            <a:endParaRPr/>
-          </a:p>
-        </p:txBody>
-      </p:sp>
-    </p:spTree>
-  </p:cSld>
-  <p:clrMapOvr>
-    <a:masterClrMapping/>
-  </p:clrMapOvr>
-  <mc:AlternateContent xmlns:mc="http://schemas.openxmlformats.org/markup-compatibility/2006">
-    <mc:Choice xmlns:p14="http://schemas.microsoft.com/office/powerpoint/2010/main" Requires="p14">
-      <p:transition p14:dur="2000" advClick="1"/>
-    </mc:Choice>
-    <mc:Fallback>
-      <p:transition advClick="1"/>
-    </mc:Fallback>
-  </mc:AlternateContent>
-</p:sld>
-</file>
-
-<file path=ppt/slides/slide19.xml><?xml version="1.0" encoding="utf-8"?>
 <p:sld xmlns:a="http://schemas.openxmlformats.org/drawingml/2006/main" xmlns:r="http://schemas.openxmlformats.org/officeDocument/2006/relationships" xmlns:p="http://schemas.openxmlformats.org/presentationml/2006/main" xmlns:m="http://schemas.openxmlformats.org/officeDocument/2006/math" xmlns:w="http://schemas.openxmlformats.org/wordprocessingml/2006/main" showMasterPhAnim="0" show="1">
   <p:cSld name="">
     <p:spTree>

--- a/Abschlussvortrag.pptx
+++ b/Abschlussvortrag.pptx
@@ -5,7 +5,7 @@
     <p:sldMasterId id="2147483648" r:id="rId1"/>
   </p:sldMasterIdLst>
   <p:notesMasterIdLst>
-    <p:notesMasterId r:id="rId22"/>
+    <p:notesMasterId r:id="rId21"/>
   </p:notesMasterIdLst>
   <p:sldIdLst>
     <p:sldId id="256" r:id="rId4"/>
@@ -25,7 +25,6 @@
     <p:sldId id="270" r:id="rId18"/>
     <p:sldId id="271" r:id="rId19"/>
     <p:sldId id="272" r:id="rId20"/>
-    <p:sldId id="273" r:id="rId21"/>
   </p:sldIdLst>
   <p:sldSz cx="12192000" cy="6858000"/>
   <p:notesSz cx="12192000" cy="6858000"/>
@@ -510,6 +509,108 @@
             </a:r>
             <a:endParaRPr/>
           </a:p>
+          <a:p>
+            <a:pPr>
+              <a:defRPr/>
+            </a:pPr>
+            <a:endParaRPr/>
+          </a:p>
+          <a:p>
+            <a:pPr>
+              <a:defRPr/>
+            </a:pPr>
+            <a:r>
+              <a:rPr lang="de-DE" sz="1200" b="0" i="0" u="none" strike="noStrike" cap="none" spc="0">
+                <a:solidFill>
+                  <a:schemeClr val="tx1"/>
+                </a:solidFill>
+                <a:latin typeface="Palatino Linotype"/>
+                <a:ea typeface="Palatino Linotype"/>
+                <a:cs typeface="Palatino Linotype"/>
+              </a:rPr>
+              <a:t>- Ich vermisse ein wenig die Vorstellung der Sprachfeatures und deren Besonderheiten</a:t>
+            </a:r>
+            <a:endParaRPr lang="de-DE" sz="1200" b="0" i="0" u="none" strike="noStrike" cap="none" spc="0">
+              <a:solidFill>
+                <a:schemeClr val="tx1"/>
+              </a:solidFill>
+              <a:latin typeface="Palatino Linotype"/>
+              <a:ea typeface="Palatino Linotype"/>
+              <a:cs typeface="Palatino Linotype"/>
+            </a:endParaRPr>
+          </a:p>
+          <a:p>
+            <a:pPr>
+              <a:defRPr/>
+            </a:pPr>
+            <a:r>
+              <a:rPr lang="de-DE" sz="1200" b="0" i="0" u="none" strike="noStrike" cap="none" spc="0">
+                <a:solidFill>
+                  <a:schemeClr val="tx1"/>
+                </a:solidFill>
+                <a:latin typeface="Palatino Linotype"/>
+                <a:ea typeface="Palatino Linotype"/>
+                <a:cs typeface="Palatino Linotype"/>
+              </a:rPr>
+              <a:t>- Folie 10: Inwiefern verhindert das einen Single-Point-of-failure?</a:t>
+            </a:r>
+            <a:endParaRPr lang="de-DE" sz="1200" b="0" i="0" u="none" strike="noStrike" cap="none" spc="0">
+              <a:solidFill>
+                <a:schemeClr val="tx1"/>
+              </a:solidFill>
+              <a:latin typeface="Palatino Linotype"/>
+              <a:ea typeface="Palatino Linotype"/>
+              <a:cs typeface="Palatino Linotype"/>
+            </a:endParaRPr>
+          </a:p>
+          <a:p>
+            <a:pPr>
+              <a:defRPr/>
+            </a:pPr>
+            <a:r>
+              <a:rPr lang="de-DE" sz="1200" b="0" i="0" u="none" strike="noStrike" cap="none" spc="0">
+                <a:solidFill>
+                  <a:schemeClr val="tx1"/>
+                </a:solidFill>
+                <a:latin typeface="Palatino Linotype"/>
+                <a:ea typeface="Palatino Linotype"/>
+                <a:cs typeface="Palatino Linotype"/>
+              </a:rPr>
+              <a:t>- Was hast du für die Demo geplant? Ich hoffe, du gehst da detailliert auf die ganzen Features deiner Sprachen ein: Primereferenzen, Verschachtelung, Enablen/Disablen von Screenshots, Checks etc.</a:t>
+            </a:r>
+            <a:endParaRPr lang="de-DE" sz="1200" b="0" i="0" u="none" strike="noStrike" cap="none" spc="0">
+              <a:solidFill>
+                <a:schemeClr val="tx1"/>
+              </a:solidFill>
+              <a:latin typeface="Palatino Linotype"/>
+              <a:ea typeface="Palatino Linotype"/>
+              <a:cs typeface="Palatino Linotype"/>
+            </a:endParaRPr>
+          </a:p>
+          <a:p>
+            <a:pPr>
+              <a:defRPr/>
+            </a:pPr>
+            <a:r>
+              <a:rPr lang="de-DE" sz="1200" b="0" i="0" u="none" strike="noStrike" cap="none" spc="0">
+                <a:solidFill>
+                  <a:schemeClr val="tx1"/>
+                </a:solidFill>
+                <a:latin typeface="Palatino Linotype"/>
+                <a:ea typeface="Palatino Linotype"/>
+                <a:cs typeface="Palatino Linotype"/>
+              </a:rPr>
+              <a:t>- Folie 16: Da fehlt noch das Fazit aus deiner Evaluierung bzw. Bewertung deines Tools gemessen an dem, was du damit gemacht hast.</a:t>
+            </a:r>
+            <a:endParaRPr lang="de-DE" sz="1200" b="0" i="0" u="none" strike="noStrike" cap="none" spc="0">
+              <a:solidFill>
+                <a:schemeClr val="tx1"/>
+              </a:solidFill>
+              <a:latin typeface="Palatino Linotype"/>
+              <a:ea typeface="Palatino Linotype"/>
+              <a:cs typeface="Palatino Linotype"/>
+            </a:endParaRPr>
+          </a:p>
         </p:txBody>
       </p:sp>
       <p:sp>
@@ -1216,116 +1317,6 @@
       </p:grpSpPr>
       <p:sp>
         <p:nvSpPr>
-          <p:cNvPr id="611909490" name="Slide Image Placeholder 1" hidden="0"/>
-          <p:cNvSpPr>
-            <a:spLocks noChangeAspect="1" noGrp="1" noRot="1"/>
-          </p:cNvSpPr>
-          <p:nvPr isPhoto="0" userDrawn="0">
-            <p:ph type="sldImg" hasCustomPrompt="0"/>
-          </p:nvPr>
-        </p:nvSpPr>
-        <p:spPr bwMode="auto"/>
-      </p:sp>
-      <p:sp>
-        <p:nvSpPr>
-          <p:cNvPr id="1558813346" name="Notes Placeholder 2" hidden="0"/>
-          <p:cNvSpPr>
-            <a:spLocks noGrp="1"/>
-          </p:cNvSpPr>
-          <p:nvPr isPhoto="0" userDrawn="0">
-            <p:ph type="body" idx="1" hasCustomPrompt="0"/>
-          </p:nvPr>
-        </p:nvSpPr>
-        <p:spPr bwMode="auto"/>
-        <p:txBody>
-          <a:bodyPr/>
-          <a:lstStyle/>
-          <a:p>
-            <a:pPr>
-              <a:defRPr/>
-            </a:pPr>
-            <a:endParaRPr lang="en-US" sz="1200" b="0" i="0" u="none" strike="noStrike" cap="none" spc="0">
-              <a:solidFill>
-                <a:schemeClr val="tx1"/>
-              </a:solidFill>
-              <a:latin typeface="Palatino Linotype"/>
-              <a:ea typeface="Palatino Linotype"/>
-              <a:cs typeface="Palatino Linotype"/>
-            </a:endParaRPr>
-          </a:p>
-          <a:p>
-            <a:pPr>
-              <a:defRPr/>
-            </a:pPr>
-            <a:endParaRPr lang="en-US" sz="1200" b="0" i="0" u="none" strike="noStrike" cap="none" spc="0">
-              <a:solidFill>
-                <a:schemeClr val="tx1"/>
-              </a:solidFill>
-              <a:latin typeface="Palatino Linotype"/>
-              <a:ea typeface="Palatino Linotype"/>
-              <a:cs typeface="Palatino Linotype"/>
-            </a:endParaRPr>
-          </a:p>
-          <a:p>
-            <a:pPr>
-              <a:defRPr/>
-            </a:pPr>
-            <a:endParaRPr lang="en-US"/>
-          </a:p>
-          <a:p>
-            <a:pPr>
-              <a:defRPr/>
-            </a:pPr>
-            <a:endParaRPr lang="en-US"/>
-          </a:p>
-        </p:txBody>
-      </p:sp>
-      <p:sp>
-        <p:nvSpPr>
-          <p:cNvPr id="1083974254" name="Slide Number Placeholder 3" hidden="0"/>
-          <p:cNvSpPr>
-            <a:spLocks noGrp="1"/>
-          </p:cNvSpPr>
-          <p:nvPr isPhoto="0" userDrawn="0">
-            <p:ph type="sldNum" sz="quarter" idx="10" hasCustomPrompt="0"/>
-          </p:nvPr>
-        </p:nvSpPr>
-        <p:spPr bwMode="auto"/>
-        <p:txBody>
-          <a:bodyPr/>
-          <a:lstStyle/>
-          <a:p>
-            <a:pPr>
-              <a:defRPr/>
-            </a:pPr>
-            <a:endParaRPr/>
-          </a:p>
-        </p:txBody>
-      </p:sp>
-    </p:spTree>
-  </p:cSld>
-</p:notes>
-</file>
-
-<file path=ppt/notesSlides/notesSlide7.xml><?xml version="1.0" encoding="utf-8"?>
-<p:notes xmlns:a="http://schemas.openxmlformats.org/drawingml/2006/main" xmlns:r="http://schemas.openxmlformats.org/officeDocument/2006/relationships" xmlns:p="http://schemas.openxmlformats.org/presentationml/2006/main" xmlns:m="http://schemas.openxmlformats.org/officeDocument/2006/math" xmlns:w="http://schemas.openxmlformats.org/wordprocessingml/2006/main">
-  <p:cSld name="">
-    <p:spTree>
-      <p:nvGrpSpPr>
-        <p:cNvPr id="1" name="" hidden="0"/>
-        <p:cNvGrpSpPr/>
-        <p:nvPr isPhoto="0" userDrawn="0"/>
-      </p:nvGrpSpPr>
-      <p:grpSpPr bwMode="auto">
-        <a:xfrm>
-          <a:off x="0" y="0"/>
-          <a:ext cx="0" cy="0"/>
-          <a:chOff x="0" y="0"/>
-          <a:chExt cx="0" cy="0"/>
-        </a:xfrm>
-      </p:grpSpPr>
-      <p:sp>
-        <p:nvSpPr>
           <p:cNvPr id="2" name="Slide Image Placeholder 1" hidden="0"/>
           <p:cNvSpPr>
             <a:spLocks noChangeAspect="1" noGrp="1" noRot="1"/>
@@ -1425,7 +1416,7 @@
 </p:notes>
 </file>
 
-<file path=ppt/notesSlides/notesSlide8.xml><?xml version="1.0" encoding="utf-8"?>
+<file path=ppt/notesSlides/notesSlide7.xml><?xml version="1.0" encoding="utf-8"?>
 <p:notes xmlns:a="http://schemas.openxmlformats.org/drawingml/2006/main" xmlns:r="http://schemas.openxmlformats.org/officeDocument/2006/relationships" xmlns:p="http://schemas.openxmlformats.org/presentationml/2006/main" xmlns:m="http://schemas.openxmlformats.org/officeDocument/2006/math" xmlns:w="http://schemas.openxmlformats.org/wordprocessingml/2006/main">
   <p:cSld name="">
     <p:spTree>
@@ -7794,151 +7785,6 @@
       </p:grpSpPr>
       <p:sp>
         <p:nvSpPr>
-          <p:cNvPr id="53415977" name="Título 1" hidden="0"/>
-          <p:cNvSpPr>
-            <a:spLocks noGrp="1"/>
-          </p:cNvSpPr>
-          <p:nvPr isPhoto="0" userDrawn="0">
-            <p:ph type="title" hasCustomPrompt="0"/>
-          </p:nvPr>
-        </p:nvSpPr>
-        <p:spPr bwMode="auto"/>
-        <p:txBody>
-          <a:bodyPr/>
-          <a:lstStyle/>
-          <a:p>
-            <a:pPr>
-              <a:defRPr/>
-            </a:pPr>
-            <a:r>
-              <a:rPr lang="de-DE"/>
-              <a:t>Methodologie</a:t>
-            </a:r>
-            <a:br>
-              <a:rPr lang="de-DE"/>
-            </a:br>
-            <a:r>
-              <a:rPr lang="de-DE" sz="1600" i="1"/>
-              <a:t>graphische DSL aus </a:t>
-            </a:r>
-            <a:r>
-              <a:rPr lang="de-DE" sz="1600" i="1">
-                <a:latin typeface="URW Bookman"/>
-                <a:ea typeface="URW Bookman"/>
-                <a:cs typeface="URW Bookman"/>
-              </a:rPr>
-              <a:t>Cinco</a:t>
-            </a:r>
-            <a:r>
-              <a:rPr lang="de-DE" sz="1600" i="1"/>
-              <a:t> Metasprachen - technisches Detail</a:t>
-            </a:r>
-            <a:endParaRPr/>
-          </a:p>
-        </p:txBody>
-      </p:sp>
-      <p:sp>
-        <p:nvSpPr>
-          <p:cNvPr id="1975793017" name="Content Placeholder 2" hidden="0"/>
-          <p:cNvSpPr>
-            <a:spLocks noGrp="1"/>
-          </p:cNvSpPr>
-          <p:nvPr isPhoto="0" userDrawn="0">
-            <p:ph idx="1" hasCustomPrompt="0"/>
-          </p:nvPr>
-        </p:nvSpPr>
-        <p:spPr bwMode="auto">
-          <a:xfrm flipH="0" flipV="0">
-            <a:off x="1534695" y="2015731"/>
-            <a:ext cx="9520157" cy="1891960"/>
-          </a:xfrm>
-        </p:spPr>
-        <p:txBody>
-          <a:bodyPr anchor="t"/>
-          <a:lstStyle/>
-          <a:p>
-            <a:pPr>
-              <a:defRPr/>
-            </a:pPr>
-            <a:r>
-              <a:rPr/>
-              <a:t>Verwendung von Selenium-Java und VuePress, um einen Dokumentationstext mit Bildern in Markdownformat zu erstellen</a:t>
-            </a:r>
-            <a:endParaRPr/>
-          </a:p>
-          <a:p>
-            <a:pPr>
-              <a:defRPr/>
-            </a:pPr>
-            <a:r>
-              <a:rPr/>
-              <a:t>Separates Erzeugen der Texte und der Screenshots wird bevorzugt, um Single-Point-of-failure zu </a:t>
-            </a:r>
-            <a:r>
-              <a:rPr lang="de-DE"/>
-              <a:t>vermeiden</a:t>
-            </a:r>
-            <a:endParaRPr/>
-          </a:p>
-        </p:txBody>
-      </p:sp>
-      <p:pic>
-        <p:nvPicPr>
-          <p:cNvPr id="586522987" name="" hidden="0"/>
-          <p:cNvPicPr>
-            <a:picLocks noChangeAspect="1"/>
-          </p:cNvPicPr>
-          <p:nvPr isPhoto="0" userDrawn="0"/>
-        </p:nvPicPr>
-        <p:blipFill>
-          <a:blip r:embed="rId3"/>
-          <a:stretch/>
-        </p:blipFill>
-        <p:spPr bwMode="auto">
-          <a:xfrm rot="0" flipH="0" flipV="0">
-            <a:off x="3605095" y="3378843"/>
-            <a:ext cx="5739875" cy="2403879"/>
-          </a:xfrm>
-          <a:prstGeom prst="rect">
-            <a:avLst/>
-          </a:prstGeom>
-        </p:spPr>
-      </p:pic>
-    </p:spTree>
-  </p:cSld>
-  <p:clrMapOvr>
-    <a:masterClrMapping/>
-  </p:clrMapOvr>
-  <mc:AlternateContent xmlns:mc="http://schemas.openxmlformats.org/markup-compatibility/2006">
-    <mc:Choice xmlns:p14="http://schemas.microsoft.com/office/powerpoint/2010/main" Requires="p14">
-      <p:transition p14:dur="2000" advClick="1"/>
-    </mc:Choice>
-    <mc:Fallback>
-      <p:transition advClick="1"/>
-    </mc:Fallback>
-  </mc:AlternateContent>
-</p:sld>
-</file>
-
-<file path=ppt/slides/slide11.xml><?xml version="1.0" encoding="utf-8"?>
-<p:sld xmlns:a="http://schemas.openxmlformats.org/drawingml/2006/main" xmlns:r="http://schemas.openxmlformats.org/officeDocument/2006/relationships" xmlns:p="http://schemas.openxmlformats.org/presentationml/2006/main" xmlns:m="http://schemas.openxmlformats.org/officeDocument/2006/math" xmlns:w="http://schemas.openxmlformats.org/wordprocessingml/2006/main" showMasterPhAnim="0" show="1">
-  <p:cSld name="">
-    <p:spTree>
-      <p:nvGrpSpPr>
-        <p:cNvPr id="1" name="" hidden="0"/>
-        <p:cNvGrpSpPr/>
-        <p:nvPr isPhoto="0" userDrawn="0"/>
-      </p:nvGrpSpPr>
-      <p:grpSpPr bwMode="auto">
-        <a:xfrm>
-          <a:off x="0" y="0"/>
-          <a:ext cx="0" cy="0"/>
-          <a:chOff x="0" y="0"/>
-          <a:chExt cx="0" cy="0"/>
-        </a:xfrm>
-      </p:grpSpPr>
-      <p:sp>
-        <p:nvSpPr>
           <p:cNvPr id="564735652" name="Title 1" hidden="0"/>
           <p:cNvSpPr>
             <a:spLocks noGrp="1"/>
@@ -8217,6 +8063,147 @@
 </p:sld>
 </file>
 
+<file path=ppt/slides/slide11.xml><?xml version="1.0" encoding="utf-8"?>
+<p:sld xmlns:a="http://schemas.openxmlformats.org/drawingml/2006/main" xmlns:r="http://schemas.openxmlformats.org/officeDocument/2006/relationships" xmlns:p="http://schemas.openxmlformats.org/presentationml/2006/main" xmlns:m="http://schemas.openxmlformats.org/officeDocument/2006/math" xmlns:w="http://schemas.openxmlformats.org/wordprocessingml/2006/main" showMasterPhAnim="0" show="1">
+  <p:cSld name="">
+    <p:spTree>
+      <p:nvGrpSpPr>
+        <p:cNvPr id="1" name="" hidden="0"/>
+        <p:cNvGrpSpPr/>
+        <p:nvPr isPhoto="0" userDrawn="0"/>
+      </p:nvGrpSpPr>
+      <p:grpSpPr bwMode="auto">
+        <a:xfrm>
+          <a:off x="0" y="0"/>
+          <a:ext cx="0" cy="0"/>
+          <a:chOff x="0" y="0"/>
+          <a:chExt cx="0" cy="0"/>
+        </a:xfrm>
+      </p:grpSpPr>
+      <p:sp>
+        <p:nvSpPr>
+          <p:cNvPr id="737948483" name="Título 1" hidden="0"/>
+          <p:cNvSpPr>
+            <a:spLocks noGrp="1"/>
+          </p:cNvSpPr>
+          <p:nvPr isPhoto="0" userDrawn="0">
+            <p:ph type="title" hasCustomPrompt="0"/>
+          </p:nvPr>
+        </p:nvSpPr>
+        <p:spPr bwMode="auto"/>
+        <p:txBody>
+          <a:bodyPr/>
+          <a:lstStyle/>
+          <a:p>
+            <a:pPr>
+              <a:defRPr/>
+            </a:pPr>
+            <a:r>
+              <a:rPr lang="de-DE"/>
+              <a:t>Ergebnisse</a:t>
+            </a:r>
+            <a:br>
+              <a:rPr lang="de-DE"/>
+            </a:br>
+            <a:r>
+              <a:rPr lang="de-DE" sz="1600" i="1"/>
+              <a:t>WebDoc - Web Application Documentor</a:t>
+            </a:r>
+            <a:endParaRPr/>
+          </a:p>
+        </p:txBody>
+      </p:sp>
+      <p:sp>
+        <p:nvSpPr>
+          <p:cNvPr id="1419255848" name="Marcador de contenido 2" hidden="0"/>
+          <p:cNvSpPr>
+            <a:spLocks noGrp="1"/>
+          </p:cNvSpPr>
+          <p:nvPr isPhoto="0" userDrawn="0">
+            <p:ph idx="1" hasCustomPrompt="0"/>
+          </p:nvPr>
+        </p:nvSpPr>
+        <p:spPr bwMode="auto">
+          <a:xfrm flipH="0" flipV="0">
+            <a:off x="1534695" y="2015731"/>
+            <a:ext cx="5583962" cy="3450612"/>
+          </a:xfrm>
+        </p:spPr>
+        <p:txBody>
+          <a:bodyPr vertOverflow="overflow" horzOverflow="clip" vert="horz" wrap="square" lIns="91440" tIns="45720" rIns="91440" bIns="45720" numCol="1" spcCol="0" rtlCol="0" fromWordArt="0" anchor="t" anchorCtr="0" forceAA="0" upright="0" compatLnSpc="0">
+            <a:normAutofit fontScale="95000" lnSpcReduction="1000"/>
+          </a:bodyPr>
+          <a:lstStyle/>
+          <a:p>
+            <a:pPr>
+              <a:defRPr/>
+            </a:pPr>
+            <a:r>
+              <a:rPr/>
+              <a:t>Modell-basierter Editor zum Erstellen von Nutzerdokumentation für Webanwendungen</a:t>
+            </a:r>
+            <a:endParaRPr/>
+          </a:p>
+          <a:p>
+            <a:pPr>
+              <a:defRPr/>
+            </a:pPr>
+            <a:r>
+              <a:rPr/>
+              <a:t>Zwei Modellsprachen, die jeweils die Funktionalitäten und die darin enthaltene Nutzeraktionen beschreiben</a:t>
+            </a:r>
+            <a:endParaRPr/>
+          </a:p>
+          <a:p>
+            <a:pPr>
+              <a:defRPr/>
+            </a:pPr>
+            <a:r>
+              <a:rPr/>
+              <a:t>Ein Modell-zu-Text-Generator, der Markdowndateien mit Dummybildern erstellt</a:t>
+            </a:r>
+            <a:endParaRPr/>
+          </a:p>
+        </p:txBody>
+      </p:sp>
+      <p:pic>
+        <p:nvPicPr>
+          <p:cNvPr id="356184977" name="" hidden="0"/>
+          <p:cNvPicPr>
+            <a:picLocks noChangeAspect="1"/>
+          </p:cNvPicPr>
+          <p:nvPr isPhoto="0" userDrawn="0"/>
+        </p:nvPicPr>
+        <p:blipFill>
+          <a:blip r:embed="rId2"/>
+          <a:stretch/>
+        </p:blipFill>
+        <p:spPr bwMode="auto">
+          <a:xfrm>
+            <a:off x="7238999" y="2015731"/>
+            <a:ext cx="4762499" cy="3143250"/>
+          </a:xfrm>
+          <a:prstGeom prst="rect">
+            <a:avLst/>
+          </a:prstGeom>
+        </p:spPr>
+      </p:pic>
+    </p:spTree>
+  </p:cSld>
+  <p:clrMapOvr>
+    <a:masterClrMapping/>
+  </p:clrMapOvr>
+  <mc:AlternateContent xmlns:mc="http://schemas.openxmlformats.org/markup-compatibility/2006">
+    <mc:Choice xmlns:p14="http://schemas.microsoft.com/office/powerpoint/2010/main" Requires="p14">
+      <p:transition p14:dur="2000" advClick="1"/>
+    </mc:Choice>
+    <mc:Fallback>
+      <p:transition advClick="1"/>
+    </mc:Fallback>
+  </mc:AlternateContent>
+</p:sld>
+</file>
+
 <file path=ppt/slides/slide12.xml><?xml version="1.0" encoding="utf-8"?>
 <p:sld xmlns:a="http://schemas.openxmlformats.org/drawingml/2006/main" xmlns:r="http://schemas.openxmlformats.org/officeDocument/2006/relationships" xmlns:p="http://schemas.openxmlformats.org/presentationml/2006/main" xmlns:m="http://schemas.openxmlformats.org/officeDocument/2006/math" xmlns:w="http://schemas.openxmlformats.org/wordprocessingml/2006/main" showMasterPhAnim="0" show="1">
   <p:cSld name="">
@@ -8236,7 +8223,7 @@
       </p:grpSpPr>
       <p:sp>
         <p:nvSpPr>
-          <p:cNvPr id="737948483" name="Título 1" hidden="0"/>
+          <p:cNvPr id="2066127232" name="Título 1" hidden="0"/>
           <p:cNvSpPr>
             <a:spLocks noGrp="1"/>
           </p:cNvSpPr>
@@ -8269,7 +8256,7 @@
       </p:sp>
       <p:sp>
         <p:nvSpPr>
-          <p:cNvPr id="1419255848" name="Marcador de contenido 2" hidden="0"/>
+          <p:cNvPr id="1550064571" name="Marcador de contenido 2" hidden="0"/>
           <p:cNvSpPr>
             <a:spLocks noGrp="1"/>
           </p:cNvSpPr>
@@ -8277,16 +8264,9 @@
             <p:ph idx="1" hasCustomPrompt="0"/>
           </p:nvPr>
         </p:nvSpPr>
-        <p:spPr bwMode="auto">
-          <a:xfrm flipH="0" flipV="0">
-            <a:off x="1534695" y="2015731"/>
-            <a:ext cx="5583962" cy="3450612"/>
-          </a:xfrm>
-        </p:spPr>
-        <p:txBody>
-          <a:bodyPr vertOverflow="overflow" horzOverflow="clip" vert="horz" wrap="square" lIns="91440" tIns="45720" rIns="91440" bIns="45720" numCol="1" spcCol="0" rtlCol="0" fromWordArt="0" anchor="t" anchorCtr="0" forceAA="0" upright="0" compatLnSpc="0">
-            <a:normAutofit fontScale="95000" lnSpcReduction="1000"/>
-          </a:bodyPr>
+        <p:spPr bwMode="auto"/>
+        <p:txBody>
+          <a:bodyPr/>
           <a:lstStyle/>
           <a:p>
             <a:pPr>
@@ -8294,7 +8274,7 @@
             </a:pPr>
             <a:r>
               <a:rPr/>
-              <a:t>Modell-basierter Editor zum Erstellen von Nutzerdokumentation für Webanwendungen</a:t>
+              <a:t>Implementierung der Wiederverwendbarkeit der Modellelemente, um den Designprozess zu beschleunigen</a:t>
             </a:r>
             <a:endParaRPr/>
           </a:p>
@@ -8304,7 +8284,7 @@
             </a:pPr>
             <a:r>
               <a:rPr/>
-              <a:t>Zwei Modellsprachen, die jeweils die Funktionalitäten und die darin enthaltene Nutzeraktionen beschreiben</a:t>
+              <a:t>Überprüfung der Korrektheit des Graphmodells vor der Generation, um Fehler zu minimieren</a:t>
             </a:r>
             <a:endParaRPr/>
           </a:p>
@@ -8314,34 +8294,29 @@
             </a:pPr>
             <a:r>
               <a:rPr/>
-              <a:t>Ein Modell-zu-Text-Generator, der Markdowndateien mit Dummybildern erstellt</a:t>
-            </a:r>
-            <a:endParaRPr/>
-          </a:p>
-        </p:txBody>
-      </p:sp>
-      <p:pic>
-        <p:nvPicPr>
-          <p:cNvPr id="356184977" name="" hidden="0"/>
-          <p:cNvPicPr>
-            <a:picLocks noChangeAspect="1"/>
-          </p:cNvPicPr>
-          <p:nvPr isPhoto="0" userDrawn="0"/>
-        </p:nvPicPr>
-        <p:blipFill>
-          <a:blip r:embed="rId2"/>
-          <a:stretch/>
-        </p:blipFill>
-        <p:spPr bwMode="auto">
-          <a:xfrm>
-            <a:off x="7238999" y="2015731"/>
-            <a:ext cx="4762499" cy="3143250"/>
-          </a:xfrm>
-          <a:prstGeom prst="rect">
-            <a:avLst/>
-          </a:prstGeom>
-        </p:spPr>
-      </p:pic>
+              <a:t> </a:t>
+            </a:r>
+            <a:r>
+              <a:rPr lang="de-DE" sz="2000" b="0" i="0" u="none" strike="noStrike" cap="none" spc="0">
+                <a:solidFill>
+                  <a:schemeClr val="tx1"/>
+                </a:solidFill>
+                <a:latin typeface="Palatino Linotype"/>
+                <a:ea typeface="Palatino Linotype"/>
+                <a:cs typeface="Palatino Linotype"/>
+              </a:rPr>
+              <a:t>Generierung der gesamten Projektstruktur mit ‚Boilerplate-code‘ innerhalb desselben Projektordners</a:t>
+            </a:r>
+            <a:endParaRPr/>
+          </a:p>
+          <a:p>
+            <a:pPr>
+              <a:defRPr/>
+            </a:pPr>
+            <a:endParaRPr/>
+          </a:p>
+        </p:txBody>
+      </p:sp>
     </p:spTree>
   </p:cSld>
   <p:clrMapOvr>
@@ -8377,7 +8352,7 @@
       </p:grpSpPr>
       <p:sp>
         <p:nvSpPr>
-          <p:cNvPr id="2066127232" name="Título 1" hidden="0"/>
+          <p:cNvPr id="313569025" name="Título 1" hidden="0"/>
           <p:cNvSpPr>
             <a:spLocks noGrp="1"/>
           </p:cNvSpPr>
@@ -8410,7 +8385,7 @@
       </p:sp>
       <p:sp>
         <p:nvSpPr>
-          <p:cNvPr id="1550064571" name="Marcador de contenido 2" hidden="0"/>
+          <p:cNvPr id="985876979" name="Marcador de contenido 2" hidden="0"/>
           <p:cNvSpPr>
             <a:spLocks noGrp="1"/>
           </p:cNvSpPr>
@@ -8428,28 +8403,14 @@
             </a:pPr>
             <a:r>
               <a:rPr/>
-              <a:t>Implementierung der Wiederverwendbarkeit der Modellelemente, um den Designprozess zu beschleunigen</a:t>
-            </a:r>
-            <a:endParaRPr/>
-          </a:p>
-          <a:p>
-            <a:pPr>
-              <a:defRPr/>
-            </a:pPr>
-            <a:r>
-              <a:rPr/>
-              <a:t>Überprüfung der Korrektheit des Graphmodells vor der Generation, um Fehler zu minimieren</a:t>
-            </a:r>
-            <a:endParaRPr/>
-          </a:p>
-          <a:p>
-            <a:pPr>
-              <a:defRPr/>
-            </a:pPr>
-            <a:r>
-              <a:rPr/>
-              <a:t> </a:t>
-            </a:r>
+              <a:t>Ad hoc Erstellung eine Dokumentations-Webseite durch Integration von Drittanbierter-Tools, VuePress und Markdown</a:t>
+            </a:r>
+            <a:endParaRPr/>
+          </a:p>
+          <a:p>
+            <a:pPr>
+              <a:defRPr/>
+            </a:pPr>
             <a:r>
               <a:rPr lang="de-DE" sz="2000" b="0" i="0" u="none" strike="noStrike" cap="none" spc="0">
                 <a:solidFill>
@@ -8459,18 +8420,34 @@
                 <a:ea typeface="Palatino Linotype"/>
                 <a:cs typeface="Palatino Linotype"/>
               </a:rPr>
-              <a:t>Generierung der gesamten Projektstruktur mit ‚Boilerplate-code‘ innerhalb desselben Projektordners</a:t>
-            </a:r>
-            <a:endParaRPr/>
-          </a:p>
-          <a:p>
-            <a:pPr>
-              <a:defRPr/>
-            </a:pPr>
-            <a:endParaRPr/>
-          </a:p>
-        </p:txBody>
-      </p:sp>
+              <a:t>Starten der Dokumentations-Website mit minimalem Konfigurationsaufwand</a:t>
+            </a:r>
+            <a:endParaRPr/>
+          </a:p>
+        </p:txBody>
+      </p:sp>
+      <p:pic>
+        <p:nvPicPr>
+          <p:cNvPr id="307794514" name="" hidden="0"/>
+          <p:cNvPicPr>
+            <a:picLocks noChangeAspect="1"/>
+          </p:cNvPicPr>
+          <p:nvPr isPhoto="0" userDrawn="0"/>
+        </p:nvPicPr>
+        <p:blipFill>
+          <a:blip r:embed="rId2"/>
+          <a:stretch/>
+        </p:blipFill>
+        <p:spPr bwMode="auto">
+          <a:xfrm rot="0" flipH="0" flipV="0">
+            <a:off x="3607499" y="3246060"/>
+            <a:ext cx="5135292" cy="2406740"/>
+          </a:xfrm>
+          <a:prstGeom prst="rect">
+            <a:avLst/>
+          </a:prstGeom>
+        </p:spPr>
+      </p:pic>
     </p:spTree>
   </p:cSld>
   <p:clrMapOvr>
@@ -8490,6 +8467,25 @@
 <file path=ppt/slides/slide14.xml><?xml version="1.0" encoding="utf-8"?>
 <p:sld xmlns:a="http://schemas.openxmlformats.org/drawingml/2006/main" xmlns:r="http://schemas.openxmlformats.org/officeDocument/2006/relationships" xmlns:p="http://schemas.openxmlformats.org/presentationml/2006/main" xmlns:m="http://schemas.openxmlformats.org/officeDocument/2006/math" xmlns:w="http://schemas.openxmlformats.org/wordprocessingml/2006/main" showMasterPhAnim="0" show="1">
   <p:cSld name="">
+    <p:bg>
+      <p:bgPr shadeToTitle="0">
+        <a:gradFill>
+          <a:gsLst>
+            <a:gs pos="0">
+              <a:srgbClr val="D7D5D2">
+                <a:alpha val="99999"/>
+              </a:srgbClr>
+            </a:gs>
+            <a:gs pos="100000">
+              <a:srgbClr val="422B54">
+                <a:alpha val="99999"/>
+              </a:srgbClr>
+            </a:gs>
+          </a:gsLst>
+          <a:lin ang="3600000" scaled="1"/>
+        </a:gradFill>
+      </p:bgPr>
+    </p:bg>
     <p:spTree>
       <p:nvGrpSpPr>
         <p:cNvPr id="1" name="" hidden="0"/>
@@ -8506,7 +8502,7 @@
       </p:grpSpPr>
       <p:sp>
         <p:nvSpPr>
-          <p:cNvPr id="313569025" name="Título 1" hidden="0"/>
+          <p:cNvPr id="1417253658" name="Título 1" hidden="0"/>
           <p:cNvSpPr>
             <a:spLocks noGrp="1"/>
           </p:cNvSpPr>
@@ -8524,57 +8520,21 @@
             </a:pPr>
             <a:r>
               <a:rPr lang="de-DE"/>
-              <a:t>Ergebnisse</a:t>
+              <a:t>Demo</a:t>
             </a:r>
             <a:br>
               <a:rPr lang="de-DE"/>
             </a:br>
             <a:r>
-              <a:rPr lang="de-DE" sz="1600" i="1"/>
+              <a:rPr lang="de-DE" sz="1600" b="0" i="1" u="none" strike="noStrike" cap="none" spc="0">
+                <a:solidFill>
+                  <a:schemeClr val="tx1"/>
+                </a:solidFill>
+                <a:latin typeface="+mj-lt"/>
+                <a:ea typeface="+mj-ea"/>
+                <a:cs typeface="+mj-cs"/>
+              </a:rPr>
               <a:t>WebDoc - Web Application Documentor</a:t>
-            </a:r>
-            <a:endParaRPr/>
-          </a:p>
-        </p:txBody>
-      </p:sp>
-      <p:sp>
-        <p:nvSpPr>
-          <p:cNvPr id="985876979" name="Marcador de contenido 2" hidden="0"/>
-          <p:cNvSpPr>
-            <a:spLocks noGrp="1"/>
-          </p:cNvSpPr>
-          <p:nvPr isPhoto="0" userDrawn="0">
-            <p:ph idx="1" hasCustomPrompt="0"/>
-          </p:nvPr>
-        </p:nvSpPr>
-        <p:spPr bwMode="auto"/>
-        <p:txBody>
-          <a:bodyPr/>
-          <a:lstStyle/>
-          <a:p>
-            <a:pPr>
-              <a:defRPr/>
-            </a:pPr>
-            <a:r>
-              <a:rPr/>
-              <a:t>Ad hoc Erstellung eine Dokumentations-Webseite durch Integration von Drittanbierter-Tools, VuePress und Markdown</a:t>
-            </a:r>
-            <a:endParaRPr/>
-          </a:p>
-          <a:p>
-            <a:pPr>
-              <a:defRPr/>
-            </a:pPr>
-            <a:r>
-              <a:rPr lang="de-DE" sz="2000" b="0" i="0" u="none" strike="noStrike" cap="none" spc="0">
-                <a:solidFill>
-                  <a:schemeClr val="tx1"/>
-                </a:solidFill>
-                <a:latin typeface="Palatino Linotype"/>
-                <a:ea typeface="Palatino Linotype"/>
-                <a:cs typeface="Palatino Linotype"/>
-              </a:rPr>
-              <a:t>Starten der Dokumentations-Website mit minimalem Konfigurationsaufwand</a:t>
             </a:r>
             <a:endParaRPr/>
           </a:p>
@@ -8582,7 +8542,7 @@
       </p:sp>
       <p:pic>
         <p:nvPicPr>
-          <p:cNvPr id="307794514" name="" hidden="0"/>
+          <p:cNvPr id="1928959524" name="" hidden="0"/>
           <p:cNvPicPr>
             <a:picLocks noChangeAspect="1"/>
           </p:cNvPicPr>
@@ -8593,9 +8553,9 @@
           <a:stretch/>
         </p:blipFill>
         <p:spPr bwMode="auto">
-          <a:xfrm rot="0" flipH="0" flipV="0">
-            <a:off x="3607499" y="3246060"/>
-            <a:ext cx="5135292" cy="2406740"/>
+          <a:xfrm>
+            <a:off x="6933828" y="1312914"/>
+            <a:ext cx="4762498" cy="3143250"/>
           </a:xfrm>
           <a:prstGeom prst="rect">
             <a:avLst/>
@@ -8621,21 +8581,6 @@
 <file path=ppt/slides/slide15.xml><?xml version="1.0" encoding="utf-8"?>
 <p:sld xmlns:a="http://schemas.openxmlformats.org/drawingml/2006/main" xmlns:r="http://schemas.openxmlformats.org/officeDocument/2006/relationships" xmlns:p="http://schemas.openxmlformats.org/presentationml/2006/main" xmlns:m="http://schemas.openxmlformats.org/officeDocument/2006/math" xmlns:w="http://schemas.openxmlformats.org/wordprocessingml/2006/main" showMasterPhAnim="0" show="1">
   <p:cSld name="">
-    <p:bg>
-      <p:bgPr shadeToTitle="0">
-        <a:gradFill>
-          <a:gsLst>
-            <a:gs pos="0">
-              <a:srgbClr val="D7D5D2"/>
-            </a:gs>
-            <a:gs pos="85000">
-              <a:srgbClr val="422B54"/>
-            </a:gs>
-          </a:gsLst>
-          <a:lin ang="3000000" scaled="1"/>
-        </a:gradFill>
-      </p:bgPr>
-    </p:bg>
     <p:spTree>
       <p:nvGrpSpPr>
         <p:cNvPr id="1" name="" hidden="0"/>
@@ -8652,7 +8597,7 @@
       </p:grpSpPr>
       <p:sp>
         <p:nvSpPr>
-          <p:cNvPr id="1417253658" name="Título 1" hidden="0"/>
+          <p:cNvPr id="491240005" name="Título 1" hidden="0"/>
           <p:cNvSpPr>
             <a:spLocks noGrp="1"/>
           </p:cNvSpPr>
@@ -8670,48 +8615,37 @@
             </a:pPr>
             <a:r>
               <a:rPr lang="de-DE"/>
-              <a:t>Demo</a:t>
+              <a:t>Künftige Arbeiten</a:t>
             </a:r>
             <a:br>
               <a:rPr lang="de-DE"/>
             </a:br>
-            <a:r>
-              <a:rPr lang="de-DE" sz="1600" b="0" i="1" u="none" strike="noStrike" cap="none" spc="0">
-                <a:solidFill>
-                  <a:schemeClr val="tx1"/>
-                </a:solidFill>
-                <a:latin typeface="+mj-lt"/>
-                <a:ea typeface="+mj-ea"/>
-                <a:cs typeface="+mj-cs"/>
-              </a:rPr>
-              <a:t>WebDoc - Web Application Documentor</a:t>
-            </a:r>
-            <a:endParaRPr/>
-          </a:p>
-        </p:txBody>
-      </p:sp>
-      <p:pic>
-        <p:nvPicPr>
-          <p:cNvPr id="1928959524" name="" hidden="0"/>
-          <p:cNvPicPr>
-            <a:picLocks noChangeAspect="1"/>
-          </p:cNvPicPr>
-          <p:nvPr isPhoto="0" userDrawn="0"/>
-        </p:nvPicPr>
-        <p:blipFill>
-          <a:blip r:embed="rId2"/>
-          <a:stretch/>
-        </p:blipFill>
-        <p:spPr bwMode="auto">
-          <a:xfrm>
-            <a:off x="6933828" y="1312915"/>
-            <a:ext cx="4762498" cy="3143250"/>
-          </a:xfrm>
-          <a:prstGeom prst="rect">
-            <a:avLst/>
-          </a:prstGeom>
-        </p:spPr>
-      </p:pic>
+            <a:endParaRPr sz="1800"/>
+          </a:p>
+        </p:txBody>
+      </p:sp>
+      <p:sp>
+        <p:nvSpPr>
+          <p:cNvPr id="835041238" name="Marcador de contenido 2" hidden="0"/>
+          <p:cNvSpPr>
+            <a:spLocks noGrp="1"/>
+          </p:cNvSpPr>
+          <p:nvPr isPhoto="0" userDrawn="0">
+            <p:ph idx="1" hasCustomPrompt="0"/>
+          </p:nvPr>
+        </p:nvSpPr>
+        <p:spPr bwMode="auto"/>
+        <p:txBody>
+          <a:bodyPr/>
+          <a:lstStyle/>
+          <a:p>
+            <a:pPr>
+              <a:defRPr/>
+            </a:pPr>
+            <a:endParaRPr/>
+          </a:p>
+        </p:txBody>
+      </p:sp>
     </p:spTree>
   </p:cSld>
   <p:clrMapOvr>
@@ -8905,105 +8839,6 @@
 </file>
 
 <file path=ppt/slides/slide17.xml><?xml version="1.0" encoding="utf-8"?>
-<p:sld xmlns:a="http://schemas.openxmlformats.org/drawingml/2006/main" xmlns:r="http://schemas.openxmlformats.org/officeDocument/2006/relationships" xmlns:p="http://schemas.openxmlformats.org/presentationml/2006/main" xmlns:m="http://schemas.openxmlformats.org/officeDocument/2006/math" xmlns:w="http://schemas.openxmlformats.org/wordprocessingml/2006/main" showMasterPhAnim="0" show="1">
-  <p:cSld name="">
-    <p:spTree>
-      <p:nvGrpSpPr>
-        <p:cNvPr id="1" name="" hidden="0"/>
-        <p:cNvGrpSpPr/>
-        <p:nvPr isPhoto="0" userDrawn="0"/>
-      </p:nvGrpSpPr>
-      <p:grpSpPr bwMode="auto">
-        <a:xfrm>
-          <a:off x="0" y="0"/>
-          <a:ext cx="0" cy="0"/>
-          <a:chOff x="0" y="0"/>
-          <a:chExt cx="0" cy="0"/>
-        </a:xfrm>
-      </p:grpSpPr>
-      <p:sp>
-        <p:nvSpPr>
-          <p:cNvPr id="491240005" name="Título 1" hidden="0"/>
-          <p:cNvSpPr>
-            <a:spLocks noGrp="1"/>
-          </p:cNvSpPr>
-          <p:nvPr isPhoto="0" userDrawn="0">
-            <p:ph type="title" hasCustomPrompt="0"/>
-          </p:nvPr>
-        </p:nvSpPr>
-        <p:spPr bwMode="auto"/>
-        <p:txBody>
-          <a:bodyPr/>
-          <a:lstStyle/>
-          <a:p>
-            <a:pPr>
-              <a:defRPr/>
-            </a:pPr>
-            <a:r>
-              <a:rPr lang="de-DE"/>
-              <a:t>Referenzen</a:t>
-            </a:r>
-            <a:br>
-              <a:rPr lang="de-DE"/>
-            </a:br>
-            <a:endParaRPr sz="1800"/>
-          </a:p>
-        </p:txBody>
-      </p:sp>
-      <p:sp>
-        <p:nvSpPr>
-          <p:cNvPr id="835041238" name="Marcador de contenido 2" hidden="0"/>
-          <p:cNvSpPr>
-            <a:spLocks noGrp="1"/>
-          </p:cNvSpPr>
-          <p:nvPr isPhoto="0" userDrawn="0">
-            <p:ph idx="1" hasCustomPrompt="0"/>
-          </p:nvPr>
-        </p:nvSpPr>
-        <p:spPr bwMode="auto"/>
-        <p:txBody>
-          <a:bodyPr/>
-          <a:lstStyle/>
-          <a:p>
-            <a:pPr>
-              <a:defRPr/>
-            </a:pPr>
-            <a:r>
-              <a:rPr/>
-              <a:t>Icons, Gifs, Cliparts aus </a:t>
-            </a:r>
-            <a:r>
-              <a:rPr lang="en-US" sz="2000" b="0" i="0" u="none" strike="noStrike" cap="none" spc="0">
-                <a:solidFill>
-                  <a:schemeClr val="tx1"/>
-                </a:solidFill>
-                <a:latin typeface="Palatino Linotype"/>
-                <a:ea typeface="Palatino Linotype"/>
-                <a:cs typeface="Palatino Linotype"/>
-              </a:rPr>
-              <a:t>https://www.flaticon.com/</a:t>
-            </a:r>
-            <a:endParaRPr/>
-          </a:p>
-        </p:txBody>
-      </p:sp>
-    </p:spTree>
-  </p:cSld>
-  <p:clrMapOvr>
-    <a:masterClrMapping/>
-  </p:clrMapOvr>
-  <mc:AlternateContent xmlns:mc="http://schemas.openxmlformats.org/markup-compatibility/2006">
-    <mc:Choice xmlns:p14="http://schemas.microsoft.com/office/powerpoint/2010/main" Requires="p14">
-      <p:transition p14:dur="2000" advClick="1"/>
-    </mc:Choice>
-    <mc:Fallback>
-      <p:transition advClick="1"/>
-    </mc:Fallback>
-  </mc:AlternateContent>
-</p:sld>
-</file>
-
-<file path=ppt/slides/slide18.xml><?xml version="1.0" encoding="utf-8"?>
 <p:sld xmlns:a="http://schemas.openxmlformats.org/drawingml/2006/main" xmlns:r="http://schemas.openxmlformats.org/officeDocument/2006/relationships" xmlns:p="http://schemas.openxmlformats.org/presentationml/2006/main" xmlns:m="http://schemas.openxmlformats.org/officeDocument/2006/math" xmlns:w="http://schemas.openxmlformats.org/wordprocessingml/2006/main" showMasterPhAnim="0" show="1">
   <p:cSld name="">
     <p:spTree>
@@ -10610,366 +10445,6 @@
       </p:grpSpPr>
       <p:sp>
         <p:nvSpPr>
-          <p:cNvPr id="133665040" name="Título 1" hidden="0"/>
-          <p:cNvSpPr>
-            <a:spLocks noGrp="1"/>
-          </p:cNvSpPr>
-          <p:nvPr isPhoto="0" userDrawn="0">
-            <p:ph type="title" hasCustomPrompt="0"/>
-          </p:nvPr>
-        </p:nvSpPr>
-        <p:spPr bwMode="auto"/>
-        <p:txBody>
-          <a:bodyPr/>
-          <a:lstStyle/>
-          <a:p>
-            <a:pPr>
-              <a:defRPr/>
-            </a:pPr>
-            <a:r>
-              <a:rPr lang="de-DE"/>
-              <a:t>Verwandte Arbeit</a:t>
-            </a:r>
-            <a:br>
-              <a:rPr lang="de-DE"/>
-            </a:br>
-            <a:r>
-              <a:rPr lang="de-DE" sz="1600" i="1"/>
-              <a:t>Modellierung von Eclipse-basierte Anwendungen</a:t>
-            </a:r>
-            <a:endParaRPr/>
-          </a:p>
-        </p:txBody>
-      </p:sp>
-      <p:sp>
-        <p:nvSpPr>
-          <p:cNvPr id="410487499" name="Marcador de contenido 2" hidden="0"/>
-          <p:cNvSpPr>
-            <a:spLocks noGrp="1"/>
-          </p:cNvSpPr>
-          <p:nvPr isPhoto="0" userDrawn="0">
-            <p:ph idx="1" hasCustomPrompt="0"/>
-          </p:nvPr>
-        </p:nvSpPr>
-        <p:spPr bwMode="auto">
-          <a:xfrm flipH="0" flipV="0">
-            <a:off x="1534695" y="2015731"/>
-            <a:ext cx="6410784" cy="3564941"/>
-          </a:xfrm>
-        </p:spPr>
-        <p:txBody>
-          <a:bodyPr vertOverflow="overflow" horzOverflow="clip" vert="horz" wrap="square" lIns="91440" tIns="45720" rIns="91440" bIns="45720" numCol="1" spcCol="0" rtlCol="0" fromWordArt="0" anchor="t" anchorCtr="0" forceAA="0" upright="0" compatLnSpc="0">
-            <a:normAutofit/>
-          </a:bodyPr>
-          <a:lstStyle/>
-          <a:p>
-            <a:pPr>
-              <a:defRPr/>
-            </a:pPr>
-            <a:r>
-              <a:rPr lang="de-DE"/>
-              <a:t>Das Écrit Toolkit von Marco Descher et al.</a:t>
-            </a:r>
-            <a:endParaRPr lang="de-DE"/>
-          </a:p>
-          <a:p>
-            <a:pPr>
-              <a:defRPr/>
-            </a:pPr>
-            <a:r>
-              <a:rPr lang="de-DE" sz="2000" b="0" i="0" u="none" strike="noStrike" cap="none" spc="0">
-                <a:solidFill>
-                  <a:schemeClr val="tx1"/>
-                </a:solidFill>
-                <a:latin typeface="+mn-lt"/>
-                <a:ea typeface="+mn-ea"/>
-                <a:cs typeface="+mn-cs"/>
-              </a:rPr>
-              <a:t>Applikationsmodell</a:t>
-            </a:r>
-            <a:r>
-              <a:rPr lang="de-DE" sz="2000" b="0" i="0" u="none" strike="noStrike" cap="none" spc="0">
-                <a:solidFill>
-                  <a:schemeClr val="tx1"/>
-                </a:solidFill>
-                <a:latin typeface="+mn-lt"/>
-                <a:ea typeface="+mn-ea"/>
-                <a:cs typeface="+mn-cs"/>
-              </a:rPr>
-              <a:t> um </a:t>
-            </a:r>
-            <a:r>
-              <a:rPr lang="de-DE" sz="2000" b="0" i="0" u="none" strike="noStrike" cap="none" spc="0">
-                <a:solidFill>
-                  <a:schemeClr val="tx1"/>
-                </a:solidFill>
-                <a:latin typeface="+mn-lt"/>
-                <a:ea typeface="+mn-ea"/>
-                <a:cs typeface="+mn-cs"/>
-              </a:rPr>
-              <a:t>semantische</a:t>
-            </a:r>
-            <a:r>
-              <a:rPr lang="de-DE" sz="2000" b="0" i="0" u="none" strike="noStrike" cap="none" spc="0">
-                <a:solidFill>
-                  <a:schemeClr val="tx1"/>
-                </a:solidFill>
-                <a:latin typeface="+mn-lt"/>
-                <a:ea typeface="+mn-ea"/>
-                <a:cs typeface="+mn-cs"/>
-              </a:rPr>
-              <a:t> </a:t>
-            </a:r>
-            <a:r>
-              <a:rPr lang="de-DE" sz="2000" b="0" i="0" u="none" strike="noStrike" cap="none" spc="0">
-                <a:solidFill>
-                  <a:schemeClr val="tx1"/>
-                </a:solidFill>
-                <a:latin typeface="+mn-lt"/>
-                <a:ea typeface="+mn-ea"/>
-                <a:cs typeface="+mn-cs"/>
-              </a:rPr>
-              <a:t>Beschreibung</a:t>
-            </a:r>
-            <a:r>
-              <a:rPr lang="de-DE" sz="2000" b="0" i="0" u="none" strike="noStrike" cap="none" spc="0">
-                <a:solidFill>
-                  <a:schemeClr val="tx1"/>
-                </a:solidFill>
-                <a:latin typeface="+mn-lt"/>
-                <a:ea typeface="+mn-ea"/>
-                <a:cs typeface="+mn-cs"/>
-              </a:rPr>
-              <a:t> </a:t>
-            </a:r>
-            <a:r>
-              <a:rPr lang="de-DE" sz="2000" b="0" i="0" u="none" strike="noStrike" cap="none" spc="0">
-                <a:solidFill>
-                  <a:schemeClr val="tx1"/>
-                </a:solidFill>
-                <a:latin typeface="+mn-lt"/>
-                <a:ea typeface="+mn-ea"/>
-                <a:cs typeface="+mn-cs"/>
-              </a:rPr>
-              <a:t>erweitern</a:t>
-            </a:r>
-            <a:endParaRPr lang="de-DE" sz="2000" b="0" i="0" u="none" strike="noStrike" cap="none" spc="0">
-              <a:solidFill>
-                <a:schemeClr val="tx1"/>
-              </a:solidFill>
-              <a:latin typeface="Palatino Linotype"/>
-              <a:ea typeface="Arial"/>
-              <a:cs typeface="Arial"/>
-            </a:endParaRPr>
-          </a:p>
-          <a:p>
-            <a:pPr>
-              <a:defRPr/>
-            </a:pPr>
-            <a:r>
-              <a:rPr lang="de-DE" sz="2000" b="0" i="0" u="none" strike="noStrike" cap="none" spc="0">
-                <a:solidFill>
-                  <a:schemeClr val="tx1"/>
-                </a:solidFill>
-                <a:latin typeface="Palatino Linotype"/>
-                <a:ea typeface="Arial"/>
-                <a:cs typeface="Arial"/>
-              </a:rPr>
-              <a:t>Documentation </a:t>
-            </a:r>
-            <a:r>
-              <a:rPr lang="de-DE" sz="2000" b="0" i="0" u="none" strike="noStrike" cap="none" spc="0">
-                <a:solidFill>
-                  <a:schemeClr val="tx1"/>
-                </a:solidFill>
-                <a:latin typeface="+mn-lt"/>
-                <a:ea typeface="+mn-ea"/>
-                <a:cs typeface="+mn-cs"/>
-              </a:rPr>
-              <a:t>Outputter</a:t>
-            </a:r>
-            <a:r>
-              <a:rPr lang="de-DE" sz="2000" b="0" i="0" u="none" strike="noStrike" cap="none" spc="0">
-                <a:solidFill>
-                  <a:schemeClr val="tx1"/>
-                </a:solidFill>
-                <a:latin typeface="+mn-lt"/>
-                <a:ea typeface="+mn-ea"/>
-                <a:cs typeface="+mn-cs"/>
-              </a:rPr>
-              <a:t> </a:t>
-            </a:r>
-            <a:r>
-              <a:rPr lang="de-DE" sz="2000" b="0" i="0" u="none" strike="noStrike" cap="none" spc="0">
-                <a:solidFill>
-                  <a:schemeClr val="tx1"/>
-                </a:solidFill>
-                <a:latin typeface="+mn-lt"/>
-                <a:ea typeface="+mn-ea"/>
-                <a:cs typeface="+mn-cs"/>
-              </a:rPr>
-              <a:t>generiert</a:t>
-            </a:r>
-            <a:r>
-              <a:rPr lang="de-DE" sz="2000" b="0" i="0" u="none" strike="noStrike" cap="none" spc="0">
-                <a:solidFill>
-                  <a:schemeClr val="tx1"/>
-                </a:solidFill>
-                <a:latin typeface="+mn-lt"/>
-                <a:ea typeface="+mn-ea"/>
-                <a:cs typeface="+mn-cs"/>
-              </a:rPr>
-              <a:t> </a:t>
-            </a:r>
-            <a:r>
-              <a:rPr lang="de-DE" sz="2000" b="0" i="0" u="none" strike="noStrike" cap="none" spc="0">
-                <a:solidFill>
-                  <a:schemeClr val="tx1"/>
-                </a:solidFill>
-                <a:latin typeface="+mn-lt"/>
-                <a:ea typeface="+mn-ea"/>
-                <a:cs typeface="+mn-cs"/>
-              </a:rPr>
-              <a:t>in </a:t>
-            </a:r>
-            <a:r>
-              <a:rPr lang="de-DE" sz="2000" b="0" i="0" u="none" strike="noStrike" cap="none" spc="0">
-                <a:solidFill>
-                  <a:schemeClr val="tx1"/>
-                </a:solidFill>
-                <a:latin typeface="+mn-lt"/>
-                <a:ea typeface="+mn-ea"/>
-                <a:cs typeface="+mn-cs"/>
-              </a:rPr>
-              <a:t>LaTex</a:t>
-            </a:r>
-            <a:r>
-              <a:rPr lang="de-DE" sz="2000" b="0" i="0" u="none" strike="noStrike" cap="none" spc="0">
-                <a:solidFill>
-                  <a:schemeClr val="tx1"/>
-                </a:solidFill>
-                <a:latin typeface="+mn-lt"/>
-                <a:ea typeface="+mn-ea"/>
-                <a:cs typeface="+mn-cs"/>
-              </a:rPr>
-              <a:t> </a:t>
-            </a:r>
-            <a:r>
-              <a:rPr lang="de-DE" sz="2000" b="0" i="0" u="none" strike="noStrike" cap="none" spc="0">
-                <a:solidFill>
-                  <a:schemeClr val="tx1"/>
-                </a:solidFill>
-                <a:latin typeface="+mn-lt"/>
-                <a:ea typeface="+mn-ea"/>
-                <a:cs typeface="+mn-cs"/>
-              </a:rPr>
-              <a:t>oder</a:t>
-            </a:r>
-            <a:r>
-              <a:rPr lang="de-DE" sz="2000" b="0" i="0" u="none" strike="noStrike" cap="none" spc="0">
-                <a:solidFill>
-                  <a:schemeClr val="tx1"/>
-                </a:solidFill>
-                <a:latin typeface="+mn-lt"/>
-                <a:ea typeface="+mn-ea"/>
-                <a:cs typeface="+mn-cs"/>
-              </a:rPr>
-              <a:t> HTML, Coding-</a:t>
-            </a:r>
-            <a:r>
-              <a:rPr lang="de-DE" sz="2000" b="0" i="0" u="none" strike="noStrike" cap="none" spc="0">
-                <a:solidFill>
-                  <a:schemeClr val="tx1"/>
-                </a:solidFill>
-                <a:latin typeface="+mn-lt"/>
-                <a:ea typeface="+mn-ea"/>
-                <a:cs typeface="+mn-cs"/>
-              </a:rPr>
-              <a:t>Kenntnisse</a:t>
-            </a:r>
-            <a:r>
-              <a:rPr lang="de-DE" sz="2000" b="0" i="0" u="none" strike="noStrike" cap="none" spc="0">
-                <a:solidFill>
-                  <a:schemeClr val="tx1"/>
-                </a:solidFill>
-                <a:latin typeface="+mn-lt"/>
-                <a:ea typeface="+mn-ea"/>
-                <a:cs typeface="+mn-cs"/>
-              </a:rPr>
-              <a:t>  ware</a:t>
-            </a:r>
-            <a:r>
-              <a:rPr lang="de-DE" sz="2000" b="0" i="0" u="none" strike="noStrike" cap="none" spc="0">
-                <a:solidFill>
-                  <a:schemeClr val="tx1"/>
-                </a:solidFill>
-                <a:latin typeface="+mn-lt"/>
-                <a:ea typeface="+mn-ea"/>
-                <a:cs typeface="+mn-cs"/>
-              </a:rPr>
-              <a:t>n verlangt</a:t>
-            </a:r>
-            <a:endParaRPr lang="de-DE" sz="2000"/>
-          </a:p>
-        </p:txBody>
-      </p:sp>
-      <p:pic>
-        <p:nvPicPr>
-          <p:cNvPr id="22376149" name="" hidden="0"/>
-          <p:cNvPicPr>
-            <a:picLocks noChangeAspect="1"/>
-          </p:cNvPicPr>
-          <p:nvPr isPhoto="0" userDrawn="0"/>
-        </p:nvPicPr>
-        <p:blipFill>
-          <a:blip r:embed="rId3"/>
-          <a:stretch/>
-        </p:blipFill>
-        <p:spPr bwMode="auto">
-          <a:xfrm flipH="0" flipV="0">
-            <a:off x="7945480" y="2015731"/>
-            <a:ext cx="3970276" cy="3529134"/>
-          </a:xfrm>
-          <a:prstGeom prst="rect">
-            <a:avLst/>
-          </a:prstGeom>
-        </p:spPr>
-      </p:pic>
-    </p:spTree>
-  </p:cSld>
-  <p:clrMapOvr>
-    <a:masterClrMapping/>
-  </p:clrMapOvr>
-  <mc:AlternateContent xmlns:mc="http://schemas.openxmlformats.org/markup-compatibility/2006">
-    <mc:Choice xmlns:p14="http://schemas.microsoft.com/office/powerpoint/2010/main" Requires="p14">
-      <p:transition p14:dur="2000" advClick="1"/>
-    </mc:Choice>
-    <mc:Fallback>
-      <p:transition advClick="1"/>
-    </mc:Fallback>
-  </mc:AlternateContent>
-</p:sld>
-</file>
-
-<file path=ppt/slides/slide8.xml><?xml version="1.0" encoding="utf-8"?>
-<p:sld xmlns:a="http://schemas.openxmlformats.org/drawingml/2006/main" xmlns:r="http://schemas.openxmlformats.org/officeDocument/2006/relationships" xmlns:p="http://schemas.openxmlformats.org/presentationml/2006/main" xmlns:m="http://schemas.openxmlformats.org/officeDocument/2006/math" xmlns:w="http://schemas.openxmlformats.org/wordprocessingml/2006/main" showMasterPhAnim="0" show="1">
-  <p:cSld name="">
-    <p:spTree>
-      <p:nvGrpSpPr>
-        <p:cNvPr id="1" name="" hidden="0"/>
-        <p:cNvGrpSpPr/>
-        <p:nvPr isPhoto="0" userDrawn="0"/>
-      </p:nvGrpSpPr>
-      <p:grpSpPr bwMode="auto">
-        <a:xfrm>
-          <a:off x="0" y="0"/>
-          <a:ext cx="0" cy="0"/>
-          <a:chOff x="0" y="0"/>
-          <a:chExt cx="0" cy="0"/>
-        </a:xfrm>
-      </p:grpSpPr>
-      <p:sp>
-        <p:nvSpPr>
           <p:cNvPr id="1917197885" name="Título 1" hidden="0"/>
           <p:cNvSpPr>
             <a:spLocks noGrp="1"/>
@@ -11323,7 +10798,7 @@
 </p:sld>
 </file>
 
-<file path=ppt/slides/slide9.xml><?xml version="1.0" encoding="utf-8"?>
+<file path=ppt/slides/slide8.xml><?xml version="1.0" encoding="utf-8"?>
 <p:sld xmlns:a="http://schemas.openxmlformats.org/drawingml/2006/main" xmlns:r="http://schemas.openxmlformats.org/officeDocument/2006/relationships" xmlns:p="http://schemas.openxmlformats.org/presentationml/2006/main" xmlns:m="http://schemas.openxmlformats.org/officeDocument/2006/math" xmlns:w="http://schemas.openxmlformats.org/wordprocessingml/2006/main" showMasterPhAnim="0" show="1">
   <p:cSld name="">
     <p:spTree>
@@ -11633,6 +11108,151 @@
           </p:grpSp>
         </p:grpSp>
       </p:grpSp>
+    </p:spTree>
+  </p:cSld>
+  <p:clrMapOvr>
+    <a:masterClrMapping/>
+  </p:clrMapOvr>
+  <mc:AlternateContent xmlns:mc="http://schemas.openxmlformats.org/markup-compatibility/2006">
+    <mc:Choice xmlns:p14="http://schemas.microsoft.com/office/powerpoint/2010/main" Requires="p14">
+      <p:transition p14:dur="2000" advClick="1"/>
+    </mc:Choice>
+    <mc:Fallback>
+      <p:transition advClick="1"/>
+    </mc:Fallback>
+  </mc:AlternateContent>
+</p:sld>
+</file>
+
+<file path=ppt/slides/slide9.xml><?xml version="1.0" encoding="utf-8"?>
+<p:sld xmlns:a="http://schemas.openxmlformats.org/drawingml/2006/main" xmlns:r="http://schemas.openxmlformats.org/officeDocument/2006/relationships" xmlns:p="http://schemas.openxmlformats.org/presentationml/2006/main" xmlns:m="http://schemas.openxmlformats.org/officeDocument/2006/math" xmlns:w="http://schemas.openxmlformats.org/wordprocessingml/2006/main" showMasterPhAnim="0" show="1">
+  <p:cSld name="">
+    <p:spTree>
+      <p:nvGrpSpPr>
+        <p:cNvPr id="1" name="" hidden="0"/>
+        <p:cNvGrpSpPr/>
+        <p:nvPr isPhoto="0" userDrawn="0"/>
+      </p:nvGrpSpPr>
+      <p:grpSpPr bwMode="auto">
+        <a:xfrm>
+          <a:off x="0" y="0"/>
+          <a:ext cx="0" cy="0"/>
+          <a:chOff x="0" y="0"/>
+          <a:chExt cx="0" cy="0"/>
+        </a:xfrm>
+      </p:grpSpPr>
+      <p:sp>
+        <p:nvSpPr>
+          <p:cNvPr id="53415977" name="Título 1" hidden="0"/>
+          <p:cNvSpPr>
+            <a:spLocks noGrp="1"/>
+          </p:cNvSpPr>
+          <p:nvPr isPhoto="0" userDrawn="0">
+            <p:ph type="title" hasCustomPrompt="0"/>
+          </p:nvPr>
+        </p:nvSpPr>
+        <p:spPr bwMode="auto"/>
+        <p:txBody>
+          <a:bodyPr/>
+          <a:lstStyle/>
+          <a:p>
+            <a:pPr>
+              <a:defRPr/>
+            </a:pPr>
+            <a:r>
+              <a:rPr lang="de-DE"/>
+              <a:t>Methodologie</a:t>
+            </a:r>
+            <a:br>
+              <a:rPr lang="de-DE"/>
+            </a:br>
+            <a:r>
+              <a:rPr lang="de-DE" sz="1600" i="1"/>
+              <a:t>graphische DSL aus </a:t>
+            </a:r>
+            <a:r>
+              <a:rPr lang="de-DE" sz="1600" i="1">
+                <a:latin typeface="URW Bookman"/>
+                <a:ea typeface="URW Bookman"/>
+                <a:cs typeface="URW Bookman"/>
+              </a:rPr>
+              <a:t>Cinco</a:t>
+            </a:r>
+            <a:r>
+              <a:rPr lang="de-DE" sz="1600" i="1"/>
+              <a:t> Metasprachen - technisches Detail</a:t>
+            </a:r>
+            <a:endParaRPr/>
+          </a:p>
+        </p:txBody>
+      </p:sp>
+      <p:sp>
+        <p:nvSpPr>
+          <p:cNvPr id="1975793017" name="Content Placeholder 2" hidden="0"/>
+          <p:cNvSpPr>
+            <a:spLocks noGrp="1"/>
+          </p:cNvSpPr>
+          <p:nvPr isPhoto="0" userDrawn="0">
+            <p:ph idx="1" hasCustomPrompt="0"/>
+          </p:nvPr>
+        </p:nvSpPr>
+        <p:spPr bwMode="auto">
+          <a:xfrm flipH="0" flipV="0">
+            <a:off x="1534695" y="2015731"/>
+            <a:ext cx="9520157" cy="1891960"/>
+          </a:xfrm>
+        </p:spPr>
+        <p:txBody>
+          <a:bodyPr anchor="t"/>
+          <a:lstStyle/>
+          <a:p>
+            <a:pPr>
+              <a:defRPr/>
+            </a:pPr>
+            <a:r>
+              <a:rPr/>
+              <a:t>Verwendung von Selenium-Java und VuePress, um einen Dokumentationstext mit Bildern in Markdownformat zu erstellen</a:t>
+            </a:r>
+            <a:endParaRPr/>
+          </a:p>
+          <a:p>
+            <a:pPr>
+              <a:defRPr/>
+            </a:pPr>
+            <a:r>
+              <a:rPr/>
+              <a:t>Separates Erzeugen der Texte und der Screenshots wird bevorzugt, um Single-Point-of-failure zu </a:t>
+            </a:r>
+            <a:r>
+              <a:rPr lang="de-DE"/>
+              <a:t>vermeiden</a:t>
+            </a:r>
+            <a:endParaRPr/>
+          </a:p>
+        </p:txBody>
+      </p:sp>
+      <p:pic>
+        <p:nvPicPr>
+          <p:cNvPr id="586522987" name="" hidden="0"/>
+          <p:cNvPicPr>
+            <a:picLocks noChangeAspect="1"/>
+          </p:cNvPicPr>
+          <p:nvPr isPhoto="0" userDrawn="0"/>
+        </p:nvPicPr>
+        <p:blipFill>
+          <a:blip r:embed="rId3"/>
+          <a:stretch/>
+        </p:blipFill>
+        <p:spPr bwMode="auto">
+          <a:xfrm rot="0" flipH="0" flipV="0">
+            <a:off x="3605095" y="3378843"/>
+            <a:ext cx="5739875" cy="2403879"/>
+          </a:xfrm>
+          <a:prstGeom prst="rect">
+            <a:avLst/>
+          </a:prstGeom>
+        </p:spPr>
+      </p:pic>
     </p:spTree>
   </p:cSld>
   <p:clrMapOvr>

--- a/Abschlussvortrag.pptx
+++ b/Abschlussvortrag.pptx
@@ -5,7 +5,7 @@
     <p:sldMasterId id="2147483648" r:id="rId1"/>
   </p:sldMasterIdLst>
   <p:notesMasterIdLst>
-    <p:notesMasterId r:id="rId21"/>
+    <p:notesMasterId r:id="rId22"/>
   </p:notesMasterIdLst>
   <p:sldIdLst>
     <p:sldId id="256" r:id="rId4"/>
@@ -25,6 +25,7 @@
     <p:sldId id="270" r:id="rId18"/>
     <p:sldId id="271" r:id="rId19"/>
     <p:sldId id="272" r:id="rId20"/>
+    <p:sldId id="273" r:id="rId21"/>
   </p:sldIdLst>
   <p:sldSz cx="12192000" cy="6858000"/>
   <p:notesSz cx="12192000" cy="6858000"/>
@@ -519,17 +520,6 @@
             <a:pPr>
               <a:defRPr/>
             </a:pPr>
-            <a:r>
-              <a:rPr lang="de-DE" sz="1200" b="0" i="0" u="none" strike="noStrike" cap="none" spc="0">
-                <a:solidFill>
-                  <a:schemeClr val="tx1"/>
-                </a:solidFill>
-                <a:latin typeface="Palatino Linotype"/>
-                <a:ea typeface="Palatino Linotype"/>
-                <a:cs typeface="Palatino Linotype"/>
-              </a:rPr>
-              <a:t>- Ich vermisse ein wenig die Vorstellung der Sprachfeatures und deren Besonderheiten</a:t>
-            </a:r>
             <a:endParaRPr lang="de-DE" sz="1200" b="0" i="0" u="none" strike="noStrike" cap="none" spc="0">
               <a:solidFill>
                 <a:schemeClr val="tx1"/>
@@ -539,54 +529,78 @@
               <a:cs typeface="Palatino Linotype"/>
             </a:endParaRPr>
           </a:p>
-          <a:p>
-            <a:pPr>
-              <a:defRPr/>
-            </a:pPr>
-            <a:r>
-              <a:rPr lang="de-DE" sz="1200" b="0" i="0" u="none" strike="noStrike" cap="none" spc="0">
-                <a:solidFill>
-                  <a:schemeClr val="tx1"/>
-                </a:solidFill>
-                <a:latin typeface="Palatino Linotype"/>
-                <a:ea typeface="Palatino Linotype"/>
-                <a:cs typeface="Palatino Linotype"/>
-              </a:rPr>
-              <a:t>- Folie 10: Inwiefern verhindert das einen Single-Point-of-failure?</a:t>
-            </a:r>
-            <a:endParaRPr lang="de-DE" sz="1200" b="0" i="0" u="none" strike="noStrike" cap="none" spc="0">
-              <a:solidFill>
-                <a:schemeClr val="tx1"/>
-              </a:solidFill>
-              <a:latin typeface="Palatino Linotype"/>
-              <a:ea typeface="Palatino Linotype"/>
-              <a:cs typeface="Palatino Linotype"/>
-            </a:endParaRPr>
-          </a:p>
-          <a:p>
-            <a:pPr>
-              <a:defRPr/>
-            </a:pPr>
-            <a:r>
-              <a:rPr lang="de-DE" sz="1200" b="0" i="0" u="none" strike="noStrike" cap="none" spc="0">
-                <a:solidFill>
-                  <a:schemeClr val="tx1"/>
-                </a:solidFill>
-                <a:latin typeface="Palatino Linotype"/>
-                <a:ea typeface="Palatino Linotype"/>
-                <a:cs typeface="Palatino Linotype"/>
-              </a:rPr>
-              <a:t>- Was hast du für die Demo geplant? Ich hoffe, du gehst da detailliert auf die ganzen Features deiner Sprachen ein: Primereferenzen, Verschachtelung, Enablen/Disablen von Screenshots, Checks etc.</a:t>
-            </a:r>
-            <a:endParaRPr lang="de-DE" sz="1200" b="0" i="0" u="none" strike="noStrike" cap="none" spc="0">
-              <a:solidFill>
-                <a:schemeClr val="tx1"/>
-              </a:solidFill>
-              <a:latin typeface="Palatino Linotype"/>
-              <a:ea typeface="Palatino Linotype"/>
-              <a:cs typeface="Palatino Linotype"/>
-            </a:endParaRPr>
-          </a:p>
+        </p:txBody>
+      </p:sp>
+      <p:sp>
+        <p:nvSpPr>
+          <p:cNvPr id="4" name="Slide Number Placeholder 3" hidden="0"/>
+          <p:cNvSpPr>
+            <a:spLocks noGrp="1"/>
+          </p:cNvSpPr>
+          <p:nvPr isPhoto="0" userDrawn="0">
+            <p:ph type="sldNum" sz="quarter" idx="10" hasCustomPrompt="0"/>
+          </p:nvPr>
+        </p:nvSpPr>
+        <p:spPr bwMode="auto"/>
+        <p:txBody>
+          <a:bodyPr/>
+          <a:lstStyle/>
+          <a:p>
+            <a:pPr>
+              <a:defRPr/>
+            </a:pPr>
+            <a:endParaRPr/>
+          </a:p>
+        </p:txBody>
+      </p:sp>
+    </p:spTree>
+  </p:cSld>
+</p:notes>
+</file>
+
+<file path=ppt/notesSlides/notesSlide10.xml><?xml version="1.0" encoding="utf-8"?>
+<p:notes xmlns:a="http://schemas.openxmlformats.org/drawingml/2006/main" xmlns:r="http://schemas.openxmlformats.org/officeDocument/2006/relationships" xmlns:p="http://schemas.openxmlformats.org/presentationml/2006/main" xmlns:m="http://schemas.openxmlformats.org/officeDocument/2006/math" xmlns:w="http://schemas.openxmlformats.org/wordprocessingml/2006/main">
+  <p:cSld name="">
+    <p:spTree>
+      <p:nvGrpSpPr>
+        <p:cNvPr id="1" name="" hidden="0"/>
+        <p:cNvGrpSpPr/>
+        <p:nvPr isPhoto="0" userDrawn="0"/>
+      </p:nvGrpSpPr>
+      <p:grpSpPr bwMode="auto">
+        <a:xfrm>
+          <a:off x="0" y="0"/>
+          <a:ext cx="0" cy="0"/>
+          <a:chOff x="0" y="0"/>
+          <a:chExt cx="0" cy="0"/>
+        </a:xfrm>
+      </p:grpSpPr>
+      <p:sp>
+        <p:nvSpPr>
+          <p:cNvPr id="2" name="Slide Image Placeholder 1" hidden="0"/>
+          <p:cNvSpPr>
+            <a:spLocks noChangeAspect="1" noGrp="1" noRot="1"/>
+          </p:cNvSpPr>
+          <p:nvPr isPhoto="0" userDrawn="0">
+            <p:ph type="sldImg" hasCustomPrompt="0"/>
+          </p:nvPr>
+        </p:nvSpPr>
+        <p:spPr bwMode="auto"/>
+      </p:sp>
+      <p:sp>
+        <p:nvSpPr>
+          <p:cNvPr id="3" name="Notes Placeholder 2" hidden="0"/>
+          <p:cNvSpPr>
+            <a:spLocks noGrp="1"/>
+          </p:cNvSpPr>
+          <p:nvPr isPhoto="0" userDrawn="0">
+            <p:ph type="body" idx="1" hasCustomPrompt="0"/>
+          </p:nvPr>
+        </p:nvSpPr>
+        <p:spPr bwMode="auto"/>
+        <p:txBody>
+          <a:bodyPr/>
+          <a:lstStyle/>
           <a:p>
             <a:pPr>
               <a:defRPr/>
@@ -602,14 +616,7 @@
               </a:rPr>
               <a:t>- Folie 16: Da fehlt noch das Fazit aus deiner Evaluierung bzw. Bewertung deines Tools gemessen an dem, was du damit gemacht hast.</a:t>
             </a:r>
-            <a:endParaRPr lang="de-DE" sz="1200" b="0" i="0" u="none" strike="noStrike" cap="none" spc="0">
-              <a:solidFill>
-                <a:schemeClr val="tx1"/>
-              </a:solidFill>
-              <a:latin typeface="Palatino Linotype"/>
-              <a:ea typeface="Palatino Linotype"/>
-              <a:cs typeface="Palatino Linotype"/>
-            </a:endParaRPr>
+            <a:endParaRPr/>
           </a:p>
         </p:txBody>
       </p:sp>
@@ -1435,6 +1442,95 @@
       </p:grpSpPr>
       <p:sp>
         <p:nvSpPr>
+          <p:cNvPr id="1142653141" name="Slide Image Placeholder 1" hidden="0"/>
+          <p:cNvSpPr>
+            <a:spLocks noChangeAspect="1" noGrp="1" noRot="1"/>
+          </p:cNvSpPr>
+          <p:nvPr isPhoto="0" userDrawn="0">
+            <p:ph type="sldImg" hasCustomPrompt="0"/>
+          </p:nvPr>
+        </p:nvSpPr>
+        <p:spPr bwMode="auto"/>
+      </p:sp>
+      <p:sp>
+        <p:nvSpPr>
+          <p:cNvPr id="459416605" name="Notes Placeholder 2" hidden="0"/>
+          <p:cNvSpPr>
+            <a:spLocks noGrp="1"/>
+          </p:cNvSpPr>
+          <p:nvPr isPhoto="0" userDrawn="0">
+            <p:ph type="body" idx="1" hasCustomPrompt="0"/>
+          </p:nvPr>
+        </p:nvSpPr>
+        <p:spPr bwMode="auto"/>
+        <p:txBody>
+          <a:bodyPr/>
+          <a:lstStyle/>
+          <a:p>
+            <a:pPr>
+              <a:defRPr/>
+            </a:pPr>
+            <a:r>
+              <a:rPr lang="de-DE" sz="1200" b="0" i="0" u="none" strike="noStrike" cap="none" spc="0">
+                <a:solidFill>
+                  <a:schemeClr val="tx1"/>
+                </a:solidFill>
+                <a:latin typeface="Palatino Linotype"/>
+                <a:ea typeface="Palatino Linotype"/>
+                <a:cs typeface="Palatino Linotype"/>
+              </a:rPr>
+              <a:t>- Ich vermisse ein wenig die Vorstellung der Sprachfeatures und deren Besonderheiten</a:t>
+            </a:r>
+            <a:endParaRPr/>
+          </a:p>
+        </p:txBody>
+      </p:sp>
+      <p:sp>
+        <p:nvSpPr>
+          <p:cNvPr id="1351282617" name="Slide Number Placeholder 3" hidden="0"/>
+          <p:cNvSpPr>
+            <a:spLocks noGrp="1"/>
+          </p:cNvSpPr>
+          <p:nvPr isPhoto="0" userDrawn="0">
+            <p:ph type="sldNum" sz="quarter" idx="10" hasCustomPrompt="0"/>
+          </p:nvPr>
+        </p:nvSpPr>
+        <p:spPr bwMode="auto"/>
+        <p:txBody>
+          <a:bodyPr/>
+          <a:lstStyle/>
+          <a:p>
+            <a:pPr>
+              <a:defRPr/>
+            </a:pPr>
+            <a:endParaRPr/>
+          </a:p>
+        </p:txBody>
+      </p:sp>
+    </p:spTree>
+  </p:cSld>
+</p:notes>
+</file>
+
+<file path=ppt/notesSlides/notesSlide8.xml><?xml version="1.0" encoding="utf-8"?>
+<p:notes xmlns:a="http://schemas.openxmlformats.org/drawingml/2006/main" xmlns:r="http://schemas.openxmlformats.org/officeDocument/2006/relationships" xmlns:p="http://schemas.openxmlformats.org/presentationml/2006/main" xmlns:m="http://schemas.openxmlformats.org/officeDocument/2006/math" xmlns:w="http://schemas.openxmlformats.org/wordprocessingml/2006/main">
+  <p:cSld name="">
+    <p:spTree>
+      <p:nvGrpSpPr>
+        <p:cNvPr id="1" name="" hidden="0"/>
+        <p:cNvGrpSpPr/>
+        <p:nvPr isPhoto="0" userDrawn="0"/>
+      </p:nvGrpSpPr>
+      <p:grpSpPr bwMode="auto">
+        <a:xfrm>
+          <a:off x="0" y="0"/>
+          <a:ext cx="0" cy="0"/>
+          <a:chOff x="0" y="0"/>
+          <a:chExt cx="0" cy="0"/>
+        </a:xfrm>
+      </p:grpSpPr>
+      <p:sp>
+        <p:nvSpPr>
           <p:cNvPr id="2002792847" name="Slide Image Placeholder 1" hidden="0"/>
           <p:cNvSpPr>
             <a:spLocks noChangeAspect="1" noGrp="1" noRot="1"/>
@@ -1469,11 +1565,123 @@
             </a:r>
             <a:endParaRPr/>
           </a:p>
+          <a:p>
+            <a:pPr>
+              <a:defRPr/>
+            </a:pPr>
+            <a:endParaRPr/>
+          </a:p>
+          <a:p>
+            <a:pPr>
+              <a:defRPr/>
+            </a:pPr>
+            <a:r>
+              <a:rPr lang="de-DE" sz="1200" b="0" i="0" u="none" strike="noStrike" cap="none" spc="0">
+                <a:solidFill>
+                  <a:schemeClr val="tx1"/>
+                </a:solidFill>
+                <a:latin typeface="Palatino Linotype"/>
+                <a:ea typeface="Palatino Linotype"/>
+                <a:cs typeface="Palatino Linotype"/>
+              </a:rPr>
+              <a:t>- Folie 10: Inwiefern verhindert das einen Single-Point-of-failure?</a:t>
+            </a:r>
+            <a:endParaRPr/>
+          </a:p>
         </p:txBody>
       </p:sp>
       <p:sp>
         <p:nvSpPr>
           <p:cNvPr id="1255829888" name="Slide Number Placeholder 3" hidden="0"/>
+          <p:cNvSpPr>
+            <a:spLocks noGrp="1"/>
+          </p:cNvSpPr>
+          <p:nvPr isPhoto="0" userDrawn="0">
+            <p:ph type="sldNum" sz="quarter" idx="10" hasCustomPrompt="0"/>
+          </p:nvPr>
+        </p:nvSpPr>
+        <p:spPr bwMode="auto"/>
+        <p:txBody>
+          <a:bodyPr/>
+          <a:lstStyle/>
+          <a:p>
+            <a:pPr>
+              <a:defRPr/>
+            </a:pPr>
+            <a:endParaRPr/>
+          </a:p>
+        </p:txBody>
+      </p:sp>
+    </p:spTree>
+  </p:cSld>
+</p:notes>
+</file>
+
+<file path=ppt/notesSlides/notesSlide9.xml><?xml version="1.0" encoding="utf-8"?>
+<p:notes xmlns:a="http://schemas.openxmlformats.org/drawingml/2006/main" xmlns:r="http://schemas.openxmlformats.org/officeDocument/2006/relationships" xmlns:p="http://schemas.openxmlformats.org/presentationml/2006/main" xmlns:m="http://schemas.openxmlformats.org/officeDocument/2006/math" xmlns:w="http://schemas.openxmlformats.org/wordprocessingml/2006/main">
+  <p:cSld name="">
+    <p:spTree>
+      <p:nvGrpSpPr>
+        <p:cNvPr id="1" name="" hidden="0"/>
+        <p:cNvGrpSpPr/>
+        <p:nvPr isPhoto="0" userDrawn="0"/>
+      </p:nvGrpSpPr>
+      <p:grpSpPr bwMode="auto">
+        <a:xfrm>
+          <a:off x="0" y="0"/>
+          <a:ext cx="0" cy="0"/>
+          <a:chOff x="0" y="0"/>
+          <a:chExt cx="0" cy="0"/>
+        </a:xfrm>
+      </p:grpSpPr>
+      <p:sp>
+        <p:nvSpPr>
+          <p:cNvPr id="2" name="Slide Image Placeholder 1" hidden="0"/>
+          <p:cNvSpPr>
+            <a:spLocks noChangeAspect="1" noGrp="1" noRot="1"/>
+          </p:cNvSpPr>
+          <p:nvPr isPhoto="0" userDrawn="0">
+            <p:ph type="sldImg" hasCustomPrompt="0"/>
+          </p:nvPr>
+        </p:nvSpPr>
+        <p:spPr bwMode="auto"/>
+      </p:sp>
+      <p:sp>
+        <p:nvSpPr>
+          <p:cNvPr id="3" name="Notes Placeholder 2" hidden="0"/>
+          <p:cNvSpPr>
+            <a:spLocks noGrp="1"/>
+          </p:cNvSpPr>
+          <p:nvPr isPhoto="0" userDrawn="0">
+            <p:ph type="body" idx="1" hasCustomPrompt="0"/>
+          </p:nvPr>
+        </p:nvSpPr>
+        <p:spPr bwMode="auto"/>
+        <p:txBody>
+          <a:bodyPr/>
+          <a:lstStyle/>
+          <a:p>
+            <a:pPr>
+              <a:defRPr/>
+            </a:pPr>
+            <a:r>
+              <a:rPr lang="de-DE" sz="1200" b="0" i="0" u="none" strike="noStrike" cap="none" spc="0">
+                <a:solidFill>
+                  <a:schemeClr val="tx1"/>
+                </a:solidFill>
+                <a:latin typeface="Palatino Linotype"/>
+                <a:ea typeface="Palatino Linotype"/>
+                <a:cs typeface="Palatino Linotype"/>
+              </a:rPr>
+              <a:t>- Was hast du für die Demo geplant? Ich hoffe, du gehst da detailliert auf die ganzen Features deiner Sprachen ein: Primereferenzen, Verschachtelung, Enablen/Disablen von Screenshots, Checks etc.</a:t>
+            </a:r>
+            <a:endParaRPr/>
+          </a:p>
+        </p:txBody>
+      </p:sp>
+      <p:sp>
+        <p:nvSpPr>
+          <p:cNvPr id="4" name="Slide Number Placeholder 3" hidden="0"/>
           <p:cNvSpPr>
             <a:spLocks noGrp="1"/>
           </p:cNvSpPr>
@@ -7785,6 +7993,151 @@
       </p:grpSpPr>
       <p:sp>
         <p:nvSpPr>
+          <p:cNvPr id="53415977" name="Título 1" hidden="0"/>
+          <p:cNvSpPr>
+            <a:spLocks noGrp="1"/>
+          </p:cNvSpPr>
+          <p:nvPr isPhoto="0" userDrawn="0">
+            <p:ph type="title" hasCustomPrompt="0"/>
+          </p:nvPr>
+        </p:nvSpPr>
+        <p:spPr bwMode="auto"/>
+        <p:txBody>
+          <a:bodyPr/>
+          <a:lstStyle/>
+          <a:p>
+            <a:pPr>
+              <a:defRPr/>
+            </a:pPr>
+            <a:r>
+              <a:rPr lang="de-DE"/>
+              <a:t>Methodologie</a:t>
+            </a:r>
+            <a:br>
+              <a:rPr lang="de-DE"/>
+            </a:br>
+            <a:r>
+              <a:rPr lang="de-DE" sz="1600" i="1"/>
+              <a:t>graphische DSL aus </a:t>
+            </a:r>
+            <a:r>
+              <a:rPr lang="de-DE" sz="1600" i="1">
+                <a:latin typeface="URW Bookman"/>
+                <a:ea typeface="URW Bookman"/>
+                <a:cs typeface="URW Bookman"/>
+              </a:rPr>
+              <a:t>Cinco</a:t>
+            </a:r>
+            <a:r>
+              <a:rPr lang="de-DE" sz="1600" i="1"/>
+              <a:t> Metasprachen - technisches Detail</a:t>
+            </a:r>
+            <a:endParaRPr/>
+          </a:p>
+        </p:txBody>
+      </p:sp>
+      <p:sp>
+        <p:nvSpPr>
+          <p:cNvPr id="1975793017" name="Content Placeholder 2" hidden="0"/>
+          <p:cNvSpPr>
+            <a:spLocks noGrp="1"/>
+          </p:cNvSpPr>
+          <p:nvPr isPhoto="0" userDrawn="0">
+            <p:ph idx="1" hasCustomPrompt="0"/>
+          </p:nvPr>
+        </p:nvSpPr>
+        <p:spPr bwMode="auto">
+          <a:xfrm flipH="0" flipV="0">
+            <a:off x="1534695" y="2015731"/>
+            <a:ext cx="9520157" cy="1891960"/>
+          </a:xfrm>
+        </p:spPr>
+        <p:txBody>
+          <a:bodyPr anchor="t"/>
+          <a:lstStyle/>
+          <a:p>
+            <a:pPr>
+              <a:defRPr/>
+            </a:pPr>
+            <a:r>
+              <a:rPr/>
+              <a:t>Verwendung von Selenium-Java und VuePress, um einen Dokumentationstext mit Bildern in Markdownformat zu erstellen</a:t>
+            </a:r>
+            <a:endParaRPr/>
+          </a:p>
+          <a:p>
+            <a:pPr>
+              <a:defRPr/>
+            </a:pPr>
+            <a:r>
+              <a:rPr/>
+              <a:t>Separates Erzeugen der Texte und der Screenshots wird bevorzugt, um Single-Point-of-failure zu </a:t>
+            </a:r>
+            <a:r>
+              <a:rPr lang="de-DE"/>
+              <a:t>vermeiden</a:t>
+            </a:r>
+            <a:endParaRPr/>
+          </a:p>
+        </p:txBody>
+      </p:sp>
+      <p:pic>
+        <p:nvPicPr>
+          <p:cNvPr id="586522987" name="" hidden="0"/>
+          <p:cNvPicPr>
+            <a:picLocks noChangeAspect="1"/>
+          </p:cNvPicPr>
+          <p:nvPr isPhoto="0" userDrawn="0"/>
+        </p:nvPicPr>
+        <p:blipFill>
+          <a:blip r:embed="rId3"/>
+          <a:stretch/>
+        </p:blipFill>
+        <p:spPr bwMode="auto">
+          <a:xfrm rot="0" flipH="0" flipV="0">
+            <a:off x="3605095" y="3378843"/>
+            <a:ext cx="5739875" cy="2403879"/>
+          </a:xfrm>
+          <a:prstGeom prst="rect">
+            <a:avLst/>
+          </a:prstGeom>
+        </p:spPr>
+      </p:pic>
+    </p:spTree>
+  </p:cSld>
+  <p:clrMapOvr>
+    <a:masterClrMapping/>
+  </p:clrMapOvr>
+  <mc:AlternateContent xmlns:mc="http://schemas.openxmlformats.org/markup-compatibility/2006">
+    <mc:Choice xmlns:p14="http://schemas.microsoft.com/office/powerpoint/2010/main" Requires="p14">
+      <p:transition p14:dur="2000" advClick="1"/>
+    </mc:Choice>
+    <mc:Fallback>
+      <p:transition advClick="1"/>
+    </mc:Fallback>
+  </mc:AlternateContent>
+</p:sld>
+</file>
+
+<file path=ppt/slides/slide11.xml><?xml version="1.0" encoding="utf-8"?>
+<p:sld xmlns:a="http://schemas.openxmlformats.org/drawingml/2006/main" xmlns:r="http://schemas.openxmlformats.org/officeDocument/2006/relationships" xmlns:p="http://schemas.openxmlformats.org/presentationml/2006/main" xmlns:m="http://schemas.openxmlformats.org/officeDocument/2006/math" xmlns:w="http://schemas.openxmlformats.org/wordprocessingml/2006/main" showMasterPhAnim="0" show="1">
+  <p:cSld name="">
+    <p:spTree>
+      <p:nvGrpSpPr>
+        <p:cNvPr id="1" name="" hidden="0"/>
+        <p:cNvGrpSpPr/>
+        <p:nvPr isPhoto="0" userDrawn="0"/>
+      </p:nvGrpSpPr>
+      <p:grpSpPr bwMode="auto">
+        <a:xfrm>
+          <a:off x="0" y="0"/>
+          <a:ext cx="0" cy="0"/>
+          <a:chOff x="0" y="0"/>
+          <a:chExt cx="0" cy="0"/>
+        </a:xfrm>
+      </p:grpSpPr>
+      <p:sp>
+        <p:nvSpPr>
           <p:cNvPr id="564735652" name="Title 1" hidden="0"/>
           <p:cNvSpPr>
             <a:spLocks noGrp="1"/>
@@ -8063,7 +8416,7 @@
 </p:sld>
 </file>
 
-<file path=ppt/slides/slide11.xml><?xml version="1.0" encoding="utf-8"?>
+<file path=ppt/slides/slide12.xml><?xml version="1.0" encoding="utf-8"?>
 <p:sld xmlns:a="http://schemas.openxmlformats.org/drawingml/2006/main" xmlns:r="http://schemas.openxmlformats.org/officeDocument/2006/relationships" xmlns:p="http://schemas.openxmlformats.org/presentationml/2006/main" xmlns:m="http://schemas.openxmlformats.org/officeDocument/2006/math" xmlns:w="http://schemas.openxmlformats.org/wordprocessingml/2006/main" showMasterPhAnim="0" show="1">
   <p:cSld name="">
     <p:spTree>
@@ -8204,7 +8557,7 @@
 </p:sld>
 </file>
 
-<file path=ppt/slides/slide12.xml><?xml version="1.0" encoding="utf-8"?>
+<file path=ppt/slides/slide13.xml><?xml version="1.0" encoding="utf-8"?>
 <p:sld xmlns:a="http://schemas.openxmlformats.org/drawingml/2006/main" xmlns:r="http://schemas.openxmlformats.org/officeDocument/2006/relationships" xmlns:p="http://schemas.openxmlformats.org/presentationml/2006/main" xmlns:m="http://schemas.openxmlformats.org/officeDocument/2006/math" xmlns:w="http://schemas.openxmlformats.org/wordprocessingml/2006/main" showMasterPhAnim="0" show="1">
   <p:cSld name="">
     <p:spTree>
@@ -8333,7 +8686,7 @@
 </p:sld>
 </file>
 
-<file path=ppt/slides/slide13.xml><?xml version="1.0" encoding="utf-8"?>
+<file path=ppt/slides/slide14.xml><?xml version="1.0" encoding="utf-8"?>
 <p:sld xmlns:a="http://schemas.openxmlformats.org/drawingml/2006/main" xmlns:r="http://schemas.openxmlformats.org/officeDocument/2006/relationships" xmlns:p="http://schemas.openxmlformats.org/presentationml/2006/main" xmlns:m="http://schemas.openxmlformats.org/officeDocument/2006/math" xmlns:w="http://schemas.openxmlformats.org/wordprocessingml/2006/main" showMasterPhAnim="0" show="1">
   <p:cSld name="">
     <p:spTree>
@@ -8464,7 +8817,7 @@
 </p:sld>
 </file>
 
-<file path=ppt/slides/slide14.xml><?xml version="1.0" encoding="utf-8"?>
+<file path=ppt/slides/slide15.xml><?xml version="1.0" encoding="utf-8"?>
 <p:sld xmlns:a="http://schemas.openxmlformats.org/drawingml/2006/main" xmlns:r="http://schemas.openxmlformats.org/officeDocument/2006/relationships" xmlns:p="http://schemas.openxmlformats.org/presentationml/2006/main" xmlns:m="http://schemas.openxmlformats.org/officeDocument/2006/math" xmlns:w="http://schemas.openxmlformats.org/wordprocessingml/2006/main" showMasterPhAnim="0" show="1">
   <p:cSld name="">
     <p:bg>
@@ -8549,7 +8902,7 @@
           <p:nvPr isPhoto="0" userDrawn="0"/>
         </p:nvPicPr>
         <p:blipFill>
-          <a:blip r:embed="rId2"/>
+          <a:blip r:embed="rId3"/>
           <a:stretch/>
         </p:blipFill>
         <p:spPr bwMode="auto">
@@ -8562,90 +8915,6 @@
           </a:prstGeom>
         </p:spPr>
       </p:pic>
-    </p:spTree>
-  </p:cSld>
-  <p:clrMapOvr>
-    <a:masterClrMapping/>
-  </p:clrMapOvr>
-  <mc:AlternateContent xmlns:mc="http://schemas.openxmlformats.org/markup-compatibility/2006">
-    <mc:Choice xmlns:p14="http://schemas.microsoft.com/office/powerpoint/2010/main" Requires="p14">
-      <p:transition p14:dur="2000" advClick="1"/>
-    </mc:Choice>
-    <mc:Fallback>
-      <p:transition advClick="1"/>
-    </mc:Fallback>
-  </mc:AlternateContent>
-</p:sld>
-</file>
-
-<file path=ppt/slides/slide15.xml><?xml version="1.0" encoding="utf-8"?>
-<p:sld xmlns:a="http://schemas.openxmlformats.org/drawingml/2006/main" xmlns:r="http://schemas.openxmlformats.org/officeDocument/2006/relationships" xmlns:p="http://schemas.openxmlformats.org/presentationml/2006/main" xmlns:m="http://schemas.openxmlformats.org/officeDocument/2006/math" xmlns:w="http://schemas.openxmlformats.org/wordprocessingml/2006/main" showMasterPhAnim="0" show="1">
-  <p:cSld name="">
-    <p:spTree>
-      <p:nvGrpSpPr>
-        <p:cNvPr id="1" name="" hidden="0"/>
-        <p:cNvGrpSpPr/>
-        <p:nvPr isPhoto="0" userDrawn="0"/>
-      </p:nvGrpSpPr>
-      <p:grpSpPr bwMode="auto">
-        <a:xfrm>
-          <a:off x="0" y="0"/>
-          <a:ext cx="0" cy="0"/>
-          <a:chOff x="0" y="0"/>
-          <a:chExt cx="0" cy="0"/>
-        </a:xfrm>
-      </p:grpSpPr>
-      <p:sp>
-        <p:nvSpPr>
-          <p:cNvPr id="491240005" name="Título 1" hidden="0"/>
-          <p:cNvSpPr>
-            <a:spLocks noGrp="1"/>
-          </p:cNvSpPr>
-          <p:nvPr isPhoto="0" userDrawn="0">
-            <p:ph type="title" hasCustomPrompt="0"/>
-          </p:nvPr>
-        </p:nvSpPr>
-        <p:spPr bwMode="auto"/>
-        <p:txBody>
-          <a:bodyPr/>
-          <a:lstStyle/>
-          <a:p>
-            <a:pPr>
-              <a:defRPr/>
-            </a:pPr>
-            <a:r>
-              <a:rPr lang="de-DE"/>
-              <a:t>Künftige Arbeiten</a:t>
-            </a:r>
-            <a:br>
-              <a:rPr lang="de-DE"/>
-            </a:br>
-            <a:endParaRPr sz="1800"/>
-          </a:p>
-        </p:txBody>
-      </p:sp>
-      <p:sp>
-        <p:nvSpPr>
-          <p:cNvPr id="835041238" name="Marcador de contenido 2" hidden="0"/>
-          <p:cNvSpPr>
-            <a:spLocks noGrp="1"/>
-          </p:cNvSpPr>
-          <p:nvPr isPhoto="0" userDrawn="0">
-            <p:ph idx="1" hasCustomPrompt="0"/>
-          </p:nvPr>
-        </p:nvSpPr>
-        <p:spPr bwMode="auto"/>
-        <p:txBody>
-          <a:bodyPr/>
-          <a:lstStyle/>
-          <a:p>
-            <a:pPr>
-              <a:defRPr/>
-            </a:pPr>
-            <a:endParaRPr/>
-          </a:p>
-        </p:txBody>
-      </p:sp>
     </p:spTree>
   </p:cSld>
   <p:clrMapOvr>
@@ -8681,7 +8950,7 @@
       </p:grpSpPr>
       <p:sp>
         <p:nvSpPr>
-          <p:cNvPr id="653499456" name="Título 1" hidden="0"/>
+          <p:cNvPr id="491240005" name="Título 1" hidden="0"/>
           <p:cNvSpPr>
             <a:spLocks noGrp="1"/>
           </p:cNvSpPr>
@@ -8699,18 +8968,18 @@
             </a:pPr>
             <a:r>
               <a:rPr lang="de-DE"/>
-              <a:t>Fazit</a:t>
+              <a:t>Künftige Arbeiten</a:t>
             </a:r>
             <a:br>
               <a:rPr lang="de-DE"/>
             </a:br>
-            <a:endParaRPr sz="1600"/>
-          </a:p>
-        </p:txBody>
-      </p:sp>
-      <p:sp>
-        <p:nvSpPr>
-          <p:cNvPr id="751158943" name="Marcador de contenido 2" hidden="0"/>
+            <a:endParaRPr sz="1800"/>
+          </a:p>
+        </p:txBody>
+      </p:sp>
+      <p:sp>
+        <p:nvSpPr>
+          <p:cNvPr id="835041238" name="Marcador de contenido 2" hidden="0"/>
           <p:cNvSpPr>
             <a:spLocks noGrp="1"/>
           </p:cNvSpPr>
@@ -8720,14 +8989,16 @@
         </p:nvSpPr>
         <p:spPr bwMode="auto"/>
         <p:txBody>
-          <a:bodyPr/>
+          <a:bodyPr vertOverflow="overflow" horzOverflow="clip" vert="horz" wrap="square" lIns="91440" tIns="45720" rIns="91440" bIns="45720" numCol="1" spcCol="0" rtlCol="0" fromWordArt="0" anchor="t" anchorCtr="0" forceAA="0" upright="0" compatLnSpc="0">
+            <a:normAutofit fontScale="90000" lnSpcReduction="2000"/>
+          </a:bodyPr>
           <a:lstStyle/>
           <a:p>
             <a:pPr>
               <a:defRPr/>
             </a:pPr>
             <a:r>
-              <a:rPr lang="de-DE" sz="2000" b="0" i="0" u="none" strike="noStrike" cap="none" spc="0">
+              <a:rPr lang="en-US" sz="2000" b="0" i="0" u="none" strike="noStrike" cap="none" spc="0">
                 <a:solidFill>
                   <a:schemeClr val="tx1"/>
                 </a:solidFill>
@@ -8735,9 +9006,20 @@
                 <a:ea typeface="Palatino Linotype"/>
                 <a:cs typeface="Palatino Linotype"/>
               </a:rPr>
-              <a:t>DSL-getriebene Generierung von Endbenutzerdokumentation für Webanwendungen auf der Basis von Graphenmodellen unter Verwendung einer grafischen DSL</a:t>
-            </a:r>
-            <a:endParaRPr lang="de-DE" sz="2000" b="0" i="0" u="none" strike="noStrike" cap="none" spc="0">
+              <a:t>facilitate the creation process by gener</a:t>
+            </a:r>
+            <a:r>
+              <a:rPr lang="en-US" sz="2000" b="0" i="0" u="none" strike="noStrike" cap="none" spc="0">
+                <a:solidFill>
+                  <a:schemeClr val="tx1"/>
+                </a:solidFill>
+                <a:latin typeface="Palatino Linotype"/>
+                <a:ea typeface="Palatino Linotype"/>
+                <a:cs typeface="Palatino Linotype"/>
+              </a:rPr>
+              <a:t>ating a project template containing a start configuration</a:t>
+            </a:r>
+            <a:endParaRPr lang="en-US" sz="2000" b="0" i="0" u="none" strike="noStrike" cap="none" spc="0">
               <a:solidFill>
                 <a:schemeClr val="tx1"/>
               </a:solidFill>
@@ -8751,7 +9033,7 @@
               <a:defRPr/>
             </a:pPr>
             <a:r>
-              <a:rPr lang="de-DE" sz="2000" b="0" i="0" u="none" strike="noStrike" cap="none" spc="0">
+              <a:rPr lang="en-US" sz="2000" b="0" i="0" u="none" strike="noStrike" cap="none" spc="0">
                 <a:solidFill>
                   <a:schemeClr val="tx1"/>
                 </a:solidFill>
@@ -8759,9 +9041,53 @@
                 <a:ea typeface="Palatino Linotype"/>
                 <a:cs typeface="Palatino Linotype"/>
               </a:rPr>
-              <a:t>Erstellung einer Editoranwendung, die es dem Dokumentationsdesigner ermöglicht grafische Diagramme zu erstellen, die den erforderlichen Benutzer-Workflow veranschaulichen</a:t>
-            </a:r>
-            <a:endParaRPr lang="de-DE" sz="2000" b="0" i="0" u="none" strike="noStrike" cap="none" spc="0">
+              <a:t>cross-referencing DocGraphModels inside others could be improved in</a:t>
+            </a:r>
+            <a:r>
+              <a:rPr lang="en-US" sz="2000" b="0" i="0" u="none" strike="noStrike" cap="none" spc="0">
+                <a:solidFill>
+                  <a:schemeClr val="tx1"/>
+                </a:solidFill>
+                <a:latin typeface="Palatino Linotype"/>
+                <a:ea typeface="Palatino Linotype"/>
+                <a:cs typeface="Palatino Linotype"/>
+              </a:rPr>
+              <a:t> </a:t>
+            </a:r>
+            <a:r>
+              <a:rPr lang="en-US" sz="2000" b="0" i="0" u="none" strike="noStrike" cap="none" spc="0">
+                <a:solidFill>
+                  <a:schemeClr val="tx1"/>
+                </a:solidFill>
+                <a:latin typeface="Palatino Linotype"/>
+                <a:ea typeface="Palatino Linotype"/>
+                <a:cs typeface="Palatino Linotype"/>
+              </a:rPr>
+              <a:t>the future to allow us, for example, to list all available graph models in a separate</a:t>
+            </a:r>
+            <a:r>
+              <a:rPr lang="en-US" sz="2000" b="0" i="0" u="none" strike="noStrike" cap="none" spc="0">
+                <a:solidFill>
+                  <a:schemeClr val="tx1"/>
+                </a:solidFill>
+                <a:latin typeface="Palatino Linotype"/>
+                <a:ea typeface="Palatino Linotype"/>
+                <a:cs typeface="Palatino Linotype"/>
+              </a:rPr>
+              <a:t> </a:t>
+            </a:r>
+            <a:r>
+              <a:rPr lang="en-US" sz="2000" b="0" i="0" u="none" strike="noStrike" cap="none" spc="0">
+                <a:solidFill>
+                  <a:schemeClr val="tx1"/>
+                </a:solidFill>
+                <a:latin typeface="Palatino Linotype"/>
+                <a:ea typeface="Palatino Linotype"/>
+                <a:cs typeface="Palatino Linotype"/>
+              </a:rPr>
+              <a:t>view</a:t>
+            </a:r>
+            <a:endParaRPr lang="en-US" sz="2000" b="0" i="0" u="none" strike="noStrike" cap="none" spc="0">
               <a:solidFill>
                 <a:schemeClr val="tx1"/>
               </a:solidFill>
@@ -8775,7 +9101,7 @@
               <a:defRPr/>
             </a:pPr>
             <a:r>
-              <a:rPr lang="de-DE" sz="2000" b="0" i="0" u="none" strike="noStrike" cap="none" spc="0">
+              <a:rPr lang="en-US" sz="2000" b="0" i="0" u="none" strike="noStrike" cap="none" spc="0">
                 <a:solidFill>
                   <a:schemeClr val="tx1"/>
                 </a:solidFill>
@@ -8783,10 +9109,10 @@
                 <a:ea typeface="Palatino Linotype"/>
                 <a:cs typeface="Palatino Linotype"/>
               </a:rPr>
-              <a:t>Mithilfe von </a:t>
-            </a:r>
-            <a:r>
-              <a:rPr lang="de-DE" sz="2000" b="0" i="0" u="none" strike="noStrike" cap="none" spc="0">
+              <a:t> implement more checks to</a:t>
+            </a:r>
+            <a:r>
+              <a:rPr lang="en-US" sz="2000" b="0" i="0" u="none" strike="noStrike" cap="none" spc="0">
                 <a:solidFill>
                   <a:schemeClr val="tx1"/>
                 </a:solidFill>
@@ -8794,10 +9120,10 @@
                 <a:ea typeface="Palatino Linotype"/>
                 <a:cs typeface="Palatino Linotype"/>
               </a:rPr>
-              <a:t>Drittanbietern</a:t>
-            </a:r>
-            <a:r>
-              <a:rPr lang="de-DE" sz="2000" b="0" i="0" u="none" strike="noStrike" cap="none" spc="0">
+              <a:t> validate some other aspects of the model: validate</a:t>
+            </a:r>
+            <a:r>
+              <a:rPr lang="en-US" sz="2000" b="0" i="0" u="none" strike="noStrike" cap="none" spc="0">
                 <a:solidFill>
                   <a:schemeClr val="tx1"/>
                 </a:solidFill>
@@ -8805,10 +9131,10 @@
                 <a:ea typeface="Palatino Linotype"/>
                 <a:cs typeface="Palatino Linotype"/>
               </a:rPr>
-              <a:t>-Tools</a:t>
-            </a:r>
-            <a:r>
-              <a:rPr lang="de-DE" sz="2000" b="0" i="0" u="none" strike="noStrike" cap="none" spc="0">
+              <a:t> </a:t>
+            </a:r>
+            <a:r>
+              <a:rPr lang="en-US" sz="2000" b="0" i="0" u="none" strike="noStrike" cap="none" spc="0">
                 <a:solidFill>
                   <a:schemeClr val="tx1"/>
                 </a:solidFill>
@@ -8816,9 +9142,93 @@
                 <a:ea typeface="Palatino Linotype"/>
                 <a:cs typeface="Palatino Linotype"/>
               </a:rPr>
-              <a:t> konnten wir eine gut strukturierte und voll funktionsfähige Dokumentation-Website zu erstellen</a:t>
-            </a:r>
-            <a:endParaRPr lang="de-DE"/>
+              <a:t>that the Web element selectors have the correct syntax of CSS</a:t>
+            </a:r>
+            <a:r>
+              <a:rPr lang="en-US" sz="2000" b="0" i="0" u="none" strike="noStrike" cap="none" spc="0">
+                <a:solidFill>
+                  <a:schemeClr val="tx1"/>
+                </a:solidFill>
+                <a:latin typeface="Palatino Linotype"/>
+                <a:ea typeface="Palatino Linotype"/>
+                <a:cs typeface="Palatino Linotype"/>
+              </a:rPr>
+              <a:t> </a:t>
+            </a:r>
+            <a:r>
+              <a:rPr lang="en-US" sz="2000" b="0" i="0" u="none" strike="noStrike" cap="none" spc="0">
+                <a:solidFill>
+                  <a:schemeClr val="tx1"/>
+                </a:solidFill>
+                <a:latin typeface="Palatino Linotype"/>
+                <a:ea typeface="Palatino Linotype"/>
+                <a:cs typeface="Palatino Linotype"/>
+              </a:rPr>
+              <a:t>selectors or XPath</a:t>
+            </a:r>
+            <a:r>
+              <a:rPr lang="en-US" sz="2000" b="0" i="0" u="none" strike="noStrike" cap="none" spc="0">
+                <a:solidFill>
+                  <a:schemeClr val="tx1"/>
+                </a:solidFill>
+                <a:latin typeface="Palatino Linotype"/>
+                <a:ea typeface="Palatino Linotype"/>
+                <a:cs typeface="Palatino Linotype"/>
+              </a:rPr>
+              <a:t> We could even verify in advance if the HTML element we are looking</a:t>
+            </a:r>
+            <a:r>
+              <a:rPr lang="en-US" sz="2000" b="0" i="0" u="none" strike="noStrike" cap="none" spc="0">
+                <a:solidFill>
+                  <a:schemeClr val="tx1"/>
+                </a:solidFill>
+                <a:latin typeface="Palatino Linotype"/>
+                <a:ea typeface="Palatino Linotype"/>
+                <a:cs typeface="Palatino Linotype"/>
+              </a:rPr>
+              <a:t> </a:t>
+            </a:r>
+            <a:r>
+              <a:rPr lang="en-US" sz="2000" b="0" i="0" u="none" strike="noStrike" cap="none" spc="0">
+                <a:solidFill>
+                  <a:schemeClr val="tx1"/>
+                </a:solidFill>
+                <a:latin typeface="Palatino Linotype"/>
+                <a:ea typeface="Palatino Linotype"/>
+                <a:cs typeface="Palatino Linotype"/>
+              </a:rPr>
+              <a:t>for can be found with that given selector by running a selector query search in</a:t>
+            </a:r>
+            <a:r>
+              <a:rPr lang="en-US" sz="2000" b="0" i="0" u="none" strike="noStrike" cap="none" spc="0">
+                <a:solidFill>
+                  <a:schemeClr val="tx1"/>
+                </a:solidFill>
+                <a:latin typeface="Palatino Linotype"/>
+                <a:ea typeface="Palatino Linotype"/>
+                <a:cs typeface="Palatino Linotype"/>
+              </a:rPr>
+              <a:t> </a:t>
+            </a:r>
+            <a:r>
+              <a:rPr lang="en-US" sz="2000" b="0" i="0" u="none" strike="noStrike" cap="none" spc="0">
+                <a:solidFill>
+                  <a:schemeClr val="tx1"/>
+                </a:solidFill>
+                <a:latin typeface="Palatino Linotype"/>
+                <a:ea typeface="Palatino Linotype"/>
+                <a:cs typeface="Palatino Linotype"/>
+              </a:rPr>
+              <a:t>the background</a:t>
+            </a:r>
+            <a:endParaRPr lang="en-US" sz="2000" b="0" i="0" u="none" strike="noStrike" cap="none" spc="0">
+              <a:solidFill>
+                <a:schemeClr val="tx1"/>
+              </a:solidFill>
+              <a:latin typeface="Palatino Linotype"/>
+              <a:ea typeface="Palatino Linotype"/>
+              <a:cs typeface="Palatino Linotype"/>
+            </a:endParaRPr>
           </a:p>
         </p:txBody>
       </p:sp>
@@ -8839,6 +9249,182 @@
 </file>
 
 <file path=ppt/slides/slide17.xml><?xml version="1.0" encoding="utf-8"?>
+<p:sld xmlns:a="http://schemas.openxmlformats.org/drawingml/2006/main" xmlns:r="http://schemas.openxmlformats.org/officeDocument/2006/relationships" xmlns:p="http://schemas.openxmlformats.org/presentationml/2006/main" xmlns:m="http://schemas.openxmlformats.org/officeDocument/2006/math" xmlns:w="http://schemas.openxmlformats.org/wordprocessingml/2006/main" showMasterPhAnim="0" show="1">
+  <p:cSld name="">
+    <p:spTree>
+      <p:nvGrpSpPr>
+        <p:cNvPr id="1" name="" hidden="0"/>
+        <p:cNvGrpSpPr/>
+        <p:nvPr isPhoto="0" userDrawn="0"/>
+      </p:nvGrpSpPr>
+      <p:grpSpPr bwMode="auto">
+        <a:xfrm>
+          <a:off x="0" y="0"/>
+          <a:ext cx="0" cy="0"/>
+          <a:chOff x="0" y="0"/>
+          <a:chExt cx="0" cy="0"/>
+        </a:xfrm>
+      </p:grpSpPr>
+      <p:sp>
+        <p:nvSpPr>
+          <p:cNvPr id="653499456" name="Título 1" hidden="0"/>
+          <p:cNvSpPr>
+            <a:spLocks noGrp="1"/>
+          </p:cNvSpPr>
+          <p:nvPr isPhoto="0" userDrawn="0">
+            <p:ph type="title" hasCustomPrompt="0"/>
+          </p:nvPr>
+        </p:nvSpPr>
+        <p:spPr bwMode="auto"/>
+        <p:txBody>
+          <a:bodyPr/>
+          <a:lstStyle/>
+          <a:p>
+            <a:pPr>
+              <a:defRPr/>
+            </a:pPr>
+            <a:r>
+              <a:rPr lang="de-DE"/>
+              <a:t>Fazit</a:t>
+            </a:r>
+            <a:br>
+              <a:rPr lang="de-DE"/>
+            </a:br>
+            <a:endParaRPr sz="1600"/>
+          </a:p>
+        </p:txBody>
+      </p:sp>
+      <p:sp>
+        <p:nvSpPr>
+          <p:cNvPr id="751158943" name="Marcador de contenido 2" hidden="0"/>
+          <p:cNvSpPr>
+            <a:spLocks noGrp="1"/>
+          </p:cNvSpPr>
+          <p:nvPr isPhoto="0" userDrawn="0">
+            <p:ph idx="1" hasCustomPrompt="0"/>
+          </p:nvPr>
+        </p:nvSpPr>
+        <p:spPr bwMode="auto"/>
+        <p:txBody>
+          <a:bodyPr/>
+          <a:lstStyle/>
+          <a:p>
+            <a:pPr>
+              <a:defRPr/>
+            </a:pPr>
+            <a:r>
+              <a:rPr lang="de-DE" sz="2000" b="0" i="0" u="none" strike="noStrike" cap="none" spc="0">
+                <a:solidFill>
+                  <a:schemeClr val="tx1"/>
+                </a:solidFill>
+                <a:latin typeface="Palatino Linotype"/>
+                <a:ea typeface="Palatino Linotype"/>
+                <a:cs typeface="Palatino Linotype"/>
+              </a:rPr>
+              <a:t>DSL-getriebene Generierung von Endbenutzerdokumentation für Webanwendungen auf der Basis von Graphenmodellen unter Verwendung einer grafischen DSL</a:t>
+            </a:r>
+            <a:endParaRPr lang="de-DE" sz="2000" b="0" i="0" u="none" strike="noStrike" cap="none" spc="0">
+              <a:solidFill>
+                <a:schemeClr val="tx1"/>
+              </a:solidFill>
+              <a:latin typeface="Palatino Linotype"/>
+              <a:ea typeface="Palatino Linotype"/>
+              <a:cs typeface="Palatino Linotype"/>
+            </a:endParaRPr>
+          </a:p>
+          <a:p>
+            <a:pPr>
+              <a:defRPr/>
+            </a:pPr>
+            <a:r>
+              <a:rPr lang="de-DE" sz="2000" b="0" i="0" u="none" strike="noStrike" cap="none" spc="0">
+                <a:solidFill>
+                  <a:schemeClr val="tx1"/>
+                </a:solidFill>
+                <a:latin typeface="Palatino Linotype"/>
+                <a:ea typeface="Palatino Linotype"/>
+                <a:cs typeface="Palatino Linotype"/>
+              </a:rPr>
+              <a:t>Erstellung einer Editoranwendung, die es dem Dokumentationsdesigner ermöglicht grafische Diagramme zu erstellen, die den erforderlichen Benutzer-Workflow veranschaulichen</a:t>
+            </a:r>
+            <a:endParaRPr lang="de-DE" sz="2000" b="0" i="0" u="none" strike="noStrike" cap="none" spc="0">
+              <a:solidFill>
+                <a:schemeClr val="tx1"/>
+              </a:solidFill>
+              <a:latin typeface="Palatino Linotype"/>
+              <a:ea typeface="Palatino Linotype"/>
+              <a:cs typeface="Palatino Linotype"/>
+            </a:endParaRPr>
+          </a:p>
+          <a:p>
+            <a:pPr>
+              <a:defRPr/>
+            </a:pPr>
+            <a:r>
+              <a:rPr lang="de-DE" sz="2000" b="0" i="0" u="none" strike="noStrike" cap="none" spc="0">
+                <a:solidFill>
+                  <a:schemeClr val="tx1"/>
+                </a:solidFill>
+                <a:latin typeface="Palatino Linotype"/>
+                <a:ea typeface="Palatino Linotype"/>
+                <a:cs typeface="Palatino Linotype"/>
+              </a:rPr>
+              <a:t>Mithilfe von </a:t>
+            </a:r>
+            <a:r>
+              <a:rPr lang="de-DE" sz="2000" b="0" i="0" u="none" strike="noStrike" cap="none" spc="0">
+                <a:solidFill>
+                  <a:schemeClr val="tx1"/>
+                </a:solidFill>
+                <a:latin typeface="Palatino Linotype"/>
+                <a:ea typeface="Palatino Linotype"/>
+                <a:cs typeface="Palatino Linotype"/>
+              </a:rPr>
+              <a:t>Drittanbietern</a:t>
+            </a:r>
+            <a:r>
+              <a:rPr lang="de-DE" sz="2000" b="0" i="0" u="none" strike="noStrike" cap="none" spc="0">
+                <a:solidFill>
+                  <a:schemeClr val="tx1"/>
+                </a:solidFill>
+                <a:latin typeface="Palatino Linotype"/>
+                <a:ea typeface="Palatino Linotype"/>
+                <a:cs typeface="Palatino Linotype"/>
+              </a:rPr>
+              <a:t>-Tools</a:t>
+            </a:r>
+            <a:r>
+              <a:rPr lang="de-DE" sz="2000" b="0" i="0" u="none" strike="noStrike" cap="none" spc="0">
+                <a:solidFill>
+                  <a:schemeClr val="tx1"/>
+                </a:solidFill>
+                <a:latin typeface="Palatino Linotype"/>
+                <a:ea typeface="Palatino Linotype"/>
+                <a:cs typeface="Palatino Linotype"/>
+              </a:rPr>
+              <a:t> konnten wir eine gut strukturierte und voll funktionsfähige Dokumentation-Website zu erstellen</a:t>
+            </a:r>
+            <a:endParaRPr lang="de-DE"/>
+          </a:p>
+        </p:txBody>
+      </p:sp>
+    </p:spTree>
+  </p:cSld>
+  <p:clrMapOvr>
+    <a:masterClrMapping/>
+  </p:clrMapOvr>
+  <mc:AlternateContent xmlns:mc="http://schemas.openxmlformats.org/markup-compatibility/2006">
+    <mc:Choice xmlns:p14="http://schemas.microsoft.com/office/powerpoint/2010/main" Requires="p14">
+      <p:transition p14:dur="2000" advClick="1"/>
+    </mc:Choice>
+    <mc:Fallback>
+      <p:transition advClick="1"/>
+    </mc:Fallback>
+  </mc:AlternateContent>
+</p:sld>
+</file>
+
+<file path=ppt/slides/slide18.xml><?xml version="1.0" encoding="utf-8"?>
 <p:sld xmlns:a="http://schemas.openxmlformats.org/drawingml/2006/main" xmlns:r="http://schemas.openxmlformats.org/officeDocument/2006/relationships" xmlns:p="http://schemas.openxmlformats.org/presentationml/2006/main" xmlns:m="http://schemas.openxmlformats.org/officeDocument/2006/math" xmlns:w="http://schemas.openxmlformats.org/wordprocessingml/2006/main" showMasterPhAnim="0" show="1">
   <p:cSld name="">
     <p:spTree>
@@ -11143,7 +11729,7 @@
       </p:grpSpPr>
       <p:sp>
         <p:nvSpPr>
-          <p:cNvPr id="53415977" name="Título 1" hidden="0"/>
+          <p:cNvPr id="997314373" name="Título 1" hidden="0"/>
           <p:cNvSpPr>
             <a:spLocks noGrp="1"/>
           </p:cNvSpPr>
@@ -11161,34 +11747,22 @@
             </a:pPr>
             <a:r>
               <a:rPr lang="de-DE"/>
-              <a:t>Methodologie</a:t>
+              <a:t>Graphische DSL: .feat und .doc</a:t>
             </a:r>
             <a:br>
               <a:rPr lang="de-DE"/>
             </a:br>
             <a:r>
               <a:rPr lang="de-DE" sz="1600" i="1"/>
-              <a:t>graphische DSL aus </a:t>
-            </a:r>
-            <a:r>
-              <a:rPr lang="de-DE" sz="1600" i="1">
-                <a:latin typeface="URW Bookman"/>
-                <a:ea typeface="URW Bookman"/>
-                <a:cs typeface="URW Bookman"/>
-              </a:rPr>
-              <a:t>Cinco</a:t>
-            </a:r>
-            <a:r>
-              <a:rPr lang="de-DE" sz="1600" i="1"/>
-              <a:t> Metasprachen - technisches Detail</a:t>
-            </a:r>
-            <a:endParaRPr/>
-          </a:p>
-        </p:txBody>
-      </p:sp>
-      <p:sp>
-        <p:nvSpPr>
-          <p:cNvPr id="1975793017" name="Content Placeholder 2" hidden="0"/>
+              <a:t>Feature- und Dokumentationssprachen</a:t>
+            </a:r>
+            <a:endParaRPr/>
+          </a:p>
+        </p:txBody>
+      </p:sp>
+      <p:sp>
+        <p:nvSpPr>
+          <p:cNvPr id="1461394510" name="Content Placeholder 2" hidden="0"/>
           <p:cNvSpPr>
             <a:spLocks noGrp="1"/>
           </p:cNvSpPr>
@@ -11199,7 +11773,7 @@
         <p:spPr bwMode="auto">
           <a:xfrm flipH="0" flipV="0">
             <a:off x="1534695" y="2015731"/>
-            <a:ext cx="9520157" cy="1891960"/>
+            <a:ext cx="9520157" cy="474539"/>
           </a:xfrm>
         </p:spPr>
         <p:txBody>
@@ -11210,49 +11784,257 @@
               <a:defRPr/>
             </a:pPr>
             <a:r>
-              <a:rPr/>
-              <a:t>Verwendung von Selenium-Java und VuePress, um einen Dokumentationstext mit Bildern in Markdownformat zu erstellen</a:t>
-            </a:r>
-            <a:endParaRPr/>
-          </a:p>
-          <a:p>
-            <a:pPr>
-              <a:defRPr/>
-            </a:pPr>
-            <a:r>
-              <a:rPr/>
-              <a:t>Separates Erzeugen der Texte und der Screenshots wird bevorzugt, um Single-Point-of-failure zu </a:t>
-            </a:r>
-            <a:r>
-              <a:rPr lang="de-DE"/>
-              <a:t>vermeiden</a:t>
-            </a:r>
-            <a:endParaRPr/>
-          </a:p>
-        </p:txBody>
-      </p:sp>
-      <p:pic>
-        <p:nvPicPr>
-          <p:cNvPr id="586522987" name="" hidden="0"/>
-          <p:cNvPicPr>
-            <a:picLocks noChangeAspect="1"/>
-          </p:cNvPicPr>
+              <a:rPr lang="de-DE" sz="2000" b="0" i="0" u="none" strike="noStrike" cap="none" spc="0">
+                <a:solidFill>
+                  <a:schemeClr val="tx1"/>
+                </a:solidFill>
+                <a:latin typeface="Palatino Linotype"/>
+                <a:ea typeface="Arial"/>
+                <a:cs typeface="Arial"/>
+              </a:rPr>
+              <a:t>Meta Graph Language, Meta Style Language</a:t>
+            </a:r>
+            <a:endParaRPr lang="de-DE" sz="2000"/>
+          </a:p>
+        </p:txBody>
+      </p:sp>
+      <p:sp>
+        <p:nvSpPr>
+          <p:cNvPr id="1881502250" name="Content Placeholder 2" hidden="0"/>
+          <p:cNvSpPr>
+            <a:spLocks noGrp="1"/>
+          </p:cNvSpPr>
           <p:nvPr isPhoto="0" userDrawn="0"/>
-        </p:nvPicPr>
-        <p:blipFill>
-          <a:blip r:embed="rId3"/>
-          <a:stretch/>
-        </p:blipFill>
+        </p:nvSpPr>
         <p:spPr bwMode="auto">
-          <a:xfrm rot="0" flipH="0" flipV="0">
-            <a:off x="3605095" y="3378843"/>
-            <a:ext cx="5739875" cy="2403879"/>
+          <a:xfrm flipH="0" flipV="0">
+            <a:off x="1534694" y="4697255"/>
+            <a:ext cx="9520157" cy="543393"/>
           </a:xfrm>
-          <a:prstGeom prst="rect">
-            <a:avLst/>
-          </a:prstGeom>
         </p:spPr>
-      </p:pic>
+        <p:txBody>
+          <a:bodyPr vert="horz" lIns="91440" tIns="45720" rIns="91440" bIns="45720" rtlCol="0" anchor="t">
+            <a:normAutofit/>
+          </a:bodyPr>
+          <a:lstStyle>
+            <a:lvl1pPr marL="228600" indent="-228600" algn="l" defTabSz="914400">
+              <a:lnSpc>
+                <a:spcPct val="120000"/>
+              </a:lnSpc>
+              <a:spcBef>
+                <a:spcPts val="999"/>
+              </a:spcBef>
+              <a:buClr>
+                <a:schemeClr val="accent1"/>
+              </a:buClr>
+              <a:buSzPct val="100000"/>
+              <a:buFont typeface="Arial"/>
+              <a:buChar char="•"/>
+              <a:defRPr sz="2000">
+                <a:solidFill>
+                  <a:schemeClr val="tx1"/>
+                </a:solidFill>
+                <a:latin typeface="+mn-lt"/>
+                <a:ea typeface="+mn-ea"/>
+                <a:cs typeface="+mn-cs"/>
+              </a:defRPr>
+            </a:lvl1pPr>
+            <a:lvl2pPr marL="685800" indent="-228600" algn="l" defTabSz="914400">
+              <a:lnSpc>
+                <a:spcPct val="120000"/>
+              </a:lnSpc>
+              <a:spcBef>
+                <a:spcPts val="499"/>
+              </a:spcBef>
+              <a:buClr>
+                <a:schemeClr val="accent1"/>
+              </a:buClr>
+              <a:buSzPct val="100000"/>
+              <a:buFont typeface="Arial"/>
+              <a:buChar char="•"/>
+              <a:defRPr sz="1800" cap="none">
+                <a:solidFill>
+                  <a:schemeClr val="tx1"/>
+                </a:solidFill>
+                <a:latin typeface="+mn-lt"/>
+                <a:ea typeface="+mn-ea"/>
+                <a:cs typeface="+mn-cs"/>
+              </a:defRPr>
+            </a:lvl2pPr>
+            <a:lvl3pPr marL="1143000" indent="-228600" algn="l" defTabSz="914400">
+              <a:lnSpc>
+                <a:spcPct val="120000"/>
+              </a:lnSpc>
+              <a:spcBef>
+                <a:spcPts val="499"/>
+              </a:spcBef>
+              <a:buClr>
+                <a:schemeClr val="accent1"/>
+              </a:buClr>
+              <a:buSzPct val="100000"/>
+              <a:buFont typeface="Arial"/>
+              <a:buChar char="•"/>
+              <a:defRPr sz="1600">
+                <a:solidFill>
+                  <a:schemeClr val="tx1"/>
+                </a:solidFill>
+                <a:latin typeface="+mn-lt"/>
+                <a:ea typeface="+mn-ea"/>
+                <a:cs typeface="+mn-cs"/>
+              </a:defRPr>
+            </a:lvl3pPr>
+            <a:lvl4pPr marL="1600200" indent="-228600" algn="l" defTabSz="914400">
+              <a:lnSpc>
+                <a:spcPct val="120000"/>
+              </a:lnSpc>
+              <a:spcBef>
+                <a:spcPts val="499"/>
+              </a:spcBef>
+              <a:buClr>
+                <a:schemeClr val="accent1"/>
+              </a:buClr>
+              <a:buSzPct val="100000"/>
+              <a:buFont typeface="Arial"/>
+              <a:buChar char="•"/>
+              <a:defRPr sz="1400" cap="none">
+                <a:solidFill>
+                  <a:schemeClr val="tx1"/>
+                </a:solidFill>
+                <a:latin typeface="+mn-lt"/>
+                <a:ea typeface="+mn-ea"/>
+                <a:cs typeface="+mn-cs"/>
+              </a:defRPr>
+            </a:lvl4pPr>
+            <a:lvl5pPr marL="2057400" indent="-228600" algn="l" defTabSz="914400">
+              <a:lnSpc>
+                <a:spcPct val="120000"/>
+              </a:lnSpc>
+              <a:spcBef>
+                <a:spcPts val="499"/>
+              </a:spcBef>
+              <a:buClr>
+                <a:schemeClr val="accent1"/>
+              </a:buClr>
+              <a:buSzPct val="100000"/>
+              <a:buFont typeface="Arial"/>
+              <a:buChar char="•"/>
+              <a:defRPr sz="1200">
+                <a:solidFill>
+                  <a:schemeClr val="tx1"/>
+                </a:solidFill>
+                <a:latin typeface="+mn-lt"/>
+                <a:ea typeface="+mn-ea"/>
+                <a:cs typeface="+mn-cs"/>
+              </a:defRPr>
+            </a:lvl5pPr>
+            <a:lvl6pPr marL="2514599" indent="-228600" algn="l" defTabSz="914400">
+              <a:lnSpc>
+                <a:spcPct val="120000"/>
+              </a:lnSpc>
+              <a:spcBef>
+                <a:spcPts val="499"/>
+              </a:spcBef>
+              <a:buClr>
+                <a:schemeClr val="accent1"/>
+              </a:buClr>
+              <a:buSzPct val="100000"/>
+              <a:buFont typeface="Arial"/>
+              <a:buChar char="•"/>
+              <a:defRPr sz="1200">
+                <a:solidFill>
+                  <a:schemeClr val="tx1"/>
+                </a:solidFill>
+                <a:latin typeface="+mn-lt"/>
+                <a:ea typeface="+mn-ea"/>
+                <a:cs typeface="+mn-cs"/>
+              </a:defRPr>
+            </a:lvl6pPr>
+            <a:lvl7pPr marL="2971800" indent="-228600" algn="l" defTabSz="914400">
+              <a:lnSpc>
+                <a:spcPct val="120000"/>
+              </a:lnSpc>
+              <a:spcBef>
+                <a:spcPts val="499"/>
+              </a:spcBef>
+              <a:buClr>
+                <a:schemeClr val="accent1"/>
+              </a:buClr>
+              <a:buSzPct val="100000"/>
+              <a:buFont typeface="Arial"/>
+              <a:buChar char="•"/>
+              <a:defRPr sz="1200">
+                <a:solidFill>
+                  <a:schemeClr val="tx1"/>
+                </a:solidFill>
+                <a:latin typeface="+mn-lt"/>
+                <a:ea typeface="+mn-ea"/>
+                <a:cs typeface="+mn-cs"/>
+              </a:defRPr>
+            </a:lvl7pPr>
+            <a:lvl8pPr marL="3429000" indent="-228600" algn="l" defTabSz="914400">
+              <a:lnSpc>
+                <a:spcPct val="120000"/>
+              </a:lnSpc>
+              <a:spcBef>
+                <a:spcPts val="499"/>
+              </a:spcBef>
+              <a:buClr>
+                <a:schemeClr val="accent1"/>
+              </a:buClr>
+              <a:buSzPct val="100000"/>
+              <a:buFont typeface="Arial"/>
+              <a:buChar char="•"/>
+              <a:defRPr sz="1200">
+                <a:solidFill>
+                  <a:schemeClr val="tx1"/>
+                </a:solidFill>
+                <a:latin typeface="+mn-lt"/>
+                <a:ea typeface="+mn-ea"/>
+                <a:cs typeface="+mn-cs"/>
+              </a:defRPr>
+            </a:lvl8pPr>
+            <a:lvl9pPr marL="3886200" indent="-228600" algn="l" defTabSz="914400">
+              <a:lnSpc>
+                <a:spcPct val="120000"/>
+              </a:lnSpc>
+              <a:spcBef>
+                <a:spcPts val="499"/>
+              </a:spcBef>
+              <a:buClr>
+                <a:schemeClr val="accent1"/>
+              </a:buClr>
+              <a:buSzPct val="100000"/>
+              <a:buFont typeface="Arial"/>
+              <a:buChar char="•"/>
+              <a:defRPr sz="1200">
+                <a:solidFill>
+                  <a:schemeClr val="tx1"/>
+                </a:solidFill>
+                <a:latin typeface="+mn-lt"/>
+                <a:ea typeface="+mn-ea"/>
+                <a:cs typeface="+mn-cs"/>
+              </a:defRPr>
+            </a:lvl9pPr>
+          </a:lstStyle>
+          <a:p>
+            <a:pPr>
+              <a:defRPr/>
+            </a:pPr>
+            <a:r>
+              <a:rPr lang="de-DE" sz="2000" b="0" i="0" u="none" strike="noStrike" cap="none" spc="0">
+                <a:solidFill>
+                  <a:schemeClr val="tx1"/>
+                </a:solidFill>
+                <a:latin typeface="Palatino Linotype"/>
+                <a:ea typeface="Arial"/>
+                <a:cs typeface="Arial"/>
+              </a:rPr>
+              <a:t>Cinco Product Definition</a:t>
+            </a:r>
+            <a:endParaRPr lang="de-DE" sz="2000"/>
+          </a:p>
+        </p:txBody>
+      </p:sp>
     </p:spTree>
   </p:cSld>
   <p:clrMapOvr>

--- a/Abschlussvortrag.pptx
+++ b/Abschlussvortrag.pptx
@@ -5,7 +5,7 @@
     <p:sldMasterId id="2147483648" r:id="rId1"/>
   </p:sldMasterIdLst>
   <p:notesMasterIdLst>
-    <p:notesMasterId r:id="rId22"/>
+    <p:notesMasterId r:id="rId23"/>
   </p:notesMasterIdLst>
   <p:sldIdLst>
     <p:sldId id="256" r:id="rId4"/>
@@ -26,6 +26,7 @@
     <p:sldId id="271" r:id="rId19"/>
     <p:sldId id="272" r:id="rId20"/>
     <p:sldId id="273" r:id="rId21"/>
+    <p:sldId id="274" r:id="rId22"/>
   </p:sldIdLst>
   <p:sldSz cx="12192000" cy="6858000"/>
   <p:notesSz cx="12192000" cy="6858000"/>
@@ -614,6 +615,95 @@
                 <a:ea typeface="Palatino Linotype"/>
                 <a:cs typeface="Palatino Linotype"/>
               </a:rPr>
+              <a:t>- Was hast du für die Demo geplant? Ich hoffe, du gehst da detailliert auf die ganzen Features deiner Sprachen ein: Primereferenzen, Verschachtelung, Enablen/Disablen von Screenshots, Checks etc.</a:t>
+            </a:r>
+            <a:endParaRPr/>
+          </a:p>
+        </p:txBody>
+      </p:sp>
+      <p:sp>
+        <p:nvSpPr>
+          <p:cNvPr id="4" name="Slide Number Placeholder 3" hidden="0"/>
+          <p:cNvSpPr>
+            <a:spLocks noGrp="1"/>
+          </p:cNvSpPr>
+          <p:nvPr isPhoto="0" userDrawn="0">
+            <p:ph type="sldNum" sz="quarter" idx="10" hasCustomPrompt="0"/>
+          </p:nvPr>
+        </p:nvSpPr>
+        <p:spPr bwMode="auto"/>
+        <p:txBody>
+          <a:bodyPr/>
+          <a:lstStyle/>
+          <a:p>
+            <a:pPr>
+              <a:defRPr/>
+            </a:pPr>
+            <a:endParaRPr/>
+          </a:p>
+        </p:txBody>
+      </p:sp>
+    </p:spTree>
+  </p:cSld>
+</p:notes>
+</file>
+
+<file path=ppt/notesSlides/notesSlide11.xml><?xml version="1.0" encoding="utf-8"?>
+<p:notes xmlns:a="http://schemas.openxmlformats.org/drawingml/2006/main" xmlns:r="http://schemas.openxmlformats.org/officeDocument/2006/relationships" xmlns:p="http://schemas.openxmlformats.org/presentationml/2006/main" xmlns:m="http://schemas.openxmlformats.org/officeDocument/2006/math" xmlns:w="http://schemas.openxmlformats.org/wordprocessingml/2006/main">
+  <p:cSld name="">
+    <p:spTree>
+      <p:nvGrpSpPr>
+        <p:cNvPr id="1" name="" hidden="0"/>
+        <p:cNvGrpSpPr/>
+        <p:nvPr isPhoto="0" userDrawn="0"/>
+      </p:nvGrpSpPr>
+      <p:grpSpPr bwMode="auto">
+        <a:xfrm>
+          <a:off x="0" y="0"/>
+          <a:ext cx="0" cy="0"/>
+          <a:chOff x="0" y="0"/>
+          <a:chExt cx="0" cy="0"/>
+        </a:xfrm>
+      </p:grpSpPr>
+      <p:sp>
+        <p:nvSpPr>
+          <p:cNvPr id="2" name="Slide Image Placeholder 1" hidden="0"/>
+          <p:cNvSpPr>
+            <a:spLocks noChangeAspect="1" noGrp="1" noRot="1"/>
+          </p:cNvSpPr>
+          <p:nvPr isPhoto="0" userDrawn="0">
+            <p:ph type="sldImg" hasCustomPrompt="0"/>
+          </p:nvPr>
+        </p:nvSpPr>
+        <p:spPr bwMode="auto"/>
+      </p:sp>
+      <p:sp>
+        <p:nvSpPr>
+          <p:cNvPr id="3" name="Notes Placeholder 2" hidden="0"/>
+          <p:cNvSpPr>
+            <a:spLocks noGrp="1"/>
+          </p:cNvSpPr>
+          <p:nvPr isPhoto="0" userDrawn="0">
+            <p:ph type="body" idx="1" hasCustomPrompt="0"/>
+          </p:nvPr>
+        </p:nvSpPr>
+        <p:spPr bwMode="auto"/>
+        <p:txBody>
+          <a:bodyPr/>
+          <a:lstStyle/>
+          <a:p>
+            <a:pPr>
+              <a:defRPr/>
+            </a:pPr>
+            <a:r>
+              <a:rPr lang="de-DE" sz="1200" b="0" i="0" u="none" strike="noStrike" cap="none" spc="0">
+                <a:solidFill>
+                  <a:schemeClr val="tx1"/>
+                </a:solidFill>
+                <a:latin typeface="Palatino Linotype"/>
+                <a:ea typeface="Palatino Linotype"/>
+                <a:cs typeface="Palatino Linotype"/>
+              </a:rPr>
               <a:t>- Folie 16: Da fehlt noch das Fazit aus deiner Evaluierung bzw. Bewertung deines Tools gemessen an dem, was du damit gemacht hast.</a:t>
             </a:r>
             <a:endParaRPr/>
@@ -1531,7 +1621,7 @@
       </p:grpSpPr>
       <p:sp>
         <p:nvSpPr>
-          <p:cNvPr id="2002792847" name="Slide Image Placeholder 1" hidden="0"/>
+          <p:cNvPr id="782610789" name="Slide Image Placeholder 1" hidden="0"/>
           <p:cNvSpPr>
             <a:spLocks noChangeAspect="1" noGrp="1" noRot="1"/>
           </p:cNvSpPr>
@@ -1543,7 +1633,7 @@
       </p:sp>
       <p:sp>
         <p:nvSpPr>
-          <p:cNvPr id="781609919" name="Notes Placeholder 2" hidden="0"/>
+          <p:cNvPr id="882455537" name="Notes Placeholder 2" hidden="0"/>
           <p:cNvSpPr>
             <a:spLocks noGrp="1"/>
           </p:cNvSpPr>
@@ -1555,22 +1645,6 @@
         <p:txBody>
           <a:bodyPr/>
           <a:lstStyle/>
-          <a:p>
-            <a:pPr>
-              <a:defRPr/>
-            </a:pPr>
-            <a:r>
-              <a:rPr/>
-              <a:t>Die Verwendung externer Technologie ist insofern</a:t>
-            </a:r>
-            <a:endParaRPr/>
-          </a:p>
-          <a:p>
-            <a:pPr>
-              <a:defRPr/>
-            </a:pPr>
-            <a:endParaRPr/>
-          </a:p>
           <a:p>
             <a:pPr>
               <a:defRPr/>
@@ -1584,15 +1658,15 @@
                 <a:ea typeface="Palatino Linotype"/>
                 <a:cs typeface="Palatino Linotype"/>
               </a:rPr>
-              <a:t>- Folie 10: Inwiefern verhindert das einen Single-Point-of-failure?</a:t>
-            </a:r>
-            <a:endParaRPr/>
-          </a:p>
-        </p:txBody>
-      </p:sp>
-      <p:sp>
-        <p:nvSpPr>
-          <p:cNvPr id="1255829888" name="Slide Number Placeholder 3" hidden="0"/>
+              <a:t>- Ich vermisse ein wenig die Vorstellung der Sprachfeatures und deren Besonderheiten</a:t>
+            </a:r>
+            <a:endParaRPr/>
+          </a:p>
+        </p:txBody>
+      </p:sp>
+      <p:sp>
+        <p:nvSpPr>
+          <p:cNvPr id="838656737" name="Slide Number Placeholder 3" hidden="0"/>
           <p:cNvSpPr>
             <a:spLocks noGrp="1"/>
           </p:cNvSpPr>
@@ -1636,7 +1710,7 @@
       </p:grpSpPr>
       <p:sp>
         <p:nvSpPr>
-          <p:cNvPr id="2" name="Slide Image Placeholder 1" hidden="0"/>
+          <p:cNvPr id="2002792847" name="Slide Image Placeholder 1" hidden="0"/>
           <p:cNvSpPr>
             <a:spLocks noChangeAspect="1" noGrp="1" noRot="1"/>
           </p:cNvSpPr>
@@ -1648,7 +1722,7 @@
       </p:sp>
       <p:sp>
         <p:nvSpPr>
-          <p:cNvPr id="3" name="Notes Placeholder 2" hidden="0"/>
+          <p:cNvPr id="781609919" name="Notes Placeholder 2" hidden="0"/>
           <p:cNvSpPr>
             <a:spLocks noGrp="1"/>
           </p:cNvSpPr>
@@ -1660,6 +1734,22 @@
         <p:txBody>
           <a:bodyPr/>
           <a:lstStyle/>
+          <a:p>
+            <a:pPr>
+              <a:defRPr/>
+            </a:pPr>
+            <a:r>
+              <a:rPr/>
+              <a:t>Die Verwendung externer Technologie ist insofern</a:t>
+            </a:r>
+            <a:endParaRPr/>
+          </a:p>
+          <a:p>
+            <a:pPr>
+              <a:defRPr/>
+            </a:pPr>
+            <a:endParaRPr/>
+          </a:p>
           <a:p>
             <a:pPr>
               <a:defRPr/>
@@ -1673,15 +1763,15 @@
                 <a:ea typeface="Palatino Linotype"/>
                 <a:cs typeface="Palatino Linotype"/>
               </a:rPr>
-              <a:t>- Was hast du für die Demo geplant? Ich hoffe, du gehst da detailliert auf die ganzen Features deiner Sprachen ein: Primereferenzen, Verschachtelung, Enablen/Disablen von Screenshots, Checks etc.</a:t>
-            </a:r>
-            <a:endParaRPr/>
-          </a:p>
-        </p:txBody>
-      </p:sp>
-      <p:sp>
-        <p:nvSpPr>
-          <p:cNvPr id="4" name="Slide Number Placeholder 3" hidden="0"/>
+              <a:t>- Folie 10: Inwiefern verhindert das einen Single-Point-of-failure?</a:t>
+            </a:r>
+            <a:endParaRPr/>
+          </a:p>
+        </p:txBody>
+      </p:sp>
+      <p:sp>
+        <p:nvSpPr>
+          <p:cNvPr id="1255829888" name="Slide Number Placeholder 3" hidden="0"/>
           <p:cNvSpPr>
             <a:spLocks noGrp="1"/>
           </p:cNvSpPr>
@@ -7993,6 +8083,253 @@
       </p:grpSpPr>
       <p:sp>
         <p:nvSpPr>
+          <p:cNvPr id="1992529021" name="Título 1" hidden="0"/>
+          <p:cNvSpPr>
+            <a:spLocks noGrp="1"/>
+          </p:cNvSpPr>
+          <p:nvPr isPhoto="0" userDrawn="0">
+            <p:ph type="title" hasCustomPrompt="0"/>
+          </p:nvPr>
+        </p:nvSpPr>
+        <p:spPr bwMode="auto"/>
+        <p:txBody>
+          <a:bodyPr/>
+          <a:lstStyle/>
+          <a:p>
+            <a:pPr>
+              <a:defRPr/>
+            </a:pPr>
+            <a:r>
+              <a:rPr lang="de-DE"/>
+              <a:t>Graphische DSL: .feat und .doc</a:t>
+            </a:r>
+            <a:br>
+              <a:rPr lang="de-DE"/>
+            </a:br>
+            <a:r>
+              <a:rPr lang="de-DE" sz="1600" i="1"/>
+              <a:t>Feature- und Dokumentationssprachen</a:t>
+            </a:r>
+            <a:endParaRPr/>
+          </a:p>
+        </p:txBody>
+      </p:sp>
+      <p:sp>
+        <p:nvSpPr>
+          <p:cNvPr id="769483727" name="Content Placeholder 2" hidden="0"/>
+          <p:cNvSpPr>
+            <a:spLocks noGrp="1"/>
+          </p:cNvSpPr>
+          <p:nvPr isPhoto="0" userDrawn="0">
+            <p:ph idx="1" hasCustomPrompt="0"/>
+          </p:nvPr>
+        </p:nvSpPr>
+        <p:spPr bwMode="auto">
+          <a:xfrm flipH="0" flipV="0">
+            <a:off x="3188370" y="2015731"/>
+            <a:ext cx="5657620" cy="3515653"/>
+          </a:xfrm>
+        </p:spPr>
+        <p:txBody>
+          <a:bodyPr anchor="t"/>
+          <a:lstStyle/>
+          <a:p>
+            <a:pPr>
+              <a:defRPr/>
+            </a:pPr>
+            <a:endParaRPr lang="de-DE" sz="2000"/>
+          </a:p>
+          <a:p>
+            <a:pPr>
+              <a:defRPr/>
+            </a:pPr>
+            <a:r>
+              <a:rPr lang="de-DE" sz="2000"/>
+              <a:t>DocGraph Modelelemente (rechts)</a:t>
+            </a:r>
+            <a:endParaRPr lang="de-DE" sz="2000"/>
+          </a:p>
+          <a:p>
+            <a:pPr>
+              <a:defRPr/>
+            </a:pPr>
+            <a:endParaRPr lang="de-DE" sz="2000"/>
+          </a:p>
+        </p:txBody>
+      </p:sp>
+      <p:pic>
+        <p:nvPicPr>
+          <p:cNvPr id="131235200" name="" hidden="0"/>
+          <p:cNvPicPr>
+            <a:picLocks noChangeAspect="1"/>
+          </p:cNvPicPr>
+          <p:nvPr isPhoto="0" userDrawn="0"/>
+        </p:nvPicPr>
+        <p:blipFill>
+          <a:blip r:embed="rId3"/>
+          <a:stretch/>
+        </p:blipFill>
+        <p:spPr bwMode="auto">
+          <a:xfrm rot="0" flipH="0" flipV="0">
+            <a:off x="1634400" y="2015731"/>
+            <a:ext cx="1553970" cy="3234200"/>
+          </a:xfrm>
+          <a:prstGeom prst="rect">
+            <a:avLst/>
+          </a:prstGeom>
+        </p:spPr>
+      </p:pic>
+      <p:sp>
+        <p:nvSpPr>
+          <p:cNvPr id="2101884081" name="" hidden="0"/>
+          <p:cNvSpPr txBox="1"/>
+          <p:nvPr isPhoto="0" userDrawn="0"/>
+        </p:nvSpPr>
+        <p:spPr bwMode="auto">
+          <a:xfrm flipH="0" flipV="0">
+            <a:off x="1542680" y="5302577"/>
+            <a:ext cx="1796820" cy="228808"/>
+          </a:xfrm>
+          <a:prstGeom prst="rect">
+            <a:avLst/>
+          </a:prstGeom>
+          <a:noFill/>
+        </p:spPr>
+        <p:txBody>
+          <a:bodyPr vertOverflow="overflow" horzOverflow="clip" vert="horz" wrap="square" lIns="91440" tIns="45720" rIns="91440" bIns="45720" numCol="1" spcCol="0" rtlCol="0" fromWordArt="0" anchor="t" anchorCtr="0" forceAA="0" upright="0" compatLnSpc="0">
+            <a:noAutofit/>
+          </a:bodyPr>
+          <a:p>
+            <a:pPr>
+              <a:defRPr/>
+            </a:pPr>
+            <a:r>
+              <a:rPr lang="de-DE" sz="900" b="0" i="0" u="none" strike="noStrike" cap="none" spc="0">
+                <a:solidFill>
+                  <a:schemeClr val="tx1"/>
+                </a:solidFill>
+                <a:latin typeface="Palatino Linotype"/>
+                <a:ea typeface="Arial"/>
+                <a:cs typeface="Arial"/>
+              </a:rPr>
+              <a:t>FeatureGraph Modelelemente</a:t>
+            </a:r>
+            <a:endParaRPr sz="900"/>
+          </a:p>
+        </p:txBody>
+      </p:sp>
+      <p:grpSp>
+        <p:nvGrpSpPr>
+          <p:cNvPr id="864845761" name="" hidden="0"/>
+          <p:cNvGrpSpPr/>
+          <p:nvPr isPhoto="0" userDrawn="0"/>
+        </p:nvGrpSpPr>
+        <p:grpSpPr bwMode="auto">
+          <a:xfrm>
+            <a:off x="8999913" y="944251"/>
+            <a:ext cx="1603576" cy="4992694"/>
+            <a:chOff x="0" y="0"/>
+            <a:chExt cx="1603576" cy="4992694"/>
+          </a:xfrm>
+        </p:grpSpPr>
+        <p:pic>
+          <p:nvPicPr>
+            <p:cNvPr id="1576643762" name="" hidden="0"/>
+            <p:cNvPicPr>
+              <a:picLocks noChangeAspect="1"/>
+            </p:cNvPicPr>
+            <p:nvPr isPhoto="0" userDrawn="0"/>
+          </p:nvPicPr>
+          <p:blipFill>
+            <a:blip r:embed="rId4"/>
+            <a:srcRect l="897" t="343" r="0" b="0"/>
+            <a:stretch/>
+          </p:blipFill>
+          <p:spPr bwMode="auto">
+            <a:xfrm flipH="0" flipV="0">
+              <a:off x="0" y="0"/>
+              <a:ext cx="1603576" cy="4763886"/>
+            </a:xfrm>
+            <a:prstGeom prst="rect">
+              <a:avLst/>
+            </a:prstGeom>
+          </p:spPr>
+        </p:pic>
+        <p:sp>
+          <p:nvSpPr>
+            <p:cNvPr id="1915185836" name="" hidden="0"/>
+            <p:cNvSpPr txBox="1"/>
+            <p:nvPr isPhoto="0" userDrawn="0"/>
+          </p:nvSpPr>
+          <p:spPr bwMode="auto">
+            <a:xfrm flipH="0" flipV="0">
+              <a:off x="0" y="4763886"/>
+              <a:ext cx="1594852" cy="228807"/>
+            </a:xfrm>
+            <a:prstGeom prst="rect">
+              <a:avLst/>
+            </a:prstGeom>
+            <a:noFill/>
+          </p:spPr>
+          <p:txBody>
+            <a:bodyPr vertOverflow="overflow" horzOverflow="clip" vert="horz" wrap="square" lIns="91440" tIns="45720" rIns="91440" bIns="45720" numCol="1" spcCol="0" rtlCol="0" fromWordArt="0" anchor="t" anchorCtr="0" forceAA="0" upright="0" compatLnSpc="0">
+              <a:noAutofit/>
+            </a:bodyPr>
+            <a:p>
+              <a:pPr>
+                <a:defRPr/>
+              </a:pPr>
+              <a:r>
+                <a:rPr lang="de-DE" sz="900" b="0" i="0" u="none" strike="noStrike" cap="none" spc="0">
+                  <a:solidFill>
+                    <a:schemeClr val="tx1"/>
+                  </a:solidFill>
+                  <a:latin typeface="Palatino Linotype"/>
+                  <a:ea typeface="Arial"/>
+                  <a:cs typeface="Arial"/>
+                </a:rPr>
+                <a:t>DocGraph Modelelemente</a:t>
+              </a:r>
+              <a:endParaRPr/>
+            </a:p>
+          </p:txBody>
+        </p:sp>
+      </p:grpSp>
+    </p:spTree>
+  </p:cSld>
+  <p:clrMapOvr>
+    <a:masterClrMapping/>
+  </p:clrMapOvr>
+  <mc:AlternateContent xmlns:mc="http://schemas.openxmlformats.org/markup-compatibility/2006">
+    <mc:Choice xmlns:p14="http://schemas.microsoft.com/office/powerpoint/2010/main" Requires="p14">
+      <p:transition p14:dur="2000" advClick="1"/>
+    </mc:Choice>
+    <mc:Fallback>
+      <p:transition advClick="1"/>
+    </mc:Fallback>
+  </mc:AlternateContent>
+</p:sld>
+</file>
+
+<file path=ppt/slides/slide11.xml><?xml version="1.0" encoding="utf-8"?>
+<p:sld xmlns:a="http://schemas.openxmlformats.org/drawingml/2006/main" xmlns:r="http://schemas.openxmlformats.org/officeDocument/2006/relationships" xmlns:p="http://schemas.openxmlformats.org/presentationml/2006/main" xmlns:m="http://schemas.openxmlformats.org/officeDocument/2006/math" xmlns:w="http://schemas.openxmlformats.org/wordprocessingml/2006/main" showMasterPhAnim="0" show="1">
+  <p:cSld name="">
+    <p:spTree>
+      <p:nvGrpSpPr>
+        <p:cNvPr id="1" name="" hidden="0"/>
+        <p:cNvGrpSpPr/>
+        <p:nvPr isPhoto="0" userDrawn="0"/>
+      </p:nvGrpSpPr>
+      <p:grpSpPr bwMode="auto">
+        <a:xfrm>
+          <a:off x="0" y="0"/>
+          <a:ext cx="0" cy="0"/>
+          <a:chOff x="0" y="0"/>
+          <a:chExt cx="0" cy="0"/>
+        </a:xfrm>
+      </p:grpSpPr>
+      <p:sp>
+        <p:nvSpPr>
           <p:cNvPr id="53415977" name="Título 1" hidden="0"/>
           <p:cNvSpPr>
             <a:spLocks noGrp="1"/>
@@ -8119,7 +8456,7 @@
 </p:sld>
 </file>
 
-<file path=ppt/slides/slide11.xml><?xml version="1.0" encoding="utf-8"?>
+<file path=ppt/slides/slide12.xml><?xml version="1.0" encoding="utf-8"?>
 <p:sld xmlns:a="http://schemas.openxmlformats.org/drawingml/2006/main" xmlns:r="http://schemas.openxmlformats.org/officeDocument/2006/relationships" xmlns:p="http://schemas.openxmlformats.org/presentationml/2006/main" xmlns:m="http://schemas.openxmlformats.org/officeDocument/2006/math" xmlns:w="http://schemas.openxmlformats.org/wordprocessingml/2006/main" showMasterPhAnim="0" show="1">
   <p:cSld name="">
     <p:spTree>
@@ -8416,7 +8753,7 @@
 </p:sld>
 </file>
 
-<file path=ppt/slides/slide12.xml><?xml version="1.0" encoding="utf-8"?>
+<file path=ppt/slides/slide13.xml><?xml version="1.0" encoding="utf-8"?>
 <p:sld xmlns:a="http://schemas.openxmlformats.org/drawingml/2006/main" xmlns:r="http://schemas.openxmlformats.org/officeDocument/2006/relationships" xmlns:p="http://schemas.openxmlformats.org/presentationml/2006/main" xmlns:m="http://schemas.openxmlformats.org/officeDocument/2006/math" xmlns:w="http://schemas.openxmlformats.org/wordprocessingml/2006/main" showMasterPhAnim="0" show="1">
   <p:cSld name="">
     <p:spTree>
@@ -8557,7 +8894,7 @@
 </p:sld>
 </file>
 
-<file path=ppt/slides/slide13.xml><?xml version="1.0" encoding="utf-8"?>
+<file path=ppt/slides/slide14.xml><?xml version="1.0" encoding="utf-8"?>
 <p:sld xmlns:a="http://schemas.openxmlformats.org/drawingml/2006/main" xmlns:r="http://schemas.openxmlformats.org/officeDocument/2006/relationships" xmlns:p="http://schemas.openxmlformats.org/presentationml/2006/main" xmlns:m="http://schemas.openxmlformats.org/officeDocument/2006/math" xmlns:w="http://schemas.openxmlformats.org/wordprocessingml/2006/main" showMasterPhAnim="0" show="1">
   <p:cSld name="">
     <p:spTree>
@@ -8686,7 +9023,7 @@
 </p:sld>
 </file>
 
-<file path=ppt/slides/slide14.xml><?xml version="1.0" encoding="utf-8"?>
+<file path=ppt/slides/slide15.xml><?xml version="1.0" encoding="utf-8"?>
 <p:sld xmlns:a="http://schemas.openxmlformats.org/drawingml/2006/main" xmlns:r="http://schemas.openxmlformats.org/officeDocument/2006/relationships" xmlns:p="http://schemas.openxmlformats.org/presentationml/2006/main" xmlns:m="http://schemas.openxmlformats.org/officeDocument/2006/math" xmlns:w="http://schemas.openxmlformats.org/wordprocessingml/2006/main" showMasterPhAnim="0" show="1">
   <p:cSld name="">
     <p:spTree>
@@ -8817,7 +9154,7 @@
 </p:sld>
 </file>
 
-<file path=ppt/slides/slide15.xml><?xml version="1.0" encoding="utf-8"?>
+<file path=ppt/slides/slide16.xml><?xml version="1.0" encoding="utf-8"?>
 <p:sld xmlns:a="http://schemas.openxmlformats.org/drawingml/2006/main" xmlns:r="http://schemas.openxmlformats.org/officeDocument/2006/relationships" xmlns:p="http://schemas.openxmlformats.org/presentationml/2006/main" xmlns:m="http://schemas.openxmlformats.org/officeDocument/2006/math" xmlns:w="http://schemas.openxmlformats.org/wordprocessingml/2006/main" showMasterPhAnim="0" show="1">
   <p:cSld name="">
     <p:bg>
@@ -8931,323 +9268,6 @@
 </p:sld>
 </file>
 
-<file path=ppt/slides/slide16.xml><?xml version="1.0" encoding="utf-8"?>
-<p:sld xmlns:a="http://schemas.openxmlformats.org/drawingml/2006/main" xmlns:r="http://schemas.openxmlformats.org/officeDocument/2006/relationships" xmlns:p="http://schemas.openxmlformats.org/presentationml/2006/main" xmlns:m="http://schemas.openxmlformats.org/officeDocument/2006/math" xmlns:w="http://schemas.openxmlformats.org/wordprocessingml/2006/main" showMasterPhAnim="0" show="1">
-  <p:cSld name="">
-    <p:spTree>
-      <p:nvGrpSpPr>
-        <p:cNvPr id="1" name="" hidden="0"/>
-        <p:cNvGrpSpPr/>
-        <p:nvPr isPhoto="0" userDrawn="0"/>
-      </p:nvGrpSpPr>
-      <p:grpSpPr bwMode="auto">
-        <a:xfrm>
-          <a:off x="0" y="0"/>
-          <a:ext cx="0" cy="0"/>
-          <a:chOff x="0" y="0"/>
-          <a:chExt cx="0" cy="0"/>
-        </a:xfrm>
-      </p:grpSpPr>
-      <p:sp>
-        <p:nvSpPr>
-          <p:cNvPr id="491240005" name="Título 1" hidden="0"/>
-          <p:cNvSpPr>
-            <a:spLocks noGrp="1"/>
-          </p:cNvSpPr>
-          <p:nvPr isPhoto="0" userDrawn="0">
-            <p:ph type="title" hasCustomPrompt="0"/>
-          </p:nvPr>
-        </p:nvSpPr>
-        <p:spPr bwMode="auto"/>
-        <p:txBody>
-          <a:bodyPr/>
-          <a:lstStyle/>
-          <a:p>
-            <a:pPr>
-              <a:defRPr/>
-            </a:pPr>
-            <a:r>
-              <a:rPr lang="de-DE"/>
-              <a:t>Künftige Arbeiten</a:t>
-            </a:r>
-            <a:br>
-              <a:rPr lang="de-DE"/>
-            </a:br>
-            <a:endParaRPr sz="1800"/>
-          </a:p>
-        </p:txBody>
-      </p:sp>
-      <p:sp>
-        <p:nvSpPr>
-          <p:cNvPr id="835041238" name="Marcador de contenido 2" hidden="0"/>
-          <p:cNvSpPr>
-            <a:spLocks noGrp="1"/>
-          </p:cNvSpPr>
-          <p:nvPr isPhoto="0" userDrawn="0">
-            <p:ph idx="1" hasCustomPrompt="0"/>
-          </p:nvPr>
-        </p:nvSpPr>
-        <p:spPr bwMode="auto"/>
-        <p:txBody>
-          <a:bodyPr vertOverflow="overflow" horzOverflow="clip" vert="horz" wrap="square" lIns="91440" tIns="45720" rIns="91440" bIns="45720" numCol="1" spcCol="0" rtlCol="0" fromWordArt="0" anchor="t" anchorCtr="0" forceAA="0" upright="0" compatLnSpc="0">
-            <a:normAutofit fontScale="90000" lnSpcReduction="2000"/>
-          </a:bodyPr>
-          <a:lstStyle/>
-          <a:p>
-            <a:pPr>
-              <a:defRPr/>
-            </a:pPr>
-            <a:r>
-              <a:rPr lang="en-US" sz="2000" b="0" i="0" u="none" strike="noStrike" cap="none" spc="0">
-                <a:solidFill>
-                  <a:schemeClr val="tx1"/>
-                </a:solidFill>
-                <a:latin typeface="Palatino Linotype"/>
-                <a:ea typeface="Palatino Linotype"/>
-                <a:cs typeface="Palatino Linotype"/>
-              </a:rPr>
-              <a:t>facilitate the creation process by gener</a:t>
-            </a:r>
-            <a:r>
-              <a:rPr lang="en-US" sz="2000" b="0" i="0" u="none" strike="noStrike" cap="none" spc="0">
-                <a:solidFill>
-                  <a:schemeClr val="tx1"/>
-                </a:solidFill>
-                <a:latin typeface="Palatino Linotype"/>
-                <a:ea typeface="Palatino Linotype"/>
-                <a:cs typeface="Palatino Linotype"/>
-              </a:rPr>
-              <a:t>ating a project template containing a start configuration</a:t>
-            </a:r>
-            <a:endParaRPr lang="en-US" sz="2000" b="0" i="0" u="none" strike="noStrike" cap="none" spc="0">
-              <a:solidFill>
-                <a:schemeClr val="tx1"/>
-              </a:solidFill>
-              <a:latin typeface="Palatino Linotype"/>
-              <a:ea typeface="Palatino Linotype"/>
-              <a:cs typeface="Palatino Linotype"/>
-            </a:endParaRPr>
-          </a:p>
-          <a:p>
-            <a:pPr>
-              <a:defRPr/>
-            </a:pPr>
-            <a:r>
-              <a:rPr lang="en-US" sz="2000" b="0" i="0" u="none" strike="noStrike" cap="none" spc="0">
-                <a:solidFill>
-                  <a:schemeClr val="tx1"/>
-                </a:solidFill>
-                <a:latin typeface="Palatino Linotype"/>
-                <a:ea typeface="Palatino Linotype"/>
-                <a:cs typeface="Palatino Linotype"/>
-              </a:rPr>
-              <a:t>cross-referencing DocGraphModels inside others could be improved in</a:t>
-            </a:r>
-            <a:r>
-              <a:rPr lang="en-US" sz="2000" b="0" i="0" u="none" strike="noStrike" cap="none" spc="0">
-                <a:solidFill>
-                  <a:schemeClr val="tx1"/>
-                </a:solidFill>
-                <a:latin typeface="Palatino Linotype"/>
-                <a:ea typeface="Palatino Linotype"/>
-                <a:cs typeface="Palatino Linotype"/>
-              </a:rPr>
-              <a:t> </a:t>
-            </a:r>
-            <a:r>
-              <a:rPr lang="en-US" sz="2000" b="0" i="0" u="none" strike="noStrike" cap="none" spc="0">
-                <a:solidFill>
-                  <a:schemeClr val="tx1"/>
-                </a:solidFill>
-                <a:latin typeface="Palatino Linotype"/>
-                <a:ea typeface="Palatino Linotype"/>
-                <a:cs typeface="Palatino Linotype"/>
-              </a:rPr>
-              <a:t>the future to allow us, for example, to list all available graph models in a separate</a:t>
-            </a:r>
-            <a:r>
-              <a:rPr lang="en-US" sz="2000" b="0" i="0" u="none" strike="noStrike" cap="none" spc="0">
-                <a:solidFill>
-                  <a:schemeClr val="tx1"/>
-                </a:solidFill>
-                <a:latin typeface="Palatino Linotype"/>
-                <a:ea typeface="Palatino Linotype"/>
-                <a:cs typeface="Palatino Linotype"/>
-              </a:rPr>
-              <a:t> </a:t>
-            </a:r>
-            <a:r>
-              <a:rPr lang="en-US" sz="2000" b="0" i="0" u="none" strike="noStrike" cap="none" spc="0">
-                <a:solidFill>
-                  <a:schemeClr val="tx1"/>
-                </a:solidFill>
-                <a:latin typeface="Palatino Linotype"/>
-                <a:ea typeface="Palatino Linotype"/>
-                <a:cs typeface="Palatino Linotype"/>
-              </a:rPr>
-              <a:t>view</a:t>
-            </a:r>
-            <a:endParaRPr lang="en-US" sz="2000" b="0" i="0" u="none" strike="noStrike" cap="none" spc="0">
-              <a:solidFill>
-                <a:schemeClr val="tx1"/>
-              </a:solidFill>
-              <a:latin typeface="Palatino Linotype"/>
-              <a:ea typeface="Palatino Linotype"/>
-              <a:cs typeface="Palatino Linotype"/>
-            </a:endParaRPr>
-          </a:p>
-          <a:p>
-            <a:pPr>
-              <a:defRPr/>
-            </a:pPr>
-            <a:r>
-              <a:rPr lang="en-US" sz="2000" b="0" i="0" u="none" strike="noStrike" cap="none" spc="0">
-                <a:solidFill>
-                  <a:schemeClr val="tx1"/>
-                </a:solidFill>
-                <a:latin typeface="Palatino Linotype"/>
-                <a:ea typeface="Palatino Linotype"/>
-                <a:cs typeface="Palatino Linotype"/>
-              </a:rPr>
-              <a:t> implement more checks to</a:t>
-            </a:r>
-            <a:r>
-              <a:rPr lang="en-US" sz="2000" b="0" i="0" u="none" strike="noStrike" cap="none" spc="0">
-                <a:solidFill>
-                  <a:schemeClr val="tx1"/>
-                </a:solidFill>
-                <a:latin typeface="Palatino Linotype"/>
-                <a:ea typeface="Palatino Linotype"/>
-                <a:cs typeface="Palatino Linotype"/>
-              </a:rPr>
-              <a:t> validate some other aspects of the model: validate</a:t>
-            </a:r>
-            <a:r>
-              <a:rPr lang="en-US" sz="2000" b="0" i="0" u="none" strike="noStrike" cap="none" spc="0">
-                <a:solidFill>
-                  <a:schemeClr val="tx1"/>
-                </a:solidFill>
-                <a:latin typeface="Palatino Linotype"/>
-                <a:ea typeface="Palatino Linotype"/>
-                <a:cs typeface="Palatino Linotype"/>
-              </a:rPr>
-              <a:t> </a:t>
-            </a:r>
-            <a:r>
-              <a:rPr lang="en-US" sz="2000" b="0" i="0" u="none" strike="noStrike" cap="none" spc="0">
-                <a:solidFill>
-                  <a:schemeClr val="tx1"/>
-                </a:solidFill>
-                <a:latin typeface="Palatino Linotype"/>
-                <a:ea typeface="Palatino Linotype"/>
-                <a:cs typeface="Palatino Linotype"/>
-              </a:rPr>
-              <a:t>that the Web element selectors have the correct syntax of CSS</a:t>
-            </a:r>
-            <a:r>
-              <a:rPr lang="en-US" sz="2000" b="0" i="0" u="none" strike="noStrike" cap="none" spc="0">
-                <a:solidFill>
-                  <a:schemeClr val="tx1"/>
-                </a:solidFill>
-                <a:latin typeface="Palatino Linotype"/>
-                <a:ea typeface="Palatino Linotype"/>
-                <a:cs typeface="Palatino Linotype"/>
-              </a:rPr>
-              <a:t> </a:t>
-            </a:r>
-            <a:r>
-              <a:rPr lang="en-US" sz="2000" b="0" i="0" u="none" strike="noStrike" cap="none" spc="0">
-                <a:solidFill>
-                  <a:schemeClr val="tx1"/>
-                </a:solidFill>
-                <a:latin typeface="Palatino Linotype"/>
-                <a:ea typeface="Palatino Linotype"/>
-                <a:cs typeface="Palatino Linotype"/>
-              </a:rPr>
-              <a:t>selectors or XPath</a:t>
-            </a:r>
-            <a:r>
-              <a:rPr lang="en-US" sz="2000" b="0" i="0" u="none" strike="noStrike" cap="none" spc="0">
-                <a:solidFill>
-                  <a:schemeClr val="tx1"/>
-                </a:solidFill>
-                <a:latin typeface="Palatino Linotype"/>
-                <a:ea typeface="Palatino Linotype"/>
-                <a:cs typeface="Palatino Linotype"/>
-              </a:rPr>
-              <a:t> We could even verify in advance if the HTML element we are looking</a:t>
-            </a:r>
-            <a:r>
-              <a:rPr lang="en-US" sz="2000" b="0" i="0" u="none" strike="noStrike" cap="none" spc="0">
-                <a:solidFill>
-                  <a:schemeClr val="tx1"/>
-                </a:solidFill>
-                <a:latin typeface="Palatino Linotype"/>
-                <a:ea typeface="Palatino Linotype"/>
-                <a:cs typeface="Palatino Linotype"/>
-              </a:rPr>
-              <a:t> </a:t>
-            </a:r>
-            <a:r>
-              <a:rPr lang="en-US" sz="2000" b="0" i="0" u="none" strike="noStrike" cap="none" spc="0">
-                <a:solidFill>
-                  <a:schemeClr val="tx1"/>
-                </a:solidFill>
-                <a:latin typeface="Palatino Linotype"/>
-                <a:ea typeface="Palatino Linotype"/>
-                <a:cs typeface="Palatino Linotype"/>
-              </a:rPr>
-              <a:t>for can be found with that given selector by running a selector query search in</a:t>
-            </a:r>
-            <a:r>
-              <a:rPr lang="en-US" sz="2000" b="0" i="0" u="none" strike="noStrike" cap="none" spc="0">
-                <a:solidFill>
-                  <a:schemeClr val="tx1"/>
-                </a:solidFill>
-                <a:latin typeface="Palatino Linotype"/>
-                <a:ea typeface="Palatino Linotype"/>
-                <a:cs typeface="Palatino Linotype"/>
-              </a:rPr>
-              <a:t> </a:t>
-            </a:r>
-            <a:r>
-              <a:rPr lang="en-US" sz="2000" b="0" i="0" u="none" strike="noStrike" cap="none" spc="0">
-                <a:solidFill>
-                  <a:schemeClr val="tx1"/>
-                </a:solidFill>
-                <a:latin typeface="Palatino Linotype"/>
-                <a:ea typeface="Palatino Linotype"/>
-                <a:cs typeface="Palatino Linotype"/>
-              </a:rPr>
-              <a:t>the background</a:t>
-            </a:r>
-            <a:endParaRPr lang="en-US" sz="2000" b="0" i="0" u="none" strike="noStrike" cap="none" spc="0">
-              <a:solidFill>
-                <a:schemeClr val="tx1"/>
-              </a:solidFill>
-              <a:latin typeface="Palatino Linotype"/>
-              <a:ea typeface="Palatino Linotype"/>
-              <a:cs typeface="Palatino Linotype"/>
-            </a:endParaRPr>
-          </a:p>
-        </p:txBody>
-      </p:sp>
-    </p:spTree>
-  </p:cSld>
-  <p:clrMapOvr>
-    <a:masterClrMapping/>
-  </p:clrMapOvr>
-  <mc:AlternateContent xmlns:mc="http://schemas.openxmlformats.org/markup-compatibility/2006">
-    <mc:Choice xmlns:p14="http://schemas.microsoft.com/office/powerpoint/2010/main" Requires="p14">
-      <p:transition p14:dur="2000" advClick="1"/>
-    </mc:Choice>
-    <mc:Fallback>
-      <p:transition advClick="1"/>
-    </mc:Fallback>
-  </mc:AlternateContent>
-</p:sld>
-</file>
-
 <file path=ppt/slides/slide17.xml><?xml version="1.0" encoding="utf-8"?>
 <p:sld xmlns:a="http://schemas.openxmlformats.org/drawingml/2006/main" xmlns:r="http://schemas.openxmlformats.org/officeDocument/2006/relationships" xmlns:p="http://schemas.openxmlformats.org/presentationml/2006/main" xmlns:m="http://schemas.openxmlformats.org/officeDocument/2006/math" xmlns:w="http://schemas.openxmlformats.org/wordprocessingml/2006/main" showMasterPhAnim="0" show="1">
   <p:cSld name="">
@@ -9267,7 +9287,7 @@
       </p:grpSpPr>
       <p:sp>
         <p:nvSpPr>
-          <p:cNvPr id="653499456" name="Título 1" hidden="0"/>
+          <p:cNvPr id="491240005" name="Título 1" hidden="0"/>
           <p:cNvSpPr>
             <a:spLocks noGrp="1"/>
           </p:cNvSpPr>
@@ -9285,18 +9305,18 @@
             </a:pPr>
             <a:r>
               <a:rPr lang="de-DE"/>
-              <a:t>Fazit</a:t>
+              <a:t>Künftige Arbeiten</a:t>
             </a:r>
             <a:br>
               <a:rPr lang="de-DE"/>
             </a:br>
-            <a:endParaRPr sz="1600"/>
-          </a:p>
-        </p:txBody>
-      </p:sp>
-      <p:sp>
-        <p:nvSpPr>
-          <p:cNvPr id="751158943" name="Marcador de contenido 2" hidden="0"/>
+            <a:endParaRPr sz="1800"/>
+          </a:p>
+        </p:txBody>
+      </p:sp>
+      <p:sp>
+        <p:nvSpPr>
+          <p:cNvPr id="835041238" name="Marcador de contenido 2" hidden="0"/>
           <p:cNvSpPr>
             <a:spLocks noGrp="1"/>
           </p:cNvSpPr>
@@ -9306,14 +9326,16 @@
         </p:nvSpPr>
         <p:spPr bwMode="auto"/>
         <p:txBody>
-          <a:bodyPr/>
+          <a:bodyPr vertOverflow="overflow" horzOverflow="clip" vert="horz" wrap="square" lIns="91440" tIns="45720" rIns="91440" bIns="45720" numCol="1" spcCol="0" rtlCol="0" fromWordArt="0" anchor="t" anchorCtr="0" forceAA="0" upright="0" compatLnSpc="0">
+            <a:normAutofit fontScale="90000" lnSpcReduction="2000"/>
+          </a:bodyPr>
           <a:lstStyle/>
           <a:p>
             <a:pPr>
               <a:defRPr/>
             </a:pPr>
             <a:r>
-              <a:rPr lang="de-DE" sz="2000" b="0" i="0" u="none" strike="noStrike" cap="none" spc="0">
+              <a:rPr lang="en-US" sz="2000" b="0" i="0" u="none" strike="noStrike" cap="none" spc="0">
                 <a:solidFill>
                   <a:schemeClr val="tx1"/>
                 </a:solidFill>
@@ -9321,9 +9343,20 @@
                 <a:ea typeface="Palatino Linotype"/>
                 <a:cs typeface="Palatino Linotype"/>
               </a:rPr>
-              <a:t>DSL-getriebene Generierung von Endbenutzerdokumentation für Webanwendungen auf der Basis von Graphenmodellen unter Verwendung einer grafischen DSL</a:t>
-            </a:r>
-            <a:endParaRPr lang="de-DE" sz="2000" b="0" i="0" u="none" strike="noStrike" cap="none" spc="0">
+              <a:t>facilitate the creation process by gener</a:t>
+            </a:r>
+            <a:r>
+              <a:rPr lang="en-US" sz="2000" b="0" i="0" u="none" strike="noStrike" cap="none" spc="0">
+                <a:solidFill>
+                  <a:schemeClr val="tx1"/>
+                </a:solidFill>
+                <a:latin typeface="Palatino Linotype"/>
+                <a:ea typeface="Palatino Linotype"/>
+                <a:cs typeface="Palatino Linotype"/>
+              </a:rPr>
+              <a:t>ating a project template containing a start configuration</a:t>
+            </a:r>
+            <a:endParaRPr lang="en-US" sz="2000" b="0" i="0" u="none" strike="noStrike" cap="none" spc="0">
               <a:solidFill>
                 <a:schemeClr val="tx1"/>
               </a:solidFill>
@@ -9337,7 +9370,7 @@
               <a:defRPr/>
             </a:pPr>
             <a:r>
-              <a:rPr lang="de-DE" sz="2000" b="0" i="0" u="none" strike="noStrike" cap="none" spc="0">
+              <a:rPr lang="en-US" sz="2000" b="0" i="0" u="none" strike="noStrike" cap="none" spc="0">
                 <a:solidFill>
                   <a:schemeClr val="tx1"/>
                 </a:solidFill>
@@ -9345,9 +9378,53 @@
                 <a:ea typeface="Palatino Linotype"/>
                 <a:cs typeface="Palatino Linotype"/>
               </a:rPr>
-              <a:t>Erstellung einer Editoranwendung, die es dem Dokumentationsdesigner ermöglicht grafische Diagramme zu erstellen, die den erforderlichen Benutzer-Workflow veranschaulichen</a:t>
-            </a:r>
-            <a:endParaRPr lang="de-DE" sz="2000" b="0" i="0" u="none" strike="noStrike" cap="none" spc="0">
+              <a:t>cross-referencing DocGraphModels inside others could be improved in</a:t>
+            </a:r>
+            <a:r>
+              <a:rPr lang="en-US" sz="2000" b="0" i="0" u="none" strike="noStrike" cap="none" spc="0">
+                <a:solidFill>
+                  <a:schemeClr val="tx1"/>
+                </a:solidFill>
+                <a:latin typeface="Palatino Linotype"/>
+                <a:ea typeface="Palatino Linotype"/>
+                <a:cs typeface="Palatino Linotype"/>
+              </a:rPr>
+              <a:t> </a:t>
+            </a:r>
+            <a:r>
+              <a:rPr lang="en-US" sz="2000" b="0" i="0" u="none" strike="noStrike" cap="none" spc="0">
+                <a:solidFill>
+                  <a:schemeClr val="tx1"/>
+                </a:solidFill>
+                <a:latin typeface="Palatino Linotype"/>
+                <a:ea typeface="Palatino Linotype"/>
+                <a:cs typeface="Palatino Linotype"/>
+              </a:rPr>
+              <a:t>the future to allow us, for example, to list all available graph models in a separate</a:t>
+            </a:r>
+            <a:r>
+              <a:rPr lang="en-US" sz="2000" b="0" i="0" u="none" strike="noStrike" cap="none" spc="0">
+                <a:solidFill>
+                  <a:schemeClr val="tx1"/>
+                </a:solidFill>
+                <a:latin typeface="Palatino Linotype"/>
+                <a:ea typeface="Palatino Linotype"/>
+                <a:cs typeface="Palatino Linotype"/>
+              </a:rPr>
+              <a:t> </a:t>
+            </a:r>
+            <a:r>
+              <a:rPr lang="en-US" sz="2000" b="0" i="0" u="none" strike="noStrike" cap="none" spc="0">
+                <a:solidFill>
+                  <a:schemeClr val="tx1"/>
+                </a:solidFill>
+                <a:latin typeface="Palatino Linotype"/>
+                <a:ea typeface="Palatino Linotype"/>
+                <a:cs typeface="Palatino Linotype"/>
+              </a:rPr>
+              <a:t>view</a:t>
+            </a:r>
+            <a:endParaRPr lang="en-US" sz="2000" b="0" i="0" u="none" strike="noStrike" cap="none" spc="0">
               <a:solidFill>
                 <a:schemeClr val="tx1"/>
               </a:solidFill>
@@ -9361,7 +9438,7 @@
               <a:defRPr/>
             </a:pPr>
             <a:r>
-              <a:rPr lang="de-DE" sz="2000" b="0" i="0" u="none" strike="noStrike" cap="none" spc="0">
+              <a:rPr lang="en-US" sz="2000" b="0" i="0" u="none" strike="noStrike" cap="none" spc="0">
                 <a:solidFill>
                   <a:schemeClr val="tx1"/>
                 </a:solidFill>
@@ -9369,10 +9446,10 @@
                 <a:ea typeface="Palatino Linotype"/>
                 <a:cs typeface="Palatino Linotype"/>
               </a:rPr>
-              <a:t>Mithilfe von </a:t>
-            </a:r>
-            <a:r>
-              <a:rPr lang="de-DE" sz="2000" b="0" i="0" u="none" strike="noStrike" cap="none" spc="0">
+              <a:t> implement more checks to</a:t>
+            </a:r>
+            <a:r>
+              <a:rPr lang="en-US" sz="2000" b="0" i="0" u="none" strike="noStrike" cap="none" spc="0">
                 <a:solidFill>
                   <a:schemeClr val="tx1"/>
                 </a:solidFill>
@@ -9380,10 +9457,10 @@
                 <a:ea typeface="Palatino Linotype"/>
                 <a:cs typeface="Palatino Linotype"/>
               </a:rPr>
-              <a:t>Drittanbietern</a:t>
-            </a:r>
-            <a:r>
-              <a:rPr lang="de-DE" sz="2000" b="0" i="0" u="none" strike="noStrike" cap="none" spc="0">
+              <a:t> validate some other aspects of the model: validate</a:t>
+            </a:r>
+            <a:r>
+              <a:rPr lang="en-US" sz="2000" b="0" i="0" u="none" strike="noStrike" cap="none" spc="0">
                 <a:solidFill>
                   <a:schemeClr val="tx1"/>
                 </a:solidFill>
@@ -9391,10 +9468,10 @@
                 <a:ea typeface="Palatino Linotype"/>
                 <a:cs typeface="Palatino Linotype"/>
               </a:rPr>
-              <a:t>-Tools</a:t>
-            </a:r>
-            <a:r>
-              <a:rPr lang="de-DE" sz="2000" b="0" i="0" u="none" strike="noStrike" cap="none" spc="0">
+              <a:t> </a:t>
+            </a:r>
+            <a:r>
+              <a:rPr lang="en-US" sz="2000" b="0" i="0" u="none" strike="noStrike" cap="none" spc="0">
                 <a:solidFill>
                   <a:schemeClr val="tx1"/>
                 </a:solidFill>
@@ -9402,9 +9479,93 @@
                 <a:ea typeface="Palatino Linotype"/>
                 <a:cs typeface="Palatino Linotype"/>
               </a:rPr>
-              <a:t> konnten wir eine gut strukturierte und voll funktionsfähige Dokumentation-Website zu erstellen</a:t>
-            </a:r>
-            <a:endParaRPr lang="de-DE"/>
+              <a:t>that the Web element selectors have the correct syntax of CSS</a:t>
+            </a:r>
+            <a:r>
+              <a:rPr lang="en-US" sz="2000" b="0" i="0" u="none" strike="noStrike" cap="none" spc="0">
+                <a:solidFill>
+                  <a:schemeClr val="tx1"/>
+                </a:solidFill>
+                <a:latin typeface="Palatino Linotype"/>
+                <a:ea typeface="Palatino Linotype"/>
+                <a:cs typeface="Palatino Linotype"/>
+              </a:rPr>
+              <a:t> </a:t>
+            </a:r>
+            <a:r>
+              <a:rPr lang="en-US" sz="2000" b="0" i="0" u="none" strike="noStrike" cap="none" spc="0">
+                <a:solidFill>
+                  <a:schemeClr val="tx1"/>
+                </a:solidFill>
+                <a:latin typeface="Palatino Linotype"/>
+                <a:ea typeface="Palatino Linotype"/>
+                <a:cs typeface="Palatino Linotype"/>
+              </a:rPr>
+              <a:t>selectors or XPath</a:t>
+            </a:r>
+            <a:r>
+              <a:rPr lang="en-US" sz="2000" b="0" i="0" u="none" strike="noStrike" cap="none" spc="0">
+                <a:solidFill>
+                  <a:schemeClr val="tx1"/>
+                </a:solidFill>
+                <a:latin typeface="Palatino Linotype"/>
+                <a:ea typeface="Palatino Linotype"/>
+                <a:cs typeface="Palatino Linotype"/>
+              </a:rPr>
+              <a:t> We could even verify in advance if the HTML element we are looking</a:t>
+            </a:r>
+            <a:r>
+              <a:rPr lang="en-US" sz="2000" b="0" i="0" u="none" strike="noStrike" cap="none" spc="0">
+                <a:solidFill>
+                  <a:schemeClr val="tx1"/>
+                </a:solidFill>
+                <a:latin typeface="Palatino Linotype"/>
+                <a:ea typeface="Palatino Linotype"/>
+                <a:cs typeface="Palatino Linotype"/>
+              </a:rPr>
+              <a:t> </a:t>
+            </a:r>
+            <a:r>
+              <a:rPr lang="en-US" sz="2000" b="0" i="0" u="none" strike="noStrike" cap="none" spc="0">
+                <a:solidFill>
+                  <a:schemeClr val="tx1"/>
+                </a:solidFill>
+                <a:latin typeface="Palatino Linotype"/>
+                <a:ea typeface="Palatino Linotype"/>
+                <a:cs typeface="Palatino Linotype"/>
+              </a:rPr>
+              <a:t>for can be found with that given selector by running a selector query search in</a:t>
+            </a:r>
+            <a:r>
+              <a:rPr lang="en-US" sz="2000" b="0" i="0" u="none" strike="noStrike" cap="none" spc="0">
+                <a:solidFill>
+                  <a:schemeClr val="tx1"/>
+                </a:solidFill>
+                <a:latin typeface="Palatino Linotype"/>
+                <a:ea typeface="Palatino Linotype"/>
+                <a:cs typeface="Palatino Linotype"/>
+              </a:rPr>
+              <a:t> </a:t>
+            </a:r>
+            <a:r>
+              <a:rPr lang="en-US" sz="2000" b="0" i="0" u="none" strike="noStrike" cap="none" spc="0">
+                <a:solidFill>
+                  <a:schemeClr val="tx1"/>
+                </a:solidFill>
+                <a:latin typeface="Palatino Linotype"/>
+                <a:ea typeface="Palatino Linotype"/>
+                <a:cs typeface="Palatino Linotype"/>
+              </a:rPr>
+              <a:t>the background</a:t>
+            </a:r>
+            <a:endParaRPr lang="en-US" sz="2000" b="0" i="0" u="none" strike="noStrike" cap="none" spc="0">
+              <a:solidFill>
+                <a:schemeClr val="tx1"/>
+              </a:solidFill>
+              <a:latin typeface="Palatino Linotype"/>
+              <a:ea typeface="Palatino Linotype"/>
+              <a:cs typeface="Palatino Linotype"/>
+            </a:endParaRPr>
           </a:p>
         </p:txBody>
       </p:sp>
@@ -9425,6 +9586,182 @@
 </file>
 
 <file path=ppt/slides/slide18.xml><?xml version="1.0" encoding="utf-8"?>
+<p:sld xmlns:a="http://schemas.openxmlformats.org/drawingml/2006/main" xmlns:r="http://schemas.openxmlformats.org/officeDocument/2006/relationships" xmlns:p="http://schemas.openxmlformats.org/presentationml/2006/main" xmlns:m="http://schemas.openxmlformats.org/officeDocument/2006/math" xmlns:w="http://schemas.openxmlformats.org/wordprocessingml/2006/main" showMasterPhAnim="0" show="1">
+  <p:cSld name="">
+    <p:spTree>
+      <p:nvGrpSpPr>
+        <p:cNvPr id="1" name="" hidden="0"/>
+        <p:cNvGrpSpPr/>
+        <p:nvPr isPhoto="0" userDrawn="0"/>
+      </p:nvGrpSpPr>
+      <p:grpSpPr bwMode="auto">
+        <a:xfrm>
+          <a:off x="0" y="0"/>
+          <a:ext cx="0" cy="0"/>
+          <a:chOff x="0" y="0"/>
+          <a:chExt cx="0" cy="0"/>
+        </a:xfrm>
+      </p:grpSpPr>
+      <p:sp>
+        <p:nvSpPr>
+          <p:cNvPr id="653499456" name="Título 1" hidden="0"/>
+          <p:cNvSpPr>
+            <a:spLocks noGrp="1"/>
+          </p:cNvSpPr>
+          <p:nvPr isPhoto="0" userDrawn="0">
+            <p:ph type="title" hasCustomPrompt="0"/>
+          </p:nvPr>
+        </p:nvSpPr>
+        <p:spPr bwMode="auto"/>
+        <p:txBody>
+          <a:bodyPr/>
+          <a:lstStyle/>
+          <a:p>
+            <a:pPr>
+              <a:defRPr/>
+            </a:pPr>
+            <a:r>
+              <a:rPr lang="de-DE"/>
+              <a:t>Fazit</a:t>
+            </a:r>
+            <a:br>
+              <a:rPr lang="de-DE"/>
+            </a:br>
+            <a:endParaRPr sz="1600"/>
+          </a:p>
+        </p:txBody>
+      </p:sp>
+      <p:sp>
+        <p:nvSpPr>
+          <p:cNvPr id="751158943" name="Marcador de contenido 2" hidden="0"/>
+          <p:cNvSpPr>
+            <a:spLocks noGrp="1"/>
+          </p:cNvSpPr>
+          <p:nvPr isPhoto="0" userDrawn="0">
+            <p:ph idx="1" hasCustomPrompt="0"/>
+          </p:nvPr>
+        </p:nvSpPr>
+        <p:spPr bwMode="auto"/>
+        <p:txBody>
+          <a:bodyPr/>
+          <a:lstStyle/>
+          <a:p>
+            <a:pPr>
+              <a:defRPr/>
+            </a:pPr>
+            <a:r>
+              <a:rPr lang="de-DE" sz="2000" b="0" i="0" u="none" strike="noStrike" cap="none" spc="0">
+                <a:solidFill>
+                  <a:schemeClr val="tx1"/>
+                </a:solidFill>
+                <a:latin typeface="Palatino Linotype"/>
+                <a:ea typeface="Palatino Linotype"/>
+                <a:cs typeface="Palatino Linotype"/>
+              </a:rPr>
+              <a:t>DSL-getriebene Generierung von Endbenutzerdokumentation für Webanwendungen auf der Basis von Graphenmodellen unter Verwendung einer grafischen DSL</a:t>
+            </a:r>
+            <a:endParaRPr lang="de-DE" sz="2000" b="0" i="0" u="none" strike="noStrike" cap="none" spc="0">
+              <a:solidFill>
+                <a:schemeClr val="tx1"/>
+              </a:solidFill>
+              <a:latin typeface="Palatino Linotype"/>
+              <a:ea typeface="Palatino Linotype"/>
+              <a:cs typeface="Palatino Linotype"/>
+            </a:endParaRPr>
+          </a:p>
+          <a:p>
+            <a:pPr>
+              <a:defRPr/>
+            </a:pPr>
+            <a:r>
+              <a:rPr lang="de-DE" sz="2000" b="0" i="0" u="none" strike="noStrike" cap="none" spc="0">
+                <a:solidFill>
+                  <a:schemeClr val="tx1"/>
+                </a:solidFill>
+                <a:latin typeface="Palatino Linotype"/>
+                <a:ea typeface="Palatino Linotype"/>
+                <a:cs typeface="Palatino Linotype"/>
+              </a:rPr>
+              <a:t>Erstellung einer Editoranwendung, die es dem Dokumentationsdesigner ermöglicht grafische Diagramme zu erstellen, die den erforderlichen Benutzer-Workflow veranschaulichen</a:t>
+            </a:r>
+            <a:endParaRPr lang="de-DE" sz="2000" b="0" i="0" u="none" strike="noStrike" cap="none" spc="0">
+              <a:solidFill>
+                <a:schemeClr val="tx1"/>
+              </a:solidFill>
+              <a:latin typeface="Palatino Linotype"/>
+              <a:ea typeface="Palatino Linotype"/>
+              <a:cs typeface="Palatino Linotype"/>
+            </a:endParaRPr>
+          </a:p>
+          <a:p>
+            <a:pPr>
+              <a:defRPr/>
+            </a:pPr>
+            <a:r>
+              <a:rPr lang="de-DE" sz="2000" b="0" i="0" u="none" strike="noStrike" cap="none" spc="0">
+                <a:solidFill>
+                  <a:schemeClr val="tx1"/>
+                </a:solidFill>
+                <a:latin typeface="Palatino Linotype"/>
+                <a:ea typeface="Palatino Linotype"/>
+                <a:cs typeface="Palatino Linotype"/>
+              </a:rPr>
+              <a:t>Mithilfe von </a:t>
+            </a:r>
+            <a:r>
+              <a:rPr lang="de-DE" sz="2000" b="0" i="0" u="none" strike="noStrike" cap="none" spc="0">
+                <a:solidFill>
+                  <a:schemeClr val="tx1"/>
+                </a:solidFill>
+                <a:latin typeface="Palatino Linotype"/>
+                <a:ea typeface="Palatino Linotype"/>
+                <a:cs typeface="Palatino Linotype"/>
+              </a:rPr>
+              <a:t>Drittanbietern</a:t>
+            </a:r>
+            <a:r>
+              <a:rPr lang="de-DE" sz="2000" b="0" i="0" u="none" strike="noStrike" cap="none" spc="0">
+                <a:solidFill>
+                  <a:schemeClr val="tx1"/>
+                </a:solidFill>
+                <a:latin typeface="Palatino Linotype"/>
+                <a:ea typeface="Palatino Linotype"/>
+                <a:cs typeface="Palatino Linotype"/>
+              </a:rPr>
+              <a:t>-Tools</a:t>
+            </a:r>
+            <a:r>
+              <a:rPr lang="de-DE" sz="2000" b="0" i="0" u="none" strike="noStrike" cap="none" spc="0">
+                <a:solidFill>
+                  <a:schemeClr val="tx1"/>
+                </a:solidFill>
+                <a:latin typeface="Palatino Linotype"/>
+                <a:ea typeface="Palatino Linotype"/>
+                <a:cs typeface="Palatino Linotype"/>
+              </a:rPr>
+              <a:t> konnten wir eine gut strukturierte und voll funktionsfähige Dokumentation-Website zu erstellen</a:t>
+            </a:r>
+            <a:endParaRPr lang="de-DE"/>
+          </a:p>
+        </p:txBody>
+      </p:sp>
+    </p:spTree>
+  </p:cSld>
+  <p:clrMapOvr>
+    <a:masterClrMapping/>
+  </p:clrMapOvr>
+  <mc:AlternateContent xmlns:mc="http://schemas.openxmlformats.org/markup-compatibility/2006">
+    <mc:Choice xmlns:p14="http://schemas.microsoft.com/office/powerpoint/2010/main" Requires="p14">
+      <p:transition p14:dur="2000" advClick="1"/>
+    </mc:Choice>
+    <mc:Fallback>
+      <p:transition advClick="1"/>
+    </mc:Fallback>
+  </mc:AlternateContent>
+</p:sld>
+</file>
+
+<file path=ppt/slides/slide19.xml><?xml version="1.0" encoding="utf-8"?>
 <p:sld xmlns:a="http://schemas.openxmlformats.org/drawingml/2006/main" xmlns:r="http://schemas.openxmlformats.org/officeDocument/2006/relationships" xmlns:p="http://schemas.openxmlformats.org/presentationml/2006/main" xmlns:m="http://schemas.openxmlformats.org/officeDocument/2006/math" xmlns:w="http://schemas.openxmlformats.org/wordprocessingml/2006/main" showMasterPhAnim="0" show="1">
   <p:cSld name="">
     <p:spTree>
@@ -11753,8 +12090,15 @@
               <a:rPr lang="de-DE"/>
             </a:br>
             <a:r>
-              <a:rPr lang="de-DE" sz="1600" i="1"/>
-              <a:t>Feature- und Dokumentationssprachen</a:t>
+              <a:rPr lang="de-DE" sz="1600" b="0" i="1" u="none" strike="noStrike" cap="none" spc="0">
+                <a:solidFill>
+                  <a:schemeClr val="tx1"/>
+                </a:solidFill>
+                <a:latin typeface="+mj-lt"/>
+                <a:ea typeface="+mj-ea"/>
+                <a:cs typeface="+mj-cs"/>
+              </a:rPr>
+              <a:t>Besonderheiten</a:t>
             </a:r>
             <a:endParaRPr/>
           </a:p>
@@ -11772,8 +12116,8 @@
         </p:nvSpPr>
         <p:spPr bwMode="auto">
           <a:xfrm flipH="0" flipV="0">
-            <a:off x="1534695" y="2015731"/>
-            <a:ext cx="9520157" cy="474539"/>
+            <a:off x="3188370" y="2015731"/>
+            <a:ext cx="5657620" cy="3515653"/>
           </a:xfrm>
         </p:spPr>
         <p:txBody>
@@ -11783,258 +12127,160 @@
             <a:pPr>
               <a:defRPr/>
             </a:pPr>
-            <a:r>
-              <a:rPr lang="de-DE" sz="2000" b="0" i="0" u="none" strike="noStrike" cap="none" spc="0">
-                <a:solidFill>
-                  <a:schemeClr val="tx1"/>
-                </a:solidFill>
-                <a:latin typeface="Palatino Linotype"/>
-                <a:ea typeface="Arial"/>
-                <a:cs typeface="Arial"/>
-              </a:rPr>
-              <a:t>Meta Graph Language, Meta Style Language</a:t>
-            </a:r>
             <a:endParaRPr lang="de-DE" sz="2000"/>
           </a:p>
-        </p:txBody>
-      </p:sp>
-      <p:sp>
-        <p:nvSpPr>
-          <p:cNvPr id="1881502250" name="Content Placeholder 2" hidden="0"/>
-          <p:cNvSpPr>
-            <a:spLocks noGrp="1"/>
-          </p:cNvSpPr>
+          <a:p>
+            <a:pPr>
+              <a:defRPr/>
+            </a:pPr>
+            <a:endParaRPr lang="de-DE" sz="2000"/>
+          </a:p>
+          <a:p>
+            <a:pPr>
+              <a:defRPr/>
+            </a:pPr>
+            <a:endParaRPr lang="de-DE" sz="2000"/>
+          </a:p>
+        </p:txBody>
+      </p:sp>
+      <p:pic>
+        <p:nvPicPr>
+          <p:cNvPr id="759913631" name="" hidden="0"/>
+          <p:cNvPicPr>
+            <a:picLocks noChangeAspect="1"/>
+          </p:cNvPicPr>
+          <p:nvPr isPhoto="0" userDrawn="0"/>
+        </p:nvPicPr>
+        <p:blipFill>
+          <a:blip r:embed="rId3"/>
+          <a:stretch/>
+        </p:blipFill>
+        <p:spPr bwMode="auto">
+          <a:xfrm rot="0" flipH="0" flipV="0">
+            <a:off x="1634400" y="2015731"/>
+            <a:ext cx="1553970" cy="3234200"/>
+          </a:xfrm>
+          <a:prstGeom prst="rect">
+            <a:avLst/>
+          </a:prstGeom>
+        </p:spPr>
+      </p:pic>
+      <p:sp>
+        <p:nvSpPr>
+          <p:cNvPr id="1425266254" name="" hidden="0"/>
+          <p:cNvSpPr txBox="1"/>
           <p:nvPr isPhoto="0" userDrawn="0"/>
         </p:nvSpPr>
         <p:spPr bwMode="auto">
           <a:xfrm flipH="0" flipV="0">
-            <a:off x="1534694" y="4697255"/>
-            <a:ext cx="9520157" cy="543393"/>
+            <a:off x="1542680" y="5302577"/>
+            <a:ext cx="1796820" cy="228808"/>
           </a:xfrm>
+          <a:prstGeom prst="rect">
+            <a:avLst/>
+          </a:prstGeom>
+          <a:noFill/>
         </p:spPr>
         <p:txBody>
-          <a:bodyPr vert="horz" lIns="91440" tIns="45720" rIns="91440" bIns="45720" rtlCol="0" anchor="t">
-            <a:normAutofit/>
+          <a:bodyPr vertOverflow="overflow" horzOverflow="clip" vert="horz" wrap="square" lIns="91440" tIns="45720" rIns="91440" bIns="45720" numCol="1" spcCol="0" rtlCol="0" fromWordArt="0" anchor="t" anchorCtr="0" forceAA="0" upright="0" compatLnSpc="0">
+            <a:noAutofit/>
           </a:bodyPr>
-          <a:lstStyle>
-            <a:lvl1pPr marL="228600" indent="-228600" algn="l" defTabSz="914400">
-              <a:lnSpc>
-                <a:spcPct val="120000"/>
-              </a:lnSpc>
-              <a:spcBef>
-                <a:spcPts val="999"/>
-              </a:spcBef>
-              <a:buClr>
-                <a:schemeClr val="accent1"/>
-              </a:buClr>
-              <a:buSzPct val="100000"/>
-              <a:buFont typeface="Arial"/>
-              <a:buChar char="•"/>
-              <a:defRPr sz="2000">
+          <a:p>
+            <a:pPr>
+              <a:defRPr/>
+            </a:pPr>
+            <a:r>
+              <a:rPr lang="de-DE" sz="900" b="0" i="0" u="none" strike="noStrike" cap="none" spc="0">
                 <a:solidFill>
                   <a:schemeClr val="tx1"/>
                 </a:solidFill>
                 <a:latin typeface="+mn-lt"/>
                 <a:ea typeface="+mn-ea"/>
                 <a:cs typeface="+mn-cs"/>
-              </a:defRPr>
-            </a:lvl1pPr>
-            <a:lvl2pPr marL="685800" indent="-228600" algn="l" defTabSz="914400">
-              <a:lnSpc>
-                <a:spcPct val="120000"/>
-              </a:lnSpc>
-              <a:spcBef>
-                <a:spcPts val="499"/>
-              </a:spcBef>
-              <a:buClr>
-                <a:schemeClr val="accent1"/>
-              </a:buClr>
-              <a:buSzPct val="100000"/>
-              <a:buFont typeface="Arial"/>
-              <a:buChar char="•"/>
-              <a:defRPr sz="1800" cap="none">
-                <a:solidFill>
-                  <a:schemeClr val="tx1"/>
-                </a:solidFill>
-                <a:latin typeface="+mn-lt"/>
-                <a:ea typeface="+mn-ea"/>
-                <a:cs typeface="+mn-cs"/>
-              </a:defRPr>
-            </a:lvl2pPr>
-            <a:lvl3pPr marL="1143000" indent="-228600" algn="l" defTabSz="914400">
-              <a:lnSpc>
-                <a:spcPct val="120000"/>
-              </a:lnSpc>
-              <a:spcBef>
-                <a:spcPts val="499"/>
-              </a:spcBef>
-              <a:buClr>
-                <a:schemeClr val="accent1"/>
-              </a:buClr>
-              <a:buSzPct val="100000"/>
-              <a:buFont typeface="Arial"/>
-              <a:buChar char="•"/>
-              <a:defRPr sz="1600">
-                <a:solidFill>
-                  <a:schemeClr val="tx1"/>
-                </a:solidFill>
-                <a:latin typeface="+mn-lt"/>
-                <a:ea typeface="+mn-ea"/>
-                <a:cs typeface="+mn-cs"/>
-              </a:defRPr>
-            </a:lvl3pPr>
-            <a:lvl4pPr marL="1600200" indent="-228600" algn="l" defTabSz="914400">
-              <a:lnSpc>
-                <a:spcPct val="120000"/>
-              </a:lnSpc>
-              <a:spcBef>
-                <a:spcPts val="499"/>
-              </a:spcBef>
-              <a:buClr>
-                <a:schemeClr val="accent1"/>
-              </a:buClr>
-              <a:buSzPct val="100000"/>
-              <a:buFont typeface="Arial"/>
-              <a:buChar char="•"/>
-              <a:defRPr sz="1400" cap="none">
-                <a:solidFill>
-                  <a:schemeClr val="tx1"/>
-                </a:solidFill>
-                <a:latin typeface="+mn-lt"/>
-                <a:ea typeface="+mn-ea"/>
-                <a:cs typeface="+mn-cs"/>
-              </a:defRPr>
-            </a:lvl4pPr>
-            <a:lvl5pPr marL="2057400" indent="-228600" algn="l" defTabSz="914400">
-              <a:lnSpc>
-                <a:spcPct val="120000"/>
-              </a:lnSpc>
-              <a:spcBef>
-                <a:spcPts val="499"/>
-              </a:spcBef>
-              <a:buClr>
-                <a:schemeClr val="accent1"/>
-              </a:buClr>
-              <a:buSzPct val="100000"/>
-              <a:buFont typeface="Arial"/>
-              <a:buChar char="•"/>
-              <a:defRPr sz="1200">
-                <a:solidFill>
-                  <a:schemeClr val="tx1"/>
-                </a:solidFill>
-                <a:latin typeface="+mn-lt"/>
-                <a:ea typeface="+mn-ea"/>
-                <a:cs typeface="+mn-cs"/>
-              </a:defRPr>
-            </a:lvl5pPr>
-            <a:lvl6pPr marL="2514599" indent="-228600" algn="l" defTabSz="914400">
-              <a:lnSpc>
-                <a:spcPct val="120000"/>
-              </a:lnSpc>
-              <a:spcBef>
-                <a:spcPts val="499"/>
-              </a:spcBef>
-              <a:buClr>
-                <a:schemeClr val="accent1"/>
-              </a:buClr>
-              <a:buSzPct val="100000"/>
-              <a:buFont typeface="Arial"/>
-              <a:buChar char="•"/>
-              <a:defRPr sz="1200">
-                <a:solidFill>
-                  <a:schemeClr val="tx1"/>
-                </a:solidFill>
-                <a:latin typeface="+mn-lt"/>
-                <a:ea typeface="+mn-ea"/>
-                <a:cs typeface="+mn-cs"/>
-              </a:defRPr>
-            </a:lvl6pPr>
-            <a:lvl7pPr marL="2971800" indent="-228600" algn="l" defTabSz="914400">
-              <a:lnSpc>
-                <a:spcPct val="120000"/>
-              </a:lnSpc>
-              <a:spcBef>
-                <a:spcPts val="499"/>
-              </a:spcBef>
-              <a:buClr>
-                <a:schemeClr val="accent1"/>
-              </a:buClr>
-              <a:buSzPct val="100000"/>
-              <a:buFont typeface="Arial"/>
-              <a:buChar char="•"/>
-              <a:defRPr sz="1200">
-                <a:solidFill>
-                  <a:schemeClr val="tx1"/>
-                </a:solidFill>
-                <a:latin typeface="+mn-lt"/>
-                <a:ea typeface="+mn-ea"/>
-                <a:cs typeface="+mn-cs"/>
-              </a:defRPr>
-            </a:lvl7pPr>
-            <a:lvl8pPr marL="3429000" indent="-228600" algn="l" defTabSz="914400">
-              <a:lnSpc>
-                <a:spcPct val="120000"/>
-              </a:lnSpc>
-              <a:spcBef>
-                <a:spcPts val="499"/>
-              </a:spcBef>
-              <a:buClr>
-                <a:schemeClr val="accent1"/>
-              </a:buClr>
-              <a:buSzPct val="100000"/>
-              <a:buFont typeface="Arial"/>
-              <a:buChar char="•"/>
-              <a:defRPr sz="1200">
-                <a:solidFill>
-                  <a:schemeClr val="tx1"/>
-                </a:solidFill>
-                <a:latin typeface="+mn-lt"/>
-                <a:ea typeface="+mn-ea"/>
-                <a:cs typeface="+mn-cs"/>
-              </a:defRPr>
-            </a:lvl8pPr>
-            <a:lvl9pPr marL="3886200" indent="-228600" algn="l" defTabSz="914400">
-              <a:lnSpc>
-                <a:spcPct val="120000"/>
-              </a:lnSpc>
-              <a:spcBef>
-                <a:spcPts val="499"/>
-              </a:spcBef>
-              <a:buClr>
-                <a:schemeClr val="accent1"/>
-              </a:buClr>
-              <a:buSzPct val="100000"/>
-              <a:buFont typeface="Arial"/>
-              <a:buChar char="•"/>
-              <a:defRPr sz="1200">
-                <a:solidFill>
-                  <a:schemeClr val="tx1"/>
-                </a:solidFill>
-                <a:latin typeface="+mn-lt"/>
-                <a:ea typeface="+mn-ea"/>
-                <a:cs typeface="+mn-cs"/>
-              </a:defRPr>
-            </a:lvl9pPr>
-          </a:lstStyle>
-          <a:p>
-            <a:pPr>
-              <a:defRPr/>
-            </a:pPr>
-            <a:r>
-              <a:rPr lang="de-DE" sz="2000" b="0" i="0" u="none" strike="noStrike" cap="none" spc="0">
-                <a:solidFill>
-                  <a:schemeClr val="tx1"/>
-                </a:solidFill>
-                <a:latin typeface="Palatino Linotype"/>
-                <a:ea typeface="Arial"/>
-                <a:cs typeface="Arial"/>
               </a:rPr>
-              <a:t>Cinco Product Definition</a:t>
-            </a:r>
-            <a:endParaRPr lang="de-DE" sz="2000"/>
-          </a:p>
-        </p:txBody>
-      </p:sp>
+              <a:t>FeatureGraph Modelelemente</a:t>
+            </a:r>
+            <a:endParaRPr sz="900"/>
+          </a:p>
+        </p:txBody>
+      </p:sp>
+      <p:grpSp>
+        <p:nvGrpSpPr>
+          <p:cNvPr id="1824140101" name="" hidden="0"/>
+          <p:cNvGrpSpPr/>
+          <p:nvPr isPhoto="0" userDrawn="0"/>
+        </p:nvGrpSpPr>
+        <p:grpSpPr bwMode="auto">
+          <a:xfrm>
+            <a:off x="8999913" y="944251"/>
+            <a:ext cx="1603576" cy="4992694"/>
+            <a:chOff x="0" y="0"/>
+            <a:chExt cx="1603576" cy="4992694"/>
+          </a:xfrm>
+        </p:grpSpPr>
+        <p:pic>
+          <p:nvPicPr>
+            <p:cNvPr id="1424992661" name="" hidden="0"/>
+            <p:cNvPicPr>
+              <a:picLocks noChangeAspect="1"/>
+            </p:cNvPicPr>
+            <p:nvPr isPhoto="0" userDrawn="0"/>
+          </p:nvPicPr>
+          <p:blipFill>
+            <a:blip r:embed="rId4"/>
+            <a:srcRect l="897" t="343" r="0" b="0"/>
+            <a:stretch/>
+          </p:blipFill>
+          <p:spPr bwMode="auto">
+            <a:xfrm flipH="0" flipV="0">
+              <a:off x="0" y="0"/>
+              <a:ext cx="1603576" cy="4763886"/>
+            </a:xfrm>
+            <a:prstGeom prst="rect">
+              <a:avLst/>
+            </a:prstGeom>
+          </p:spPr>
+        </p:pic>
+        <p:sp>
+          <p:nvSpPr>
+            <p:cNvPr id="1326760243" name="" hidden="0"/>
+            <p:cNvSpPr txBox="1"/>
+            <p:nvPr isPhoto="0" userDrawn="0"/>
+          </p:nvSpPr>
+          <p:spPr bwMode="auto">
+            <a:xfrm flipH="0" flipV="0">
+              <a:off x="0" y="4763886"/>
+              <a:ext cx="1594852" cy="228807"/>
+            </a:xfrm>
+            <a:prstGeom prst="rect">
+              <a:avLst/>
+            </a:prstGeom>
+            <a:noFill/>
+          </p:spPr>
+          <p:txBody>
+            <a:bodyPr vertOverflow="overflow" horzOverflow="clip" vert="horz" wrap="square" lIns="91440" tIns="45720" rIns="91440" bIns="45720" numCol="1" spcCol="0" rtlCol="0" fromWordArt="0" anchor="t" anchorCtr="0" forceAA="0" upright="0" compatLnSpc="0">
+              <a:noAutofit/>
+            </a:bodyPr>
+            <a:p>
+              <a:pPr>
+                <a:defRPr/>
+              </a:pPr>
+              <a:r>
+                <a:rPr lang="de-DE" sz="900" b="0" i="0" u="none" strike="noStrike" cap="none" spc="0">
+                  <a:solidFill>
+                    <a:schemeClr val="tx1"/>
+                  </a:solidFill>
+                  <a:latin typeface="+mn-lt"/>
+                  <a:ea typeface="+mn-ea"/>
+                  <a:cs typeface="+mn-cs"/>
+                </a:rPr>
+                <a:t>DocGraph Modelelemente</a:t>
+              </a:r>
+              <a:endParaRPr/>
+            </a:p>
+          </p:txBody>
+        </p:sp>
+      </p:grpSp>
     </p:spTree>
   </p:cSld>
   <p:clrMapOvr>

--- a/Abschlussvortrag.pptx
+++ b/Abschlussvortrag.pptx
@@ -615,95 +615,6 @@
                 <a:ea typeface="Palatino Linotype"/>
                 <a:cs typeface="Palatino Linotype"/>
               </a:rPr>
-              <a:t>- Was hast du für die Demo geplant? Ich hoffe, du gehst da detailliert auf die ganzen Features deiner Sprachen ein: Primereferenzen, Verschachtelung, Enablen/Disablen von Screenshots, Checks etc.</a:t>
-            </a:r>
-            <a:endParaRPr/>
-          </a:p>
-        </p:txBody>
-      </p:sp>
-      <p:sp>
-        <p:nvSpPr>
-          <p:cNvPr id="4" name="Slide Number Placeholder 3" hidden="0"/>
-          <p:cNvSpPr>
-            <a:spLocks noGrp="1"/>
-          </p:cNvSpPr>
-          <p:nvPr isPhoto="0" userDrawn="0">
-            <p:ph type="sldNum" sz="quarter" idx="10" hasCustomPrompt="0"/>
-          </p:nvPr>
-        </p:nvSpPr>
-        <p:spPr bwMode="auto"/>
-        <p:txBody>
-          <a:bodyPr/>
-          <a:lstStyle/>
-          <a:p>
-            <a:pPr>
-              <a:defRPr/>
-            </a:pPr>
-            <a:endParaRPr/>
-          </a:p>
-        </p:txBody>
-      </p:sp>
-    </p:spTree>
-  </p:cSld>
-</p:notes>
-</file>
-
-<file path=ppt/notesSlides/notesSlide11.xml><?xml version="1.0" encoding="utf-8"?>
-<p:notes xmlns:a="http://schemas.openxmlformats.org/drawingml/2006/main" xmlns:r="http://schemas.openxmlformats.org/officeDocument/2006/relationships" xmlns:p="http://schemas.openxmlformats.org/presentationml/2006/main" xmlns:m="http://schemas.openxmlformats.org/officeDocument/2006/math" xmlns:w="http://schemas.openxmlformats.org/wordprocessingml/2006/main">
-  <p:cSld name="">
-    <p:spTree>
-      <p:nvGrpSpPr>
-        <p:cNvPr id="1" name="" hidden="0"/>
-        <p:cNvGrpSpPr/>
-        <p:nvPr isPhoto="0" userDrawn="0"/>
-      </p:nvGrpSpPr>
-      <p:grpSpPr bwMode="auto">
-        <a:xfrm>
-          <a:off x="0" y="0"/>
-          <a:ext cx="0" cy="0"/>
-          <a:chOff x="0" y="0"/>
-          <a:chExt cx="0" cy="0"/>
-        </a:xfrm>
-      </p:grpSpPr>
-      <p:sp>
-        <p:nvSpPr>
-          <p:cNvPr id="2" name="Slide Image Placeholder 1" hidden="0"/>
-          <p:cNvSpPr>
-            <a:spLocks noChangeAspect="1" noGrp="1" noRot="1"/>
-          </p:cNvSpPr>
-          <p:nvPr isPhoto="0" userDrawn="0">
-            <p:ph type="sldImg" hasCustomPrompt="0"/>
-          </p:nvPr>
-        </p:nvSpPr>
-        <p:spPr bwMode="auto"/>
-      </p:sp>
-      <p:sp>
-        <p:nvSpPr>
-          <p:cNvPr id="3" name="Notes Placeholder 2" hidden="0"/>
-          <p:cNvSpPr>
-            <a:spLocks noGrp="1"/>
-          </p:cNvSpPr>
-          <p:nvPr isPhoto="0" userDrawn="0">
-            <p:ph type="body" idx="1" hasCustomPrompt="0"/>
-          </p:nvPr>
-        </p:nvSpPr>
-        <p:spPr bwMode="auto"/>
-        <p:txBody>
-          <a:bodyPr/>
-          <a:lstStyle/>
-          <a:p>
-            <a:pPr>
-              <a:defRPr/>
-            </a:pPr>
-            <a:r>
-              <a:rPr lang="de-DE" sz="1200" b="0" i="0" u="none" strike="noStrike" cap="none" spc="0">
-                <a:solidFill>
-                  <a:schemeClr val="tx1"/>
-                </a:solidFill>
-                <a:latin typeface="Palatino Linotype"/>
-                <a:ea typeface="Palatino Linotype"/>
-                <a:cs typeface="Palatino Linotype"/>
-              </a:rPr>
               <a:t>- Folie 16: Da fehlt noch das Fazit aus deiner Evaluierung bzw. Bewertung deines Tools gemessen an dem, was du damit gemacht hast.</a:t>
             </a:r>
             <a:endParaRPr/>
@@ -1532,7 +1443,7 @@
       </p:grpSpPr>
       <p:sp>
         <p:nvSpPr>
-          <p:cNvPr id="1142653141" name="Slide Image Placeholder 1" hidden="0"/>
+          <p:cNvPr id="2002792847" name="Slide Image Placeholder 1" hidden="0"/>
           <p:cNvSpPr>
             <a:spLocks noChangeAspect="1" noGrp="1" noRot="1"/>
           </p:cNvSpPr>
@@ -1544,7 +1455,7 @@
       </p:sp>
       <p:sp>
         <p:nvSpPr>
-          <p:cNvPr id="459416605" name="Notes Placeholder 2" hidden="0"/>
+          <p:cNvPr id="781609919" name="Notes Placeholder 2" hidden="0"/>
           <p:cNvSpPr>
             <a:spLocks noGrp="1"/>
           </p:cNvSpPr>
@@ -1561,23 +1472,22 @@
               <a:defRPr/>
             </a:pPr>
             <a:r>
-              <a:rPr lang="de-DE" sz="1200" b="0" i="0" u="none" strike="noStrike" cap="none" spc="0">
-                <a:solidFill>
-                  <a:schemeClr val="tx1"/>
-                </a:solidFill>
-                <a:latin typeface="Palatino Linotype"/>
-                <a:ea typeface="Palatino Linotype"/>
-                <a:cs typeface="Palatino Linotype"/>
-              </a:rPr>
-              <a:t>- Ich vermisse ein wenig die Vorstellung der Sprachfeatures und deren Besonderheiten</a:t>
-            </a:r>
-            <a:endParaRPr/>
-          </a:p>
-        </p:txBody>
-      </p:sp>
-      <p:sp>
-        <p:nvSpPr>
-          <p:cNvPr id="1351282617" name="Slide Number Placeholder 3" hidden="0"/>
+              <a:rPr/>
+              <a:t>Die Verwendung externer Technologie ist insofern</a:t>
+            </a:r>
+            <a:endParaRPr/>
+          </a:p>
+          <a:p>
+            <a:pPr>
+              <a:defRPr/>
+            </a:pPr>
+            <a:endParaRPr/>
+          </a:p>
+        </p:txBody>
+      </p:sp>
+      <p:sp>
+        <p:nvSpPr>
+          <p:cNvPr id="1255829888" name="Slide Number Placeholder 3" hidden="0"/>
           <p:cNvSpPr>
             <a:spLocks noGrp="1"/>
           </p:cNvSpPr>
@@ -1710,7 +1620,7 @@
       </p:grpSpPr>
       <p:sp>
         <p:nvSpPr>
-          <p:cNvPr id="2002792847" name="Slide Image Placeholder 1" hidden="0"/>
+          <p:cNvPr id="2" name="Slide Image Placeholder 1" hidden="0"/>
           <p:cNvSpPr>
             <a:spLocks noChangeAspect="1" noGrp="1" noRot="1"/>
           </p:cNvSpPr>
@@ -1722,7 +1632,7 @@
       </p:sp>
       <p:sp>
         <p:nvSpPr>
-          <p:cNvPr id="781609919" name="Notes Placeholder 2" hidden="0"/>
+          <p:cNvPr id="3" name="Notes Placeholder 2" hidden="0"/>
           <p:cNvSpPr>
             <a:spLocks noGrp="1"/>
           </p:cNvSpPr>
@@ -1739,22 +1649,6 @@
               <a:defRPr/>
             </a:pPr>
             <a:r>
-              <a:rPr/>
-              <a:t>Die Verwendung externer Technologie ist insofern</a:t>
-            </a:r>
-            <a:endParaRPr/>
-          </a:p>
-          <a:p>
-            <a:pPr>
-              <a:defRPr/>
-            </a:pPr>
-            <a:endParaRPr/>
-          </a:p>
-          <a:p>
-            <a:pPr>
-              <a:defRPr/>
-            </a:pPr>
-            <a:r>
               <a:rPr lang="de-DE" sz="1200" b="0" i="0" u="none" strike="noStrike" cap="none" spc="0">
                 <a:solidFill>
                   <a:schemeClr val="tx1"/>
@@ -1763,15 +1657,15 @@
                 <a:ea typeface="Palatino Linotype"/>
                 <a:cs typeface="Palatino Linotype"/>
               </a:rPr>
-              <a:t>- Folie 10: Inwiefern verhindert das einen Single-Point-of-failure?</a:t>
-            </a:r>
-            <a:endParaRPr/>
-          </a:p>
-        </p:txBody>
-      </p:sp>
-      <p:sp>
-        <p:nvSpPr>
-          <p:cNvPr id="1255829888" name="Slide Number Placeholder 3" hidden="0"/>
+              <a:t>- Was hast du für die Demo geplant? Ich hoffe, du gehst da detailliert auf die ganzen Features deiner Sprachen ein: Primereferenzen, Verschachtelung, Enablen/Disablen von Screenshots, Checks etc.</a:t>
+            </a:r>
+            <a:endParaRPr/>
+          </a:p>
+        </p:txBody>
+      </p:sp>
+      <p:sp>
+        <p:nvSpPr>
+          <p:cNvPr id="4" name="Slide Number Placeholder 3" hidden="0"/>
           <p:cNvSpPr>
             <a:spLocks noGrp="1"/>
           </p:cNvSpPr>
@@ -8083,7 +7977,7 @@
       </p:grpSpPr>
       <p:sp>
         <p:nvSpPr>
-          <p:cNvPr id="1992529021" name="Título 1" hidden="0"/>
+          <p:cNvPr id="997314373" name="Título 1" hidden="0"/>
           <p:cNvSpPr>
             <a:spLocks noGrp="1"/>
           </p:cNvSpPr>
@@ -8107,16 +8001,23 @@
               <a:rPr lang="de-DE"/>
             </a:br>
             <a:r>
-              <a:rPr lang="de-DE" sz="1600" i="1"/>
-              <a:t>Feature- und Dokumentationssprachen</a:t>
-            </a:r>
-            <a:endParaRPr/>
-          </a:p>
-        </p:txBody>
-      </p:sp>
-      <p:sp>
-        <p:nvSpPr>
-          <p:cNvPr id="769483727" name="Content Placeholder 2" hidden="0"/>
+              <a:rPr lang="de-DE" sz="1600" b="0" i="1" u="none" strike="noStrike" cap="none" spc="0">
+                <a:solidFill>
+                  <a:schemeClr val="tx1"/>
+                </a:solidFill>
+                <a:latin typeface="+mj-lt"/>
+                <a:ea typeface="+mj-ea"/>
+                <a:cs typeface="+mj-cs"/>
+              </a:rPr>
+              <a:t>FeatureGraph Modellsprache</a:t>
+            </a:r>
+            <a:endParaRPr/>
+          </a:p>
+        </p:txBody>
+      </p:sp>
+      <p:sp>
+        <p:nvSpPr>
+          <p:cNvPr id="1461394510" name="Content Placeholder 2" hidden="0"/>
           <p:cNvSpPr>
             <a:spLocks noGrp="1"/>
           </p:cNvSpPr>
@@ -8126,17 +8027,23 @@
         </p:nvSpPr>
         <p:spPr bwMode="auto">
           <a:xfrm flipH="0" flipV="0">
-            <a:off x="3188370" y="2015731"/>
-            <a:ext cx="5657620" cy="3515653"/>
+            <a:off x="3188369" y="2015730"/>
+            <a:ext cx="8076120" cy="3515652"/>
           </a:xfrm>
         </p:spPr>
         <p:txBody>
-          <a:bodyPr anchor="t"/>
+          <a:bodyPr vertOverflow="overflow" horzOverflow="clip" vert="horz" wrap="square" lIns="91440" tIns="45720" rIns="91440" bIns="45720" numCol="1" spcCol="0" rtlCol="0" fromWordArt="0" anchor="t" anchorCtr="0" forceAA="0" upright="0" compatLnSpc="0">
+            <a:normAutofit/>
+          </a:bodyPr>
           <a:lstStyle/>
           <a:p>
             <a:pPr>
               <a:defRPr/>
             </a:pPr>
+            <a:r>
+              <a:rPr lang="de-DE" sz="2000"/>
+              <a:t>Modellelement sind nach ihrem Zweck kategorisiert</a:t>
+            </a:r>
             <a:endParaRPr lang="de-DE" sz="2000"/>
           </a:p>
           <a:p>
@@ -8145,110 +8052,70 @@
             </a:pPr>
             <a:r>
               <a:rPr lang="de-DE" sz="2000"/>
-              <a:t>DocGraph Modelelemente (rechts)</a:t>
+              <a:t>‚Selenium Properites‘ z.B. kategorisiert Einstellungselemente für die Selenium Framework,</a:t>
+            </a:r>
+            <a:r>
+              <a:rPr lang="de-DE" sz="2000" b="0" i="0" u="none" strike="noStrike" cap="none" spc="0">
+                <a:solidFill>
+                  <a:schemeClr val="tx1"/>
+                </a:solidFill>
+                <a:latin typeface="Palatino Linotype"/>
+                <a:ea typeface="Palatino Linotype"/>
+                <a:cs typeface="Palatino Linotype"/>
+              </a:rPr>
+              <a:t> d.h. Konfigurationen, die sonst nicht modelliert werden könnten, aber dennoch für die Ausführung der Anwendung wichtig sind</a:t>
+            </a:r>
+            <a:endParaRPr lang="de-DE" sz="2000" b="0" i="0" u="none" strike="noStrike" cap="none" spc="0">
+              <a:solidFill>
+                <a:schemeClr val="tx1"/>
+              </a:solidFill>
+              <a:latin typeface="Palatino Linotype"/>
+              <a:ea typeface="Palatino Linotype"/>
+              <a:cs typeface="Palatino Linotype"/>
+            </a:endParaRPr>
+          </a:p>
+          <a:p>
+            <a:pPr>
+              <a:defRPr/>
+            </a:pPr>
+            <a:r>
+              <a:rPr lang="de-DE" sz="2000"/>
+              <a:t>‚Feature Inner Elements‘ repräsentieren Strukturelemente der Modellsprache .feat</a:t>
             </a:r>
             <a:endParaRPr lang="de-DE" sz="2000"/>
-          </a:p>
-          <a:p>
-            <a:pPr>
-              <a:defRPr/>
-            </a:pPr>
-            <a:endParaRPr lang="de-DE" sz="2000"/>
-          </a:p>
-        </p:txBody>
-      </p:sp>
-      <p:pic>
-        <p:nvPicPr>
-          <p:cNvPr id="131235200" name="" hidden="0"/>
-          <p:cNvPicPr>
-            <a:picLocks noChangeAspect="1"/>
-          </p:cNvPicPr>
-          <p:nvPr isPhoto="0" userDrawn="0"/>
-        </p:nvPicPr>
-        <p:blipFill>
-          <a:blip r:embed="rId3"/>
-          <a:stretch/>
-        </p:blipFill>
-        <p:spPr bwMode="auto">
-          <a:xfrm rot="0" flipH="0" flipV="0">
-            <a:off x="1634400" y="2015731"/>
-            <a:ext cx="1553970" cy="3234200"/>
-          </a:xfrm>
-          <a:prstGeom prst="rect">
-            <a:avLst/>
-          </a:prstGeom>
-        </p:spPr>
-      </p:pic>
-      <p:sp>
-        <p:nvSpPr>
-          <p:cNvPr id="2101884081" name="" hidden="0"/>
-          <p:cNvSpPr txBox="1"/>
-          <p:nvPr isPhoto="0" userDrawn="0"/>
-        </p:nvSpPr>
-        <p:spPr bwMode="auto">
-          <a:xfrm flipH="0" flipV="0">
-            <a:off x="1542680" y="5302577"/>
-            <a:ext cx="1796820" cy="228808"/>
-          </a:xfrm>
-          <a:prstGeom prst="rect">
-            <a:avLst/>
-          </a:prstGeom>
-          <a:noFill/>
-        </p:spPr>
-        <p:txBody>
-          <a:bodyPr vertOverflow="overflow" horzOverflow="clip" vert="horz" wrap="square" lIns="91440" tIns="45720" rIns="91440" bIns="45720" numCol="1" spcCol="0" rtlCol="0" fromWordArt="0" anchor="t" anchorCtr="0" forceAA="0" upright="0" compatLnSpc="0">
-            <a:noAutofit/>
-          </a:bodyPr>
-          <a:p>
-            <a:pPr>
-              <a:defRPr/>
-            </a:pPr>
-            <a:r>
-              <a:rPr lang="de-DE" sz="900" b="0" i="0" u="none" strike="noStrike" cap="none" spc="0">
-                <a:solidFill>
-                  <a:schemeClr val="tx1"/>
-                </a:solidFill>
-                <a:latin typeface="Palatino Linotype"/>
-                <a:ea typeface="Arial"/>
-                <a:cs typeface="Arial"/>
-              </a:rPr>
-              <a:t>FeatureGraph Modelelemente</a:t>
-            </a:r>
-            <a:endParaRPr sz="900"/>
           </a:p>
         </p:txBody>
       </p:sp>
       <p:grpSp>
         <p:nvGrpSpPr>
-          <p:cNvPr id="864845761" name="" hidden="0"/>
+          <p:cNvPr id="640036191" name="" hidden="0"/>
           <p:cNvGrpSpPr/>
           <p:nvPr isPhoto="0" userDrawn="0"/>
         </p:nvGrpSpPr>
         <p:grpSpPr bwMode="auto">
           <a:xfrm>
-            <a:off x="8999913" y="944251"/>
-            <a:ext cx="1603576" cy="4992694"/>
+            <a:off x="1542679" y="2015730"/>
+            <a:ext cx="1842878" cy="3515653"/>
             <a:chOff x="0" y="0"/>
-            <a:chExt cx="1603576" cy="4992694"/>
+            <a:chExt cx="1842878" cy="3515653"/>
           </a:xfrm>
         </p:grpSpPr>
         <p:pic>
           <p:nvPicPr>
-            <p:cNvPr id="1576643762" name="" hidden="0"/>
+            <p:cNvPr id="759913631" name="" hidden="0"/>
             <p:cNvPicPr>
               <a:picLocks noChangeAspect="1"/>
             </p:cNvPicPr>
             <p:nvPr isPhoto="0" userDrawn="0"/>
           </p:nvPicPr>
           <p:blipFill>
-            <a:blip r:embed="rId4"/>
-            <a:srcRect l="897" t="343" r="0" b="0"/>
+            <a:blip r:embed="rId2"/>
             <a:stretch/>
           </p:blipFill>
           <p:spPr bwMode="auto">
-            <a:xfrm flipH="0" flipV="0">
-              <a:off x="0" y="0"/>
-              <a:ext cx="1603576" cy="4763886"/>
+            <a:xfrm rot="0" flipH="0" flipV="0">
+              <a:off x="91719" y="0"/>
+              <a:ext cx="1553970" cy="3234200"/>
             </a:xfrm>
             <a:prstGeom prst="rect">
               <a:avLst/>
@@ -8257,14 +8124,14 @@
         </p:pic>
         <p:sp>
           <p:nvSpPr>
-            <p:cNvPr id="1915185836" name="" hidden="0"/>
+            <p:cNvPr id="1425266254" name="" hidden="0"/>
             <p:cNvSpPr txBox="1"/>
             <p:nvPr isPhoto="0" userDrawn="0"/>
           </p:nvSpPr>
           <p:spPr bwMode="auto">
             <a:xfrm flipH="0" flipV="0">
-              <a:off x="0" y="4763886"/>
-              <a:ext cx="1594852" cy="228807"/>
+              <a:off x="0" y="3286845"/>
+              <a:ext cx="1842878" cy="228806"/>
             </a:xfrm>
             <a:prstGeom prst="rect">
               <a:avLst/>
@@ -8284,13 +8151,13 @@
                   <a:solidFill>
                     <a:schemeClr val="tx1"/>
                   </a:solidFill>
-                  <a:latin typeface="Palatino Linotype"/>
-                  <a:ea typeface="Arial"/>
-                  <a:cs typeface="Arial"/>
+                  <a:latin typeface="+mn-lt"/>
+                  <a:ea typeface="+mn-ea"/>
+                  <a:cs typeface="+mn-cs"/>
                 </a:rPr>
-                <a:t>DocGraph Modelelemente</a:t>
+                <a:t>FeatureGraph Modellelemente</a:t>
               </a:r>
-              <a:endParaRPr/>
+              <a:endParaRPr sz="900"/>
             </a:p>
           </p:txBody>
         </p:sp>
@@ -8330,7 +8197,7 @@
       </p:grpSpPr>
       <p:sp>
         <p:nvSpPr>
-          <p:cNvPr id="53415977" name="Título 1" hidden="0"/>
+          <p:cNvPr id="1992529021" name="Título 1" hidden="0"/>
           <p:cNvSpPr>
             <a:spLocks noGrp="1"/>
           </p:cNvSpPr>
@@ -8348,34 +8215,22 @@
             </a:pPr>
             <a:r>
               <a:rPr lang="de-DE"/>
-              <a:t>Methodologie</a:t>
+              <a:t>Graphische DSL: .feat und .doc</a:t>
             </a:r>
             <a:br>
               <a:rPr lang="de-DE"/>
             </a:br>
             <a:r>
               <a:rPr lang="de-DE" sz="1600" i="1"/>
-              <a:t>graphische DSL aus </a:t>
-            </a:r>
-            <a:r>
-              <a:rPr lang="de-DE" sz="1600" i="1">
-                <a:latin typeface="URW Bookman"/>
-                <a:ea typeface="URW Bookman"/>
-                <a:cs typeface="URW Bookman"/>
-              </a:rPr>
-              <a:t>Cinco</a:t>
-            </a:r>
-            <a:r>
-              <a:rPr lang="de-DE" sz="1600" i="1"/>
-              <a:t> Metasprachen - technisches Detail</a:t>
-            </a:r>
-            <a:endParaRPr/>
-          </a:p>
-        </p:txBody>
-      </p:sp>
-      <p:sp>
-        <p:nvSpPr>
-          <p:cNvPr id="1975793017" name="Content Placeholder 2" hidden="0"/>
+              <a:t>DocGraph Modellsprache</a:t>
+            </a:r>
+            <a:endParaRPr/>
+          </a:p>
+        </p:txBody>
+      </p:sp>
+      <p:sp>
+        <p:nvSpPr>
+          <p:cNvPr id="769483727" name="Content Placeholder 2" hidden="0"/>
           <p:cNvSpPr>
             <a:spLocks noGrp="1"/>
           </p:cNvSpPr>
@@ -8385,61 +8240,130 @@
         </p:nvSpPr>
         <p:spPr bwMode="auto">
           <a:xfrm flipH="0" flipV="0">
-            <a:off x="1534695" y="2015731"/>
-            <a:ext cx="9520157" cy="1891960"/>
+            <a:off x="1534695" y="2015730"/>
+            <a:ext cx="8296420" cy="4087666"/>
           </a:xfrm>
         </p:spPr>
         <p:txBody>
-          <a:bodyPr anchor="t"/>
+          <a:bodyPr vertOverflow="overflow" horzOverflow="clip" vert="horz" wrap="square" lIns="91440" tIns="45720" rIns="91440" bIns="45720" numCol="1" spcCol="0" rtlCol="0" fromWordArt="0" anchor="t" anchorCtr="0" forceAA="0" upright="0" compatLnSpc="0">
+            <a:normAutofit/>
+          </a:bodyPr>
           <a:lstStyle/>
           <a:p>
             <a:pPr>
               <a:defRPr/>
             </a:pPr>
             <a:r>
-              <a:rPr/>
-              <a:t>Verwendung von Selenium-Java und VuePress, um einen Dokumentationstext mit Bildern in Markdownformat zu erstellen</a:t>
-            </a:r>
-            <a:endParaRPr/>
-          </a:p>
-          <a:p>
-            <a:pPr>
-              <a:defRPr/>
-            </a:pPr>
-            <a:r>
-              <a:rPr/>
-              <a:t>Separates Erzeugen der Texte und der Screenshots wird bevorzugt, um Single-Point-of-failure zu </a:t>
-            </a:r>
-            <a:r>
-              <a:rPr lang="de-DE"/>
-              <a:t>vermeiden</a:t>
-            </a:r>
-            <a:endParaRPr/>
-          </a:p>
-        </p:txBody>
-      </p:sp>
-      <p:pic>
-        <p:nvPicPr>
-          <p:cNvPr id="586522987" name="" hidden="0"/>
-          <p:cNvPicPr>
-            <a:picLocks noChangeAspect="1"/>
-          </p:cNvPicPr>
+              <a:rPr lang="de-DE" sz="2000"/>
+              <a:t>DocGraph Modellelemente sind hauptsächlich ‚Web Elements‘; Repräsentationen von HTML-Elemente mit Schlüsseleigenschaften (wie Selektoren, ids, usw.)</a:t>
+            </a:r>
+            <a:endParaRPr lang="de-DE" sz="2000"/>
+          </a:p>
+          <a:p>
+            <a:pPr>
+              <a:defRPr/>
+            </a:pPr>
+            <a:r>
+              <a:rPr lang="de-DE" sz="2000"/>
+              <a:t>‚Selenium Actions‘ sind Elemente, die Methoden des Selenium WebDrivers specifizieren, welche den Browser antreiben</a:t>
+            </a:r>
+            <a:endParaRPr lang="de-DE" sz="2000"/>
+          </a:p>
+          <a:p>
+            <a:pPr>
+              <a:defRPr/>
+            </a:pPr>
+            <a:r>
+              <a:rPr lang="de-DE" sz="2000"/>
+              <a:t>Die Semantik der Modellobjekte werden mit dem Comment-Element oder mit der Description-Eigenschaft der einzelnen Elemente definiert</a:t>
+            </a:r>
+            <a:endParaRPr lang="de-DE" sz="2000"/>
+          </a:p>
+          <a:p>
+            <a:pPr>
+              <a:defRPr/>
+            </a:pPr>
+            <a:endParaRPr lang="de-DE" sz="2000"/>
+          </a:p>
+        </p:txBody>
+      </p:sp>
+      <p:grpSp>
+        <p:nvGrpSpPr>
+          <p:cNvPr id="864845761" name="" hidden="0"/>
+          <p:cNvGrpSpPr/>
           <p:nvPr isPhoto="0" userDrawn="0"/>
-        </p:nvPicPr>
-        <p:blipFill>
-          <a:blip r:embed="rId3"/>
-          <a:stretch/>
-        </p:blipFill>
-        <p:spPr bwMode="auto">
-          <a:xfrm rot="0" flipH="0" flipV="0">
-            <a:off x="3605095" y="3378843"/>
-            <a:ext cx="5739875" cy="2403879"/>
+        </p:nvGrpSpPr>
+        <p:grpSpPr bwMode="auto">
+          <a:xfrm flipH="0" flipV="0">
+            <a:off x="9795798" y="898243"/>
+            <a:ext cx="1653642" cy="4789227"/>
+            <a:chOff x="0" y="0"/>
+            <a:chExt cx="1653642" cy="4789227"/>
           </a:xfrm>
-          <a:prstGeom prst="rect">
-            <a:avLst/>
-          </a:prstGeom>
-        </p:spPr>
-      </p:pic>
+        </p:grpSpPr>
+        <p:pic>
+          <p:nvPicPr>
+            <p:cNvPr id="1576643762" name="" hidden="0"/>
+            <p:cNvPicPr>
+              <a:picLocks noChangeAspect="1"/>
+            </p:cNvPicPr>
+            <p:nvPr isPhoto="0" userDrawn="0"/>
+          </p:nvPicPr>
+          <p:blipFill>
+            <a:blip r:embed="rId3"/>
+            <a:srcRect l="897" t="343" r="0" b="0"/>
+            <a:stretch/>
+          </p:blipFill>
+          <p:spPr bwMode="auto">
+            <a:xfrm flipH="0" flipV="0">
+              <a:off x="0" y="0"/>
+              <a:ext cx="1653642" cy="4569743"/>
+            </a:xfrm>
+            <a:prstGeom prst="rect">
+              <a:avLst/>
+            </a:prstGeom>
+          </p:spPr>
+        </p:pic>
+        <p:sp>
+          <p:nvSpPr>
+            <p:cNvPr id="1915185836" name="" hidden="0"/>
+            <p:cNvSpPr txBox="1"/>
+            <p:nvPr isPhoto="0" userDrawn="0"/>
+          </p:nvSpPr>
+          <p:spPr bwMode="auto">
+            <a:xfrm flipH="0" flipV="0">
+              <a:off x="0" y="4569743"/>
+              <a:ext cx="1644646" cy="219482"/>
+            </a:xfrm>
+            <a:prstGeom prst="rect">
+              <a:avLst/>
+            </a:prstGeom>
+            <a:noFill/>
+          </p:spPr>
+          <p:txBody>
+            <a:bodyPr vertOverflow="overflow" horzOverflow="clip" vert="horz" wrap="square" lIns="91440" tIns="45720" rIns="91440" bIns="45720" numCol="1" spcCol="0" rtlCol="0" fromWordArt="0" anchor="t" anchorCtr="0" forceAA="0" upright="0" compatLnSpc="0">
+              <a:noAutofit/>
+            </a:bodyPr>
+            <a:p>
+              <a:pPr>
+                <a:defRPr/>
+              </a:pPr>
+              <a:r>
+                <a:rPr lang="de-DE" sz="900" b="0" i="0" u="none" strike="noStrike" cap="none" spc="0">
+                  <a:solidFill>
+                    <a:schemeClr val="tx1"/>
+                  </a:solidFill>
+                  <a:latin typeface="Palatino Linotype"/>
+                  <a:ea typeface="Arial"/>
+                  <a:cs typeface="Arial"/>
+                </a:rPr>
+                <a:t>DocGraph Modellelemente</a:t>
+              </a:r>
+              <a:endParaRPr/>
+            </a:p>
+          </p:txBody>
+        </p:sp>
+      </p:grpSp>
     </p:spTree>
   </p:cSld>
   <p:clrMapOvr>
@@ -8502,7 +8426,7 @@
                 <a:ea typeface="+mj-ea"/>
                 <a:cs typeface="+mj-cs"/>
               </a:rPr>
-              <a:t>Methodologie</a:t>
+              <a:t>Graphische DSL: .feat und .doc</a:t>
             </a:r>
             <a:br>
               <a:rPr lang="de-DE" sz="3200" b="0" i="0" u="none" strike="noStrike" cap="none" spc="0">
@@ -8523,29 +8447,7 @@
                 <a:ea typeface="Palatino Linotype"/>
                 <a:cs typeface="Palatino Linotype"/>
               </a:rPr>
-              <a:t>graphische DSL aus </a:t>
-            </a:r>
-            <a:r>
-              <a:rPr lang="de-DE" sz="1600" b="0" i="1" u="none" strike="noStrike" cap="none" spc="0">
-                <a:solidFill>
-                  <a:schemeClr val="tx1"/>
-                </a:solidFill>
-                <a:latin typeface="URW Bookman"/>
-                <a:ea typeface="URW Bookman"/>
-                <a:cs typeface="URW Bookman"/>
-              </a:rPr>
-              <a:t>Cinco</a:t>
-            </a:r>
-            <a:r>
-              <a:rPr lang="de-DE" sz="1600" b="0" i="1" u="none" strike="noStrike" cap="none" spc="0">
-                <a:solidFill>
-                  <a:schemeClr val="tx1"/>
-                </a:solidFill>
-                <a:latin typeface="Palatino Linotype"/>
-                <a:ea typeface="Palatino Linotype"/>
-                <a:cs typeface="Palatino Linotype"/>
-              </a:rPr>
-              <a:t> Metasprachen - technisches Detail</a:t>
+              <a:t>Überblick des Generationsprozesses</a:t>
             </a:r>
             <a:endParaRPr/>
           </a:p>
@@ -9643,7 +9545,9 @@
         </p:nvSpPr>
         <p:spPr bwMode="auto"/>
         <p:txBody>
-          <a:bodyPr/>
+          <a:bodyPr vertOverflow="overflow" horzOverflow="clip" vert="horz" wrap="square" lIns="91440" tIns="45720" rIns="91440" bIns="45720" numCol="1" spcCol="0" rtlCol="0" fromWordArt="0" anchor="t" anchorCtr="0" forceAA="0" upright="0" compatLnSpc="0">
+            <a:normAutofit/>
+          </a:bodyPr>
           <a:lstStyle/>
           <a:p>
             <a:pPr>
@@ -9658,7 +9562,7 @@
                 <a:ea typeface="Palatino Linotype"/>
                 <a:cs typeface="Palatino Linotype"/>
               </a:rPr>
-              <a:t>DSL-getriebene Generierung von Endbenutzerdokumentation für Webanwendungen auf der Basis von Graphenmodellen unter Verwendung einer grafischen DSL</a:t>
+              <a:t>Funktionalität: DSL-getriebene Generierung von Endbenutzerdokumentation für Webanwendungen auf der Basis von Graphenmodellen unter Verwendung einer grafischen DSL</a:t>
             </a:r>
             <a:endParaRPr lang="de-DE" sz="2000" b="0" i="0" u="none" strike="noStrike" cap="none" spc="0">
               <a:solidFill>
@@ -9682,7 +9586,7 @@
                 <a:ea typeface="Palatino Linotype"/>
                 <a:cs typeface="Palatino Linotype"/>
               </a:rPr>
-              <a:t>Erstellung einer Editoranwendung, die es dem Dokumentationsdesigner ermöglicht grafische Diagramme zu erstellen, die den erforderlichen Benutzer-Workflow veranschaulichen</a:t>
+              <a:t>Benutzerfreundlichkeit: Die vorgestellten Sprachfeature ermöglichen einen intuitiven Entwurf eines Dokumentationsmodells, während verschiedene Checks helfen, syntaktisch korrekte Graphmodelle zu erstellen</a:t>
             </a:r>
             <a:endParaRPr lang="de-DE" sz="2000" b="0" i="0" u="none" strike="noStrike" cap="none" spc="0">
               <a:solidFill>
@@ -9706,42 +9610,16 @@
                 <a:ea typeface="Palatino Linotype"/>
                 <a:cs typeface="Palatino Linotype"/>
               </a:rPr>
-              <a:t>Mithilfe von </a:t>
-            </a:r>
-            <a:r>
-              <a:rPr lang="de-DE" sz="2000" b="0" i="0" u="none" strike="noStrike" cap="none" spc="0">
-                <a:solidFill>
-                  <a:schemeClr val="tx1"/>
-                </a:solidFill>
-                <a:latin typeface="Palatino Linotype"/>
-                <a:ea typeface="Palatino Linotype"/>
-                <a:cs typeface="Palatino Linotype"/>
-              </a:rPr>
-              <a:t>Drittanbietern</a:t>
-            </a:r>
-            <a:r>
-              <a:rPr lang="de-DE" sz="2000" b="0" i="0" u="none" strike="noStrike" cap="none" spc="0">
-                <a:solidFill>
-                  <a:schemeClr val="tx1"/>
-                </a:solidFill>
-                <a:latin typeface="Palatino Linotype"/>
-                <a:ea typeface="Palatino Linotype"/>
-                <a:cs typeface="Palatino Linotype"/>
-              </a:rPr>
-              <a:t>-Tools</a:t>
-            </a:r>
-            <a:r>
-              <a:rPr lang="de-DE" sz="2000" b="0" i="0" u="none" strike="noStrike" cap="none" spc="0">
-                <a:solidFill>
-                  <a:schemeClr val="tx1"/>
-                </a:solidFill>
-                <a:latin typeface="Palatino Linotype"/>
-                <a:ea typeface="Palatino Linotype"/>
-                <a:cs typeface="Palatino Linotype"/>
-              </a:rPr>
-              <a:t> konnten wir eine gut strukturierte und voll funktionsfähige Dokumentation-Website zu erstellen</a:t>
-            </a:r>
-            <a:endParaRPr lang="de-DE"/>
+              <a:t> Leistung: schnelle Erstellung einer Dokumentationswebsite mit minimaler Konfigurationsaufwand durch Integration bewährter Drittanbieter-Tools</a:t>
+            </a:r>
+            <a:endParaRPr lang="de-DE" sz="2000" b="0" i="0" u="none" strike="noStrike" cap="none" spc="0">
+              <a:solidFill>
+                <a:schemeClr val="tx1"/>
+              </a:solidFill>
+              <a:latin typeface="Palatino Linotype"/>
+              <a:ea typeface="Palatino Linotype"/>
+              <a:cs typeface="Palatino Linotype"/>
+            </a:endParaRPr>
           </a:p>
         </p:txBody>
       </p:sp>
@@ -12066,7 +11944,7 @@
       </p:grpSpPr>
       <p:sp>
         <p:nvSpPr>
-          <p:cNvPr id="997314373" name="Título 1" hidden="0"/>
+          <p:cNvPr id="53415977" name="Título 1" hidden="0"/>
           <p:cNvSpPr>
             <a:spLocks noGrp="1"/>
           </p:cNvSpPr>
@@ -12074,7 +11952,12 @@
             <p:ph type="title" hasCustomPrompt="0"/>
           </p:nvPr>
         </p:nvSpPr>
-        <p:spPr bwMode="auto"/>
+        <p:spPr bwMode="auto">
+          <a:xfrm>
+            <a:off x="1534695" y="798027"/>
+            <a:ext cx="9520157" cy="1049234"/>
+          </a:xfrm>
+        </p:spPr>
         <p:txBody>
           <a:bodyPr/>
           <a:lstStyle/>
@@ -12084,29 +11967,34 @@
             </a:pPr>
             <a:r>
               <a:rPr lang="de-DE"/>
-              <a:t>Graphische DSL: .feat und .doc</a:t>
+              <a:t>Methodologie</a:t>
             </a:r>
             <a:br>
               <a:rPr lang="de-DE"/>
             </a:br>
             <a:r>
-              <a:rPr lang="de-DE" sz="1600" b="0" i="1" u="none" strike="noStrike" cap="none" spc="0">
-                <a:solidFill>
-                  <a:schemeClr val="tx1"/>
-                </a:solidFill>
-                <a:latin typeface="+mj-lt"/>
-                <a:ea typeface="+mj-ea"/>
-                <a:cs typeface="+mj-cs"/>
+              <a:rPr lang="de-DE" sz="1600" i="1"/>
+              <a:t>graphische DSL aus </a:t>
+            </a:r>
+            <a:r>
+              <a:rPr lang="de-DE" sz="1600" i="1">
+                <a:latin typeface="URW Bookman"/>
+                <a:ea typeface="URW Bookman"/>
+                <a:cs typeface="URW Bookman"/>
               </a:rPr>
-              <a:t>Besonderheiten</a:t>
-            </a:r>
-            <a:endParaRPr/>
-          </a:p>
-        </p:txBody>
-      </p:sp>
-      <p:sp>
-        <p:nvSpPr>
-          <p:cNvPr id="1461394510" name="Content Placeholder 2" hidden="0"/>
+              <a:t>Cinco</a:t>
+            </a:r>
+            <a:r>
+              <a:rPr lang="de-DE" sz="1600" i="1"/>
+              <a:t> Metasprachen - technisches Detail</a:t>
+            </a:r>
+            <a:endParaRPr/>
+          </a:p>
+        </p:txBody>
+      </p:sp>
+      <p:sp>
+        <p:nvSpPr>
+          <p:cNvPr id="1975793017" name="Content Placeholder 2" hidden="0"/>
           <p:cNvSpPr>
             <a:spLocks noGrp="1"/>
           </p:cNvSpPr>
@@ -12116,8 +12004,8 @@
         </p:nvSpPr>
         <p:spPr bwMode="auto">
           <a:xfrm flipH="0" flipV="0">
-            <a:off x="3188370" y="2015731"/>
-            <a:ext cx="5657620" cy="3515653"/>
+            <a:off x="1534695" y="2009239"/>
+            <a:ext cx="9520157" cy="1891960"/>
           </a:xfrm>
         </p:spPr>
         <p:txBody>
@@ -12127,25 +12015,31 @@
             <a:pPr>
               <a:defRPr/>
             </a:pPr>
-            <a:endParaRPr lang="de-DE" sz="2000"/>
-          </a:p>
-          <a:p>
-            <a:pPr>
-              <a:defRPr/>
-            </a:pPr>
-            <a:endParaRPr lang="de-DE" sz="2000"/>
-          </a:p>
-          <a:p>
-            <a:pPr>
-              <a:defRPr/>
-            </a:pPr>
-            <a:endParaRPr lang="de-DE" sz="2000"/>
+            <a:r>
+              <a:rPr/>
+              <a:t>Verwendung von Selenium-Java und VuePress, um einen Dokumentationstext mit Bildern in Markdownformat zu erstellen</a:t>
+            </a:r>
+            <a:endParaRPr/>
+          </a:p>
+          <a:p>
+            <a:pPr>
+              <a:defRPr/>
+            </a:pPr>
+            <a:r>
+              <a:rPr/>
+              <a:t>Separates Erzeugen der Texte und der Screenshots (1) wird bevorzugt, um Single-Point-of-failure zu </a:t>
+            </a:r>
+            <a:r>
+              <a:rPr lang="de-DE"/>
+              <a:t>vermeiden, im Falle eines Fehler im Vorprozess (2)</a:t>
+            </a:r>
+            <a:endParaRPr/>
           </a:p>
         </p:txBody>
       </p:sp>
       <p:pic>
         <p:nvPicPr>
-          <p:cNvPr id="759913631" name="" hidden="0"/>
+          <p:cNvPr id="586522987" name="" hidden="0"/>
           <p:cNvPicPr>
             <a:picLocks noChangeAspect="1"/>
           </p:cNvPicPr>
@@ -12157,8 +12051,8 @@
         </p:blipFill>
         <p:spPr bwMode="auto">
           <a:xfrm rot="0" flipH="0" flipV="0">
-            <a:off x="1634400" y="2015731"/>
-            <a:ext cx="1553970" cy="3234200"/>
+            <a:off x="1333611" y="3728085"/>
+            <a:ext cx="4509470" cy="1888581"/>
           </a:xfrm>
           <a:prstGeom prst="rect">
             <a:avLst/>
@@ -12167,14 +12061,14 @@
       </p:pic>
       <p:sp>
         <p:nvSpPr>
-          <p:cNvPr id="1425266254" name="" hidden="0"/>
+          <p:cNvPr id="940792254" name="" hidden="0"/>
           <p:cNvSpPr txBox="1"/>
           <p:nvPr isPhoto="0" userDrawn="0"/>
         </p:nvSpPr>
         <p:spPr bwMode="auto">
-          <a:xfrm flipH="0" flipV="0">
-            <a:off x="1542680" y="5302577"/>
-            <a:ext cx="1796820" cy="228808"/>
+          <a:xfrm rot="20488282" flipH="0" flipV="0">
+            <a:off x="6035483" y="4495969"/>
+            <a:ext cx="518583" cy="365795"/>
           </a:xfrm>
           <a:prstGeom prst="rect">
             <a:avLst/>
@@ -12190,97 +12084,272 @@
               <a:defRPr/>
             </a:pPr>
             <a:r>
-              <a:rPr lang="de-DE" sz="900" b="0" i="0" u="none" strike="noStrike" cap="none" spc="0">
-                <a:solidFill>
-                  <a:schemeClr val="tx1"/>
-                </a:solidFill>
-                <a:latin typeface="+mn-lt"/>
-                <a:ea typeface="+mn-ea"/>
-                <a:cs typeface="+mn-cs"/>
+              <a:rPr b="1" u="sng">
+                <a:latin typeface="Comic Sans MS"/>
+                <a:ea typeface="Comic Sans MS"/>
+                <a:cs typeface="Comic Sans MS"/>
               </a:rPr>
-              <a:t>FeatureGraph Modelelemente</a:t>
-            </a:r>
-            <a:endParaRPr sz="900"/>
+              <a:t>VS</a:t>
+            </a:r>
+            <a:endParaRPr/>
           </a:p>
         </p:txBody>
       </p:sp>
       <p:grpSp>
         <p:nvGrpSpPr>
-          <p:cNvPr id="1824140101" name="" hidden="0"/>
+          <p:cNvPr id="2108473167" name="" hidden="0"/>
           <p:cNvGrpSpPr/>
           <p:nvPr isPhoto="0" userDrawn="0"/>
         </p:nvGrpSpPr>
         <p:grpSpPr bwMode="auto">
           <a:xfrm>
-            <a:off x="8999913" y="944251"/>
-            <a:ext cx="1603576" cy="4992694"/>
+            <a:off x="6722476" y="4081524"/>
+            <a:ext cx="5058832" cy="1145432"/>
             <a:chOff x="0" y="0"/>
-            <a:chExt cx="1603576" cy="4992694"/>
+            <a:chExt cx="5058832" cy="1145432"/>
           </a:xfrm>
         </p:grpSpPr>
-        <p:pic>
-          <p:nvPicPr>
-            <p:cNvPr id="1424992661" name="" hidden="0"/>
-            <p:cNvPicPr>
-              <a:picLocks noChangeAspect="1"/>
-            </p:cNvPicPr>
+        <p:grpSp>
+          <p:nvGrpSpPr>
+            <p:cNvPr id="1853264752" name="" hidden="0"/>
+            <p:cNvGrpSpPr/>
             <p:nvPr isPhoto="0" userDrawn="0"/>
-          </p:nvPicPr>
-          <p:blipFill>
-            <a:blip r:embed="rId4"/>
-            <a:srcRect l="897" t="343" r="0" b="0"/>
-            <a:stretch/>
-          </p:blipFill>
-          <p:spPr bwMode="auto">
-            <a:xfrm flipH="0" flipV="0">
-              <a:off x="0" y="0"/>
-              <a:ext cx="1603576" cy="4763886"/>
+          </p:nvGrpSpPr>
+          <p:grpSpPr bwMode="auto">
+            <a:xfrm>
+              <a:off x="0" y="201816"/>
+              <a:ext cx="5058833" cy="943616"/>
+              <a:chOff x="0" y="0"/>
+              <a:chExt cx="5058833" cy="943616"/>
             </a:xfrm>
-            <a:prstGeom prst="rect">
-              <a:avLst/>
-            </a:prstGeom>
-          </p:spPr>
-        </p:pic>
-        <p:sp>
-          <p:nvSpPr>
-            <p:cNvPr id="1326760243" name="" hidden="0"/>
-            <p:cNvSpPr txBox="1"/>
+          </p:grpSpPr>
+          <p:pic>
+            <p:nvPicPr>
+              <p:cNvPr id="1741561977" name="" hidden="0"/>
+              <p:cNvPicPr>
+                <a:picLocks noChangeAspect="1"/>
+              </p:cNvPicPr>
+              <p:nvPr isPhoto="0" userDrawn="0"/>
+            </p:nvPicPr>
+            <p:blipFill>
+              <a:blip r:embed="rId4"/>
+              <a:stretch/>
+            </p:blipFill>
+            <p:spPr bwMode="auto">
+              <a:xfrm flipH="0" flipV="0">
+                <a:off x="0" y="0"/>
+                <a:ext cx="5058833" cy="943616"/>
+              </a:xfrm>
+              <a:prstGeom prst="rect">
+                <a:avLst/>
+              </a:prstGeom>
+            </p:spPr>
+          </p:pic>
+          <p:sp>
+            <p:nvSpPr>
+              <p:cNvPr id="1847142434" name="" hidden="0"/>
+              <p:cNvSpPr/>
+              <p:nvPr isPhoto="0" userDrawn="0"/>
+            </p:nvSpPr>
+            <p:spPr bwMode="auto">
+              <a:xfrm rot="2075504" flipH="0" flipV="0">
+                <a:off x="3338640" y="112217"/>
+                <a:ext cx="719666" cy="687916"/>
+              </a:xfrm>
+              <a:prstGeom prst="mathPlus">
+                <a:avLst>
+                  <a:gd name="adj1" fmla="val 13846"/>
+                </a:avLst>
+              </a:prstGeom>
+              <a:solidFill>
+                <a:srgbClr val="FF0000">
+                  <a:alpha val="44999"/>
+                </a:srgbClr>
+              </a:solidFill>
+              <a:ln w="15875" cap="flat" cmpd="sng" algn="ctr">
+                <a:noFill/>
+                <a:prstDash val="solid"/>
+              </a:ln>
+            </p:spPr>
+            <p:style>
+              <a:lnRef idx="2">
+                <a:schemeClr val="accent1">
+                  <a:shade val="50000"/>
+                </a:schemeClr>
+              </a:lnRef>
+              <a:fillRef idx="1">
+                <a:schemeClr val="accent1"/>
+              </a:fillRef>
+              <a:effectRef idx="0">
+                <a:schemeClr val="accent1"/>
+              </a:effectRef>
+              <a:fontRef idx="minor">
+                <a:schemeClr val="lt1"/>
+              </a:fontRef>
+            </p:style>
+          </p:sp>
+        </p:grpSp>
+        <p:grpSp>
+          <p:nvGrpSpPr>
+            <p:cNvPr id="2117227624" name="" hidden="0"/>
+            <p:cNvGrpSpPr/>
             <p:nvPr isPhoto="0" userDrawn="0"/>
-          </p:nvSpPr>
-          <p:spPr bwMode="auto">
-            <a:xfrm flipH="0" flipV="0">
-              <a:off x="0" y="4763886"/>
-              <a:ext cx="1594852" cy="228807"/>
+          </p:nvGrpSpPr>
+          <p:grpSpPr bwMode="auto">
+            <a:xfrm>
+              <a:off x="2808147" y="0"/>
+              <a:ext cx="453719" cy="397296"/>
+              <a:chOff x="0" y="0"/>
+              <a:chExt cx="453719" cy="397296"/>
             </a:xfrm>
-            <a:prstGeom prst="rect">
-              <a:avLst/>
-            </a:prstGeom>
-            <a:noFill/>
-          </p:spPr>
-          <p:txBody>
-            <a:bodyPr vertOverflow="overflow" horzOverflow="clip" vert="horz" wrap="square" lIns="91440" tIns="45720" rIns="91440" bIns="45720" numCol="1" spcCol="0" rtlCol="0" fromWordArt="0" anchor="t" anchorCtr="0" forceAA="0" upright="0" compatLnSpc="0">
-              <a:noAutofit/>
-            </a:bodyPr>
-            <a:p>
-              <a:pPr>
-                <a:defRPr/>
-              </a:pPr>
-              <a:r>
-                <a:rPr lang="de-DE" sz="900" b="0" i="0" u="none" strike="noStrike" cap="none" spc="0">
+          </p:grpSpPr>
+          <p:sp>
+            <p:nvSpPr>
+              <p:cNvPr id="1560179641" name="" hidden="0"/>
+              <p:cNvSpPr/>
+              <p:nvPr isPhoto="0" userDrawn="0"/>
+            </p:nvSpPr>
+            <p:spPr bwMode="auto">
+              <a:xfrm rot="13821012" flipH="0" flipV="0">
+                <a:off x="28211" y="-28211"/>
+                <a:ext cx="397296" cy="453720"/>
+              </a:xfrm>
+              <a:prstGeom prst="irregularSeal1">
+                <a:avLst/>
+              </a:prstGeom>
+              <a:solidFill>
+                <a:srgbClr val="FF0000"/>
+              </a:solidFill>
+              <a:ln w="15875" cap="flat" cmpd="sng" algn="ctr">
+                <a:solidFill>
+                  <a:srgbClr val="FF0000"/>
+                </a:solidFill>
+                <a:prstDash val="solid"/>
+              </a:ln>
+            </p:spPr>
+            <p:style>
+              <a:lnRef idx="2">
+                <a:schemeClr val="accent1">
+                  <a:shade val="50000"/>
+                </a:schemeClr>
+              </a:lnRef>
+              <a:fillRef idx="1">
+                <a:schemeClr val="accent1"/>
+              </a:fillRef>
+              <a:effectRef idx="0">
+                <a:schemeClr val="accent1"/>
+              </a:effectRef>
+              <a:fontRef idx="minor">
+                <a:schemeClr val="lt1"/>
+              </a:fontRef>
+            </p:style>
+          </p:sp>
+          <p:sp>
+            <p:nvSpPr>
+              <p:cNvPr id="429480022" name="" hidden="0"/>
+              <p:cNvSpPr txBox="1"/>
+              <p:nvPr isPhoto="0" userDrawn="0"/>
+            </p:nvSpPr>
+            <p:spPr bwMode="auto">
+              <a:xfrm flipH="0" flipV="0">
+                <a:off x="6801" y="98456"/>
+                <a:ext cx="440115" cy="200381"/>
+              </a:xfrm>
+              <a:prstGeom prst="rect">
+                <a:avLst/>
+              </a:prstGeom>
+              <a:noFill/>
+            </p:spPr>
+            <p:txBody>
+              <a:bodyPr vertOverflow="overflow" horzOverflow="clip" vert="horz" wrap="square" lIns="91440" tIns="45720" rIns="91440" bIns="45720" numCol="1" spcCol="0" rtlCol="0" fromWordArt="0" anchor="t" anchorCtr="0" forceAA="0" upright="0" compatLnSpc="0">
+                <a:noAutofit/>
+              </a:bodyPr>
+              <a:p>
+                <a:pPr>
+                  <a:defRPr/>
+                </a:pPr>
+                <a:r>
+                  <a:rPr sz="800">
+                    <a:solidFill>
+                      <a:schemeClr val="bg1"/>
+                    </a:solidFill>
+                  </a:rPr>
+                  <a:t>error</a:t>
+                </a:r>
+                <a:endParaRPr sz="800">
                   <a:solidFill>
-                    <a:schemeClr val="tx1"/>
+                    <a:schemeClr val="bg1"/>
                   </a:solidFill>
-                  <a:latin typeface="+mn-lt"/>
-                  <a:ea typeface="+mn-ea"/>
-                  <a:cs typeface="+mn-cs"/>
-                </a:rPr>
-                <a:t>DocGraph Modelelemente</a:t>
-              </a:r>
-              <a:endParaRPr/>
-            </a:p>
-          </p:txBody>
-        </p:sp>
+                </a:endParaRPr>
+              </a:p>
+            </p:txBody>
+          </p:sp>
+        </p:grpSp>
       </p:grpSp>
+      <p:sp>
+        <p:nvSpPr>
+          <p:cNvPr id="2027102624" name="" hidden="0"/>
+          <p:cNvSpPr txBox="1"/>
+          <p:nvPr isPhoto="0" userDrawn="0"/>
+        </p:nvSpPr>
+        <p:spPr bwMode="auto">
+          <a:xfrm flipH="0" flipV="0">
+            <a:off x="1619271" y="5095412"/>
+            <a:ext cx="462486" cy="365796"/>
+          </a:xfrm>
+          <a:prstGeom prst="rect">
+            <a:avLst/>
+          </a:prstGeom>
+          <a:noFill/>
+        </p:spPr>
+        <p:txBody>
+          <a:bodyPr vertOverflow="overflow" horzOverflow="clip" vert="horz" wrap="square" lIns="91440" tIns="45720" rIns="91440" bIns="45720" numCol="1" spcCol="0" rtlCol="0" fromWordArt="0" anchor="t" anchorCtr="0" forceAA="0" upright="0" compatLnSpc="0">
+            <a:spAutoFit/>
+          </a:bodyPr>
+          <a:p>
+            <a:pPr>
+              <a:defRPr/>
+            </a:pPr>
+            <a:r>
+              <a:rPr/>
+              <a:t>(1)</a:t>
+            </a:r>
+            <a:endParaRPr/>
+          </a:p>
+        </p:txBody>
+      </p:sp>
+      <p:sp>
+        <p:nvSpPr>
+          <p:cNvPr id="193181900" name="" hidden="0"/>
+          <p:cNvSpPr txBox="1"/>
+          <p:nvPr isPhoto="0" userDrawn="0"/>
+        </p:nvSpPr>
+        <p:spPr bwMode="auto">
+          <a:xfrm flipH="0" flipV="0">
+            <a:off x="6598746" y="5095411"/>
+            <a:ext cx="462593" cy="365796"/>
+          </a:xfrm>
+          <a:prstGeom prst="rect">
+            <a:avLst/>
+          </a:prstGeom>
+          <a:noFill/>
+        </p:spPr>
+        <p:txBody>
+          <a:bodyPr vertOverflow="overflow" horzOverflow="clip" vert="horz" wrap="square" lIns="91440" tIns="45720" rIns="91440" bIns="45720" numCol="1" spcCol="0" rtlCol="0" fromWordArt="0" anchor="t" anchorCtr="0" forceAA="0" upright="0" compatLnSpc="0">
+            <a:spAutoFit/>
+          </a:bodyPr>
+          <a:p>
+            <a:pPr>
+              <a:defRPr/>
+            </a:pPr>
+            <a:r>
+              <a:rPr/>
+              <a:t>(2)</a:t>
+            </a:r>
+            <a:endParaRPr/>
+          </a:p>
+        </p:txBody>
+      </p:sp>
     </p:spTree>
   </p:cSld>
   <p:clrMapOvr>

--- a/Abschlussvortrag.pptx
+++ b/Abschlussvortrag.pptx
@@ -5,7 +5,7 @@
     <p:sldMasterId id="2147483648" r:id="rId1"/>
   </p:sldMasterIdLst>
   <p:notesMasterIdLst>
-    <p:notesMasterId r:id="rId23"/>
+    <p:notesMasterId r:id="rId25"/>
   </p:notesMasterIdLst>
   <p:sldIdLst>
     <p:sldId id="256" r:id="rId4"/>
@@ -27,6 +27,8 @@
     <p:sldId id="272" r:id="rId20"/>
     <p:sldId id="273" r:id="rId21"/>
     <p:sldId id="274" r:id="rId22"/>
+    <p:sldId id="275" r:id="rId23"/>
+    <p:sldId id="276" r:id="rId24"/>
   </p:sldIdLst>
   <p:sldSz cx="12192000" cy="6858000"/>
   <p:notesSz cx="12192000" cy="6858000"/>
@@ -615,6 +617,95 @@
                 <a:ea typeface="Palatino Linotype"/>
                 <a:cs typeface="Palatino Linotype"/>
               </a:rPr>
+              <a:t>- Was hast du für die Demo geplant? Ich hoffe, du gehst da detailliert auf die ganzen Features deiner Sprachen ein: Primereferenzen, Verschachtelung, Enablen/Disablen von Screenshots, Checks etc.</a:t>
+            </a:r>
+            <a:endParaRPr/>
+          </a:p>
+        </p:txBody>
+      </p:sp>
+      <p:sp>
+        <p:nvSpPr>
+          <p:cNvPr id="4" name="Slide Number Placeholder 3" hidden="0"/>
+          <p:cNvSpPr>
+            <a:spLocks noGrp="1"/>
+          </p:cNvSpPr>
+          <p:nvPr isPhoto="0" userDrawn="0">
+            <p:ph type="sldNum" sz="quarter" idx="10" hasCustomPrompt="0"/>
+          </p:nvPr>
+        </p:nvSpPr>
+        <p:spPr bwMode="auto"/>
+        <p:txBody>
+          <a:bodyPr/>
+          <a:lstStyle/>
+          <a:p>
+            <a:pPr>
+              <a:defRPr/>
+            </a:pPr>
+            <a:endParaRPr/>
+          </a:p>
+        </p:txBody>
+      </p:sp>
+    </p:spTree>
+  </p:cSld>
+</p:notes>
+</file>
+
+<file path=ppt/notesSlides/notesSlide11.xml><?xml version="1.0" encoding="utf-8"?>
+<p:notes xmlns:a="http://schemas.openxmlformats.org/drawingml/2006/main" xmlns:r="http://schemas.openxmlformats.org/officeDocument/2006/relationships" xmlns:p="http://schemas.openxmlformats.org/presentationml/2006/main" xmlns:m="http://schemas.openxmlformats.org/officeDocument/2006/math" xmlns:w="http://schemas.openxmlformats.org/wordprocessingml/2006/main">
+  <p:cSld name="">
+    <p:spTree>
+      <p:nvGrpSpPr>
+        <p:cNvPr id="1" name="" hidden="0"/>
+        <p:cNvGrpSpPr/>
+        <p:nvPr isPhoto="0" userDrawn="0"/>
+      </p:nvGrpSpPr>
+      <p:grpSpPr bwMode="auto">
+        <a:xfrm>
+          <a:off x="0" y="0"/>
+          <a:ext cx="0" cy="0"/>
+          <a:chOff x="0" y="0"/>
+          <a:chExt cx="0" cy="0"/>
+        </a:xfrm>
+      </p:grpSpPr>
+      <p:sp>
+        <p:nvSpPr>
+          <p:cNvPr id="2" name="Slide Image Placeholder 1" hidden="0"/>
+          <p:cNvSpPr>
+            <a:spLocks noChangeAspect="1" noGrp="1" noRot="1"/>
+          </p:cNvSpPr>
+          <p:nvPr isPhoto="0" userDrawn="0">
+            <p:ph type="sldImg" hasCustomPrompt="0"/>
+          </p:nvPr>
+        </p:nvSpPr>
+        <p:spPr bwMode="auto"/>
+      </p:sp>
+      <p:sp>
+        <p:nvSpPr>
+          <p:cNvPr id="3" name="Notes Placeholder 2" hidden="0"/>
+          <p:cNvSpPr>
+            <a:spLocks noGrp="1"/>
+          </p:cNvSpPr>
+          <p:nvPr isPhoto="0" userDrawn="0">
+            <p:ph type="body" idx="1" hasCustomPrompt="0"/>
+          </p:nvPr>
+        </p:nvSpPr>
+        <p:spPr bwMode="auto"/>
+        <p:txBody>
+          <a:bodyPr/>
+          <a:lstStyle/>
+          <a:p>
+            <a:pPr>
+              <a:defRPr/>
+            </a:pPr>
+            <a:r>
+              <a:rPr lang="de-DE" sz="1200" b="0" i="0" u="none" strike="noStrike" cap="none" spc="0">
+                <a:solidFill>
+                  <a:schemeClr val="tx1"/>
+                </a:solidFill>
+                <a:latin typeface="Palatino Linotype"/>
+                <a:ea typeface="Palatino Linotype"/>
+                <a:cs typeface="Palatino Linotype"/>
+              </a:rPr>
               <a:t>- Folie 16: Da fehlt noch das Fazit aus deiner Evaluierung bzw. Bewertung deines Tools gemessen an dem, was du damit gemacht hast.</a:t>
             </a:r>
             <a:endParaRPr/>
@@ -1325,7 +1416,7 @@
       </p:grpSpPr>
       <p:sp>
         <p:nvSpPr>
-          <p:cNvPr id="2" name="Slide Image Placeholder 1" hidden="0"/>
+          <p:cNvPr id="306219455" name="Slide Image Placeholder 1" hidden="0"/>
           <p:cNvSpPr>
             <a:spLocks noChangeAspect="1" noGrp="1" noRot="1"/>
           </p:cNvSpPr>
@@ -1337,7 +1428,7 @@
       </p:sp>
       <p:sp>
         <p:nvSpPr>
-          <p:cNvPr id="3" name="Notes Placeholder 2" hidden="0"/>
+          <p:cNvPr id="108105005" name="Notes Placeholder 2" hidden="0"/>
           <p:cNvSpPr>
             <a:spLocks noGrp="1"/>
           </p:cNvSpPr>
@@ -1354,6 +1445,10 @@
               <a:defRPr/>
             </a:pPr>
             <a:r>
+              <a:rPr/>
+              <a:t>In dieser Arbeit werden die Vorteile der Entwicklung mit Domain-spezifische Sprachen genutzt, um eine Lösung f</a:t>
+            </a:r>
+            <a:r>
               <a:rPr lang="en-US" sz="1200" b="0" i="0" u="none" strike="noStrike" cap="none" spc="0">
                 <a:solidFill>
                   <a:schemeClr val="tx1"/>
@@ -1362,31 +1457,51 @@
                 <a:ea typeface="Palatino Linotype"/>
                 <a:cs typeface="Palatino Linotype"/>
               </a:rPr>
-              <a:t>Die Framework Cinco SCCE Meta Tooling suite liefert die Basis unserer Arbeit, indem Metasprachen für unsere </a:t>
-            </a:r>
-            <a:r>
-              <a:rPr lang="en-US" sz="1200" b="0" i="0" u="none" strike="noStrike" cap="none" spc="0">
-                <a:solidFill>
-                  <a:schemeClr val="tx1"/>
-                </a:solidFill>
-                <a:latin typeface="Palatino Linotype"/>
-                <a:ea typeface="Palatino Linotype"/>
-                <a:cs typeface="Palatino Linotype"/>
-              </a:rPr>
-              <a:t>Entwicklung unserer graphischen DSL zu Verfügung gestellt werden.</a:t>
-            </a:r>
-            <a:r>
-              <a:rPr lang="en-US" sz="1200" b="0" i="0" u="none" strike="noStrike" cap="none" spc="0">
-                <a:solidFill>
-                  <a:schemeClr val="tx1"/>
-                </a:solidFill>
-                <a:latin typeface="Palatino Linotype"/>
-                <a:ea typeface="Palatino Linotype"/>
-                <a:cs typeface="Palatino Linotype"/>
-              </a:rPr>
-              <a:t> Wir benutzen diese Metasprachen um die Spezifikationen unserer Endsprachen zu entwerfen, um dann eine Entwicklungsumgebung zu generien, die einen Entwurf der Dokumentation anhand von graphischen Bausteinen ermöglicht.</a:t>
-            </a:r>
-            <a:endParaRPr sz="1200" b="0" i="0" u="none" strike="noStrike" cap="none" spc="0">
+              <a:t>ür die Integration des Designs der Endbenutzerdokumentation in den Anwendungsentwicklungsprozess vorzuschlagen.</a:t>
+            </a:r>
+            <a:endParaRPr/>
+          </a:p>
+          <a:p>
+            <a:pPr>
+              <a:defRPr/>
+            </a:pPr>
+            <a:endParaRPr/>
+          </a:p>
+          <a:p>
+            <a:pPr>
+              <a:defRPr/>
+            </a:pPr>
+            <a:r>
+              <a:rPr/>
+              <a:t>Vorteile der model-basierte (DSL-) Lösung: schnelles Entwerfen von Systemmodellen, Modelle abstrahieren und vereinfachen</a:t>
+            </a:r>
+            <a:endParaRPr/>
+          </a:p>
+          <a:p>
+            <a:pPr>
+              <a:defRPr/>
+            </a:pPr>
+            <a:endParaRPr/>
+          </a:p>
+          <a:p>
+            <a:pPr>
+              <a:defRPr/>
+            </a:pPr>
+            <a:r>
+              <a:rPr/>
+              <a:t>Das heißt, unser Ziel ist es, ein Werkzeug zu entwicklen, das eine benutzerfreundliche Umbegung anbietet, die auch von Nicht-programmierern verwendet werden kann</a:t>
+            </a:r>
+            <a:r>
+              <a:rPr/>
+              <a:t>, um die Dokumentation als Model zu entwerfen und dann zu generieren. Dieses Konzept stammt von der Cinco Meta Tooling Framework.</a:t>
+            </a:r>
+            <a:endParaRPr/>
+          </a:p>
+          <a:p>
+            <a:pPr>
+              <a:defRPr/>
+            </a:pPr>
+            <a:endParaRPr lang="en-US" sz="1200" b="0" i="0" u="none" strike="noStrike" cap="none" spc="0">
               <a:solidFill>
                 <a:schemeClr val="tx1"/>
               </a:solidFill>
@@ -1395,11 +1510,36 @@
               <a:cs typeface="Palatino Linotype"/>
             </a:endParaRPr>
           </a:p>
-        </p:txBody>
-      </p:sp>
-      <p:sp>
-        <p:nvSpPr>
-          <p:cNvPr id="4" name="Slide Number Placeholder 3" hidden="0"/>
+          <a:p>
+            <a:pPr>
+              <a:defRPr/>
+            </a:pPr>
+            <a:endParaRPr lang="en-US" sz="1200" b="0" i="0" u="none" strike="noStrike" cap="none" spc="0">
+              <a:solidFill>
+                <a:schemeClr val="tx1"/>
+              </a:solidFill>
+              <a:latin typeface="Palatino Linotype"/>
+              <a:ea typeface="Palatino Linotype"/>
+              <a:cs typeface="Palatino Linotype"/>
+            </a:endParaRPr>
+          </a:p>
+          <a:p>
+            <a:pPr>
+              <a:defRPr/>
+            </a:pPr>
+            <a:endParaRPr lang="en-US"/>
+          </a:p>
+          <a:p>
+            <a:pPr>
+              <a:defRPr/>
+            </a:pPr>
+            <a:endParaRPr lang="en-US"/>
+          </a:p>
+        </p:txBody>
+      </p:sp>
+      <p:sp>
+        <p:nvSpPr>
+          <p:cNvPr id="481880650" name="Slide Number Placeholder 3" hidden="0"/>
           <p:cNvSpPr>
             <a:spLocks noGrp="1"/>
           </p:cNvSpPr>
@@ -1443,7 +1583,7 @@
       </p:grpSpPr>
       <p:sp>
         <p:nvSpPr>
-          <p:cNvPr id="2002792847" name="Slide Image Placeholder 1" hidden="0"/>
+          <p:cNvPr id="2" name="Slide Image Placeholder 1" hidden="0"/>
           <p:cNvSpPr>
             <a:spLocks noChangeAspect="1" noGrp="1" noRot="1"/>
           </p:cNvSpPr>
@@ -1455,7 +1595,7 @@
       </p:sp>
       <p:sp>
         <p:nvSpPr>
-          <p:cNvPr id="781609919" name="Notes Placeholder 2" hidden="0"/>
+          <p:cNvPr id="3" name="Notes Placeholder 2" hidden="0"/>
           <p:cNvSpPr>
             <a:spLocks noGrp="1"/>
           </p:cNvSpPr>
@@ -1472,22 +1612,52 @@
               <a:defRPr/>
             </a:pPr>
             <a:r>
-              <a:rPr/>
-              <a:t>Die Verwendung externer Technologie ist insofern</a:t>
-            </a:r>
-            <a:endParaRPr/>
-          </a:p>
-          <a:p>
-            <a:pPr>
-              <a:defRPr/>
-            </a:pPr>
-            <a:endParaRPr/>
-          </a:p>
-        </p:txBody>
-      </p:sp>
-      <p:sp>
-        <p:nvSpPr>
-          <p:cNvPr id="1255829888" name="Slide Number Placeholder 3" hidden="0"/>
+              <a:rPr lang="en-US" sz="1200" b="0" i="0" u="none" strike="noStrike" cap="none" spc="0">
+                <a:solidFill>
+                  <a:schemeClr val="tx1"/>
+                </a:solidFill>
+                <a:latin typeface="Palatino Linotype"/>
+                <a:ea typeface="Palatino Linotype"/>
+                <a:cs typeface="Palatino Linotype"/>
+              </a:rPr>
+              <a:t>Die Framework Cinco SCCE Meta Tooling suite liefert die Basis unserer Arbeit, indem Metasprachen für unsere </a:t>
+            </a:r>
+            <a:r>
+              <a:rPr lang="en-US" sz="1200" b="0" i="0" u="none" strike="noStrike" cap="none" spc="0">
+                <a:solidFill>
+                  <a:schemeClr val="tx1"/>
+                </a:solidFill>
+                <a:latin typeface="Palatino Linotype"/>
+                <a:ea typeface="Palatino Linotype"/>
+                <a:cs typeface="Palatino Linotype"/>
+              </a:rPr>
+              <a:t>Entwicklung unserer graphischen DSL zu Verfügung gestellt werden.</a:t>
+            </a:r>
+            <a:r>
+              <a:rPr lang="en-US" sz="1200" b="0" i="0" u="none" strike="noStrike" cap="none" spc="0">
+                <a:solidFill>
+                  <a:schemeClr val="tx1"/>
+                </a:solidFill>
+                <a:latin typeface="Palatino Linotype"/>
+                <a:ea typeface="Palatino Linotype"/>
+                <a:cs typeface="Palatino Linotype"/>
+              </a:rPr>
+              <a:t> Wir benutzen diese Metasprachen um die Spezifikationen unserer Endsprachen zu entwerfen, um dann eine Entwicklungsumgebung zu generien, die einen Entwurf der Dokumentation anhand von graphischen Bausteinen ermöglicht.</a:t>
+            </a:r>
+            <a:endParaRPr sz="1200" b="0" i="0" u="none" strike="noStrike" cap="none" spc="0">
+              <a:solidFill>
+                <a:schemeClr val="tx1"/>
+              </a:solidFill>
+              <a:latin typeface="Palatino Linotype"/>
+              <a:ea typeface="Palatino Linotype"/>
+              <a:cs typeface="Palatino Linotype"/>
+            </a:endParaRPr>
+          </a:p>
+        </p:txBody>
+      </p:sp>
+      <p:sp>
+        <p:nvSpPr>
+          <p:cNvPr id="4" name="Slide Number Placeholder 3" hidden="0"/>
           <p:cNvSpPr>
             <a:spLocks noGrp="1"/>
           </p:cNvSpPr>
@@ -1531,7 +1701,7 @@
       </p:grpSpPr>
       <p:sp>
         <p:nvSpPr>
-          <p:cNvPr id="782610789" name="Slide Image Placeholder 1" hidden="0"/>
+          <p:cNvPr id="2002792847" name="Slide Image Placeholder 1" hidden="0"/>
           <p:cNvSpPr>
             <a:spLocks noChangeAspect="1" noGrp="1" noRot="1"/>
           </p:cNvSpPr>
@@ -1543,7 +1713,7 @@
       </p:sp>
       <p:sp>
         <p:nvSpPr>
-          <p:cNvPr id="882455537" name="Notes Placeholder 2" hidden="0"/>
+          <p:cNvPr id="781609919" name="Notes Placeholder 2" hidden="0"/>
           <p:cNvSpPr>
             <a:spLocks noGrp="1"/>
           </p:cNvSpPr>
@@ -1560,23 +1730,22 @@
               <a:defRPr/>
             </a:pPr>
             <a:r>
-              <a:rPr lang="de-DE" sz="1200" b="0" i="0" u="none" strike="noStrike" cap="none" spc="0">
-                <a:solidFill>
-                  <a:schemeClr val="tx1"/>
-                </a:solidFill>
-                <a:latin typeface="Palatino Linotype"/>
-                <a:ea typeface="Palatino Linotype"/>
-                <a:cs typeface="Palatino Linotype"/>
-              </a:rPr>
-              <a:t>- Ich vermisse ein wenig die Vorstellung der Sprachfeatures und deren Besonderheiten</a:t>
-            </a:r>
-            <a:endParaRPr/>
-          </a:p>
-        </p:txBody>
-      </p:sp>
-      <p:sp>
-        <p:nvSpPr>
-          <p:cNvPr id="838656737" name="Slide Number Placeholder 3" hidden="0"/>
+              <a:rPr/>
+              <a:t>Die Verwendung externer Technologie ist insofern</a:t>
+            </a:r>
+            <a:endParaRPr/>
+          </a:p>
+          <a:p>
+            <a:pPr>
+              <a:defRPr/>
+            </a:pPr>
+            <a:endParaRPr/>
+          </a:p>
+        </p:txBody>
+      </p:sp>
+      <p:sp>
+        <p:nvSpPr>
+          <p:cNvPr id="1255829888" name="Slide Number Placeholder 3" hidden="0"/>
           <p:cNvSpPr>
             <a:spLocks noGrp="1"/>
           </p:cNvSpPr>
@@ -1620,7 +1789,7 @@
       </p:grpSpPr>
       <p:sp>
         <p:nvSpPr>
-          <p:cNvPr id="2" name="Slide Image Placeholder 1" hidden="0"/>
+          <p:cNvPr id="782610789" name="Slide Image Placeholder 1" hidden="0"/>
           <p:cNvSpPr>
             <a:spLocks noChangeAspect="1" noGrp="1" noRot="1"/>
           </p:cNvSpPr>
@@ -1632,7 +1801,7 @@
       </p:sp>
       <p:sp>
         <p:nvSpPr>
-          <p:cNvPr id="3" name="Notes Placeholder 2" hidden="0"/>
+          <p:cNvPr id="882455537" name="Notes Placeholder 2" hidden="0"/>
           <p:cNvSpPr>
             <a:spLocks noGrp="1"/>
           </p:cNvSpPr>
@@ -1657,15 +1826,15 @@
                 <a:ea typeface="Palatino Linotype"/>
                 <a:cs typeface="Palatino Linotype"/>
               </a:rPr>
-              <a:t>- Was hast du für die Demo geplant? Ich hoffe, du gehst da detailliert auf die ganzen Features deiner Sprachen ein: Primereferenzen, Verschachtelung, Enablen/Disablen von Screenshots, Checks etc.</a:t>
-            </a:r>
-            <a:endParaRPr/>
-          </a:p>
-        </p:txBody>
-      </p:sp>
-      <p:sp>
-        <p:nvSpPr>
-          <p:cNvPr id="4" name="Slide Number Placeholder 3" hidden="0"/>
+              <a:t>- Ich vermisse ein wenig die Vorstellung der Sprachfeatures und deren Besonderheiten</a:t>
+            </a:r>
+            <a:endParaRPr/>
+          </a:p>
+        </p:txBody>
+      </p:sp>
+      <p:sp>
+        <p:nvSpPr>
+          <p:cNvPr id="838656737" name="Slide Number Placeholder 3" hidden="0"/>
           <p:cNvSpPr>
             <a:spLocks noGrp="1"/>
           </p:cNvSpPr>
@@ -7977,6 +8146,447 @@
       </p:grpSpPr>
       <p:sp>
         <p:nvSpPr>
+          <p:cNvPr id="53415977" name="Título 1" hidden="0"/>
+          <p:cNvSpPr>
+            <a:spLocks noGrp="1"/>
+          </p:cNvSpPr>
+          <p:nvPr isPhoto="0" userDrawn="0">
+            <p:ph type="title" hasCustomPrompt="0"/>
+          </p:nvPr>
+        </p:nvSpPr>
+        <p:spPr bwMode="auto">
+          <a:xfrm>
+            <a:off x="1534695" y="798027"/>
+            <a:ext cx="9520157" cy="1049234"/>
+          </a:xfrm>
+        </p:spPr>
+        <p:txBody>
+          <a:bodyPr/>
+          <a:lstStyle/>
+          <a:p>
+            <a:pPr>
+              <a:defRPr/>
+            </a:pPr>
+            <a:r>
+              <a:rPr lang="de-DE"/>
+              <a:t>Methodologie</a:t>
+            </a:r>
+            <a:br>
+              <a:rPr lang="de-DE"/>
+            </a:br>
+            <a:r>
+              <a:rPr lang="de-DE" sz="1600" i="1"/>
+              <a:t>graphische DSL aus </a:t>
+            </a:r>
+            <a:r>
+              <a:rPr lang="de-DE" sz="1600" i="1">
+                <a:latin typeface="URW Bookman"/>
+                <a:ea typeface="URW Bookman"/>
+                <a:cs typeface="URW Bookman"/>
+              </a:rPr>
+              <a:t>Cinco</a:t>
+            </a:r>
+            <a:r>
+              <a:rPr lang="de-DE" sz="1600" i="1"/>
+              <a:t> Metasprachen - technisches Detail</a:t>
+            </a:r>
+            <a:endParaRPr/>
+          </a:p>
+        </p:txBody>
+      </p:sp>
+      <p:sp>
+        <p:nvSpPr>
+          <p:cNvPr id="1975793017" name="Content Placeholder 2" hidden="0"/>
+          <p:cNvSpPr>
+            <a:spLocks noGrp="1"/>
+          </p:cNvSpPr>
+          <p:nvPr isPhoto="0" userDrawn="0">
+            <p:ph idx="1" hasCustomPrompt="0"/>
+          </p:nvPr>
+        </p:nvSpPr>
+        <p:spPr bwMode="auto">
+          <a:xfrm flipH="0" flipV="0">
+            <a:off x="1534695" y="2009239"/>
+            <a:ext cx="9520157" cy="1891960"/>
+          </a:xfrm>
+        </p:spPr>
+        <p:txBody>
+          <a:bodyPr anchor="t"/>
+          <a:lstStyle/>
+          <a:p>
+            <a:pPr>
+              <a:defRPr/>
+            </a:pPr>
+            <a:r>
+              <a:rPr/>
+              <a:t>Verwendung von Selenium-Java und VuePress, um einen Dokumentationstext mit Bildern in Markdownformat zu erstellen</a:t>
+            </a:r>
+            <a:endParaRPr/>
+          </a:p>
+          <a:p>
+            <a:pPr>
+              <a:defRPr/>
+            </a:pPr>
+            <a:r>
+              <a:rPr/>
+              <a:t>Separates Erzeugen der Texte und der Screenshots (1) wird bevorzugt, um Single-Point-of-failure zu </a:t>
+            </a:r>
+            <a:r>
+              <a:rPr lang="de-DE"/>
+              <a:t>vermeiden, im Falle eines Fehler im Vorprozess (2)</a:t>
+            </a:r>
+            <a:endParaRPr/>
+          </a:p>
+        </p:txBody>
+      </p:sp>
+      <p:pic>
+        <p:nvPicPr>
+          <p:cNvPr id="586522987" name="" hidden="0"/>
+          <p:cNvPicPr>
+            <a:picLocks noChangeAspect="1"/>
+          </p:cNvPicPr>
+          <p:nvPr isPhoto="0" userDrawn="0"/>
+        </p:nvPicPr>
+        <p:blipFill>
+          <a:blip r:embed="rId3"/>
+          <a:stretch/>
+        </p:blipFill>
+        <p:spPr bwMode="auto">
+          <a:xfrm rot="0" flipH="0" flipV="0">
+            <a:off x="1333611" y="3728085"/>
+            <a:ext cx="4509470" cy="1888581"/>
+          </a:xfrm>
+          <a:prstGeom prst="rect">
+            <a:avLst/>
+          </a:prstGeom>
+        </p:spPr>
+      </p:pic>
+      <p:sp>
+        <p:nvSpPr>
+          <p:cNvPr id="940792254" name="" hidden="0"/>
+          <p:cNvSpPr txBox="1"/>
+          <p:nvPr isPhoto="0" userDrawn="0"/>
+        </p:nvSpPr>
+        <p:spPr bwMode="auto">
+          <a:xfrm rot="20488280" flipH="0" flipV="0">
+            <a:off x="6035483" y="4495969"/>
+            <a:ext cx="518583" cy="365795"/>
+          </a:xfrm>
+          <a:prstGeom prst="rect">
+            <a:avLst/>
+          </a:prstGeom>
+          <a:noFill/>
+        </p:spPr>
+        <p:txBody>
+          <a:bodyPr vertOverflow="overflow" horzOverflow="clip" vert="horz" wrap="square" lIns="91440" tIns="45720" rIns="91440" bIns="45720" numCol="1" spcCol="0" rtlCol="0" fromWordArt="0" anchor="t" anchorCtr="0" forceAA="0" upright="0" compatLnSpc="0">
+            <a:noAutofit/>
+          </a:bodyPr>
+          <a:p>
+            <a:pPr>
+              <a:defRPr/>
+            </a:pPr>
+            <a:r>
+              <a:rPr b="1" u="sng">
+                <a:latin typeface="Comic Sans MS"/>
+                <a:ea typeface="Comic Sans MS"/>
+                <a:cs typeface="Comic Sans MS"/>
+              </a:rPr>
+              <a:t>VS</a:t>
+            </a:r>
+            <a:endParaRPr/>
+          </a:p>
+        </p:txBody>
+      </p:sp>
+      <p:grpSp>
+        <p:nvGrpSpPr>
+          <p:cNvPr id="2108473167" name="" hidden="0"/>
+          <p:cNvGrpSpPr/>
+          <p:nvPr isPhoto="0" userDrawn="0"/>
+        </p:nvGrpSpPr>
+        <p:grpSpPr bwMode="auto">
+          <a:xfrm>
+            <a:off x="6722476" y="4081524"/>
+            <a:ext cx="5058832" cy="1145432"/>
+            <a:chOff x="0" y="0"/>
+            <a:chExt cx="5058832" cy="1145432"/>
+          </a:xfrm>
+        </p:grpSpPr>
+        <p:grpSp>
+          <p:nvGrpSpPr>
+            <p:cNvPr id="1853264752" name="" hidden="0"/>
+            <p:cNvGrpSpPr/>
+            <p:nvPr isPhoto="0" userDrawn="0"/>
+          </p:nvGrpSpPr>
+          <p:grpSpPr bwMode="auto">
+            <a:xfrm>
+              <a:off x="0" y="201816"/>
+              <a:ext cx="5058833" cy="943616"/>
+              <a:chOff x="0" y="0"/>
+              <a:chExt cx="5058833" cy="943616"/>
+            </a:xfrm>
+          </p:grpSpPr>
+          <p:pic>
+            <p:nvPicPr>
+              <p:cNvPr id="1741561977" name="" hidden="0"/>
+              <p:cNvPicPr>
+                <a:picLocks noChangeAspect="1"/>
+              </p:cNvPicPr>
+              <p:nvPr isPhoto="0" userDrawn="0"/>
+            </p:nvPicPr>
+            <p:blipFill>
+              <a:blip r:embed="rId4"/>
+              <a:stretch/>
+            </p:blipFill>
+            <p:spPr bwMode="auto">
+              <a:xfrm flipH="0" flipV="0">
+                <a:off x="0" y="0"/>
+                <a:ext cx="5058833" cy="943616"/>
+              </a:xfrm>
+              <a:prstGeom prst="rect">
+                <a:avLst/>
+              </a:prstGeom>
+            </p:spPr>
+          </p:pic>
+          <p:sp>
+            <p:nvSpPr>
+              <p:cNvPr id="1847142434" name="" hidden="0"/>
+              <p:cNvSpPr/>
+              <p:nvPr isPhoto="0" userDrawn="0"/>
+            </p:nvSpPr>
+            <p:spPr bwMode="auto">
+              <a:xfrm rot="2075502" flipH="0" flipV="0">
+                <a:off x="3338640" y="112217"/>
+                <a:ext cx="719666" cy="687916"/>
+              </a:xfrm>
+              <a:prstGeom prst="mathPlus">
+                <a:avLst>
+                  <a:gd name="adj1" fmla="val 13846"/>
+                </a:avLst>
+              </a:prstGeom>
+              <a:solidFill>
+                <a:srgbClr val="FF0000">
+                  <a:alpha val="44999"/>
+                </a:srgbClr>
+              </a:solidFill>
+              <a:ln w="15875" cap="flat" cmpd="sng" algn="ctr">
+                <a:noFill/>
+                <a:prstDash val="solid"/>
+              </a:ln>
+            </p:spPr>
+            <p:style>
+              <a:lnRef idx="2">
+                <a:schemeClr val="accent1">
+                  <a:shade val="50000"/>
+                </a:schemeClr>
+              </a:lnRef>
+              <a:fillRef idx="1">
+                <a:schemeClr val="accent1"/>
+              </a:fillRef>
+              <a:effectRef idx="0">
+                <a:schemeClr val="accent1"/>
+              </a:effectRef>
+              <a:fontRef idx="minor">
+                <a:schemeClr val="lt1"/>
+              </a:fontRef>
+            </p:style>
+          </p:sp>
+        </p:grpSp>
+        <p:grpSp>
+          <p:nvGrpSpPr>
+            <p:cNvPr id="2117227624" name="" hidden="0"/>
+            <p:cNvGrpSpPr/>
+            <p:nvPr isPhoto="0" userDrawn="0"/>
+          </p:nvGrpSpPr>
+          <p:grpSpPr bwMode="auto">
+            <a:xfrm>
+              <a:off x="2808146" y="0"/>
+              <a:ext cx="453719" cy="397296"/>
+              <a:chOff x="0" y="0"/>
+              <a:chExt cx="453719" cy="397296"/>
+            </a:xfrm>
+          </p:grpSpPr>
+          <p:sp>
+            <p:nvSpPr>
+              <p:cNvPr id="1560179641" name="" hidden="0"/>
+              <p:cNvSpPr/>
+              <p:nvPr isPhoto="0" userDrawn="0"/>
+            </p:nvSpPr>
+            <p:spPr bwMode="auto">
+              <a:xfrm rot="13821012" flipH="0" flipV="0">
+                <a:off x="28211" y="-28211"/>
+                <a:ext cx="397296" cy="453720"/>
+              </a:xfrm>
+              <a:prstGeom prst="irregularSeal1">
+                <a:avLst/>
+              </a:prstGeom>
+              <a:solidFill>
+                <a:srgbClr val="FF0000"/>
+              </a:solidFill>
+              <a:ln w="15875" cap="flat" cmpd="sng" algn="ctr">
+                <a:solidFill>
+                  <a:srgbClr val="FF0000"/>
+                </a:solidFill>
+                <a:prstDash val="solid"/>
+              </a:ln>
+            </p:spPr>
+            <p:style>
+              <a:lnRef idx="2">
+                <a:schemeClr val="accent1">
+                  <a:shade val="50000"/>
+                </a:schemeClr>
+              </a:lnRef>
+              <a:fillRef idx="1">
+                <a:schemeClr val="accent1"/>
+              </a:fillRef>
+              <a:effectRef idx="0">
+                <a:schemeClr val="accent1"/>
+              </a:effectRef>
+              <a:fontRef idx="minor">
+                <a:schemeClr val="lt1"/>
+              </a:fontRef>
+            </p:style>
+          </p:sp>
+          <p:sp>
+            <p:nvSpPr>
+              <p:cNvPr id="429480022" name="" hidden="0"/>
+              <p:cNvSpPr txBox="1"/>
+              <p:nvPr isPhoto="0" userDrawn="0"/>
+            </p:nvSpPr>
+            <p:spPr bwMode="auto">
+              <a:xfrm flipH="0" flipV="0">
+                <a:off x="6801" y="98456"/>
+                <a:ext cx="440115" cy="200381"/>
+              </a:xfrm>
+              <a:prstGeom prst="rect">
+                <a:avLst/>
+              </a:prstGeom>
+              <a:noFill/>
+            </p:spPr>
+            <p:txBody>
+              <a:bodyPr vertOverflow="overflow" horzOverflow="clip" vert="horz" wrap="square" lIns="91440" tIns="45720" rIns="91440" bIns="45720" numCol="1" spcCol="0" rtlCol="0" fromWordArt="0" anchor="t" anchorCtr="0" forceAA="0" upright="0" compatLnSpc="0">
+                <a:noAutofit/>
+              </a:bodyPr>
+              <a:p>
+                <a:pPr>
+                  <a:defRPr/>
+                </a:pPr>
+                <a:r>
+                  <a:rPr sz="800">
+                    <a:solidFill>
+                      <a:schemeClr val="bg1"/>
+                    </a:solidFill>
+                  </a:rPr>
+                  <a:t>error</a:t>
+                </a:r>
+                <a:endParaRPr sz="800">
+                  <a:solidFill>
+                    <a:schemeClr val="bg1"/>
+                  </a:solidFill>
+                </a:endParaRPr>
+              </a:p>
+            </p:txBody>
+          </p:sp>
+        </p:grpSp>
+      </p:grpSp>
+      <p:sp>
+        <p:nvSpPr>
+          <p:cNvPr id="2027102624" name="" hidden="0"/>
+          <p:cNvSpPr txBox="1"/>
+          <p:nvPr isPhoto="0" userDrawn="0"/>
+        </p:nvSpPr>
+        <p:spPr bwMode="auto">
+          <a:xfrm flipH="0" flipV="0">
+            <a:off x="1619271" y="5095412"/>
+            <a:ext cx="462486" cy="365796"/>
+          </a:xfrm>
+          <a:prstGeom prst="rect">
+            <a:avLst/>
+          </a:prstGeom>
+          <a:noFill/>
+        </p:spPr>
+        <p:txBody>
+          <a:bodyPr vertOverflow="overflow" horzOverflow="clip" vert="horz" wrap="square" lIns="91440" tIns="45720" rIns="91440" bIns="45720" numCol="1" spcCol="0" rtlCol="0" fromWordArt="0" anchor="t" anchorCtr="0" forceAA="0" upright="0" compatLnSpc="0">
+            <a:spAutoFit/>
+          </a:bodyPr>
+          <a:p>
+            <a:pPr>
+              <a:defRPr/>
+            </a:pPr>
+            <a:r>
+              <a:rPr/>
+              <a:t>(1)</a:t>
+            </a:r>
+            <a:endParaRPr/>
+          </a:p>
+        </p:txBody>
+      </p:sp>
+      <p:sp>
+        <p:nvSpPr>
+          <p:cNvPr id="193181900" name="" hidden="0"/>
+          <p:cNvSpPr txBox="1"/>
+          <p:nvPr isPhoto="0" userDrawn="0"/>
+        </p:nvSpPr>
+        <p:spPr bwMode="auto">
+          <a:xfrm flipH="0" flipV="0">
+            <a:off x="6598746" y="5095411"/>
+            <a:ext cx="462593" cy="365796"/>
+          </a:xfrm>
+          <a:prstGeom prst="rect">
+            <a:avLst/>
+          </a:prstGeom>
+          <a:noFill/>
+        </p:spPr>
+        <p:txBody>
+          <a:bodyPr vertOverflow="overflow" horzOverflow="clip" vert="horz" wrap="square" lIns="91440" tIns="45720" rIns="91440" bIns="45720" numCol="1" spcCol="0" rtlCol="0" fromWordArt="0" anchor="t" anchorCtr="0" forceAA="0" upright="0" compatLnSpc="0">
+            <a:spAutoFit/>
+          </a:bodyPr>
+          <a:p>
+            <a:pPr>
+              <a:defRPr/>
+            </a:pPr>
+            <a:r>
+              <a:rPr/>
+              <a:t>(2)</a:t>
+            </a:r>
+            <a:endParaRPr/>
+          </a:p>
+        </p:txBody>
+      </p:sp>
+    </p:spTree>
+  </p:cSld>
+  <p:clrMapOvr>
+    <a:masterClrMapping/>
+  </p:clrMapOvr>
+  <mc:AlternateContent xmlns:mc="http://schemas.openxmlformats.org/markup-compatibility/2006">
+    <mc:Choice xmlns:p14="http://schemas.microsoft.com/office/powerpoint/2010/main" Requires="p14">
+      <p:transition p14:dur="2000" advClick="1"/>
+    </mc:Choice>
+    <mc:Fallback>
+      <p:transition advClick="1"/>
+    </mc:Fallback>
+  </mc:AlternateContent>
+</p:sld>
+</file>
+
+<file path=ppt/slides/slide11.xml><?xml version="1.0" encoding="utf-8"?>
+<p:sld xmlns:a="http://schemas.openxmlformats.org/drawingml/2006/main" xmlns:r="http://schemas.openxmlformats.org/officeDocument/2006/relationships" xmlns:p="http://schemas.openxmlformats.org/presentationml/2006/main" xmlns:m="http://schemas.openxmlformats.org/officeDocument/2006/math" xmlns:w="http://schemas.openxmlformats.org/wordprocessingml/2006/main" showMasterPhAnim="0" show="1">
+  <p:cSld name="">
+    <p:spTree>
+      <p:nvGrpSpPr>
+        <p:cNvPr id="1" name="" hidden="0"/>
+        <p:cNvGrpSpPr/>
+        <p:nvPr isPhoto="0" userDrawn="0"/>
+      </p:nvGrpSpPr>
+      <p:grpSpPr bwMode="auto">
+        <a:xfrm>
+          <a:off x="0" y="0"/>
+          <a:ext cx="0" cy="0"/>
+          <a:chOff x="0" y="0"/>
+          <a:chExt cx="0" cy="0"/>
+        </a:xfrm>
+      </p:grpSpPr>
+      <p:sp>
+        <p:nvSpPr>
           <p:cNvPr id="997314373" name="Título 1" hidden="0"/>
           <p:cNvSpPr>
             <a:spLocks noGrp="1"/>
@@ -8178,7 +8788,129 @@
 </p:sld>
 </file>
 
-<file path=ppt/slides/slide11.xml><?xml version="1.0" encoding="utf-8"?>
+<file path=ppt/slides/slide12.xml><?xml version="1.0" encoding="utf-8"?>
+<p:sld xmlns:a="http://schemas.openxmlformats.org/drawingml/2006/main" xmlns:r="http://schemas.openxmlformats.org/officeDocument/2006/relationships" xmlns:p="http://schemas.openxmlformats.org/presentationml/2006/main" xmlns:m="http://schemas.openxmlformats.org/officeDocument/2006/math" xmlns:w="http://schemas.openxmlformats.org/wordprocessingml/2006/main" showMasterPhAnim="0" show="1">
+  <p:cSld name="">
+    <p:spTree>
+      <p:nvGrpSpPr>
+        <p:cNvPr id="1" name="" hidden="0"/>
+        <p:cNvGrpSpPr/>
+        <p:nvPr isPhoto="0" userDrawn="0"/>
+      </p:nvGrpSpPr>
+      <p:grpSpPr bwMode="auto">
+        <a:xfrm>
+          <a:off x="0" y="0"/>
+          <a:ext cx="0" cy="0"/>
+          <a:chOff x="0" y="0"/>
+          <a:chExt cx="0" cy="0"/>
+        </a:xfrm>
+      </p:grpSpPr>
+      <p:sp>
+        <p:nvSpPr>
+          <p:cNvPr id="1025664742" name="Título 1" hidden="0"/>
+          <p:cNvSpPr>
+            <a:spLocks noGrp="1"/>
+          </p:cNvSpPr>
+          <p:nvPr isPhoto="0" userDrawn="0">
+            <p:ph type="title" hasCustomPrompt="0"/>
+          </p:nvPr>
+        </p:nvSpPr>
+        <p:spPr bwMode="auto"/>
+        <p:txBody>
+          <a:bodyPr/>
+          <a:lstStyle/>
+          <a:p>
+            <a:pPr>
+              <a:defRPr/>
+            </a:pPr>
+            <a:r>
+              <a:rPr lang="de-DE"/>
+              <a:t>Graphische DSL: .feat und .doc</a:t>
+            </a:r>
+            <a:br>
+              <a:rPr lang="de-DE"/>
+            </a:br>
+            <a:r>
+              <a:rPr lang="de-DE" sz="1600" b="0" i="1" u="none" strike="noStrike" cap="none" spc="0">
+                <a:solidFill>
+                  <a:schemeClr val="tx1"/>
+                </a:solidFill>
+                <a:latin typeface="Palatino Linotype"/>
+                <a:ea typeface="Arial"/>
+                <a:cs typeface="Arial"/>
+              </a:rPr>
+              <a:t>FeatureGraph Modellsprache</a:t>
+            </a:r>
+            <a:endParaRPr/>
+          </a:p>
+        </p:txBody>
+      </p:sp>
+      <p:sp>
+        <p:nvSpPr>
+          <p:cNvPr id="1794224030" name="Content Placeholder 2" hidden="0"/>
+          <p:cNvSpPr>
+            <a:spLocks noGrp="1"/>
+          </p:cNvSpPr>
+          <p:nvPr isPhoto="0" userDrawn="0">
+            <p:ph idx="1" hasCustomPrompt="0"/>
+          </p:nvPr>
+        </p:nvSpPr>
+        <p:spPr bwMode="auto">
+          <a:xfrm flipH="0" flipV="0">
+            <a:off x="1534695" y="2015731"/>
+            <a:ext cx="6358518" cy="3450612"/>
+          </a:xfrm>
+        </p:spPr>
+        <p:txBody>
+          <a:bodyPr anchor="t"/>
+          <a:lstStyle/>
+          <a:p>
+            <a:pPr>
+              <a:defRPr/>
+            </a:pPr>
+            <a:endParaRPr/>
+          </a:p>
+        </p:txBody>
+      </p:sp>
+      <p:pic>
+        <p:nvPicPr>
+          <p:cNvPr id="344653473" name="" hidden="0"/>
+          <p:cNvPicPr>
+            <a:picLocks noChangeAspect="1"/>
+          </p:cNvPicPr>
+          <p:nvPr isPhoto="0" userDrawn="0"/>
+        </p:nvPicPr>
+        <p:blipFill>
+          <a:blip r:embed="rId2"/>
+          <a:stretch/>
+        </p:blipFill>
+        <p:spPr bwMode="auto">
+          <a:xfrm rot="0">
+            <a:off x="7928311" y="2015730"/>
+            <a:ext cx="3126540" cy="3515652"/>
+          </a:xfrm>
+          <a:prstGeom prst="rect">
+            <a:avLst/>
+          </a:prstGeom>
+        </p:spPr>
+      </p:pic>
+    </p:spTree>
+  </p:cSld>
+  <p:clrMapOvr>
+    <a:masterClrMapping/>
+  </p:clrMapOvr>
+  <mc:AlternateContent xmlns:mc="http://schemas.openxmlformats.org/markup-compatibility/2006">
+    <mc:Choice xmlns:p14="http://schemas.microsoft.com/office/powerpoint/2010/main" Requires="p14">
+      <p:transition p14:dur="2000" advClick="1"/>
+    </mc:Choice>
+    <mc:Fallback>
+      <p:transition advClick="1"/>
+    </mc:Fallback>
+  </mc:AlternateContent>
+</p:sld>
+</file>
+
+<file path=ppt/slides/slide13.xml><?xml version="1.0" encoding="utf-8"?>
 <p:sld xmlns:a="http://schemas.openxmlformats.org/drawingml/2006/main" xmlns:r="http://schemas.openxmlformats.org/officeDocument/2006/relationships" xmlns:p="http://schemas.openxmlformats.org/presentationml/2006/main" xmlns:m="http://schemas.openxmlformats.org/officeDocument/2006/math" xmlns:w="http://schemas.openxmlformats.org/wordprocessingml/2006/main" showMasterPhAnim="0" show="1">
   <p:cSld name="">
     <p:spTree>
@@ -8380,7 +9112,7 @@
 </p:sld>
 </file>
 
-<file path=ppt/slides/slide12.xml><?xml version="1.0" encoding="utf-8"?>
+<file path=ppt/slides/slide14.xml><?xml version="1.0" encoding="utf-8"?>
 <p:sld xmlns:a="http://schemas.openxmlformats.org/drawingml/2006/main" xmlns:r="http://schemas.openxmlformats.org/officeDocument/2006/relationships" xmlns:p="http://schemas.openxmlformats.org/presentationml/2006/main" xmlns:m="http://schemas.openxmlformats.org/officeDocument/2006/math" xmlns:w="http://schemas.openxmlformats.org/wordprocessingml/2006/main" showMasterPhAnim="0" show="1">
   <p:cSld name="">
     <p:spTree>
@@ -8399,7 +9131,7 @@
       </p:grpSpPr>
       <p:sp>
         <p:nvSpPr>
-          <p:cNvPr id="564735652" name="Title 1" hidden="0"/>
+          <p:cNvPr id="131552822" name="Title 1" hidden="0"/>
           <p:cNvSpPr>
             <a:spLocks noGrp="1"/>
           </p:cNvSpPr>
@@ -8422,9 +9154,9 @@
                 <a:solidFill>
                   <a:schemeClr val="tx1"/>
                 </a:solidFill>
-                <a:latin typeface="+mj-lt"/>
-                <a:ea typeface="+mj-ea"/>
-                <a:cs typeface="+mj-cs"/>
+                <a:latin typeface="Palatino Linotype"/>
+                <a:ea typeface="Arial"/>
+                <a:cs typeface="Arial"/>
               </a:rPr>
               <a:t>Graphische DSL: .feat und .doc</a:t>
             </a:r>
@@ -8433,9 +9165,9 @@
                 <a:solidFill>
                   <a:schemeClr val="tx1"/>
                 </a:solidFill>
-                <a:latin typeface="+mj-lt"/>
-                <a:ea typeface="+mj-ea"/>
-                <a:cs typeface="+mj-cs"/>
+                <a:latin typeface="Palatino Linotype"/>
+                <a:ea typeface="Arial"/>
+                <a:cs typeface="Arial"/>
               </a:rPr>
             </a:br>
             <a:r>
@@ -8455,35 +9187,35 @@
       </p:sp>
       <p:grpSp>
         <p:nvGrpSpPr>
-          <p:cNvPr id="1524444960" name="" hidden="0"/>
+          <p:cNvPr id="1221646153" name="" hidden="0"/>
           <p:cNvGrpSpPr/>
           <p:nvPr isPhoto="0" userDrawn="0"/>
         </p:nvGrpSpPr>
         <p:grpSpPr bwMode="auto">
           <a:xfrm>
-            <a:off x="1712307" y="1682792"/>
-            <a:ext cx="8976607" cy="3783552"/>
+            <a:off x="1712306" y="1682791"/>
+            <a:ext cx="8976606" cy="3783551"/>
             <a:chOff x="0" y="0"/>
-            <a:chExt cx="8976607" cy="3783552"/>
+            <a:chExt cx="8976606" cy="3783551"/>
           </a:xfrm>
         </p:grpSpPr>
         <p:grpSp>
           <p:nvGrpSpPr>
-            <p:cNvPr id="353857643" name="" hidden="0"/>
+            <p:cNvPr id="859708527" name="" hidden="0"/>
             <p:cNvGrpSpPr/>
             <p:nvPr isPhoto="0" userDrawn="0"/>
           </p:nvGrpSpPr>
           <p:grpSpPr bwMode="auto">
             <a:xfrm>
               <a:off x="0" y="0"/>
-              <a:ext cx="8976607" cy="3783552"/>
+              <a:ext cx="8976606" cy="3783551"/>
               <a:chOff x="0" y="0"/>
-              <a:chExt cx="8976607" cy="3783552"/>
+              <a:chExt cx="8976606" cy="3783551"/>
             </a:xfrm>
           </p:grpSpPr>
           <p:pic>
             <p:nvPicPr>
-              <p:cNvPr id="219745317" name="" hidden="0"/>
+              <p:cNvPr id="1184105255" name="" hidden="0"/>
               <p:cNvPicPr>
                 <a:picLocks noChangeAspect="1"/>
               </p:cNvPicPr>
@@ -8497,8 +9229,8 @@
             </p:blipFill>
             <p:spPr bwMode="auto">
               <a:xfrm rot="0">
-                <a:off x="188327" y="332939"/>
-                <a:ext cx="8788279" cy="3450612"/>
+                <a:off x="188326" y="332938"/>
+                <a:ext cx="8788278" cy="3450611"/>
               </a:xfrm>
               <a:prstGeom prst="rect">
                 <a:avLst/>
@@ -8507,14 +9239,14 @@
           </p:pic>
           <p:sp>
             <p:nvSpPr>
-              <p:cNvPr id="534566748" name="" hidden="0"/>
+              <p:cNvPr id="534986265" name="" hidden="0"/>
               <p:cNvSpPr txBox="1"/>
               <p:nvPr isPhoto="0" userDrawn="0"/>
             </p:nvSpPr>
             <p:spPr bwMode="auto">
               <a:xfrm flipH="0" flipV="0">
-                <a:off x="0" y="3299514"/>
-                <a:ext cx="2149230" cy="341921"/>
+                <a:off x="0" y="3299513"/>
+                <a:ext cx="2149229" cy="341920"/>
               </a:xfrm>
               <a:prstGeom prst="rect">
                 <a:avLst/>
@@ -8539,14 +9271,14 @@
           </p:sp>
           <p:sp>
             <p:nvSpPr>
-              <p:cNvPr id="79657727" name="" hidden="0"/>
+              <p:cNvPr id="1050783702" name="" hidden="0"/>
               <p:cNvSpPr txBox="1"/>
               <p:nvPr isPhoto="0" userDrawn="0"/>
             </p:nvSpPr>
             <p:spPr bwMode="auto">
               <a:xfrm flipH="0" flipV="0">
-                <a:off x="6704134" y="0"/>
-                <a:ext cx="2198076" cy="341921"/>
+                <a:off x="6704133" y="0"/>
+                <a:ext cx="2198075" cy="341920"/>
               </a:xfrm>
               <a:prstGeom prst="rect">
                 <a:avLst/>
@@ -8572,14 +9304,14 @@
         </p:grpSp>
         <p:sp>
           <p:nvSpPr>
-            <p:cNvPr id="1973260769" name="" hidden="0"/>
+            <p:cNvPr id="1447675879" name="" hidden="0"/>
             <p:cNvSpPr txBox="1"/>
             <p:nvPr isPhoto="0" userDrawn="0"/>
           </p:nvSpPr>
           <p:spPr bwMode="auto">
             <a:xfrm flipH="0" flipV="0">
-              <a:off x="3123461" y="1887284"/>
-              <a:ext cx="2649901" cy="341921"/>
+              <a:off x="3123459" y="1887283"/>
+              <a:ext cx="2649900" cy="341920"/>
             </a:xfrm>
             <a:prstGeom prst="rect">
               <a:avLst/>
@@ -8608,14 +9340,14 @@
         </p:sp>
         <p:sp>
           <p:nvSpPr>
-            <p:cNvPr id="1826178206" name="" hidden="0"/>
+            <p:cNvPr id="886982452" name="" hidden="0"/>
             <p:cNvSpPr txBox="1"/>
             <p:nvPr isPhoto="0" userDrawn="0"/>
           </p:nvSpPr>
           <p:spPr bwMode="auto">
             <a:xfrm flipH="0" flipV="0">
-              <a:off x="4322884" y="2688937"/>
-              <a:ext cx="1199423" cy="260749"/>
+              <a:off x="4322883" y="2688936"/>
+              <a:ext cx="1199422" cy="260748"/>
             </a:xfrm>
             <a:prstGeom prst="rect">
               <a:avLst/>
@@ -8655,7 +9387,7 @@
 </p:sld>
 </file>
 
-<file path=ppt/slides/slide13.xml><?xml version="1.0" encoding="utf-8"?>
+<file path=ppt/slides/slide15.xml><?xml version="1.0" encoding="utf-8"?>
 <p:sld xmlns:a="http://schemas.openxmlformats.org/drawingml/2006/main" xmlns:r="http://schemas.openxmlformats.org/officeDocument/2006/relationships" xmlns:p="http://schemas.openxmlformats.org/presentationml/2006/main" xmlns:m="http://schemas.openxmlformats.org/officeDocument/2006/math" xmlns:w="http://schemas.openxmlformats.org/wordprocessingml/2006/main" showMasterPhAnim="0" show="1">
   <p:cSld name="">
     <p:spTree>
@@ -8796,7 +9528,7 @@
 </p:sld>
 </file>
 
-<file path=ppt/slides/slide14.xml><?xml version="1.0" encoding="utf-8"?>
+<file path=ppt/slides/slide16.xml><?xml version="1.0" encoding="utf-8"?>
 <p:sld xmlns:a="http://schemas.openxmlformats.org/drawingml/2006/main" xmlns:r="http://schemas.openxmlformats.org/officeDocument/2006/relationships" xmlns:p="http://schemas.openxmlformats.org/presentationml/2006/main" xmlns:m="http://schemas.openxmlformats.org/officeDocument/2006/math" xmlns:w="http://schemas.openxmlformats.org/wordprocessingml/2006/main" showMasterPhAnim="0" show="1">
   <p:cSld name="">
     <p:spTree>
@@ -8925,7 +9657,7 @@
 </p:sld>
 </file>
 
-<file path=ppt/slides/slide15.xml><?xml version="1.0" encoding="utf-8"?>
+<file path=ppt/slides/slide17.xml><?xml version="1.0" encoding="utf-8"?>
 <p:sld xmlns:a="http://schemas.openxmlformats.org/drawingml/2006/main" xmlns:r="http://schemas.openxmlformats.org/officeDocument/2006/relationships" xmlns:p="http://schemas.openxmlformats.org/presentationml/2006/main" xmlns:m="http://schemas.openxmlformats.org/officeDocument/2006/math" xmlns:w="http://schemas.openxmlformats.org/wordprocessingml/2006/main" showMasterPhAnim="0" show="1">
   <p:cSld name="">
     <p:spTree>
@@ -9056,7 +9788,7 @@
 </p:sld>
 </file>
 
-<file path=ppt/slides/slide16.xml><?xml version="1.0" encoding="utf-8"?>
+<file path=ppt/slides/slide18.xml><?xml version="1.0" encoding="utf-8"?>
 <p:sld xmlns:a="http://schemas.openxmlformats.org/drawingml/2006/main" xmlns:r="http://schemas.openxmlformats.org/officeDocument/2006/relationships" xmlns:p="http://schemas.openxmlformats.org/presentationml/2006/main" xmlns:m="http://schemas.openxmlformats.org/officeDocument/2006/math" xmlns:w="http://schemas.openxmlformats.org/wordprocessingml/2006/main" showMasterPhAnim="0" show="1">
   <p:cSld name="">
     <p:bg>
@@ -9170,475 +9902,6 @@
 </p:sld>
 </file>
 
-<file path=ppt/slides/slide17.xml><?xml version="1.0" encoding="utf-8"?>
-<p:sld xmlns:a="http://schemas.openxmlformats.org/drawingml/2006/main" xmlns:r="http://schemas.openxmlformats.org/officeDocument/2006/relationships" xmlns:p="http://schemas.openxmlformats.org/presentationml/2006/main" xmlns:m="http://schemas.openxmlformats.org/officeDocument/2006/math" xmlns:w="http://schemas.openxmlformats.org/wordprocessingml/2006/main" showMasterPhAnim="0" show="1">
-  <p:cSld name="">
-    <p:spTree>
-      <p:nvGrpSpPr>
-        <p:cNvPr id="1" name="" hidden="0"/>
-        <p:cNvGrpSpPr/>
-        <p:nvPr isPhoto="0" userDrawn="0"/>
-      </p:nvGrpSpPr>
-      <p:grpSpPr bwMode="auto">
-        <a:xfrm>
-          <a:off x="0" y="0"/>
-          <a:ext cx="0" cy="0"/>
-          <a:chOff x="0" y="0"/>
-          <a:chExt cx="0" cy="0"/>
-        </a:xfrm>
-      </p:grpSpPr>
-      <p:sp>
-        <p:nvSpPr>
-          <p:cNvPr id="491240005" name="Título 1" hidden="0"/>
-          <p:cNvSpPr>
-            <a:spLocks noGrp="1"/>
-          </p:cNvSpPr>
-          <p:nvPr isPhoto="0" userDrawn="0">
-            <p:ph type="title" hasCustomPrompt="0"/>
-          </p:nvPr>
-        </p:nvSpPr>
-        <p:spPr bwMode="auto"/>
-        <p:txBody>
-          <a:bodyPr/>
-          <a:lstStyle/>
-          <a:p>
-            <a:pPr>
-              <a:defRPr/>
-            </a:pPr>
-            <a:r>
-              <a:rPr lang="de-DE"/>
-              <a:t>Künftige Arbeiten</a:t>
-            </a:r>
-            <a:br>
-              <a:rPr lang="de-DE"/>
-            </a:br>
-            <a:endParaRPr sz="1800"/>
-          </a:p>
-        </p:txBody>
-      </p:sp>
-      <p:sp>
-        <p:nvSpPr>
-          <p:cNvPr id="835041238" name="Marcador de contenido 2" hidden="0"/>
-          <p:cNvSpPr>
-            <a:spLocks noGrp="1"/>
-          </p:cNvSpPr>
-          <p:nvPr isPhoto="0" userDrawn="0">
-            <p:ph idx="1" hasCustomPrompt="0"/>
-          </p:nvPr>
-        </p:nvSpPr>
-        <p:spPr bwMode="auto"/>
-        <p:txBody>
-          <a:bodyPr vertOverflow="overflow" horzOverflow="clip" vert="horz" wrap="square" lIns="91440" tIns="45720" rIns="91440" bIns="45720" numCol="1" spcCol="0" rtlCol="0" fromWordArt="0" anchor="t" anchorCtr="0" forceAA="0" upright="0" compatLnSpc="0">
-            <a:normAutofit fontScale="90000" lnSpcReduction="2000"/>
-          </a:bodyPr>
-          <a:lstStyle/>
-          <a:p>
-            <a:pPr>
-              <a:defRPr/>
-            </a:pPr>
-            <a:r>
-              <a:rPr lang="en-US" sz="2000" b="0" i="0" u="none" strike="noStrike" cap="none" spc="0">
-                <a:solidFill>
-                  <a:schemeClr val="tx1"/>
-                </a:solidFill>
-                <a:latin typeface="Palatino Linotype"/>
-                <a:ea typeface="Palatino Linotype"/>
-                <a:cs typeface="Palatino Linotype"/>
-              </a:rPr>
-              <a:t>facilitate the creation process by gener</a:t>
-            </a:r>
-            <a:r>
-              <a:rPr lang="en-US" sz="2000" b="0" i="0" u="none" strike="noStrike" cap="none" spc="0">
-                <a:solidFill>
-                  <a:schemeClr val="tx1"/>
-                </a:solidFill>
-                <a:latin typeface="Palatino Linotype"/>
-                <a:ea typeface="Palatino Linotype"/>
-                <a:cs typeface="Palatino Linotype"/>
-              </a:rPr>
-              <a:t>ating a project template containing a start configuration</a:t>
-            </a:r>
-            <a:endParaRPr lang="en-US" sz="2000" b="0" i="0" u="none" strike="noStrike" cap="none" spc="0">
-              <a:solidFill>
-                <a:schemeClr val="tx1"/>
-              </a:solidFill>
-              <a:latin typeface="Palatino Linotype"/>
-              <a:ea typeface="Palatino Linotype"/>
-              <a:cs typeface="Palatino Linotype"/>
-            </a:endParaRPr>
-          </a:p>
-          <a:p>
-            <a:pPr>
-              <a:defRPr/>
-            </a:pPr>
-            <a:r>
-              <a:rPr lang="en-US" sz="2000" b="0" i="0" u="none" strike="noStrike" cap="none" spc="0">
-                <a:solidFill>
-                  <a:schemeClr val="tx1"/>
-                </a:solidFill>
-                <a:latin typeface="Palatino Linotype"/>
-                <a:ea typeface="Palatino Linotype"/>
-                <a:cs typeface="Palatino Linotype"/>
-              </a:rPr>
-              <a:t>cross-referencing DocGraphModels inside others could be improved in</a:t>
-            </a:r>
-            <a:r>
-              <a:rPr lang="en-US" sz="2000" b="0" i="0" u="none" strike="noStrike" cap="none" spc="0">
-                <a:solidFill>
-                  <a:schemeClr val="tx1"/>
-                </a:solidFill>
-                <a:latin typeface="Palatino Linotype"/>
-                <a:ea typeface="Palatino Linotype"/>
-                <a:cs typeface="Palatino Linotype"/>
-              </a:rPr>
-              <a:t> </a:t>
-            </a:r>
-            <a:r>
-              <a:rPr lang="en-US" sz="2000" b="0" i="0" u="none" strike="noStrike" cap="none" spc="0">
-                <a:solidFill>
-                  <a:schemeClr val="tx1"/>
-                </a:solidFill>
-                <a:latin typeface="Palatino Linotype"/>
-                <a:ea typeface="Palatino Linotype"/>
-                <a:cs typeface="Palatino Linotype"/>
-              </a:rPr>
-              <a:t>the future to allow us, for example, to list all available graph models in a separate</a:t>
-            </a:r>
-            <a:r>
-              <a:rPr lang="en-US" sz="2000" b="0" i="0" u="none" strike="noStrike" cap="none" spc="0">
-                <a:solidFill>
-                  <a:schemeClr val="tx1"/>
-                </a:solidFill>
-                <a:latin typeface="Palatino Linotype"/>
-                <a:ea typeface="Palatino Linotype"/>
-                <a:cs typeface="Palatino Linotype"/>
-              </a:rPr>
-              <a:t> </a:t>
-            </a:r>
-            <a:r>
-              <a:rPr lang="en-US" sz="2000" b="0" i="0" u="none" strike="noStrike" cap="none" spc="0">
-                <a:solidFill>
-                  <a:schemeClr val="tx1"/>
-                </a:solidFill>
-                <a:latin typeface="Palatino Linotype"/>
-                <a:ea typeface="Palatino Linotype"/>
-                <a:cs typeface="Palatino Linotype"/>
-              </a:rPr>
-              <a:t>view</a:t>
-            </a:r>
-            <a:endParaRPr lang="en-US" sz="2000" b="0" i="0" u="none" strike="noStrike" cap="none" spc="0">
-              <a:solidFill>
-                <a:schemeClr val="tx1"/>
-              </a:solidFill>
-              <a:latin typeface="Palatino Linotype"/>
-              <a:ea typeface="Palatino Linotype"/>
-              <a:cs typeface="Palatino Linotype"/>
-            </a:endParaRPr>
-          </a:p>
-          <a:p>
-            <a:pPr>
-              <a:defRPr/>
-            </a:pPr>
-            <a:r>
-              <a:rPr lang="en-US" sz="2000" b="0" i="0" u="none" strike="noStrike" cap="none" spc="0">
-                <a:solidFill>
-                  <a:schemeClr val="tx1"/>
-                </a:solidFill>
-                <a:latin typeface="Palatino Linotype"/>
-                <a:ea typeface="Palatino Linotype"/>
-                <a:cs typeface="Palatino Linotype"/>
-              </a:rPr>
-              <a:t> implement more checks to</a:t>
-            </a:r>
-            <a:r>
-              <a:rPr lang="en-US" sz="2000" b="0" i="0" u="none" strike="noStrike" cap="none" spc="0">
-                <a:solidFill>
-                  <a:schemeClr val="tx1"/>
-                </a:solidFill>
-                <a:latin typeface="Palatino Linotype"/>
-                <a:ea typeface="Palatino Linotype"/>
-                <a:cs typeface="Palatino Linotype"/>
-              </a:rPr>
-              <a:t> validate some other aspects of the model: validate</a:t>
-            </a:r>
-            <a:r>
-              <a:rPr lang="en-US" sz="2000" b="0" i="0" u="none" strike="noStrike" cap="none" spc="0">
-                <a:solidFill>
-                  <a:schemeClr val="tx1"/>
-                </a:solidFill>
-                <a:latin typeface="Palatino Linotype"/>
-                <a:ea typeface="Palatino Linotype"/>
-                <a:cs typeface="Palatino Linotype"/>
-              </a:rPr>
-              <a:t> </a:t>
-            </a:r>
-            <a:r>
-              <a:rPr lang="en-US" sz="2000" b="0" i="0" u="none" strike="noStrike" cap="none" spc="0">
-                <a:solidFill>
-                  <a:schemeClr val="tx1"/>
-                </a:solidFill>
-                <a:latin typeface="Palatino Linotype"/>
-                <a:ea typeface="Palatino Linotype"/>
-                <a:cs typeface="Palatino Linotype"/>
-              </a:rPr>
-              <a:t>that the Web element selectors have the correct syntax of CSS</a:t>
-            </a:r>
-            <a:r>
-              <a:rPr lang="en-US" sz="2000" b="0" i="0" u="none" strike="noStrike" cap="none" spc="0">
-                <a:solidFill>
-                  <a:schemeClr val="tx1"/>
-                </a:solidFill>
-                <a:latin typeface="Palatino Linotype"/>
-                <a:ea typeface="Palatino Linotype"/>
-                <a:cs typeface="Palatino Linotype"/>
-              </a:rPr>
-              <a:t> </a:t>
-            </a:r>
-            <a:r>
-              <a:rPr lang="en-US" sz="2000" b="0" i="0" u="none" strike="noStrike" cap="none" spc="0">
-                <a:solidFill>
-                  <a:schemeClr val="tx1"/>
-                </a:solidFill>
-                <a:latin typeface="Palatino Linotype"/>
-                <a:ea typeface="Palatino Linotype"/>
-                <a:cs typeface="Palatino Linotype"/>
-              </a:rPr>
-              <a:t>selectors or XPath</a:t>
-            </a:r>
-            <a:r>
-              <a:rPr lang="en-US" sz="2000" b="0" i="0" u="none" strike="noStrike" cap="none" spc="0">
-                <a:solidFill>
-                  <a:schemeClr val="tx1"/>
-                </a:solidFill>
-                <a:latin typeface="Palatino Linotype"/>
-                <a:ea typeface="Palatino Linotype"/>
-                <a:cs typeface="Palatino Linotype"/>
-              </a:rPr>
-              <a:t> We could even verify in advance if the HTML element we are looking</a:t>
-            </a:r>
-            <a:r>
-              <a:rPr lang="en-US" sz="2000" b="0" i="0" u="none" strike="noStrike" cap="none" spc="0">
-                <a:solidFill>
-                  <a:schemeClr val="tx1"/>
-                </a:solidFill>
-                <a:latin typeface="Palatino Linotype"/>
-                <a:ea typeface="Palatino Linotype"/>
-                <a:cs typeface="Palatino Linotype"/>
-              </a:rPr>
-              <a:t> </a:t>
-            </a:r>
-            <a:r>
-              <a:rPr lang="en-US" sz="2000" b="0" i="0" u="none" strike="noStrike" cap="none" spc="0">
-                <a:solidFill>
-                  <a:schemeClr val="tx1"/>
-                </a:solidFill>
-                <a:latin typeface="Palatino Linotype"/>
-                <a:ea typeface="Palatino Linotype"/>
-                <a:cs typeface="Palatino Linotype"/>
-              </a:rPr>
-              <a:t>for can be found with that given selector by running a selector query search in</a:t>
-            </a:r>
-            <a:r>
-              <a:rPr lang="en-US" sz="2000" b="0" i="0" u="none" strike="noStrike" cap="none" spc="0">
-                <a:solidFill>
-                  <a:schemeClr val="tx1"/>
-                </a:solidFill>
-                <a:latin typeface="Palatino Linotype"/>
-                <a:ea typeface="Palatino Linotype"/>
-                <a:cs typeface="Palatino Linotype"/>
-              </a:rPr>
-              <a:t> </a:t>
-            </a:r>
-            <a:r>
-              <a:rPr lang="en-US" sz="2000" b="0" i="0" u="none" strike="noStrike" cap="none" spc="0">
-                <a:solidFill>
-                  <a:schemeClr val="tx1"/>
-                </a:solidFill>
-                <a:latin typeface="Palatino Linotype"/>
-                <a:ea typeface="Palatino Linotype"/>
-                <a:cs typeface="Palatino Linotype"/>
-              </a:rPr>
-              <a:t>the background</a:t>
-            </a:r>
-            <a:endParaRPr lang="en-US" sz="2000" b="0" i="0" u="none" strike="noStrike" cap="none" spc="0">
-              <a:solidFill>
-                <a:schemeClr val="tx1"/>
-              </a:solidFill>
-              <a:latin typeface="Palatino Linotype"/>
-              <a:ea typeface="Palatino Linotype"/>
-              <a:cs typeface="Palatino Linotype"/>
-            </a:endParaRPr>
-          </a:p>
-        </p:txBody>
-      </p:sp>
-    </p:spTree>
-  </p:cSld>
-  <p:clrMapOvr>
-    <a:masterClrMapping/>
-  </p:clrMapOvr>
-  <mc:AlternateContent xmlns:mc="http://schemas.openxmlformats.org/markup-compatibility/2006">
-    <mc:Choice xmlns:p14="http://schemas.microsoft.com/office/powerpoint/2010/main" Requires="p14">
-      <p:transition p14:dur="2000" advClick="1"/>
-    </mc:Choice>
-    <mc:Fallback>
-      <p:transition advClick="1"/>
-    </mc:Fallback>
-  </mc:AlternateContent>
-</p:sld>
-</file>
-
-<file path=ppt/slides/slide18.xml><?xml version="1.0" encoding="utf-8"?>
-<p:sld xmlns:a="http://schemas.openxmlformats.org/drawingml/2006/main" xmlns:r="http://schemas.openxmlformats.org/officeDocument/2006/relationships" xmlns:p="http://schemas.openxmlformats.org/presentationml/2006/main" xmlns:m="http://schemas.openxmlformats.org/officeDocument/2006/math" xmlns:w="http://schemas.openxmlformats.org/wordprocessingml/2006/main" showMasterPhAnim="0" show="1">
-  <p:cSld name="">
-    <p:spTree>
-      <p:nvGrpSpPr>
-        <p:cNvPr id="1" name="" hidden="0"/>
-        <p:cNvGrpSpPr/>
-        <p:nvPr isPhoto="0" userDrawn="0"/>
-      </p:nvGrpSpPr>
-      <p:grpSpPr bwMode="auto">
-        <a:xfrm>
-          <a:off x="0" y="0"/>
-          <a:ext cx="0" cy="0"/>
-          <a:chOff x="0" y="0"/>
-          <a:chExt cx="0" cy="0"/>
-        </a:xfrm>
-      </p:grpSpPr>
-      <p:sp>
-        <p:nvSpPr>
-          <p:cNvPr id="653499456" name="Título 1" hidden="0"/>
-          <p:cNvSpPr>
-            <a:spLocks noGrp="1"/>
-          </p:cNvSpPr>
-          <p:nvPr isPhoto="0" userDrawn="0">
-            <p:ph type="title" hasCustomPrompt="0"/>
-          </p:nvPr>
-        </p:nvSpPr>
-        <p:spPr bwMode="auto"/>
-        <p:txBody>
-          <a:bodyPr/>
-          <a:lstStyle/>
-          <a:p>
-            <a:pPr>
-              <a:defRPr/>
-            </a:pPr>
-            <a:r>
-              <a:rPr lang="de-DE"/>
-              <a:t>Fazit</a:t>
-            </a:r>
-            <a:br>
-              <a:rPr lang="de-DE"/>
-            </a:br>
-            <a:endParaRPr sz="1600"/>
-          </a:p>
-        </p:txBody>
-      </p:sp>
-      <p:sp>
-        <p:nvSpPr>
-          <p:cNvPr id="751158943" name="Marcador de contenido 2" hidden="0"/>
-          <p:cNvSpPr>
-            <a:spLocks noGrp="1"/>
-          </p:cNvSpPr>
-          <p:nvPr isPhoto="0" userDrawn="0">
-            <p:ph idx="1" hasCustomPrompt="0"/>
-          </p:nvPr>
-        </p:nvSpPr>
-        <p:spPr bwMode="auto"/>
-        <p:txBody>
-          <a:bodyPr vertOverflow="overflow" horzOverflow="clip" vert="horz" wrap="square" lIns="91440" tIns="45720" rIns="91440" bIns="45720" numCol="1" spcCol="0" rtlCol="0" fromWordArt="0" anchor="t" anchorCtr="0" forceAA="0" upright="0" compatLnSpc="0">
-            <a:normAutofit/>
-          </a:bodyPr>
-          <a:lstStyle/>
-          <a:p>
-            <a:pPr>
-              <a:defRPr/>
-            </a:pPr>
-            <a:r>
-              <a:rPr lang="de-DE" sz="2000" b="0" i="0" u="none" strike="noStrike" cap="none" spc="0">
-                <a:solidFill>
-                  <a:schemeClr val="tx1"/>
-                </a:solidFill>
-                <a:latin typeface="Palatino Linotype"/>
-                <a:ea typeface="Palatino Linotype"/>
-                <a:cs typeface="Palatino Linotype"/>
-              </a:rPr>
-              <a:t>Funktionalität: DSL-getriebene Generierung von Endbenutzerdokumentation für Webanwendungen auf der Basis von Graphenmodellen unter Verwendung einer grafischen DSL</a:t>
-            </a:r>
-            <a:endParaRPr lang="de-DE" sz="2000" b="0" i="0" u="none" strike="noStrike" cap="none" spc="0">
-              <a:solidFill>
-                <a:schemeClr val="tx1"/>
-              </a:solidFill>
-              <a:latin typeface="Palatino Linotype"/>
-              <a:ea typeface="Palatino Linotype"/>
-              <a:cs typeface="Palatino Linotype"/>
-            </a:endParaRPr>
-          </a:p>
-          <a:p>
-            <a:pPr>
-              <a:defRPr/>
-            </a:pPr>
-            <a:r>
-              <a:rPr lang="de-DE" sz="2000" b="0" i="0" u="none" strike="noStrike" cap="none" spc="0">
-                <a:solidFill>
-                  <a:schemeClr val="tx1"/>
-                </a:solidFill>
-                <a:latin typeface="Palatino Linotype"/>
-                <a:ea typeface="Palatino Linotype"/>
-                <a:cs typeface="Palatino Linotype"/>
-              </a:rPr>
-              <a:t>Benutzerfreundlichkeit: Die vorgestellten Sprachfeature ermöglichen einen intuitiven Entwurf eines Dokumentationsmodells, während verschiedene Checks helfen, syntaktisch korrekte Graphmodelle zu erstellen</a:t>
-            </a:r>
-            <a:endParaRPr lang="de-DE" sz="2000" b="0" i="0" u="none" strike="noStrike" cap="none" spc="0">
-              <a:solidFill>
-                <a:schemeClr val="tx1"/>
-              </a:solidFill>
-              <a:latin typeface="Palatino Linotype"/>
-              <a:ea typeface="Palatino Linotype"/>
-              <a:cs typeface="Palatino Linotype"/>
-            </a:endParaRPr>
-          </a:p>
-          <a:p>
-            <a:pPr>
-              <a:defRPr/>
-            </a:pPr>
-            <a:r>
-              <a:rPr lang="de-DE" sz="2000" b="0" i="0" u="none" strike="noStrike" cap="none" spc="0">
-                <a:solidFill>
-                  <a:schemeClr val="tx1"/>
-                </a:solidFill>
-                <a:latin typeface="Palatino Linotype"/>
-                <a:ea typeface="Palatino Linotype"/>
-                <a:cs typeface="Palatino Linotype"/>
-              </a:rPr>
-              <a:t> Leistung: schnelle Erstellung einer Dokumentationswebsite mit minimaler Konfigurationsaufwand durch Integration bewährter Drittanbieter-Tools</a:t>
-            </a:r>
-            <a:endParaRPr lang="de-DE" sz="2000" b="0" i="0" u="none" strike="noStrike" cap="none" spc="0">
-              <a:solidFill>
-                <a:schemeClr val="tx1"/>
-              </a:solidFill>
-              <a:latin typeface="Palatino Linotype"/>
-              <a:ea typeface="Palatino Linotype"/>
-              <a:cs typeface="Palatino Linotype"/>
-            </a:endParaRPr>
-          </a:p>
-        </p:txBody>
-      </p:sp>
-    </p:spTree>
-  </p:cSld>
-  <p:clrMapOvr>
-    <a:masterClrMapping/>
-  </p:clrMapOvr>
-  <mc:AlternateContent xmlns:mc="http://schemas.openxmlformats.org/markup-compatibility/2006">
-    <mc:Choice xmlns:p14="http://schemas.microsoft.com/office/powerpoint/2010/main" Requires="p14">
-      <p:transition p14:dur="2000" advClick="1"/>
-    </mc:Choice>
-    <mc:Fallback>
-      <p:transition advClick="1"/>
-    </mc:Fallback>
-  </mc:AlternateContent>
-</p:sld>
-</file>
-
 <file path=ppt/slides/slide19.xml><?xml version="1.0" encoding="utf-8"?>
 <p:sld xmlns:a="http://schemas.openxmlformats.org/drawingml/2006/main" xmlns:r="http://schemas.openxmlformats.org/officeDocument/2006/relationships" xmlns:p="http://schemas.openxmlformats.org/presentationml/2006/main" xmlns:m="http://schemas.openxmlformats.org/officeDocument/2006/math" xmlns:w="http://schemas.openxmlformats.org/wordprocessingml/2006/main" showMasterPhAnim="0" show="1">
   <p:cSld name="">
@@ -9658,61 +9921,152 @@
       </p:grpSpPr>
       <p:sp>
         <p:nvSpPr>
-          <p:cNvPr id="4" name="CuadroTexto 3" hidden="0"/>
-          <p:cNvSpPr txBox="1">
-            <a:spLocks noChangeAspect="1"/>
+          <p:cNvPr id="491240005" name="Título 1" hidden="0"/>
+          <p:cNvSpPr>
+            <a:spLocks noGrp="1"/>
           </p:cNvSpPr>
-          <p:nvPr isPhoto="0" userDrawn="0"/>
+          <p:nvPr isPhoto="0" userDrawn="0">
+            <p:ph type="title" hasCustomPrompt="0"/>
+          </p:nvPr>
+        </p:nvSpPr>
+        <p:spPr bwMode="auto"/>
+        <p:txBody>
+          <a:bodyPr/>
+          <a:lstStyle/>
+          <a:p>
+            <a:pPr>
+              <a:defRPr/>
+            </a:pPr>
+            <a:r>
+              <a:rPr lang="de-DE"/>
+              <a:t>Künftige Arbeiten</a:t>
+            </a:r>
+            <a:br>
+              <a:rPr lang="de-DE"/>
+            </a:br>
+            <a:endParaRPr sz="1800"/>
+          </a:p>
+        </p:txBody>
+      </p:sp>
+      <p:sp>
+        <p:nvSpPr>
+          <p:cNvPr id="835041238" name="Marcador de contenido 2" hidden="0"/>
+          <p:cNvSpPr>
+            <a:spLocks noGrp="1"/>
+          </p:cNvSpPr>
+          <p:nvPr isPhoto="0" userDrawn="0">
+            <p:ph idx="1" hasCustomPrompt="0"/>
+          </p:nvPr>
         </p:nvSpPr>
         <p:spPr bwMode="auto">
-          <a:xfrm>
-            <a:off x="6423620" y="2724181"/>
-            <a:ext cx="2855496" cy="646331"/>
+          <a:xfrm flipH="0" flipV="0">
+            <a:off x="1534695" y="2015731"/>
+            <a:ext cx="9970230" cy="3653029"/>
           </a:xfrm>
-          <a:prstGeom prst="rect">
-            <a:avLst/>
-          </a:prstGeom>
-          <a:noFill/>
         </p:spPr>
         <p:txBody>
-          <a:bodyPr wrap="square" rtlCol="0">
-            <a:spAutoFit/>
+          <a:bodyPr vertOverflow="overflow" horzOverflow="clip" vert="horz" wrap="square" lIns="91440" tIns="45720" rIns="91440" bIns="45720" numCol="1" spcCol="0" rtlCol="0" fromWordArt="0" anchor="t" anchorCtr="0" forceAA="0" upright="0" compatLnSpc="0">
+            <a:normAutofit/>
           </a:bodyPr>
           <a:lstStyle/>
           <a:p>
-            <a:pPr algn="ctr">
-              <a:defRPr/>
-            </a:pPr>
-            <a:r>
-              <a:rPr lang="de-DE" sz="3600"/>
-              <a:t>Vielen Dank!</a:t>
-            </a:r>
-            <a:endParaRPr/>
-          </a:p>
-        </p:txBody>
-      </p:sp>
-      <p:pic>
-        <p:nvPicPr>
-          <p:cNvPr id="713374503" name="" hidden="0"/>
-          <p:cNvPicPr>
-            <a:picLocks noChangeAspect="1"/>
-          </p:cNvPicPr>
-          <p:nvPr isPhoto="0" userDrawn="0"/>
-        </p:nvPicPr>
-        <p:blipFill>
-          <a:blip r:embed="rId2"/>
-          <a:stretch/>
-        </p:blipFill>
-        <p:spPr bwMode="auto">
-          <a:xfrm flipH="0" flipV="0">
-            <a:off x="1969836" y="1328502"/>
-            <a:ext cx="3437689" cy="3437689"/>
-          </a:xfrm>
-          <a:prstGeom prst="rect">
-            <a:avLst/>
-          </a:prstGeom>
-        </p:spPr>
-      </p:pic>
+            <a:pPr>
+              <a:defRPr/>
+            </a:pPr>
+            <a:r>
+              <a:rPr lang="en-US" sz="1800" b="0" i="0" u="none" strike="noStrike" cap="none" spc="0">
+                <a:solidFill>
+                  <a:schemeClr val="tx1"/>
+                </a:solidFill>
+                <a:latin typeface="Palatino Linotype"/>
+                <a:ea typeface="Palatino Linotype"/>
+                <a:cs typeface="Palatino Linotype"/>
+              </a:rPr>
+              <a:t>Erleichterung des Erstellungsprozesses, indem eine Projektvorlage mit einer Startkonfiguration erstellt wird</a:t>
+            </a:r>
+            <a:endParaRPr lang="en-US" sz="2000" b="0" i="0" u="none" strike="noStrike" cap="none" spc="0">
+              <a:solidFill>
+                <a:schemeClr val="tx1"/>
+              </a:solidFill>
+              <a:latin typeface="Palatino Linotype"/>
+              <a:ea typeface="Palatino Linotype"/>
+              <a:cs typeface="Palatino Linotype"/>
+            </a:endParaRPr>
+          </a:p>
+          <a:p>
+            <a:pPr>
+              <a:defRPr/>
+            </a:pPr>
+            <a:r>
+              <a:rPr lang="en-US" sz="2000" b="0" i="0" u="none" strike="noStrike" cap="none" spc="0">
+                <a:solidFill>
+                  <a:schemeClr val="tx1"/>
+                </a:solidFill>
+                <a:latin typeface="Palatino Linotype"/>
+                <a:ea typeface="Palatino Linotype"/>
+                <a:cs typeface="Palatino Linotype"/>
+              </a:rPr>
+              <a:t>Querverweis auf DocGraphModels innerhalb anderer könnte in Zukunft verbessert werden, um beispielsweise alle verfügbaren Graphenmodelle in einer separaten Ansicht auflisten zu können</a:t>
+            </a:r>
+            <a:endParaRPr lang="en-US" sz="2000" b="0" i="0" u="none" strike="noStrike" cap="none" spc="0">
+              <a:solidFill>
+                <a:schemeClr val="tx1"/>
+              </a:solidFill>
+              <a:latin typeface="Palatino Linotype"/>
+              <a:ea typeface="Palatino Linotype"/>
+              <a:cs typeface="Palatino Linotype"/>
+            </a:endParaRPr>
+          </a:p>
+          <a:p>
+            <a:pPr>
+              <a:defRPr/>
+            </a:pPr>
+            <a:r>
+              <a:rPr lang="en-US" sz="2000" b="0" i="0" u="none" strike="noStrike" cap="none" spc="0">
+                <a:solidFill>
+                  <a:schemeClr val="tx1"/>
+                </a:solidFill>
+                <a:latin typeface="Palatino Linotype"/>
+                <a:ea typeface="Palatino Linotype"/>
+                <a:cs typeface="Palatino Linotype"/>
+              </a:rPr>
+              <a:t>Aufbesserung der graphischen Sprachen mit weiteren Selektoren, um HTML-Elemente besser addressieren zu können</a:t>
+            </a:r>
+            <a:endParaRPr lang="en-US" sz="2000" b="0" i="0" u="none" strike="noStrike" cap="none" spc="0">
+              <a:solidFill>
+                <a:schemeClr val="tx1"/>
+              </a:solidFill>
+              <a:latin typeface="Palatino Linotype"/>
+              <a:ea typeface="Palatino Linotype"/>
+              <a:cs typeface="Palatino Linotype"/>
+            </a:endParaRPr>
+          </a:p>
+          <a:p>
+            <a:pPr>
+              <a:defRPr/>
+            </a:pPr>
+            <a:r>
+              <a:rPr lang="en-US" sz="2000" b="0" i="0" u="none" strike="noStrike" cap="none" spc="0">
+                <a:solidFill>
+                  <a:schemeClr val="tx1"/>
+                </a:solidFill>
+                <a:latin typeface="Palatino Linotype"/>
+                <a:ea typeface="Palatino Linotype"/>
+                <a:cs typeface="Palatino Linotype"/>
+              </a:rPr>
+              <a:t>Weitere Checks implementieren, um beispielsweise die Syntax der Selektoren im Voraus zu validieren</a:t>
+            </a:r>
+            <a:endParaRPr lang="en-US" sz="2000" b="0" i="0" u="none" strike="noStrike" cap="none" spc="0">
+              <a:solidFill>
+                <a:schemeClr val="tx1"/>
+              </a:solidFill>
+              <a:latin typeface="Palatino Linotype"/>
+              <a:ea typeface="Palatino Linotype"/>
+              <a:cs typeface="Palatino Linotype"/>
+            </a:endParaRPr>
+          </a:p>
+        </p:txBody>
+      </p:sp>
     </p:spTree>
   </p:cSld>
   <p:clrMapOvr>
@@ -10573,6 +10927,248 @@
 </p:sld>
 </file>
 
+<file path=ppt/slides/slide20.xml><?xml version="1.0" encoding="utf-8"?>
+<p:sld xmlns:a="http://schemas.openxmlformats.org/drawingml/2006/main" xmlns:r="http://schemas.openxmlformats.org/officeDocument/2006/relationships" xmlns:p="http://schemas.openxmlformats.org/presentationml/2006/main" xmlns:m="http://schemas.openxmlformats.org/officeDocument/2006/math" xmlns:w="http://schemas.openxmlformats.org/wordprocessingml/2006/main" showMasterPhAnim="0" show="1">
+  <p:cSld name="">
+    <p:spTree>
+      <p:nvGrpSpPr>
+        <p:cNvPr id="1" name="" hidden="0"/>
+        <p:cNvGrpSpPr/>
+        <p:nvPr isPhoto="0" userDrawn="0"/>
+      </p:nvGrpSpPr>
+      <p:grpSpPr bwMode="auto">
+        <a:xfrm>
+          <a:off x="0" y="0"/>
+          <a:ext cx="0" cy="0"/>
+          <a:chOff x="0" y="0"/>
+          <a:chExt cx="0" cy="0"/>
+        </a:xfrm>
+      </p:grpSpPr>
+      <p:sp>
+        <p:nvSpPr>
+          <p:cNvPr id="653499456" name="Título 1" hidden="0"/>
+          <p:cNvSpPr>
+            <a:spLocks noGrp="1"/>
+          </p:cNvSpPr>
+          <p:nvPr isPhoto="0" userDrawn="0">
+            <p:ph type="title" hasCustomPrompt="0"/>
+          </p:nvPr>
+        </p:nvSpPr>
+        <p:spPr bwMode="auto"/>
+        <p:txBody>
+          <a:bodyPr/>
+          <a:lstStyle/>
+          <a:p>
+            <a:pPr>
+              <a:defRPr/>
+            </a:pPr>
+            <a:r>
+              <a:rPr lang="de-DE"/>
+              <a:t>Fazit</a:t>
+            </a:r>
+            <a:br>
+              <a:rPr lang="de-DE"/>
+            </a:br>
+            <a:endParaRPr sz="1600"/>
+          </a:p>
+        </p:txBody>
+      </p:sp>
+      <p:sp>
+        <p:nvSpPr>
+          <p:cNvPr id="751158943" name="Marcador de contenido 2" hidden="0"/>
+          <p:cNvSpPr>
+            <a:spLocks noGrp="1"/>
+          </p:cNvSpPr>
+          <p:nvPr isPhoto="0" userDrawn="0">
+            <p:ph idx="1" hasCustomPrompt="0"/>
+          </p:nvPr>
+        </p:nvSpPr>
+        <p:spPr bwMode="auto"/>
+        <p:txBody>
+          <a:bodyPr vertOverflow="overflow" horzOverflow="clip" vert="horz" wrap="square" lIns="91440" tIns="45720" rIns="91440" bIns="45720" numCol="1" spcCol="0" rtlCol="0" fromWordArt="0" anchor="t" anchorCtr="0" forceAA="0" upright="0" compatLnSpc="0">
+            <a:normAutofit/>
+          </a:bodyPr>
+          <a:lstStyle/>
+          <a:p>
+            <a:pPr>
+              <a:defRPr/>
+            </a:pPr>
+            <a:r>
+              <a:rPr lang="de-DE" sz="2000" b="0" i="0" u="none" strike="noStrike" cap="none" spc="0">
+                <a:solidFill>
+                  <a:schemeClr val="tx1"/>
+                </a:solidFill>
+                <a:latin typeface="Palatino Linotype"/>
+                <a:ea typeface="Palatino Linotype"/>
+                <a:cs typeface="Palatino Linotype"/>
+              </a:rPr>
+              <a:t>Funktionalität: DSL-getriebene Generierung von Endbenutzerdokumentation für Webanwendungen auf der Basis von Graphenmodellen unter Verwendung einer grafischen DSL</a:t>
+            </a:r>
+            <a:endParaRPr lang="de-DE" sz="2000" b="0" i="0" u="none" strike="noStrike" cap="none" spc="0">
+              <a:solidFill>
+                <a:schemeClr val="tx1"/>
+              </a:solidFill>
+              <a:latin typeface="Palatino Linotype"/>
+              <a:ea typeface="Palatino Linotype"/>
+              <a:cs typeface="Palatino Linotype"/>
+            </a:endParaRPr>
+          </a:p>
+          <a:p>
+            <a:pPr>
+              <a:defRPr/>
+            </a:pPr>
+            <a:r>
+              <a:rPr lang="de-DE" sz="2000" b="0" i="0" u="none" strike="noStrike" cap="none" spc="0">
+                <a:solidFill>
+                  <a:schemeClr val="tx1"/>
+                </a:solidFill>
+                <a:latin typeface="Palatino Linotype"/>
+                <a:ea typeface="Palatino Linotype"/>
+                <a:cs typeface="Palatino Linotype"/>
+              </a:rPr>
+              <a:t>Benutzerfreundlichkeit: Die vorgestellten Sprachfeature ermöglichen einen intuitiven Entwurf eines Dokumentationsmodells, während verschiedene Checks helfen, syntaktisch korrekte Graphmodelle zu erstellen</a:t>
+            </a:r>
+            <a:endParaRPr lang="de-DE" sz="2000" b="0" i="0" u="none" strike="noStrike" cap="none" spc="0">
+              <a:solidFill>
+                <a:schemeClr val="tx1"/>
+              </a:solidFill>
+              <a:latin typeface="Palatino Linotype"/>
+              <a:ea typeface="Palatino Linotype"/>
+              <a:cs typeface="Palatino Linotype"/>
+            </a:endParaRPr>
+          </a:p>
+          <a:p>
+            <a:pPr>
+              <a:defRPr/>
+            </a:pPr>
+            <a:r>
+              <a:rPr lang="de-DE" sz="2000" b="0" i="0" u="none" strike="noStrike" cap="none" spc="0">
+                <a:solidFill>
+                  <a:schemeClr val="tx1"/>
+                </a:solidFill>
+                <a:latin typeface="Palatino Linotype"/>
+                <a:ea typeface="Palatino Linotype"/>
+                <a:cs typeface="Palatino Linotype"/>
+              </a:rPr>
+              <a:t> Leistung: schnelle Erstellung einer Dokumentationswebsite mit minimaler Konfigurationsaufwand durch Integration bewährter Drittanbieter-Tools</a:t>
+            </a:r>
+            <a:endParaRPr lang="de-DE" sz="2000" b="0" i="0" u="none" strike="noStrike" cap="none" spc="0">
+              <a:solidFill>
+                <a:schemeClr val="tx1"/>
+              </a:solidFill>
+              <a:latin typeface="Palatino Linotype"/>
+              <a:ea typeface="Palatino Linotype"/>
+              <a:cs typeface="Palatino Linotype"/>
+            </a:endParaRPr>
+          </a:p>
+        </p:txBody>
+      </p:sp>
+    </p:spTree>
+  </p:cSld>
+  <p:clrMapOvr>
+    <a:masterClrMapping/>
+  </p:clrMapOvr>
+  <mc:AlternateContent xmlns:mc="http://schemas.openxmlformats.org/markup-compatibility/2006">
+    <mc:Choice xmlns:p14="http://schemas.microsoft.com/office/powerpoint/2010/main" Requires="p14">
+      <p:transition p14:dur="2000" advClick="1"/>
+    </mc:Choice>
+    <mc:Fallback>
+      <p:transition advClick="1"/>
+    </mc:Fallback>
+  </mc:AlternateContent>
+</p:sld>
+</file>
+
+<file path=ppt/slides/slide21.xml><?xml version="1.0" encoding="utf-8"?>
+<p:sld xmlns:a="http://schemas.openxmlformats.org/drawingml/2006/main" xmlns:r="http://schemas.openxmlformats.org/officeDocument/2006/relationships" xmlns:p="http://schemas.openxmlformats.org/presentationml/2006/main" xmlns:m="http://schemas.openxmlformats.org/officeDocument/2006/math" xmlns:w="http://schemas.openxmlformats.org/wordprocessingml/2006/main" showMasterPhAnim="0" show="1">
+  <p:cSld name="">
+    <p:spTree>
+      <p:nvGrpSpPr>
+        <p:cNvPr id="1" name="" hidden="0"/>
+        <p:cNvGrpSpPr/>
+        <p:nvPr isPhoto="0" userDrawn="0"/>
+      </p:nvGrpSpPr>
+      <p:grpSpPr bwMode="auto">
+        <a:xfrm>
+          <a:off x="0" y="0"/>
+          <a:ext cx="0" cy="0"/>
+          <a:chOff x="0" y="0"/>
+          <a:chExt cx="0" cy="0"/>
+        </a:xfrm>
+      </p:grpSpPr>
+      <p:sp>
+        <p:nvSpPr>
+          <p:cNvPr id="4" name="CuadroTexto 3" hidden="0"/>
+          <p:cNvSpPr txBox="1">
+            <a:spLocks noChangeAspect="1"/>
+          </p:cNvSpPr>
+          <p:nvPr isPhoto="0" userDrawn="0"/>
+        </p:nvSpPr>
+        <p:spPr bwMode="auto">
+          <a:xfrm>
+            <a:off x="6423620" y="2724181"/>
+            <a:ext cx="2855496" cy="646331"/>
+          </a:xfrm>
+          <a:prstGeom prst="rect">
+            <a:avLst/>
+          </a:prstGeom>
+          <a:noFill/>
+        </p:spPr>
+        <p:txBody>
+          <a:bodyPr wrap="square" rtlCol="0">
+            <a:spAutoFit/>
+          </a:bodyPr>
+          <a:lstStyle/>
+          <a:p>
+            <a:pPr algn="ctr">
+              <a:defRPr/>
+            </a:pPr>
+            <a:r>
+              <a:rPr lang="de-DE" sz="3600"/>
+              <a:t>Vielen Dank!</a:t>
+            </a:r>
+            <a:endParaRPr/>
+          </a:p>
+        </p:txBody>
+      </p:sp>
+      <p:pic>
+        <p:nvPicPr>
+          <p:cNvPr id="713374503" name="" hidden="0"/>
+          <p:cNvPicPr>
+            <a:picLocks noChangeAspect="1"/>
+          </p:cNvPicPr>
+          <p:nvPr isPhoto="0" userDrawn="0"/>
+        </p:nvPicPr>
+        <p:blipFill>
+          <a:blip r:embed="rId2"/>
+          <a:stretch/>
+        </p:blipFill>
+        <p:spPr bwMode="auto">
+          <a:xfrm flipH="0" flipV="0">
+            <a:off x="1969836" y="1328502"/>
+            <a:ext cx="3437689" cy="3437689"/>
+          </a:xfrm>
+          <a:prstGeom prst="rect">
+            <a:avLst/>
+          </a:prstGeom>
+        </p:spPr>
+      </p:pic>
+    </p:spTree>
+  </p:cSld>
+  <p:clrMapOvr>
+    <a:masterClrMapping/>
+  </p:clrMapOvr>
+  <mc:AlternateContent xmlns:mc="http://schemas.openxmlformats.org/markup-compatibility/2006">
+    <mc:Choice xmlns:p14="http://schemas.microsoft.com/office/powerpoint/2010/main" Requires="p14">
+      <p:transition p14:dur="2000" advClick="1"/>
+    </mc:Choice>
+    <mc:Fallback>
+      <p:transition advClick="1"/>
+    </mc:Fallback>
+  </mc:AlternateContent>
+</p:sld>
+</file>
+
 <file path=ppt/slides/slide3.xml><?xml version="1.0" encoding="utf-8"?>
 <p:sld xmlns:a="http://schemas.openxmlformats.org/drawingml/2006/main" xmlns:r="http://schemas.openxmlformats.org/officeDocument/2006/relationships" xmlns:p="http://schemas.openxmlformats.org/presentationml/2006/main" xmlns:m="http://schemas.openxmlformats.org/officeDocument/2006/math" xmlns:w="http://schemas.openxmlformats.org/wordprocessingml/2006/main" showMasterPhAnim="0" show="1">
   <p:cSld name="">
@@ -11246,6 +11842,313 @@
       </p:grpSpPr>
       <p:sp>
         <p:nvSpPr>
+          <p:cNvPr id="790794652" name="Título 1" hidden="0"/>
+          <p:cNvSpPr>
+            <a:spLocks noGrp="1"/>
+          </p:cNvSpPr>
+          <p:nvPr isPhoto="0" userDrawn="0">
+            <p:ph type="title" hasCustomPrompt="0"/>
+          </p:nvPr>
+        </p:nvSpPr>
+        <p:spPr bwMode="auto"/>
+        <p:txBody>
+          <a:bodyPr/>
+          <a:lstStyle/>
+          <a:p>
+            <a:pPr>
+              <a:defRPr/>
+            </a:pPr>
+            <a:r>
+              <a:rPr lang="de-DE"/>
+              <a:t>Gegenstand der Arbeit</a:t>
+            </a:r>
+            <a:br>
+              <a:rPr lang="de-DE"/>
+            </a:br>
+            <a:r>
+              <a:rPr lang="de-DE" sz="1600" i="1"/>
+              <a:t>Eine DSL zur automatischen Generation der Nutzerdokumentation </a:t>
+            </a:r>
+            <a:endParaRPr/>
+          </a:p>
+        </p:txBody>
+      </p:sp>
+      <p:sp>
+        <p:nvSpPr>
+          <p:cNvPr id="60363363" name="Marcador de contenido 2" hidden="0"/>
+          <p:cNvSpPr>
+            <a:spLocks noGrp="1"/>
+          </p:cNvSpPr>
+          <p:nvPr isPhoto="0" userDrawn="0">
+            <p:ph idx="1" hasCustomPrompt="0"/>
+          </p:nvPr>
+        </p:nvSpPr>
+        <p:spPr bwMode="auto">
+          <a:xfrm flipH="0" flipV="0">
+            <a:off x="1560659" y="1879131"/>
+            <a:ext cx="10257692" cy="646063"/>
+          </a:xfrm>
+        </p:spPr>
+        <p:txBody>
+          <a:bodyPr vertOverflow="overflow" horzOverflow="clip" vert="horz" wrap="square" lIns="91440" tIns="45720" rIns="91440" bIns="45720" numCol="1" spcCol="0" rtlCol="0" fromWordArt="0" anchor="t" anchorCtr="0" forceAA="0" upright="0" compatLnSpc="0">
+            <a:normAutofit fontScale="80000" lnSpcReduction="4000"/>
+          </a:bodyPr>
+          <a:lstStyle/>
+          <a:p>
+            <a:pPr>
+              <a:defRPr/>
+            </a:pPr>
+            <a:r>
+              <a:rPr/>
+              <a:t>Dokumentationsinhalt kann mit vergleichsweise wenig Aufwand dem </a:t>
+            </a:r>
+            <a:r>
+              <a:rPr lang="de-DE" sz="2000" b="0" i="0" u="none" strike="noStrike" cap="none" spc="0">
+                <a:solidFill>
+                  <a:schemeClr val="tx1"/>
+                </a:solidFill>
+                <a:latin typeface="+mn-lt"/>
+                <a:ea typeface="+mn-ea"/>
+                <a:cs typeface="+mn-cs"/>
+              </a:rPr>
+              <a:t>aktuellen Stand der Webanwendung angepasst werden</a:t>
+            </a:r>
+            <a:endParaRPr/>
+          </a:p>
+        </p:txBody>
+      </p:sp>
+      <p:grpSp>
+        <p:nvGrpSpPr>
+          <p:cNvPr id="1422745497" name="" hidden="0"/>
+          <p:cNvGrpSpPr/>
+          <p:nvPr isPhoto="0" userDrawn="0"/>
+        </p:nvGrpSpPr>
+        <p:grpSpPr bwMode="auto">
+          <a:xfrm>
+            <a:off x="1376110" y="2517620"/>
+            <a:ext cx="10419590" cy="3129940"/>
+            <a:chOff x="0" y="0"/>
+            <a:chExt cx="10419590" cy="3129940"/>
+          </a:xfrm>
+        </p:grpSpPr>
+        <p:pic>
+          <p:nvPicPr>
+            <p:cNvPr id="228202916" name="" hidden="0"/>
+            <p:cNvPicPr>
+              <a:picLocks noChangeAspect="1"/>
+            </p:cNvPicPr>
+            <p:nvPr isPhoto="0" userDrawn="0"/>
+          </p:nvPicPr>
+          <p:blipFill>
+            <a:blip r:embed="rId3"/>
+            <a:stretch/>
+          </p:blipFill>
+          <p:spPr bwMode="auto">
+            <a:xfrm flipH="0" flipV="0">
+              <a:off x="0" y="0"/>
+              <a:ext cx="10419590" cy="2784828"/>
+            </a:xfrm>
+            <a:prstGeom prst="rect">
+              <a:avLst/>
+            </a:prstGeom>
+          </p:spPr>
+        </p:pic>
+        <p:sp>
+          <p:nvSpPr>
+            <p:cNvPr id="1408958568" name="" hidden="0"/>
+            <p:cNvSpPr txBox="1"/>
+            <p:nvPr isPhoto="0" userDrawn="0"/>
+          </p:nvSpPr>
+          <p:spPr bwMode="auto">
+            <a:xfrm flipH="0" flipV="0">
+              <a:off x="0" y="2397249"/>
+              <a:ext cx="2072471" cy="251208"/>
+            </a:xfrm>
+            <a:prstGeom prst="rect">
+              <a:avLst/>
+            </a:prstGeom>
+            <a:noFill/>
+          </p:spPr>
+          <p:txBody>
+            <a:bodyPr vertOverflow="overflow" horzOverflow="clip" vert="horz" wrap="square" lIns="91440" tIns="45720" rIns="91440" bIns="45720" numCol="1" spcCol="0" rtlCol="0" fromWordArt="0" anchor="t" anchorCtr="0" forceAA="0" upright="0" compatLnSpc="0">
+              <a:noAutofit/>
+            </a:bodyPr>
+            <a:p>
+              <a:pPr>
+                <a:defRPr/>
+              </a:pPr>
+              <a:r>
+                <a:rPr sz="1000"/>
+                <a:t>Nutzersequenz im Webbrowser</a:t>
+              </a:r>
+              <a:endParaRPr sz="1000"/>
+            </a:p>
+          </p:txBody>
+        </p:sp>
+        <p:sp>
+          <p:nvSpPr>
+            <p:cNvPr id="1587905997" name="" hidden="0"/>
+            <p:cNvSpPr txBox="1"/>
+            <p:nvPr isPhoto="0" userDrawn="0"/>
+          </p:nvSpPr>
+          <p:spPr bwMode="auto">
+            <a:xfrm flipH="0" flipV="0">
+              <a:off x="2843173" y="2878732"/>
+              <a:ext cx="2366620" cy="251208"/>
+            </a:xfrm>
+            <a:prstGeom prst="rect">
+              <a:avLst/>
+            </a:prstGeom>
+            <a:noFill/>
+          </p:spPr>
+          <p:txBody>
+            <a:bodyPr vertOverflow="overflow" horzOverflow="clip" vert="horz" wrap="square" lIns="91440" tIns="45720" rIns="91440" bIns="45720" numCol="1" spcCol="0" rtlCol="0" fromWordArt="0" anchor="t" anchorCtr="0" forceAA="0" upright="0" compatLnSpc="0">
+              <a:noAutofit/>
+            </a:bodyPr>
+            <a:p>
+              <a:pPr>
+                <a:defRPr/>
+              </a:pPr>
+              <a:r>
+                <a:rPr sz="1000"/>
+                <a:t>Sequenzmodell mit graphischer DSL</a:t>
+              </a:r>
+              <a:endParaRPr sz="1000"/>
+            </a:p>
+          </p:txBody>
+        </p:sp>
+        <p:sp>
+          <p:nvSpPr>
+            <p:cNvPr id="771089527" name="" hidden="0"/>
+            <p:cNvSpPr txBox="1"/>
+            <p:nvPr isPhoto="0" userDrawn="0"/>
+          </p:nvSpPr>
+          <p:spPr bwMode="auto">
+            <a:xfrm rot="0" flipH="0" flipV="0">
+              <a:off x="4913125" y="837661"/>
+              <a:ext cx="1221625" cy="612320"/>
+            </a:xfrm>
+            <a:prstGeom prst="rect">
+              <a:avLst/>
+            </a:prstGeom>
+            <a:noFill/>
+          </p:spPr>
+          <p:txBody>
+            <a:bodyPr vertOverflow="overflow" horzOverflow="clip" vert="horz" wrap="square" lIns="91440" tIns="45720" rIns="91440" bIns="45720" numCol="1" spcCol="0" rtlCol="0" fromWordArt="0" anchor="t" anchorCtr="0" forceAA="0" upright="0" compatLnSpc="0">
+              <a:noAutofit/>
+            </a:bodyPr>
+            <a:p>
+              <a:pPr>
+                <a:defRPr/>
+              </a:pPr>
+              <a:r>
+                <a:rPr sz="1000"/>
+                <a:t>Modell-zu-Text- Transformation</a:t>
+              </a:r>
+              <a:endParaRPr sz="1000"/>
+            </a:p>
+          </p:txBody>
+        </p:sp>
+        <p:sp>
+          <p:nvSpPr>
+            <p:cNvPr id="682409879" name="" hidden="0"/>
+            <p:cNvSpPr txBox="1"/>
+            <p:nvPr isPhoto="0" userDrawn="0"/>
+          </p:nvSpPr>
+          <p:spPr bwMode="auto">
+            <a:xfrm rot="0" flipH="0" flipV="0">
+              <a:off x="1853735" y="691121"/>
+              <a:ext cx="1109504" cy="575686"/>
+            </a:xfrm>
+            <a:prstGeom prst="rect">
+              <a:avLst/>
+            </a:prstGeom>
+            <a:noFill/>
+          </p:spPr>
+          <p:txBody>
+            <a:bodyPr vertOverflow="overflow" horzOverflow="clip" vert="horz" wrap="square" lIns="91440" tIns="45720" rIns="91440" bIns="45720" numCol="1" spcCol="0" rtlCol="0" fromWordArt="0" anchor="t" anchorCtr="0" forceAA="0" upright="0" compatLnSpc="0">
+              <a:noAutofit/>
+            </a:bodyPr>
+            <a:p>
+              <a:pPr>
+                <a:defRPr/>
+              </a:pPr>
+              <a:r>
+                <a:rPr sz="1000"/>
+                <a:t>Entwurf eines Modells durch Entwickler</a:t>
+              </a:r>
+              <a:endParaRPr sz="1000"/>
+            </a:p>
+          </p:txBody>
+        </p:sp>
+        <p:sp>
+          <p:nvSpPr>
+            <p:cNvPr id="598990300" name="" hidden="0"/>
+            <p:cNvSpPr txBox="1"/>
+            <p:nvPr isPhoto="0" userDrawn="0"/>
+          </p:nvSpPr>
+          <p:spPr bwMode="auto">
+            <a:xfrm flipH="0" flipV="0">
+              <a:off x="6140289" y="2669391"/>
+              <a:ext cx="2366620" cy="251208"/>
+            </a:xfrm>
+            <a:prstGeom prst="rect">
+              <a:avLst/>
+            </a:prstGeom>
+            <a:noFill/>
+          </p:spPr>
+          <p:txBody>
+            <a:bodyPr vertOverflow="overflow" horzOverflow="clip" vert="horz" wrap="square" lIns="91440" tIns="45720" rIns="91440" bIns="45720" numCol="1" spcCol="0" rtlCol="0" fromWordArt="0" anchor="t" anchorCtr="0" forceAA="0" upright="0" compatLnSpc="0">
+              <a:noAutofit/>
+            </a:bodyPr>
+            <a:p>
+              <a:pPr>
+                <a:defRPr/>
+              </a:pPr>
+              <a:r>
+                <a:rPr sz="1000"/>
+                <a:t>Markdown mit Dokumentationstext</a:t>
+              </a:r>
+              <a:endParaRPr sz="1000"/>
+            </a:p>
+          </p:txBody>
+        </p:sp>
+      </p:grpSp>
+    </p:spTree>
+  </p:cSld>
+  <p:clrMapOvr>
+    <a:masterClrMapping/>
+  </p:clrMapOvr>
+  <mc:AlternateContent xmlns:mc="http://schemas.openxmlformats.org/markup-compatibility/2006">
+    <mc:Choice xmlns:p14="http://schemas.microsoft.com/office/powerpoint/2010/main" Requires="p14">
+      <p:transition p14:dur="2000" advClick="1"/>
+    </mc:Choice>
+    <mc:Fallback>
+      <p:transition advClick="1"/>
+    </mc:Fallback>
+  </mc:AlternateContent>
+</p:sld>
+</file>
+
+<file path=ppt/slides/slide8.xml><?xml version="1.0" encoding="utf-8"?>
+<p:sld xmlns:a="http://schemas.openxmlformats.org/drawingml/2006/main" xmlns:r="http://schemas.openxmlformats.org/officeDocument/2006/relationships" xmlns:p="http://schemas.openxmlformats.org/presentationml/2006/main" xmlns:m="http://schemas.openxmlformats.org/officeDocument/2006/math" xmlns:w="http://schemas.openxmlformats.org/wordprocessingml/2006/main" showMasterPhAnim="0" show="1">
+  <p:cSld name="">
+    <p:spTree>
+      <p:nvGrpSpPr>
+        <p:cNvPr id="1" name="" hidden="0"/>
+        <p:cNvGrpSpPr/>
+        <p:nvPr isPhoto="0" userDrawn="0"/>
+      </p:nvGrpSpPr>
+      <p:grpSpPr bwMode="auto">
+        <a:xfrm>
+          <a:off x="0" y="0"/>
+          <a:ext cx="0" cy="0"/>
+          <a:chOff x="0" y="0"/>
+          <a:chExt cx="0" cy="0"/>
+        </a:xfrm>
+      </p:grpSpPr>
+      <p:sp>
+        <p:nvSpPr>
           <p:cNvPr id="1917197885" name="Título 1" hidden="0"/>
           <p:cNvSpPr>
             <a:spLocks noGrp="1"/>
@@ -11303,7 +12206,7 @@
         </p:blipFill>
         <p:spPr bwMode="auto">
           <a:xfrm flipH="0" flipV="0">
-            <a:off x="8247960" y="2485577"/>
+            <a:off x="8571624" y="1990479"/>
             <a:ext cx="3365021" cy="2370895"/>
           </a:xfrm>
           <a:prstGeom prst="rect">
@@ -11599,7 +12502,7 @@
 </p:sld>
 </file>
 
-<file path=ppt/slides/slide8.xml><?xml version="1.0" encoding="utf-8"?>
+<file path=ppt/slides/slide9.xml><?xml version="1.0" encoding="utf-8"?>
 <p:sld xmlns:a="http://schemas.openxmlformats.org/drawingml/2006/main" xmlns:r="http://schemas.openxmlformats.org/officeDocument/2006/relationships" xmlns:p="http://schemas.openxmlformats.org/presentationml/2006/main" xmlns:m="http://schemas.openxmlformats.org/officeDocument/2006/math" xmlns:w="http://schemas.openxmlformats.org/wordprocessingml/2006/main" showMasterPhAnim="0" show="1">
   <p:cSld name="">
     <p:spTree>
@@ -11909,447 +12812,6 @@
           </p:grpSp>
         </p:grpSp>
       </p:grpSp>
-    </p:spTree>
-  </p:cSld>
-  <p:clrMapOvr>
-    <a:masterClrMapping/>
-  </p:clrMapOvr>
-  <mc:AlternateContent xmlns:mc="http://schemas.openxmlformats.org/markup-compatibility/2006">
-    <mc:Choice xmlns:p14="http://schemas.microsoft.com/office/powerpoint/2010/main" Requires="p14">
-      <p:transition p14:dur="2000" advClick="1"/>
-    </mc:Choice>
-    <mc:Fallback>
-      <p:transition advClick="1"/>
-    </mc:Fallback>
-  </mc:AlternateContent>
-</p:sld>
-</file>
-
-<file path=ppt/slides/slide9.xml><?xml version="1.0" encoding="utf-8"?>
-<p:sld xmlns:a="http://schemas.openxmlformats.org/drawingml/2006/main" xmlns:r="http://schemas.openxmlformats.org/officeDocument/2006/relationships" xmlns:p="http://schemas.openxmlformats.org/presentationml/2006/main" xmlns:m="http://schemas.openxmlformats.org/officeDocument/2006/math" xmlns:w="http://schemas.openxmlformats.org/wordprocessingml/2006/main" showMasterPhAnim="0" show="1">
-  <p:cSld name="">
-    <p:spTree>
-      <p:nvGrpSpPr>
-        <p:cNvPr id="1" name="" hidden="0"/>
-        <p:cNvGrpSpPr/>
-        <p:nvPr isPhoto="0" userDrawn="0"/>
-      </p:nvGrpSpPr>
-      <p:grpSpPr bwMode="auto">
-        <a:xfrm>
-          <a:off x="0" y="0"/>
-          <a:ext cx="0" cy="0"/>
-          <a:chOff x="0" y="0"/>
-          <a:chExt cx="0" cy="0"/>
-        </a:xfrm>
-      </p:grpSpPr>
-      <p:sp>
-        <p:nvSpPr>
-          <p:cNvPr id="53415977" name="Título 1" hidden="0"/>
-          <p:cNvSpPr>
-            <a:spLocks noGrp="1"/>
-          </p:cNvSpPr>
-          <p:nvPr isPhoto="0" userDrawn="0">
-            <p:ph type="title" hasCustomPrompt="0"/>
-          </p:nvPr>
-        </p:nvSpPr>
-        <p:spPr bwMode="auto">
-          <a:xfrm>
-            <a:off x="1534695" y="798027"/>
-            <a:ext cx="9520157" cy="1049234"/>
-          </a:xfrm>
-        </p:spPr>
-        <p:txBody>
-          <a:bodyPr/>
-          <a:lstStyle/>
-          <a:p>
-            <a:pPr>
-              <a:defRPr/>
-            </a:pPr>
-            <a:r>
-              <a:rPr lang="de-DE"/>
-              <a:t>Methodologie</a:t>
-            </a:r>
-            <a:br>
-              <a:rPr lang="de-DE"/>
-            </a:br>
-            <a:r>
-              <a:rPr lang="de-DE" sz="1600" i="1"/>
-              <a:t>graphische DSL aus </a:t>
-            </a:r>
-            <a:r>
-              <a:rPr lang="de-DE" sz="1600" i="1">
-                <a:latin typeface="URW Bookman"/>
-                <a:ea typeface="URW Bookman"/>
-                <a:cs typeface="URW Bookman"/>
-              </a:rPr>
-              <a:t>Cinco</a:t>
-            </a:r>
-            <a:r>
-              <a:rPr lang="de-DE" sz="1600" i="1"/>
-              <a:t> Metasprachen - technisches Detail</a:t>
-            </a:r>
-            <a:endParaRPr/>
-          </a:p>
-        </p:txBody>
-      </p:sp>
-      <p:sp>
-        <p:nvSpPr>
-          <p:cNvPr id="1975793017" name="Content Placeholder 2" hidden="0"/>
-          <p:cNvSpPr>
-            <a:spLocks noGrp="1"/>
-          </p:cNvSpPr>
-          <p:nvPr isPhoto="0" userDrawn="0">
-            <p:ph idx="1" hasCustomPrompt="0"/>
-          </p:nvPr>
-        </p:nvSpPr>
-        <p:spPr bwMode="auto">
-          <a:xfrm flipH="0" flipV="0">
-            <a:off x="1534695" y="2009239"/>
-            <a:ext cx="9520157" cy="1891960"/>
-          </a:xfrm>
-        </p:spPr>
-        <p:txBody>
-          <a:bodyPr anchor="t"/>
-          <a:lstStyle/>
-          <a:p>
-            <a:pPr>
-              <a:defRPr/>
-            </a:pPr>
-            <a:r>
-              <a:rPr/>
-              <a:t>Verwendung von Selenium-Java und VuePress, um einen Dokumentationstext mit Bildern in Markdownformat zu erstellen</a:t>
-            </a:r>
-            <a:endParaRPr/>
-          </a:p>
-          <a:p>
-            <a:pPr>
-              <a:defRPr/>
-            </a:pPr>
-            <a:r>
-              <a:rPr/>
-              <a:t>Separates Erzeugen der Texte und der Screenshots (1) wird bevorzugt, um Single-Point-of-failure zu </a:t>
-            </a:r>
-            <a:r>
-              <a:rPr lang="de-DE"/>
-              <a:t>vermeiden, im Falle eines Fehler im Vorprozess (2)</a:t>
-            </a:r>
-            <a:endParaRPr/>
-          </a:p>
-        </p:txBody>
-      </p:sp>
-      <p:pic>
-        <p:nvPicPr>
-          <p:cNvPr id="586522987" name="" hidden="0"/>
-          <p:cNvPicPr>
-            <a:picLocks noChangeAspect="1"/>
-          </p:cNvPicPr>
-          <p:nvPr isPhoto="0" userDrawn="0"/>
-        </p:nvPicPr>
-        <p:blipFill>
-          <a:blip r:embed="rId3"/>
-          <a:stretch/>
-        </p:blipFill>
-        <p:spPr bwMode="auto">
-          <a:xfrm rot="0" flipH="0" flipV="0">
-            <a:off x="1333611" y="3728085"/>
-            <a:ext cx="4509470" cy="1888581"/>
-          </a:xfrm>
-          <a:prstGeom prst="rect">
-            <a:avLst/>
-          </a:prstGeom>
-        </p:spPr>
-      </p:pic>
-      <p:sp>
-        <p:nvSpPr>
-          <p:cNvPr id="940792254" name="" hidden="0"/>
-          <p:cNvSpPr txBox="1"/>
-          <p:nvPr isPhoto="0" userDrawn="0"/>
-        </p:nvSpPr>
-        <p:spPr bwMode="auto">
-          <a:xfrm rot="20488282" flipH="0" flipV="0">
-            <a:off x="6035483" y="4495969"/>
-            <a:ext cx="518583" cy="365795"/>
-          </a:xfrm>
-          <a:prstGeom prst="rect">
-            <a:avLst/>
-          </a:prstGeom>
-          <a:noFill/>
-        </p:spPr>
-        <p:txBody>
-          <a:bodyPr vertOverflow="overflow" horzOverflow="clip" vert="horz" wrap="square" lIns="91440" tIns="45720" rIns="91440" bIns="45720" numCol="1" spcCol="0" rtlCol="0" fromWordArt="0" anchor="t" anchorCtr="0" forceAA="0" upright="0" compatLnSpc="0">
-            <a:noAutofit/>
-          </a:bodyPr>
-          <a:p>
-            <a:pPr>
-              <a:defRPr/>
-            </a:pPr>
-            <a:r>
-              <a:rPr b="1" u="sng">
-                <a:latin typeface="Comic Sans MS"/>
-                <a:ea typeface="Comic Sans MS"/>
-                <a:cs typeface="Comic Sans MS"/>
-              </a:rPr>
-              <a:t>VS</a:t>
-            </a:r>
-            <a:endParaRPr/>
-          </a:p>
-        </p:txBody>
-      </p:sp>
-      <p:grpSp>
-        <p:nvGrpSpPr>
-          <p:cNvPr id="2108473167" name="" hidden="0"/>
-          <p:cNvGrpSpPr/>
-          <p:nvPr isPhoto="0" userDrawn="0"/>
-        </p:nvGrpSpPr>
-        <p:grpSpPr bwMode="auto">
-          <a:xfrm>
-            <a:off x="6722476" y="4081524"/>
-            <a:ext cx="5058832" cy="1145432"/>
-            <a:chOff x="0" y="0"/>
-            <a:chExt cx="5058832" cy="1145432"/>
-          </a:xfrm>
-        </p:grpSpPr>
-        <p:grpSp>
-          <p:nvGrpSpPr>
-            <p:cNvPr id="1853264752" name="" hidden="0"/>
-            <p:cNvGrpSpPr/>
-            <p:nvPr isPhoto="0" userDrawn="0"/>
-          </p:nvGrpSpPr>
-          <p:grpSpPr bwMode="auto">
-            <a:xfrm>
-              <a:off x="0" y="201816"/>
-              <a:ext cx="5058833" cy="943616"/>
-              <a:chOff x="0" y="0"/>
-              <a:chExt cx="5058833" cy="943616"/>
-            </a:xfrm>
-          </p:grpSpPr>
-          <p:pic>
-            <p:nvPicPr>
-              <p:cNvPr id="1741561977" name="" hidden="0"/>
-              <p:cNvPicPr>
-                <a:picLocks noChangeAspect="1"/>
-              </p:cNvPicPr>
-              <p:nvPr isPhoto="0" userDrawn="0"/>
-            </p:nvPicPr>
-            <p:blipFill>
-              <a:blip r:embed="rId4"/>
-              <a:stretch/>
-            </p:blipFill>
-            <p:spPr bwMode="auto">
-              <a:xfrm flipH="0" flipV="0">
-                <a:off x="0" y="0"/>
-                <a:ext cx="5058833" cy="943616"/>
-              </a:xfrm>
-              <a:prstGeom prst="rect">
-                <a:avLst/>
-              </a:prstGeom>
-            </p:spPr>
-          </p:pic>
-          <p:sp>
-            <p:nvSpPr>
-              <p:cNvPr id="1847142434" name="" hidden="0"/>
-              <p:cNvSpPr/>
-              <p:nvPr isPhoto="0" userDrawn="0"/>
-            </p:nvSpPr>
-            <p:spPr bwMode="auto">
-              <a:xfrm rot="2075504" flipH="0" flipV="0">
-                <a:off x="3338640" y="112217"/>
-                <a:ext cx="719666" cy="687916"/>
-              </a:xfrm>
-              <a:prstGeom prst="mathPlus">
-                <a:avLst>
-                  <a:gd name="adj1" fmla="val 13846"/>
-                </a:avLst>
-              </a:prstGeom>
-              <a:solidFill>
-                <a:srgbClr val="FF0000">
-                  <a:alpha val="44999"/>
-                </a:srgbClr>
-              </a:solidFill>
-              <a:ln w="15875" cap="flat" cmpd="sng" algn="ctr">
-                <a:noFill/>
-                <a:prstDash val="solid"/>
-              </a:ln>
-            </p:spPr>
-            <p:style>
-              <a:lnRef idx="2">
-                <a:schemeClr val="accent1">
-                  <a:shade val="50000"/>
-                </a:schemeClr>
-              </a:lnRef>
-              <a:fillRef idx="1">
-                <a:schemeClr val="accent1"/>
-              </a:fillRef>
-              <a:effectRef idx="0">
-                <a:schemeClr val="accent1"/>
-              </a:effectRef>
-              <a:fontRef idx="minor">
-                <a:schemeClr val="lt1"/>
-              </a:fontRef>
-            </p:style>
-          </p:sp>
-        </p:grpSp>
-        <p:grpSp>
-          <p:nvGrpSpPr>
-            <p:cNvPr id="2117227624" name="" hidden="0"/>
-            <p:cNvGrpSpPr/>
-            <p:nvPr isPhoto="0" userDrawn="0"/>
-          </p:nvGrpSpPr>
-          <p:grpSpPr bwMode="auto">
-            <a:xfrm>
-              <a:off x="2808147" y="0"/>
-              <a:ext cx="453719" cy="397296"/>
-              <a:chOff x="0" y="0"/>
-              <a:chExt cx="453719" cy="397296"/>
-            </a:xfrm>
-          </p:grpSpPr>
-          <p:sp>
-            <p:nvSpPr>
-              <p:cNvPr id="1560179641" name="" hidden="0"/>
-              <p:cNvSpPr/>
-              <p:nvPr isPhoto="0" userDrawn="0"/>
-            </p:nvSpPr>
-            <p:spPr bwMode="auto">
-              <a:xfrm rot="13821012" flipH="0" flipV="0">
-                <a:off x="28211" y="-28211"/>
-                <a:ext cx="397296" cy="453720"/>
-              </a:xfrm>
-              <a:prstGeom prst="irregularSeal1">
-                <a:avLst/>
-              </a:prstGeom>
-              <a:solidFill>
-                <a:srgbClr val="FF0000"/>
-              </a:solidFill>
-              <a:ln w="15875" cap="flat" cmpd="sng" algn="ctr">
-                <a:solidFill>
-                  <a:srgbClr val="FF0000"/>
-                </a:solidFill>
-                <a:prstDash val="solid"/>
-              </a:ln>
-            </p:spPr>
-            <p:style>
-              <a:lnRef idx="2">
-                <a:schemeClr val="accent1">
-                  <a:shade val="50000"/>
-                </a:schemeClr>
-              </a:lnRef>
-              <a:fillRef idx="1">
-                <a:schemeClr val="accent1"/>
-              </a:fillRef>
-              <a:effectRef idx="0">
-                <a:schemeClr val="accent1"/>
-              </a:effectRef>
-              <a:fontRef idx="minor">
-                <a:schemeClr val="lt1"/>
-              </a:fontRef>
-            </p:style>
-          </p:sp>
-          <p:sp>
-            <p:nvSpPr>
-              <p:cNvPr id="429480022" name="" hidden="0"/>
-              <p:cNvSpPr txBox="1"/>
-              <p:nvPr isPhoto="0" userDrawn="0"/>
-            </p:nvSpPr>
-            <p:spPr bwMode="auto">
-              <a:xfrm flipH="0" flipV="0">
-                <a:off x="6801" y="98456"/>
-                <a:ext cx="440115" cy="200381"/>
-              </a:xfrm>
-              <a:prstGeom prst="rect">
-                <a:avLst/>
-              </a:prstGeom>
-              <a:noFill/>
-            </p:spPr>
-            <p:txBody>
-              <a:bodyPr vertOverflow="overflow" horzOverflow="clip" vert="horz" wrap="square" lIns="91440" tIns="45720" rIns="91440" bIns="45720" numCol="1" spcCol="0" rtlCol="0" fromWordArt="0" anchor="t" anchorCtr="0" forceAA="0" upright="0" compatLnSpc="0">
-                <a:noAutofit/>
-              </a:bodyPr>
-              <a:p>
-                <a:pPr>
-                  <a:defRPr/>
-                </a:pPr>
-                <a:r>
-                  <a:rPr sz="800">
-                    <a:solidFill>
-                      <a:schemeClr val="bg1"/>
-                    </a:solidFill>
-                  </a:rPr>
-                  <a:t>error</a:t>
-                </a:r>
-                <a:endParaRPr sz="800">
-                  <a:solidFill>
-                    <a:schemeClr val="bg1"/>
-                  </a:solidFill>
-                </a:endParaRPr>
-              </a:p>
-            </p:txBody>
-          </p:sp>
-        </p:grpSp>
-      </p:grpSp>
-      <p:sp>
-        <p:nvSpPr>
-          <p:cNvPr id="2027102624" name="" hidden="0"/>
-          <p:cNvSpPr txBox="1"/>
-          <p:nvPr isPhoto="0" userDrawn="0"/>
-        </p:nvSpPr>
-        <p:spPr bwMode="auto">
-          <a:xfrm flipH="0" flipV="0">
-            <a:off x="1619271" y="5095412"/>
-            <a:ext cx="462486" cy="365796"/>
-          </a:xfrm>
-          <a:prstGeom prst="rect">
-            <a:avLst/>
-          </a:prstGeom>
-          <a:noFill/>
-        </p:spPr>
-        <p:txBody>
-          <a:bodyPr vertOverflow="overflow" horzOverflow="clip" vert="horz" wrap="square" lIns="91440" tIns="45720" rIns="91440" bIns="45720" numCol="1" spcCol="0" rtlCol="0" fromWordArt="0" anchor="t" anchorCtr="0" forceAA="0" upright="0" compatLnSpc="0">
-            <a:spAutoFit/>
-          </a:bodyPr>
-          <a:p>
-            <a:pPr>
-              <a:defRPr/>
-            </a:pPr>
-            <a:r>
-              <a:rPr/>
-              <a:t>(1)</a:t>
-            </a:r>
-            <a:endParaRPr/>
-          </a:p>
-        </p:txBody>
-      </p:sp>
-      <p:sp>
-        <p:nvSpPr>
-          <p:cNvPr id="193181900" name="" hidden="0"/>
-          <p:cNvSpPr txBox="1"/>
-          <p:nvPr isPhoto="0" userDrawn="0"/>
-        </p:nvSpPr>
-        <p:spPr bwMode="auto">
-          <a:xfrm flipH="0" flipV="0">
-            <a:off x="6598746" y="5095411"/>
-            <a:ext cx="462593" cy="365796"/>
-          </a:xfrm>
-          <a:prstGeom prst="rect">
-            <a:avLst/>
-          </a:prstGeom>
-          <a:noFill/>
-        </p:spPr>
-        <p:txBody>
-          <a:bodyPr vertOverflow="overflow" horzOverflow="clip" vert="horz" wrap="square" lIns="91440" tIns="45720" rIns="91440" bIns="45720" numCol="1" spcCol="0" rtlCol="0" fromWordArt="0" anchor="t" anchorCtr="0" forceAA="0" upright="0" compatLnSpc="0">
-            <a:spAutoFit/>
-          </a:bodyPr>
-          <a:p>
-            <a:pPr>
-              <a:defRPr/>
-            </a:pPr>
-            <a:r>
-              <a:rPr/>
-              <a:t>(2)</a:t>
-            </a:r>
-            <a:endParaRPr/>
-          </a:p>
-        </p:txBody>
-      </p:sp>
     </p:spTree>
   </p:cSld>
   <p:clrMapOvr>
